--- a/unit00_introduction/unit01_introduction.pptx
+++ b/unit00_introduction/unit01_introduction.pptx
@@ -1270,7 +1270,7 @@
           </a:ln>
           <a:extLst>
             <a:ext uri="{C572A759-6A51-4108-AA02-DFA0A04FC94B}">
-              <ma14:wrappingTextBoxFlag xmlns:ma14="http://schemas.microsoft.com/office/mac/drawingml/2011/main" xmlns:a14="http://schemas.microsoft.com/office/drawing/2010/main" xmlns:m="http://schemas.openxmlformats.org/officeDocument/2006/math" xmlns="" val="1"/>
+              <ma14:wrappingTextBoxFlag xmlns="" xmlns:m="http://schemas.openxmlformats.org/officeDocument/2006/math" xmlns:a14="http://schemas.microsoft.com/office/drawing/2010/main" xmlns:ma14="http://schemas.microsoft.com/office/mac/drawingml/2011/main" val="1"/>
             </a:ext>
           </a:extLst>
         </p:spPr>
@@ -1307,7 +1307,7 @@
           </a:ln>
           <a:extLst>
             <a:ext uri="{C572A759-6A51-4108-AA02-DFA0A04FC94B}">
-              <ma14:wrappingTextBoxFlag xmlns:ma14="http://schemas.microsoft.com/office/mac/drawingml/2011/main" xmlns:a14="http://schemas.microsoft.com/office/drawing/2010/main" xmlns:m="http://schemas.openxmlformats.org/officeDocument/2006/math" xmlns="" val="1"/>
+              <ma14:wrappingTextBoxFlag xmlns="" xmlns:m="http://schemas.openxmlformats.org/officeDocument/2006/math" xmlns:a14="http://schemas.microsoft.com/office/drawing/2010/main" xmlns:ma14="http://schemas.microsoft.com/office/mac/drawingml/2011/main" val="1"/>
             </a:ext>
           </a:extLst>
         </p:spPr>
@@ -2723,57 +2723,70 @@
               </a:defRPr>
             </a:pPr>
             <a:r>
+              <a:rPr dirty="0"/>
               <a:t>3. Hashing and MAC</a:t>
             </a:r>
-            <a:br/>
-            <a:br/>
-            <a:r>
-              <a:rPr sz="2000" b="0"/>
-              <a:t>Hashing Methods.</a:t>
-            </a:r>
             <a:br>
-              <a:rPr sz="2000" b="0"/>
-            </a:br>
-            <a:r>
-              <a:rPr sz="2000" b="0"/>
-              <a:t>Cracking.</a:t>
-            </a:r>
-            <a:br>
-              <a:rPr sz="2000" b="0"/>
-            </a:br>
-            <a:r>
-              <a:rPr sz="2000" b="0"/>
-              <a:t>Typical Methods: MD5, SHA-1, SHA-3, LM, Bcrypt, PBKDF2</a:t>
-            </a:r>
-            <a:br>
-              <a:rPr sz="2000" b="0"/>
-            </a:br>
-            <a:r>
-              <a:rPr sz="2000" b="0"/>
-              <a:t>Hashed Passwords.</a:t>
-            </a:r>
-            <a:br>
-              <a:rPr sz="2000" b="0"/>
-            </a:br>
-            <a:r>
-              <a:rPr sz="2000" b="0"/>
-              <a:t>Timed One Time Passwords.</a:t>
-            </a:r>
-            <a:br>
-              <a:rPr sz="2000" b="0"/>
-            </a:br>
-            <a:r>
-              <a:rPr sz="2000" b="0"/>
-              <a:t>Message Authentication Codes (MACs).</a:t>
-            </a:r>
-            <a:br>
-              <a:rPr sz="2000" b="0"/>
+              <a:rPr dirty="0"/>
             </a:br>
             <a:br>
-              <a:rPr sz="2000" b="0"/>
+              <a:rPr dirty="0"/>
             </a:br>
             <a:r>
-              <a:rPr sz="3000">
+              <a:rPr sz="2000" b="0" dirty="0"/>
+              <a:t>Hashing Methods.</a:t>
+            </a:r>
+            <a:br>
+              <a:rPr sz="2000" b="0" dirty="0"/>
+            </a:br>
+            <a:r>
+              <a:rPr sz="2000" b="0" dirty="0"/>
+              <a:t>Cracking.</a:t>
+            </a:r>
+            <a:br>
+              <a:rPr sz="2000" b="0" dirty="0"/>
+            </a:br>
+            <a:r>
+              <a:rPr sz="2000" b="0" dirty="0"/>
+              <a:t>Typical Methods: MD5, SHA-1, SHA-3, LM, </a:t>
+            </a:r>
+            <a:r>
+              <a:rPr sz="2000" b="0" dirty="0" err="1"/>
+              <a:t>Bcrypt</a:t>
+            </a:r>
+            <a:r>
+              <a:rPr sz="2000" b="0" dirty="0"/>
+              <a:t>, PBKDF2</a:t>
+            </a:r>
+            <a:br>
+              <a:rPr sz="2000" b="0" dirty="0"/>
+            </a:br>
+            <a:r>
+              <a:rPr sz="2000" b="0" dirty="0"/>
+              <a:t>Hashed Passwords.</a:t>
+            </a:r>
+            <a:br>
+              <a:rPr sz="2000" b="0" dirty="0"/>
+            </a:br>
+            <a:r>
+              <a:rPr sz="2000" b="0" dirty="0"/>
+              <a:t>Timed One Time Passwords.</a:t>
+            </a:r>
+            <a:br>
+              <a:rPr sz="2000" b="0" dirty="0"/>
+            </a:br>
+            <a:r>
+              <a:rPr sz="2000" b="0" dirty="0"/>
+              <a:t>Message Authentication Codes (MACs).</a:t>
+            </a:r>
+            <a:br>
+              <a:rPr sz="2000" b="0" dirty="0"/>
+            </a:br>
+            <a:br>
+              <a:rPr sz="2000" b="0" dirty="0"/>
+            </a:br>
+            <a:r>
+              <a:rPr sz="3000" dirty="0">
                 <a:solidFill>
                   <a:srgbClr val="000000"/>
                 </a:solidFill>
@@ -2781,20 +2794,28 @@
               <a:t>Prof Bill Buchanan OBE</a:t>
             </a:r>
             <a:br>
-              <a:rPr sz="3000">
+              <a:rPr sz="3000" dirty="0">
                 <a:solidFill>
                   <a:srgbClr val="000000"/>
                 </a:solidFill>
               </a:rPr>
             </a:br>
             <a:r>
-              <a:rPr sz="2000" b="0"/>
-              <a:t>https://asecuritysite.com/encryption</a:t>
+              <a:rPr sz="2000" b="0" dirty="0"/>
+              <a:t>https://</a:t>
+            </a:r>
+            <a:r>
+              <a:rPr sz="2000" b="0" dirty="0" err="1"/>
+              <a:t>asecuritysite.com</a:t>
+            </a:r>
+            <a:r>
+              <a:rPr sz="2000" b="0" dirty="0"/>
+              <a:t>/</a:t>
             </a:r>
             <a:br>
-              <a:rPr sz="2000" b="0"/>
+              <a:rPr sz="2000" b="0" dirty="0"/>
             </a:br>
-            <a:endParaRPr sz="2000" b="0"/>
+            <a:endParaRPr sz="2000" b="0" dirty="0"/>
           </a:p>
         </p:txBody>
       </p:sp>
@@ -2965,50 +2986,55 @@
               </a:defRPr>
             </a:pPr>
             <a:r>
+              <a:rPr dirty="0"/>
               <a:t>4. Asymmetric Key</a:t>
             </a:r>
-            <a:br/>
-            <a:br/>
-            <a:r>
-              <a:rPr sz="2000" b="0"/>
-              <a:t>Principles.</a:t>
-            </a:r>
             <a:br>
-              <a:rPr sz="2000" b="0"/>
-            </a:br>
-            <a:r>
-              <a:rPr sz="2000" b="0"/>
-              <a:t>RSA.</a:t>
-            </a:r>
-            <a:br>
-              <a:rPr sz="2000" b="0"/>
-            </a:br>
-            <a:r>
-              <a:rPr sz="2000" b="0"/>
-              <a:t>Elliptic Curve.</a:t>
-            </a:r>
-            <a:br>
-              <a:rPr sz="2000" b="0"/>
-            </a:br>
-            <a:r>
-              <a:rPr sz="2000" b="0"/>
-              <a:t>Using Private Key to Authenticate.</a:t>
-            </a:r>
-            <a:br>
-              <a:rPr sz="2000" b="0"/>
-            </a:br>
-            <a:r>
-              <a:rPr sz="2000" b="0"/>
-              <a:t>PGP: Signed Email.</a:t>
-            </a:r>
-            <a:br>
-              <a:rPr sz="2000" b="0"/>
+              <a:rPr dirty="0"/>
             </a:br>
             <a:br>
-              <a:rPr sz="2000" b="0"/>
+              <a:rPr dirty="0"/>
             </a:br>
             <a:r>
-              <a:rPr sz="3000">
+              <a:rPr sz="2000" b="0" dirty="0"/>
+              <a:t>Principles.</a:t>
+            </a:r>
+            <a:br>
+              <a:rPr sz="2000" b="0" dirty="0"/>
+            </a:br>
+            <a:r>
+              <a:rPr sz="2000" b="0" dirty="0"/>
+              <a:t>RSA.</a:t>
+            </a:r>
+            <a:br>
+              <a:rPr sz="2000" b="0" dirty="0"/>
+            </a:br>
+            <a:r>
+              <a:rPr sz="2000" b="0" dirty="0"/>
+              <a:t>Elliptic Curve.</a:t>
+            </a:r>
+            <a:br>
+              <a:rPr sz="2000" b="0" dirty="0"/>
+            </a:br>
+            <a:r>
+              <a:rPr sz="2000" b="0" dirty="0"/>
+              <a:t>Using Private Key to Authenticate.</a:t>
+            </a:r>
+            <a:br>
+              <a:rPr sz="2000" b="0" dirty="0"/>
+            </a:br>
+            <a:r>
+              <a:rPr sz="2000" b="0" dirty="0"/>
+              <a:t>PGP: Signed Email.</a:t>
+            </a:r>
+            <a:br>
+              <a:rPr sz="2000" b="0" dirty="0"/>
+            </a:br>
+            <a:br>
+              <a:rPr sz="2000" b="0" dirty="0"/>
+            </a:br>
+            <a:r>
+              <a:rPr sz="3000" dirty="0">
                 <a:solidFill>
                   <a:srgbClr val="000000"/>
                 </a:solidFill>
@@ -3016,20 +3042,28 @@
               <a:t>Prof Bill Buchanan OBE</a:t>
             </a:r>
             <a:br>
-              <a:rPr sz="3000">
+              <a:rPr sz="3000" dirty="0">
                 <a:solidFill>
                   <a:srgbClr val="000000"/>
                 </a:solidFill>
               </a:rPr>
             </a:br>
             <a:r>
-              <a:rPr sz="2000" b="0"/>
-              <a:t>https://asecuritysite.com/encryption</a:t>
+              <a:rPr sz="2000" b="0" dirty="0"/>
+              <a:t>https://</a:t>
+            </a:r>
+            <a:r>
+              <a:rPr sz="2000" b="0" dirty="0" err="1"/>
+              <a:t>asecuritysite.com</a:t>
+            </a:r>
+            <a:r>
+              <a:rPr sz="2000" b="0" dirty="0"/>
+              <a:t>/</a:t>
             </a:r>
             <a:br>
-              <a:rPr sz="2000" b="0"/>
+              <a:rPr sz="2000" b="0" dirty="0"/>
             </a:br>
-            <a:endParaRPr sz="2000" b="0"/>
+            <a:endParaRPr sz="2000" b="0" dirty="0"/>
           </a:p>
         </p:txBody>
       </p:sp>
@@ -3200,26 +3234,31 @@
               </a:defRPr>
             </a:pPr>
             <a:r>
+              <a:rPr dirty="0"/>
               <a:t>5. Key Exchange</a:t>
             </a:r>
-            <a:br/>
-            <a:br/>
-            <a:r>
-              <a:rPr sz="2000" b="0"/>
+            <a:br>
+              <a:rPr dirty="0"/>
+            </a:br>
+            <a:br>
+              <a:rPr dirty="0"/>
+            </a:br>
+            <a:r>
+              <a:rPr sz="2000" b="0" dirty="0"/>
               <a:t>Principles.</a:t>
             </a:r>
             <a:br>
-              <a:rPr sz="2000" b="0"/>
+              <a:rPr sz="2000" b="0" dirty="0"/>
             </a:br>
             <a:r>
-              <a:rPr sz="2000" b="0"/>
+              <a:rPr sz="2000" b="0" dirty="0"/>
               <a:t>Diffie-Hellman (DH).</a:t>
             </a:r>
             <a:br>
-              <a:rPr sz="2000" b="0"/>
+              <a:rPr sz="2000" b="0" dirty="0"/>
             </a:br>
             <a:r>
-              <a:rPr sz="2000" b="0"/>
+              <a:rPr sz="2000" b="0" dirty="0"/>
               <a:t>Passing the secret key with key exchange.</a:t>
             </a:r>
           </a:p>
@@ -3232,23 +3271,23 @@
               </a:defRPr>
             </a:pPr>
             <a:r>
-              <a:rPr sz="2000" b="0"/>
+              <a:rPr sz="2000" b="0" dirty="0"/>
               <a:t>Elliptic Curve Diffie-Hellman (ECDH)</a:t>
             </a:r>
             <a:br>
-              <a:rPr sz="2000" b="0"/>
+              <a:rPr sz="2000" b="0" dirty="0"/>
             </a:br>
             <a:br>
-              <a:rPr sz="2000" b="0"/>
+              <a:rPr sz="2000" b="0" dirty="0"/>
             </a:br>
             <a:br>
-              <a:rPr sz="2000" b="0"/>
+              <a:rPr sz="2000" b="0" dirty="0"/>
             </a:br>
             <a:br>
-              <a:rPr sz="2000" b="0"/>
+              <a:rPr sz="2000" b="0" dirty="0"/>
             </a:br>
             <a:r>
-              <a:rPr sz="3000">
+              <a:rPr sz="3000" dirty="0">
                 <a:solidFill>
                   <a:srgbClr val="000000"/>
                 </a:solidFill>
@@ -3256,20 +3295,28 @@
               <a:t>Prof Bill Buchanan OBE</a:t>
             </a:r>
             <a:br>
-              <a:rPr sz="3000">
+              <a:rPr sz="3000" dirty="0">
                 <a:solidFill>
                   <a:srgbClr val="000000"/>
                 </a:solidFill>
               </a:rPr>
             </a:br>
             <a:r>
-              <a:rPr sz="2000" b="0"/>
-              <a:t>https://asecuritysite.com/encryption</a:t>
+              <a:rPr sz="2000" b="0" dirty="0"/>
+              <a:t>https://</a:t>
+            </a:r>
+            <a:r>
+              <a:rPr sz="2000" b="0" dirty="0" err="1"/>
+              <a:t>asecuritysite.com</a:t>
+            </a:r>
+            <a:r>
+              <a:rPr sz="2000" b="0" dirty="0"/>
+              <a:t>/</a:t>
             </a:r>
             <a:br>
-              <a:rPr sz="2000" b="0"/>
+              <a:rPr sz="2000" b="0" dirty="0"/>
             </a:br>
-            <a:endParaRPr sz="2000" b="0"/>
+            <a:endParaRPr sz="2000" b="0" dirty="0"/>
           </a:p>
         </p:txBody>
       </p:sp>
@@ -3440,12 +3487,32 @@
               </a:defRPr>
             </a:pPr>
             <a:r>
-              <a:t>6. Trust and Digital Certificates</a:t>
-            </a:r>
-            <a:br/>
-            <a:br/>
-            <a:r>
-              <a:rPr sz="2000" b="0"/>
+              <a:rPr dirty="0"/>
+              <a:t>6. </a:t>
+            </a:r>
+            <a:r>
+              <a:rPr lang="en-US" dirty="0"/>
+              <a:t>Signatures</a:t>
+            </a:r>
+            <a:r>
+              <a:rPr dirty="0"/>
+              <a:t> and </a:t>
+            </a:r>
+            <a:br>
+              <a:rPr lang="en-US" dirty="0"/>
+            </a:br>
+            <a:r>
+              <a:rPr dirty="0"/>
+              <a:t>Digital Certificates</a:t>
+            </a:r>
+            <a:br>
+              <a:rPr dirty="0"/>
+            </a:br>
+            <a:br>
+              <a:rPr dirty="0"/>
+            </a:br>
+            <a:r>
+              <a:rPr sz="2000" b="0" dirty="0"/>
               <a:t>Principles.</a:t>
             </a:r>
           </a:p>
@@ -3458,21 +3525,21 @@
               </a:defRPr>
             </a:pPr>
             <a:r>
-              <a:rPr sz="2000" b="0"/>
+              <a:rPr sz="2000" b="0" dirty="0"/>
               <a:t>Trust Infrastructures.</a:t>
             </a:r>
             <a:br>
-              <a:rPr sz="2000" b="0"/>
+              <a:rPr sz="2000" b="0" dirty="0"/>
             </a:br>
             <a:r>
-              <a:rPr sz="2000" b="0"/>
+              <a:rPr sz="2000" b="0" dirty="0"/>
               <a:t>PKI Infrastructure.</a:t>
             </a:r>
             <a:br>
-              <a:rPr sz="2000" b="0"/>
+              <a:rPr sz="2000" b="0" dirty="0"/>
             </a:br>
             <a:r>
-              <a:rPr sz="2000" b="0"/>
+              <a:rPr sz="2000" b="0" dirty="0"/>
               <a:t>Creating Signed Certificates.</a:t>
             </a:r>
           </a:p>
@@ -3485,17 +3552,17 @@
               </a:defRPr>
             </a:pPr>
             <a:r>
-              <a:rPr sz="2000" b="0"/>
+              <a:rPr sz="2000" b="0" dirty="0"/>
               <a:t>Signatures (ECDSA, Hashed-based).</a:t>
             </a:r>
             <a:br>
-              <a:rPr sz="2000" b="0"/>
+              <a:rPr sz="2000" b="0" dirty="0"/>
             </a:br>
             <a:br>
-              <a:rPr sz="2000" b="0"/>
+              <a:rPr sz="2000" b="0" dirty="0"/>
             </a:br>
             <a:r>
-              <a:rPr sz="3000">
+              <a:rPr sz="3000" dirty="0">
                 <a:solidFill>
                   <a:srgbClr val="000000"/>
                 </a:solidFill>
@@ -3503,20 +3570,28 @@
               <a:t>Prof Bill Buchanan OBE</a:t>
             </a:r>
             <a:br>
-              <a:rPr sz="3000">
+              <a:rPr sz="3000" dirty="0">
                 <a:solidFill>
                   <a:srgbClr val="000000"/>
                 </a:solidFill>
               </a:rPr>
             </a:br>
             <a:r>
-              <a:rPr sz="2000" b="0"/>
-              <a:t>https://asecuritysite.com/encryption</a:t>
+              <a:rPr sz="2000" b="0" dirty="0"/>
+              <a:t>https://</a:t>
+            </a:r>
+            <a:r>
+              <a:rPr sz="2000" b="0" dirty="0" err="1"/>
+              <a:t>asecuritysite.com</a:t>
+            </a:r>
+            <a:r>
+              <a:rPr sz="2000" b="0" dirty="0"/>
+              <a:t>/</a:t>
             </a:r>
             <a:br>
-              <a:rPr sz="2000" b="0"/>
+              <a:rPr sz="2000" b="0" dirty="0"/>
             </a:br>
-            <a:endParaRPr sz="2000" b="0"/>
+            <a:endParaRPr sz="2000" b="0" dirty="0"/>
           </a:p>
         </p:txBody>
       </p:sp>
@@ -3687,12 +3762,17 @@
               </a:defRPr>
             </a:pPr>
             <a:r>
+              <a:rPr dirty="0"/>
               <a:t>7. Tunnelling</a:t>
             </a:r>
-            <a:br/>
-            <a:br/>
-            <a:r>
-              <a:rPr sz="2000" b="0"/>
+            <a:br>
+              <a:rPr dirty="0"/>
+            </a:br>
+            <a:br>
+              <a:rPr dirty="0"/>
+            </a:br>
+            <a:r>
+              <a:rPr sz="2000" b="0" dirty="0"/>
               <a:t>SSL/TLS.</a:t>
             </a:r>
           </a:p>
@@ -3705,7 +3785,7 @@
               </a:defRPr>
             </a:pPr>
             <a:r>
-              <a:rPr sz="2000" b="0"/>
+              <a:rPr sz="2000" b="0" dirty="0"/>
               <a:t>Key generation/key exchange.</a:t>
             </a:r>
           </a:p>
@@ -3718,7 +3798,7 @@
               </a:defRPr>
             </a:pPr>
             <a:r>
-              <a:rPr sz="2000" b="0"/>
+              <a:rPr sz="2000" b="0" dirty="0"/>
               <a:t>SSH.</a:t>
             </a:r>
           </a:p>
@@ -3731,8 +3811,12 @@
               </a:defRPr>
             </a:pPr>
             <a:r>
-              <a:rPr sz="2000" b="0"/>
-              <a:t>IPSec.</a:t>
+              <a:rPr sz="2000" b="0" dirty="0" err="1"/>
+              <a:t>IPSec</a:t>
+            </a:r>
+            <a:r>
+              <a:rPr sz="2000" b="0" dirty="0"/>
+              <a:t>.</a:t>
             </a:r>
           </a:p>
           <a:p>
@@ -3744,13 +3828,13 @@
               </a:defRPr>
             </a:pPr>
             <a:br>
-              <a:rPr sz="2000" b="0"/>
+              <a:rPr sz="2000" b="0" dirty="0"/>
             </a:br>
             <a:br>
-              <a:rPr sz="2000" b="0"/>
+              <a:rPr sz="2000" b="0" dirty="0"/>
             </a:br>
             <a:r>
-              <a:rPr sz="3000">
+              <a:rPr sz="3000" dirty="0">
                 <a:solidFill>
                   <a:srgbClr val="000000"/>
                 </a:solidFill>
@@ -3758,20 +3842,28 @@
               <a:t>Prof Bill Buchanan OBE</a:t>
             </a:r>
             <a:br>
-              <a:rPr sz="3000">
+              <a:rPr sz="3000" dirty="0">
                 <a:solidFill>
                   <a:srgbClr val="000000"/>
                 </a:solidFill>
               </a:rPr>
             </a:br>
             <a:r>
-              <a:rPr sz="2000" b="0"/>
-              <a:t>https://asecuritysite.com/encryption</a:t>
+              <a:rPr sz="2000" b="0" dirty="0"/>
+              <a:t>https://</a:t>
+            </a:r>
+            <a:r>
+              <a:rPr sz="2000" b="0" dirty="0" err="1"/>
+              <a:t>asecuritysite.com</a:t>
+            </a:r>
+            <a:r>
+              <a:rPr sz="2000" b="0" dirty="0"/>
+              <a:t>/</a:t>
             </a:r>
             <a:br>
-              <a:rPr sz="2000" b="0"/>
+              <a:rPr sz="2000" b="0" dirty="0"/>
             </a:br>
-            <a:endParaRPr sz="2000" b="0"/>
+            <a:endParaRPr sz="2000" b="0" dirty="0"/>
           </a:p>
         </p:txBody>
       </p:sp>
@@ -3942,48 +4034,51 @@
               </a:defRPr>
             </a:pPr>
             <a:r>
+              <a:rPr dirty="0"/>
               <a:t>8. Blockchain &amp; Cryptocurrencies</a:t>
             </a:r>
-            <a:br/>
-            <a:r>
-              <a:rPr sz="2000" b="0"/>
+            <a:br>
+              <a:rPr dirty="0"/>
+            </a:br>
+            <a:r>
+              <a:rPr sz="2000" b="0" dirty="0"/>
               <a:t>Principles.</a:t>
             </a:r>
             <a:br>
-              <a:rPr sz="2000" b="0"/>
+              <a:rPr sz="2000" b="0" dirty="0"/>
             </a:br>
             <a:r>
-              <a:rPr sz="2000" b="0"/>
+              <a:rPr sz="2000" b="0" dirty="0"/>
               <a:t>Bitcoin.</a:t>
             </a:r>
             <a:br>
-              <a:rPr sz="2000" b="0"/>
+              <a:rPr sz="2000" b="0" dirty="0"/>
             </a:br>
             <a:r>
-              <a:rPr sz="2000" b="0"/>
+              <a:rPr sz="2000" b="0" dirty="0"/>
               <a:t>Ethereum.</a:t>
             </a:r>
             <a:br>
-              <a:rPr sz="2000" b="0"/>
+              <a:rPr sz="2000" b="0" dirty="0"/>
             </a:br>
             <a:r>
-              <a:rPr sz="2000" b="0"/>
+              <a:rPr sz="2000" b="0" dirty="0"/>
               <a:t>Smart Contracts.</a:t>
             </a:r>
             <a:br>
-              <a:rPr sz="2000" b="0"/>
+              <a:rPr sz="2000" b="0" dirty="0"/>
             </a:br>
             <a:br>
-              <a:rPr sz="2000" b="0"/>
+              <a:rPr sz="2000" b="0" dirty="0"/>
             </a:br>
             <a:br>
-              <a:rPr sz="2000" b="0"/>
+              <a:rPr sz="2000" b="0" dirty="0"/>
             </a:br>
             <a:br>
-              <a:rPr sz="2000" b="0"/>
+              <a:rPr sz="2000" b="0" dirty="0"/>
             </a:br>
             <a:r>
-              <a:rPr sz="3000">
+              <a:rPr sz="3000" dirty="0">
                 <a:solidFill>
                   <a:srgbClr val="000000"/>
                 </a:solidFill>
@@ -3991,20 +4086,28 @@
               <a:t>Prof Bill Buchanan OBE</a:t>
             </a:r>
             <a:br>
-              <a:rPr sz="3000">
+              <a:rPr sz="3000" dirty="0">
                 <a:solidFill>
                   <a:srgbClr val="000000"/>
                 </a:solidFill>
               </a:rPr>
             </a:br>
             <a:r>
-              <a:rPr sz="2000" b="0"/>
-              <a:t>https://asecuritysite.com/encryption</a:t>
+              <a:rPr sz="2000" b="0" dirty="0"/>
+              <a:t>https://</a:t>
+            </a:r>
+            <a:r>
+              <a:rPr sz="2000" b="0" dirty="0" err="1"/>
+              <a:t>asecuritysite.com</a:t>
+            </a:r>
+            <a:r>
+              <a:rPr sz="2000" b="0" dirty="0"/>
+              <a:t>/</a:t>
             </a:r>
             <a:br>
-              <a:rPr sz="2000" b="0"/>
+              <a:rPr sz="2000" b="0" dirty="0"/>
             </a:br>
-            <a:endParaRPr sz="2000" b="0"/>
+            <a:endParaRPr sz="2000" b="0" dirty="0"/>
           </a:p>
         </p:txBody>
       </p:sp>
@@ -4175,11 +4278,14 @@
               </a:defRPr>
             </a:pPr>
             <a:r>
+              <a:rPr dirty="0"/>
               <a:t>9. Future Crypto</a:t>
             </a:r>
-            <a:br/>
-            <a:r>
-              <a:rPr sz="2000" b="0"/>
+            <a:br>
+              <a:rPr dirty="0"/>
+            </a:br>
+            <a:r>
+              <a:rPr sz="2000" b="0" dirty="0"/>
               <a:t>Zero knowledge proof.</a:t>
             </a:r>
           </a:p>
@@ -4192,7 +4298,7 @@
               </a:defRPr>
             </a:pPr>
             <a:r>
-              <a:rPr sz="2000" b="0"/>
+              <a:rPr sz="2000" b="0" dirty="0"/>
               <a:t>Homomorphic encryption.</a:t>
             </a:r>
           </a:p>
@@ -4205,7 +4311,7 @@
               </a:defRPr>
             </a:pPr>
             <a:r>
-              <a:rPr sz="2000" b="0"/>
+              <a:rPr sz="2000" b="0" dirty="0"/>
               <a:t>Light-weight crypto.</a:t>
             </a:r>
           </a:p>
@@ -4218,23 +4324,23 @@
               </a:defRPr>
             </a:pPr>
             <a:r>
-              <a:rPr sz="2000" b="0"/>
+              <a:rPr sz="2000" b="0" dirty="0"/>
               <a:t>Quantum-robust cryptography.</a:t>
             </a:r>
             <a:br>
-              <a:rPr sz="2000" b="0"/>
+              <a:rPr sz="2000" b="0" dirty="0"/>
             </a:br>
             <a:br>
-              <a:rPr sz="2000" b="0"/>
+              <a:rPr sz="2000" b="0" dirty="0"/>
             </a:br>
             <a:br>
-              <a:rPr sz="2000" b="0"/>
+              <a:rPr sz="2000" b="0" dirty="0"/>
             </a:br>
             <a:br>
-              <a:rPr sz="2000" b="0"/>
+              <a:rPr sz="2000" b="0" dirty="0"/>
             </a:br>
             <a:r>
-              <a:rPr sz="3000">
+              <a:rPr sz="3000" dirty="0">
                 <a:solidFill>
                   <a:srgbClr val="000000"/>
                 </a:solidFill>
@@ -4242,20 +4348,28 @@
               <a:t>Prof Bill Buchanan OBE</a:t>
             </a:r>
             <a:br>
-              <a:rPr sz="3000">
+              <a:rPr sz="3000" dirty="0">
                 <a:solidFill>
                   <a:srgbClr val="000000"/>
                 </a:solidFill>
               </a:rPr>
             </a:br>
             <a:r>
-              <a:rPr sz="2000" b="0"/>
-              <a:t>https://asecuritysite.com/encryption</a:t>
+              <a:rPr sz="2000" b="0" dirty="0"/>
+              <a:t>https://</a:t>
+            </a:r>
+            <a:r>
+              <a:rPr sz="2000" b="0" dirty="0" err="1"/>
+              <a:t>asecuritysite.com</a:t>
+            </a:r>
+            <a:r>
+              <a:rPr sz="2000" b="0" dirty="0"/>
+              <a:t>/</a:t>
             </a:r>
             <a:br>
-              <a:rPr sz="2000" b="0"/>
+              <a:rPr sz="2000" b="0" dirty="0"/>
             </a:br>
-            <a:endParaRPr sz="2000" b="0"/>
+            <a:endParaRPr sz="2000" b="0" dirty="0"/>
           </a:p>
         </p:txBody>
       </p:sp>
@@ -4543,19 +4657,6 @@
               <a:rPr sz="1660" b="0" dirty="0"/>
               <a:t>9. Future Cryptography.</a:t>
             </a:r>
-          </a:p>
-          <a:p>
-            <a:pPr algn="l" defTabSz="758951">
-              <a:defRPr sz="3652" b="1">
-                <a:solidFill>
-                  <a:srgbClr val="C00000"/>
-                </a:solidFill>
-              </a:defRPr>
-            </a:pPr>
-            <a:r>
-              <a:rPr sz="1660" b="0" dirty="0"/>
-              <a:t>10. Host Security.</a:t>
-            </a:r>
             <a:br>
               <a:rPr sz="1660" b="0" dirty="0"/>
             </a:br>
@@ -4594,7 +4695,7 @@
             </a:r>
             <a:r>
               <a:rPr sz="1660" b="0" dirty="0"/>
-              <a:t>/encryption</a:t>
+              <a:t>/</a:t>
             </a:r>
             <a:br>
               <a:rPr sz="1660" b="0" dirty="0"/>
@@ -5670,7 +5771,7 @@
           </a:ln>
           <a:extLst>
             <a:ext uri="{C572A759-6A51-4108-AA02-DFA0A04FC94B}">
-              <ma14:wrappingTextBoxFlag xmlns:ma14="http://schemas.microsoft.com/office/mac/drawingml/2011/main" xmlns:a14="http://schemas.microsoft.com/office/drawing/2010/main" xmlns:m="http://schemas.openxmlformats.org/officeDocument/2006/math" xmlns="" val="1"/>
+              <ma14:wrappingTextBoxFlag xmlns="" xmlns:m="http://schemas.openxmlformats.org/officeDocument/2006/math" xmlns:a14="http://schemas.microsoft.com/office/drawing/2010/main" xmlns:ma14="http://schemas.microsoft.com/office/mac/drawingml/2011/main" val="1"/>
             </a:ext>
           </a:extLst>
         </p:spPr>
@@ -5845,7 +5946,7 @@
           </a:ln>
           <a:extLst>
             <a:ext uri="{C572A759-6A51-4108-AA02-DFA0A04FC94B}">
-              <ma14:wrappingTextBoxFlag xmlns:ma14="http://schemas.microsoft.com/office/mac/drawingml/2011/main" xmlns:a14="http://schemas.microsoft.com/office/drawing/2010/main" xmlns:m="http://schemas.openxmlformats.org/officeDocument/2006/math" xmlns="" val="1"/>
+              <ma14:wrappingTextBoxFlag xmlns="" xmlns:m="http://schemas.openxmlformats.org/officeDocument/2006/math" xmlns:a14="http://schemas.microsoft.com/office/drawing/2010/main" xmlns:ma14="http://schemas.microsoft.com/office/mac/drawingml/2011/main" val="1"/>
             </a:ext>
           </a:extLst>
         </p:spPr>
@@ -5887,7 +5988,7 @@
           </a:ln>
           <a:extLst>
             <a:ext uri="{C572A759-6A51-4108-AA02-DFA0A04FC94B}">
-              <ma14:wrappingTextBoxFlag xmlns:ma14="http://schemas.microsoft.com/office/mac/drawingml/2011/main" xmlns:a14="http://schemas.microsoft.com/office/drawing/2010/main" xmlns:m="http://schemas.openxmlformats.org/officeDocument/2006/math" xmlns="" val="1"/>
+              <ma14:wrappingTextBoxFlag xmlns="" xmlns:m="http://schemas.openxmlformats.org/officeDocument/2006/math" xmlns:a14="http://schemas.microsoft.com/office/drawing/2010/main" xmlns:ma14="http://schemas.microsoft.com/office/mac/drawingml/2011/main" val="1"/>
             </a:ext>
           </a:extLst>
         </p:spPr>
@@ -5955,7 +6056,7 @@
           </a:ln>
           <a:extLst>
             <a:ext uri="{C572A759-6A51-4108-AA02-DFA0A04FC94B}">
-              <ma14:wrappingTextBoxFlag xmlns:ma14="http://schemas.microsoft.com/office/mac/drawingml/2011/main" xmlns:a14="http://schemas.microsoft.com/office/drawing/2010/main" xmlns:m="http://schemas.openxmlformats.org/officeDocument/2006/math" xmlns="" val="1"/>
+              <ma14:wrappingTextBoxFlag xmlns="" xmlns:m="http://schemas.openxmlformats.org/officeDocument/2006/math" xmlns:a14="http://schemas.microsoft.com/office/drawing/2010/main" xmlns:ma14="http://schemas.microsoft.com/office/mac/drawingml/2011/main" val="1"/>
             </a:ext>
           </a:extLst>
         </p:spPr>
@@ -6048,7 +6149,7 @@
           </a:ln>
           <a:extLst>
             <a:ext uri="{C572A759-6A51-4108-AA02-DFA0A04FC94B}">
-              <ma14:wrappingTextBoxFlag xmlns:ma14="http://schemas.microsoft.com/office/mac/drawingml/2011/main" xmlns:a14="http://schemas.microsoft.com/office/drawing/2010/main" xmlns:m="http://schemas.openxmlformats.org/officeDocument/2006/math" xmlns="" val="1"/>
+              <ma14:wrappingTextBoxFlag xmlns="" xmlns:m="http://schemas.openxmlformats.org/officeDocument/2006/math" xmlns:a14="http://schemas.microsoft.com/office/drawing/2010/main" xmlns:ma14="http://schemas.microsoft.com/office/mac/drawingml/2011/main" val="1"/>
             </a:ext>
           </a:extLst>
         </p:spPr>
@@ -6132,7 +6233,7 @@
           </a:ln>
           <a:extLst>
             <a:ext uri="{C572A759-6A51-4108-AA02-DFA0A04FC94B}">
-              <ma14:wrappingTextBoxFlag xmlns:ma14="http://schemas.microsoft.com/office/mac/drawingml/2011/main" xmlns:a14="http://schemas.microsoft.com/office/drawing/2010/main" xmlns:m="http://schemas.openxmlformats.org/officeDocument/2006/math" xmlns="" val="1"/>
+              <ma14:wrappingTextBoxFlag xmlns="" xmlns:m="http://schemas.openxmlformats.org/officeDocument/2006/math" xmlns:a14="http://schemas.microsoft.com/office/drawing/2010/main" xmlns:ma14="http://schemas.microsoft.com/office/mac/drawingml/2011/main" val="1"/>
             </a:ext>
           </a:extLst>
         </p:spPr>
@@ -6171,7 +6272,7 @@
           </a:ln>
           <a:extLst>
             <a:ext uri="{C572A759-6A51-4108-AA02-DFA0A04FC94B}">
-              <ma14:wrappingTextBoxFlag xmlns:ma14="http://schemas.microsoft.com/office/mac/drawingml/2011/main" xmlns:a14="http://schemas.microsoft.com/office/drawing/2010/main" xmlns:m="http://schemas.openxmlformats.org/officeDocument/2006/math" xmlns="" val="1"/>
+              <ma14:wrappingTextBoxFlag xmlns="" xmlns:m="http://schemas.openxmlformats.org/officeDocument/2006/math" xmlns:a14="http://schemas.microsoft.com/office/drawing/2010/main" xmlns:ma14="http://schemas.microsoft.com/office/mac/drawingml/2011/main" val="1"/>
             </a:ext>
           </a:extLst>
         </p:spPr>
@@ -6237,7 +6338,7 @@
           </a:ln>
           <a:extLst>
             <a:ext uri="{C572A759-6A51-4108-AA02-DFA0A04FC94B}">
-              <ma14:wrappingTextBoxFlag xmlns:ma14="http://schemas.microsoft.com/office/mac/drawingml/2011/main" xmlns:a14="http://schemas.microsoft.com/office/drawing/2010/main" xmlns:m="http://schemas.openxmlformats.org/officeDocument/2006/math" xmlns="" val="1"/>
+              <ma14:wrappingTextBoxFlag xmlns="" xmlns:m="http://schemas.openxmlformats.org/officeDocument/2006/math" xmlns:a14="http://schemas.microsoft.com/office/drawing/2010/main" xmlns:ma14="http://schemas.microsoft.com/office/mac/drawingml/2011/main" val="1"/>
             </a:ext>
           </a:extLst>
         </p:spPr>
@@ -6478,7 +6579,7 @@
           </a:ln>
           <a:extLst>
             <a:ext uri="{C572A759-6A51-4108-AA02-DFA0A04FC94B}">
-              <ma14:wrappingTextBoxFlag xmlns:ma14="http://schemas.microsoft.com/office/mac/drawingml/2011/main" xmlns:a14="http://schemas.microsoft.com/office/drawing/2010/main" xmlns:m="http://schemas.openxmlformats.org/officeDocument/2006/math" xmlns="" val="1"/>
+              <ma14:wrappingTextBoxFlag xmlns="" xmlns:m="http://schemas.openxmlformats.org/officeDocument/2006/math" xmlns:a14="http://schemas.microsoft.com/office/drawing/2010/main" xmlns:ma14="http://schemas.microsoft.com/office/mac/drawingml/2011/main" val="1"/>
             </a:ext>
           </a:extLst>
         </p:spPr>
@@ -6546,7 +6647,7 @@
           </a:ln>
           <a:extLst>
             <a:ext uri="{C572A759-6A51-4108-AA02-DFA0A04FC94B}">
-              <ma14:wrappingTextBoxFlag xmlns:ma14="http://schemas.microsoft.com/office/mac/drawingml/2011/main" xmlns:a14="http://schemas.microsoft.com/office/drawing/2010/main" xmlns:m="http://schemas.openxmlformats.org/officeDocument/2006/math" xmlns="" val="1"/>
+              <ma14:wrappingTextBoxFlag xmlns="" xmlns:m="http://schemas.openxmlformats.org/officeDocument/2006/math" xmlns:a14="http://schemas.microsoft.com/office/drawing/2010/main" xmlns:ma14="http://schemas.microsoft.com/office/mac/drawingml/2011/main" val="1"/>
             </a:ext>
           </a:extLst>
         </p:spPr>
@@ -6630,7 +6731,7 @@
           </a:ln>
           <a:extLst>
             <a:ext uri="{C572A759-6A51-4108-AA02-DFA0A04FC94B}">
-              <ma14:wrappingTextBoxFlag xmlns:ma14="http://schemas.microsoft.com/office/mac/drawingml/2011/main" xmlns:a14="http://schemas.microsoft.com/office/drawing/2010/main" xmlns:m="http://schemas.openxmlformats.org/officeDocument/2006/math" xmlns="" val="1"/>
+              <ma14:wrappingTextBoxFlag xmlns="" xmlns:m="http://schemas.openxmlformats.org/officeDocument/2006/math" xmlns:a14="http://schemas.microsoft.com/office/drawing/2010/main" xmlns:ma14="http://schemas.microsoft.com/office/mac/drawingml/2011/main" val="1"/>
             </a:ext>
           </a:extLst>
         </p:spPr>
@@ -6696,7 +6797,7 @@
           </a:ln>
           <a:extLst>
             <a:ext uri="{C572A759-6A51-4108-AA02-DFA0A04FC94B}">
-              <ma14:wrappingTextBoxFlag xmlns:ma14="http://schemas.microsoft.com/office/mac/drawingml/2011/main" xmlns:a14="http://schemas.microsoft.com/office/drawing/2010/main" xmlns:m="http://schemas.openxmlformats.org/officeDocument/2006/math" xmlns="" val="1"/>
+              <ma14:wrappingTextBoxFlag xmlns="" xmlns:m="http://schemas.openxmlformats.org/officeDocument/2006/math" xmlns:a14="http://schemas.microsoft.com/office/drawing/2010/main" xmlns:ma14="http://schemas.microsoft.com/office/mac/drawingml/2011/main" val="1"/>
             </a:ext>
           </a:extLst>
         </p:spPr>
@@ -6789,7 +6890,7 @@
           </a:ln>
           <a:extLst>
             <a:ext uri="{C572A759-6A51-4108-AA02-DFA0A04FC94B}">
-              <ma14:wrappingTextBoxFlag xmlns:ma14="http://schemas.microsoft.com/office/mac/drawingml/2011/main" xmlns:a14="http://schemas.microsoft.com/office/drawing/2010/main" xmlns:m="http://schemas.openxmlformats.org/officeDocument/2006/math" xmlns="" val="1"/>
+              <ma14:wrappingTextBoxFlag xmlns="" xmlns:m="http://schemas.openxmlformats.org/officeDocument/2006/math" xmlns:a14="http://schemas.microsoft.com/office/drawing/2010/main" xmlns:ma14="http://schemas.microsoft.com/office/mac/drawingml/2011/main" val="1"/>
             </a:ext>
           </a:extLst>
         </p:spPr>
@@ -6828,7 +6929,7 @@
           </a:ln>
           <a:extLst>
             <a:ext uri="{C572A759-6A51-4108-AA02-DFA0A04FC94B}">
-              <ma14:wrappingTextBoxFlag xmlns:ma14="http://schemas.microsoft.com/office/mac/drawingml/2011/main" xmlns:a14="http://schemas.microsoft.com/office/drawing/2010/main" xmlns:m="http://schemas.openxmlformats.org/officeDocument/2006/math" xmlns="" val="1"/>
+              <ma14:wrappingTextBoxFlag xmlns="" xmlns:m="http://schemas.openxmlformats.org/officeDocument/2006/math" xmlns:a14="http://schemas.microsoft.com/office/drawing/2010/main" xmlns:ma14="http://schemas.microsoft.com/office/mac/drawingml/2011/main" val="1"/>
             </a:ext>
           </a:extLst>
         </p:spPr>
@@ -6867,7 +6968,7 @@
           </a:ln>
           <a:extLst>
             <a:ext uri="{C572A759-6A51-4108-AA02-DFA0A04FC94B}">
-              <ma14:wrappingTextBoxFlag xmlns:ma14="http://schemas.microsoft.com/office/mac/drawingml/2011/main" xmlns:a14="http://schemas.microsoft.com/office/drawing/2010/main" xmlns:m="http://schemas.openxmlformats.org/officeDocument/2006/math" xmlns="" val="1"/>
+              <ma14:wrappingTextBoxFlag xmlns="" xmlns:m="http://schemas.openxmlformats.org/officeDocument/2006/math" xmlns:a14="http://schemas.microsoft.com/office/drawing/2010/main" xmlns:ma14="http://schemas.microsoft.com/office/mac/drawingml/2011/main" val="1"/>
             </a:ext>
           </a:extLst>
         </p:spPr>
@@ -6967,6 +7068,42 @@
           <a:chExt cx="0" cy="0"/>
         </a:xfrm>
       </p:grpSpPr>
+      <p:pic>
+        <p:nvPicPr>
+          <p:cNvPr id="6" name="Picture 5" descr="A picture containing text, cup, indoor&#10;&#10;Description automatically generated">
+            <a:extLst>
+              <a:ext uri="{FF2B5EF4-FFF2-40B4-BE49-F238E27FC236}">
+                <a16:creationId xmlns:a16="http://schemas.microsoft.com/office/drawing/2014/main" id="{B2BE4438-D264-0845-885F-DD595861AAC3}"/>
+              </a:ext>
+            </a:extLst>
+          </p:cNvPr>
+          <p:cNvPicPr>
+            <a:picLocks noChangeAspect="1"/>
+          </p:cNvPicPr>
+          <p:nvPr/>
+        </p:nvPicPr>
+        <p:blipFill>
+          <a:blip r:embed="rId2">
+            <a:extLst>
+              <a:ext uri="{28A0092B-C50C-407E-A947-70E740481C1C}">
+                <a14:useLocalDpi xmlns:a14="http://schemas.microsoft.com/office/drawing/2010/main" val="0"/>
+              </a:ext>
+            </a:extLst>
+          </a:blip>
+          <a:stretch>
+            <a:fillRect/>
+          </a:stretch>
+        </p:blipFill>
+        <p:spPr>
+          <a:xfrm>
+            <a:off x="0" y="2857500"/>
+            <a:ext cx="3810000" cy="2857500"/>
+          </a:xfrm>
+          <a:prstGeom prst="rect">
+            <a:avLst/>
+          </a:prstGeom>
+        </p:spPr>
+      </p:pic>
       <p:sp>
         <p:nvSpPr>
           <p:cNvPr id="121" name="Draft Timetable"/>
@@ -6992,33 +7129,6 @@
           </a:p>
         </p:txBody>
       </p:sp>
-      <p:pic>
-        <p:nvPicPr>
-          <p:cNvPr id="122" name="image3.png" descr="image3.png"/>
-          <p:cNvPicPr>
-            <a:picLocks noChangeAspect="1"/>
-          </p:cNvPicPr>
-          <p:nvPr/>
-        </p:nvPicPr>
-        <p:blipFill>
-          <a:blip r:embed="rId2"/>
-          <a:stretch>
-            <a:fillRect/>
-          </a:stretch>
-        </p:blipFill>
-        <p:spPr>
-          <a:xfrm>
-            <a:off x="18788" y="3329533"/>
-            <a:ext cx="2887280" cy="2014054"/>
-          </a:xfrm>
-          <a:prstGeom prst="rect">
-            <a:avLst/>
-          </a:prstGeom>
-          <a:ln w="12700">
-            <a:miter lim="400000"/>
-          </a:ln>
-        </p:spPr>
-      </p:pic>
       <p:sp>
         <p:nvSpPr>
           <p:cNvPr id="123" name="Web site">
@@ -7045,7 +7155,7 @@
           </a:ln>
           <a:extLst>
             <a:ext uri="{C572A759-6A51-4108-AA02-DFA0A04FC94B}">
-              <ma14:wrappingTextBoxFlag xmlns:ma14="http://schemas.microsoft.com/office/mac/drawingml/2011/main" xmlns:a14="http://schemas.microsoft.com/office/drawing/2010/main" xmlns:m="http://schemas.openxmlformats.org/officeDocument/2006/math" xmlns="" val="1"/>
+              <ma14:wrappingTextBoxFlag xmlns="" xmlns:m="http://schemas.openxmlformats.org/officeDocument/2006/math" xmlns:a14="http://schemas.microsoft.com/office/drawing/2010/main" xmlns:ma14="http://schemas.microsoft.com/office/mac/drawingml/2011/main" val="1"/>
             </a:ext>
           </a:extLst>
         </p:spPr>
@@ -7069,10 +7179,10 @@
       </p:sp>
       <p:pic>
         <p:nvPicPr>
-          <p:cNvPr id="3" name="Picture 2" descr="Table&#10;&#10;Description automatically generated with medium confidence">
+          <p:cNvPr id="4" name="Picture 3" descr="Table&#10;&#10;Description automatically generated">
             <a:extLst>
               <a:ext uri="{FF2B5EF4-FFF2-40B4-BE49-F238E27FC236}">
-                <a16:creationId xmlns:a16="http://schemas.microsoft.com/office/drawing/2014/main" id="{984D33B3-8AFF-2E40-8C8A-19099348AF24}"/>
+                <a16:creationId xmlns:a16="http://schemas.microsoft.com/office/drawing/2014/main" id="{370EC90E-E6A4-3B42-A3C1-26BA33D40C27}"/>
               </a:ext>
             </a:extLst>
           </p:cNvPr>
@@ -7095,8 +7205,8 @@
         </p:blipFill>
         <p:spPr>
           <a:xfrm>
-            <a:off x="2778369" y="26441"/>
-            <a:ext cx="4706418" cy="5688560"/>
+            <a:off x="2477386" y="753719"/>
+            <a:ext cx="6666614" cy="5040845"/>
           </a:xfrm>
           <a:prstGeom prst="rect">
             <a:avLst/>
@@ -7129,6 +7239,42 @@
           <a:chExt cx="0" cy="0"/>
         </a:xfrm>
       </p:grpSpPr>
+      <p:pic>
+        <p:nvPicPr>
+          <p:cNvPr id="6" name="Picture 5" descr="A picture containing text, cup, indoor&#10;&#10;Description automatically generated">
+            <a:extLst>
+              <a:ext uri="{FF2B5EF4-FFF2-40B4-BE49-F238E27FC236}">
+                <a16:creationId xmlns:a16="http://schemas.microsoft.com/office/drawing/2014/main" id="{625EA14D-0F54-B64B-B9A0-8EEC54796F70}"/>
+              </a:ext>
+            </a:extLst>
+          </p:cNvPr>
+          <p:cNvPicPr>
+            <a:picLocks noChangeAspect="1"/>
+          </p:cNvPicPr>
+          <p:nvPr/>
+        </p:nvPicPr>
+        <p:blipFill>
+          <a:blip r:embed="rId2">
+            <a:extLst>
+              <a:ext uri="{28A0092B-C50C-407E-A947-70E740481C1C}">
+                <a14:useLocalDpi xmlns:a14="http://schemas.microsoft.com/office/drawing/2010/main" val="0"/>
+              </a:ext>
+            </a:extLst>
+          </a:blip>
+          <a:stretch>
+            <a:fillRect/>
+          </a:stretch>
+        </p:blipFill>
+        <p:spPr>
+          <a:xfrm>
+            <a:off x="0" y="2857500"/>
+            <a:ext cx="3810000" cy="2857500"/>
+          </a:xfrm>
+          <a:prstGeom prst="rect">
+            <a:avLst/>
+          </a:prstGeom>
+        </p:spPr>
+      </p:pic>
       <p:sp>
         <p:nvSpPr>
           <p:cNvPr id="128" name="Title"/>
@@ -7199,14 +7345,14 @@
           <p:nvPr/>
         </p:nvPicPr>
         <p:blipFill>
-          <a:blip r:embed="rId2"/>
+          <a:blip r:embed="rId3"/>
           <a:stretch>
             <a:fillRect/>
           </a:stretch>
         </p:blipFill>
         <p:spPr>
           <a:xfrm>
-            <a:off x="165100" y="946889"/>
+            <a:off x="-25400" y="680235"/>
             <a:ext cx="9144000" cy="4545122"/>
           </a:xfrm>
           <a:prstGeom prst="rect">
@@ -7236,7 +7382,7 @@
           </a:ln>
           <a:extLst>
             <a:ext uri="{C572A759-6A51-4108-AA02-DFA0A04FC94B}">
-              <ma14:wrappingTextBoxFlag xmlns:ma14="http://schemas.microsoft.com/office/mac/drawingml/2011/main" xmlns:a14="http://schemas.microsoft.com/office/drawing/2010/main" xmlns:m="http://schemas.openxmlformats.org/officeDocument/2006/math" xmlns="" val="1"/>
+              <ma14:wrappingTextBoxFlag xmlns="" xmlns:m="http://schemas.openxmlformats.org/officeDocument/2006/math" xmlns:a14="http://schemas.microsoft.com/office/drawing/2010/main" xmlns:ma14="http://schemas.microsoft.com/office/mac/drawingml/2011/main" val="1"/>
             </a:ext>
           </a:extLst>
         </p:spPr>
@@ -7326,77 +7472,80 @@
               </a:defRPr>
             </a:pPr>
             <a:r>
+              <a:rPr dirty="0"/>
               <a:t>1. Fundamentals</a:t>
             </a:r>
-            <a:br/>
-            <a:r>
-              <a:rPr sz="2000" b="0"/>
+            <a:br>
+              <a:rPr dirty="0"/>
+            </a:br>
+            <a:r>
+              <a:rPr sz="2000" b="0" dirty="0"/>
               <a:t>Traditional Ciphers.</a:t>
             </a:r>
             <a:br>
-              <a:rPr sz="2000" b="0"/>
+              <a:rPr sz="2000" b="0" dirty="0"/>
             </a:br>
             <a:r>
-              <a:rPr sz="2000" b="0"/>
+              <a:rPr sz="2000" b="0" dirty="0"/>
               <a:t>Key-based Encryption. </a:t>
             </a:r>
             <a:br>
-              <a:rPr sz="2000" b="0"/>
+              <a:rPr sz="2000" b="0" dirty="0"/>
             </a:br>
             <a:r>
-              <a:rPr sz="2000" b="0"/>
+              <a:rPr sz="2000" b="0" dirty="0"/>
               <a:t>Encoding Methods.</a:t>
             </a:r>
             <a:br>
-              <a:rPr sz="2000" b="0"/>
+              <a:rPr sz="2000" b="0" dirty="0"/>
             </a:br>
             <a:r>
-              <a:rPr sz="2000" b="0"/>
+              <a:rPr sz="2000" b="0" dirty="0"/>
               <a:t>Frequency Analysis.</a:t>
             </a:r>
             <a:br>
-              <a:rPr sz="2000" b="0"/>
+              <a:rPr sz="2000" b="0" dirty="0"/>
             </a:br>
             <a:r>
-              <a:rPr sz="2000" b="0"/>
+              <a:rPr sz="2000" b="0" dirty="0"/>
               <a:t>GCD.</a:t>
             </a:r>
             <a:br>
-              <a:rPr sz="2000" b="0"/>
+              <a:rPr sz="2000" b="0" dirty="0"/>
             </a:br>
             <a:r>
-              <a:rPr sz="2000" b="0"/>
+              <a:rPr sz="2000" b="0" dirty="0"/>
               <a:t>Random Numbers.</a:t>
             </a:r>
             <a:br>
-              <a:rPr sz="2000" b="0"/>
+              <a:rPr sz="2000" b="0" dirty="0"/>
             </a:br>
             <a:r>
-              <a:rPr sz="2000" b="0"/>
+              <a:rPr sz="2000" b="0" dirty="0"/>
               <a:t>Prime Numbers.</a:t>
             </a:r>
             <a:br>
-              <a:rPr sz="2000" b="0"/>
+              <a:rPr sz="2000" b="0" dirty="0"/>
             </a:br>
             <a:r>
-              <a:rPr sz="2000" b="0"/>
+              <a:rPr sz="2000" b="0" dirty="0"/>
               <a:t>Big Integers.</a:t>
             </a:r>
             <a:br>
-              <a:rPr sz="2000" b="0"/>
+              <a:rPr sz="2000" b="0" dirty="0"/>
             </a:br>
             <a:r>
-              <a:rPr sz="2000" b="0"/>
+              <a:rPr sz="2000" b="0" dirty="0"/>
               <a:t>Encryption Operators (MOD, XOR and Shift).</a:t>
             </a:r>
             <a:br>
-              <a:rPr sz="2000" b="0"/>
+              <a:rPr sz="2000" b="0" dirty="0"/>
             </a:br>
             <a:br>
-              <a:rPr sz="2000" b="0"/>
+              <a:rPr sz="2000" b="0" dirty="0"/>
             </a:br>
             <a:r>
-              <a:rPr sz="3000">
+              <a:rPr sz="3000" dirty="0">
                 <a:solidFill>
                   <a:srgbClr val="000000"/>
                 </a:solidFill>
@@ -7404,20 +7553,28 @@
               <a:t>Prof Bill Buchanan OBE</a:t>
             </a:r>
             <a:br>
-              <a:rPr sz="3000">
+              <a:rPr sz="3000" dirty="0">
                 <a:solidFill>
                   <a:srgbClr val="000000"/>
                 </a:solidFill>
               </a:rPr>
             </a:br>
             <a:r>
-              <a:rPr sz="2000" b="0"/>
-              <a:t>https://asecuritysite.com/encryption</a:t>
+              <a:rPr sz="2000" b="0" dirty="0"/>
+              <a:t>https://</a:t>
+            </a:r>
+            <a:r>
+              <a:rPr sz="2000" b="0" dirty="0" err="1"/>
+              <a:t>asecuritysite.com</a:t>
+            </a:r>
+            <a:r>
+              <a:rPr sz="2000" b="0" dirty="0"/>
+              <a:t>/</a:t>
             </a:r>
             <a:br>
-              <a:rPr sz="2000" b="0"/>
+              <a:rPr sz="2000" b="0" dirty="0"/>
             </a:br>
-            <a:endParaRPr sz="2000" b="0"/>
+            <a:endParaRPr sz="2000" b="0" dirty="0"/>
           </a:p>
         </p:txBody>
       </p:sp>
@@ -7540,7 +7697,7 @@
         <p:dissolve/>
       </p:transition>
     </mc:Choice>
-    <mc:Fallback xmlns:a14="http://schemas.microsoft.com/office/drawing/2010/main" xmlns:m="http://schemas.openxmlformats.org/officeDocument/2006/math" xmlns="">
+    <mc:Fallback xmlns="" xmlns:m="http://schemas.openxmlformats.org/officeDocument/2006/math" xmlns:a14="http://schemas.microsoft.com/office/drawing/2010/main">
       <p:transition spd="med">
         <p:fade/>
       </p:transition>
@@ -7599,47 +7756,52 @@
               </a:defRPr>
             </a:pPr>
             <a:r>
+              <a:rPr dirty="0"/>
               <a:t>2. Symmetric Key</a:t>
             </a:r>
-            <a:br/>
-            <a:br/>
-            <a:r>
-              <a:rPr sz="2000" b="0"/>
+            <a:br>
+              <a:rPr dirty="0"/>
+            </a:br>
+            <a:br>
+              <a:rPr dirty="0"/>
+            </a:br>
+            <a:r>
+              <a:rPr sz="2000" b="0" dirty="0"/>
               <a:t>Basics</a:t>
             </a:r>
             <a:br>
-              <a:rPr sz="2000" b="0"/>
+              <a:rPr sz="2000" b="0" dirty="0"/>
             </a:br>
             <a:r>
-              <a:rPr sz="2000" b="0"/>
+              <a:rPr sz="2000" b="0" dirty="0"/>
               <a:t>Block or Stream?</a:t>
             </a:r>
             <a:br>
-              <a:rPr sz="2000" b="0"/>
+              <a:rPr sz="2000" b="0" dirty="0"/>
             </a:br>
             <a:r>
-              <a:rPr sz="2000" b="0"/>
+              <a:rPr sz="2000" b="0" dirty="0"/>
               <a:t>Secret Key Methods</a:t>
             </a:r>
             <a:br>
-              <a:rPr sz="2000" b="0"/>
+              <a:rPr sz="2000" b="0" dirty="0"/>
             </a:br>
             <a:r>
-              <a:rPr sz="2000" b="0"/>
+              <a:rPr sz="2000" b="0" dirty="0"/>
               <a:t>Salting</a:t>
             </a:r>
             <a:br>
-              <a:rPr sz="2000" b="0"/>
+              <a:rPr sz="2000" b="0" dirty="0"/>
             </a:br>
             <a:r>
-              <a:rPr sz="2000" b="0"/>
+              <a:rPr sz="2000" b="0" dirty="0"/>
               <a:t>AES</a:t>
             </a:r>
             <a:br>
-              <a:rPr sz="2000" b="0"/>
+              <a:rPr sz="2000" b="0" dirty="0"/>
             </a:br>
             <a:r>
-              <a:rPr sz="2000" b="0"/>
+              <a:rPr sz="2000" b="0" dirty="0"/>
               <a:t>3DES</a:t>
             </a:r>
           </a:p>
@@ -7652,24 +7814,24 @@
               </a:defRPr>
             </a:pPr>
             <a:r>
-              <a:rPr sz="2000" b="0"/>
+              <a:rPr sz="2000" b="0" dirty="0"/>
               <a:t>ChaCha20/Poly1305</a:t>
             </a:r>
             <a:br>
-              <a:rPr sz="2000" b="0"/>
+              <a:rPr sz="2000" b="0" dirty="0"/>
             </a:br>
             <a:r>
-              <a:rPr sz="2000" b="0"/>
+              <a:rPr sz="2000" b="0" dirty="0"/>
               <a:t>Key Entropy</a:t>
             </a:r>
             <a:br>
-              <a:rPr sz="2000" b="0"/>
+              <a:rPr sz="2000" b="0" dirty="0"/>
             </a:br>
             <a:br>
-              <a:rPr sz="2000" b="0"/>
+              <a:rPr sz="2000" b="0" dirty="0"/>
             </a:br>
             <a:r>
-              <a:rPr sz="3000">
+              <a:rPr sz="3000" dirty="0">
                 <a:solidFill>
                   <a:srgbClr val="000000"/>
                 </a:solidFill>
@@ -7677,20 +7839,28 @@
               <a:t>Prof Bill Buchanan OBE</a:t>
             </a:r>
             <a:br>
-              <a:rPr sz="3000">
+              <a:rPr sz="3000" dirty="0">
                 <a:solidFill>
                   <a:srgbClr val="000000"/>
                 </a:solidFill>
               </a:rPr>
             </a:br>
             <a:r>
-              <a:rPr sz="2000" b="0"/>
-              <a:t>https://asecuritysite.com/encryption</a:t>
+              <a:rPr sz="2000" b="0" dirty="0"/>
+              <a:t>https://</a:t>
+            </a:r>
+            <a:r>
+              <a:rPr sz="2000" b="0" dirty="0" err="1"/>
+              <a:t>asecuritysite.com</a:t>
+            </a:r>
+            <a:r>
+              <a:rPr sz="2000" b="0" dirty="0"/>
+              <a:t>/</a:t>
             </a:r>
             <a:br>
-              <a:rPr sz="2000" b="0"/>
+              <a:rPr sz="2000" b="0" dirty="0"/>
             </a:br>
-            <a:endParaRPr sz="2000" b="0"/>
+            <a:endParaRPr sz="2000" b="0" dirty="0"/>
           </a:p>
         </p:txBody>
       </p:sp>

--- a/unit00_introduction/unit01_introduction.pptx
+++ b/unit00_introduction/unit01_introduction.pptx
@@ -1270,7 +1270,7 @@
           </a:ln>
           <a:extLst>
             <a:ext uri="{C572A759-6A51-4108-AA02-DFA0A04FC94B}">
-              <ma14:wrappingTextBoxFlag xmlns="" xmlns:m="http://schemas.openxmlformats.org/officeDocument/2006/math" xmlns:a14="http://schemas.microsoft.com/office/drawing/2010/main" xmlns:ma14="http://schemas.microsoft.com/office/mac/drawingml/2011/main" val="1"/>
+              <ma14:wrappingTextBoxFlag xmlns:ma14="http://schemas.microsoft.com/office/mac/drawingml/2011/main" xmlns:a14="http://schemas.microsoft.com/office/drawing/2010/main" xmlns:m="http://schemas.openxmlformats.org/officeDocument/2006/math" xmlns="" val="1"/>
             </a:ext>
           </a:extLst>
         </p:spPr>
@@ -1307,7 +1307,7 @@
           </a:ln>
           <a:extLst>
             <a:ext uri="{C572A759-6A51-4108-AA02-DFA0A04FC94B}">
-              <ma14:wrappingTextBoxFlag xmlns="" xmlns:m="http://schemas.openxmlformats.org/officeDocument/2006/math" xmlns:a14="http://schemas.microsoft.com/office/drawing/2010/main" xmlns:ma14="http://schemas.microsoft.com/office/mac/drawingml/2011/main" val="1"/>
+              <ma14:wrappingTextBoxFlag xmlns:ma14="http://schemas.microsoft.com/office/mac/drawingml/2011/main" xmlns:a14="http://schemas.microsoft.com/office/drawing/2010/main" xmlns:m="http://schemas.openxmlformats.org/officeDocument/2006/math" xmlns="" val="1"/>
             </a:ext>
           </a:extLst>
         </p:spPr>
@@ -5771,7 +5771,7 @@
           </a:ln>
           <a:extLst>
             <a:ext uri="{C572A759-6A51-4108-AA02-DFA0A04FC94B}">
-              <ma14:wrappingTextBoxFlag xmlns="" xmlns:m="http://schemas.openxmlformats.org/officeDocument/2006/math" xmlns:a14="http://schemas.microsoft.com/office/drawing/2010/main" xmlns:ma14="http://schemas.microsoft.com/office/mac/drawingml/2011/main" val="1"/>
+              <ma14:wrappingTextBoxFlag xmlns:ma14="http://schemas.microsoft.com/office/mac/drawingml/2011/main" xmlns:a14="http://schemas.microsoft.com/office/drawing/2010/main" xmlns:m="http://schemas.openxmlformats.org/officeDocument/2006/math" xmlns="" val="1"/>
             </a:ext>
           </a:extLst>
         </p:spPr>
@@ -5946,7 +5946,7 @@
           </a:ln>
           <a:extLst>
             <a:ext uri="{C572A759-6A51-4108-AA02-DFA0A04FC94B}">
-              <ma14:wrappingTextBoxFlag xmlns="" xmlns:m="http://schemas.openxmlformats.org/officeDocument/2006/math" xmlns:a14="http://schemas.microsoft.com/office/drawing/2010/main" xmlns:ma14="http://schemas.microsoft.com/office/mac/drawingml/2011/main" val="1"/>
+              <ma14:wrappingTextBoxFlag xmlns:ma14="http://schemas.microsoft.com/office/mac/drawingml/2011/main" xmlns:a14="http://schemas.microsoft.com/office/drawing/2010/main" xmlns:m="http://schemas.openxmlformats.org/officeDocument/2006/math" xmlns="" val="1"/>
             </a:ext>
           </a:extLst>
         </p:spPr>
@@ -5988,7 +5988,7 @@
           </a:ln>
           <a:extLst>
             <a:ext uri="{C572A759-6A51-4108-AA02-DFA0A04FC94B}">
-              <ma14:wrappingTextBoxFlag xmlns="" xmlns:m="http://schemas.openxmlformats.org/officeDocument/2006/math" xmlns:a14="http://schemas.microsoft.com/office/drawing/2010/main" xmlns:ma14="http://schemas.microsoft.com/office/mac/drawingml/2011/main" val="1"/>
+              <ma14:wrappingTextBoxFlag xmlns:ma14="http://schemas.microsoft.com/office/mac/drawingml/2011/main" xmlns:a14="http://schemas.microsoft.com/office/drawing/2010/main" xmlns:m="http://schemas.openxmlformats.org/officeDocument/2006/math" xmlns="" val="1"/>
             </a:ext>
           </a:extLst>
         </p:spPr>
@@ -6056,7 +6056,7 @@
           </a:ln>
           <a:extLst>
             <a:ext uri="{C572A759-6A51-4108-AA02-DFA0A04FC94B}">
-              <ma14:wrappingTextBoxFlag xmlns="" xmlns:m="http://schemas.openxmlformats.org/officeDocument/2006/math" xmlns:a14="http://schemas.microsoft.com/office/drawing/2010/main" xmlns:ma14="http://schemas.microsoft.com/office/mac/drawingml/2011/main" val="1"/>
+              <ma14:wrappingTextBoxFlag xmlns:ma14="http://schemas.microsoft.com/office/mac/drawingml/2011/main" xmlns:a14="http://schemas.microsoft.com/office/drawing/2010/main" xmlns:m="http://schemas.openxmlformats.org/officeDocument/2006/math" xmlns="" val="1"/>
             </a:ext>
           </a:extLst>
         </p:spPr>
@@ -6149,7 +6149,7 @@
           </a:ln>
           <a:extLst>
             <a:ext uri="{C572A759-6A51-4108-AA02-DFA0A04FC94B}">
-              <ma14:wrappingTextBoxFlag xmlns="" xmlns:m="http://schemas.openxmlformats.org/officeDocument/2006/math" xmlns:a14="http://schemas.microsoft.com/office/drawing/2010/main" xmlns:ma14="http://schemas.microsoft.com/office/mac/drawingml/2011/main" val="1"/>
+              <ma14:wrappingTextBoxFlag xmlns:ma14="http://schemas.microsoft.com/office/mac/drawingml/2011/main" xmlns:a14="http://schemas.microsoft.com/office/drawing/2010/main" xmlns:m="http://schemas.openxmlformats.org/officeDocument/2006/math" xmlns="" val="1"/>
             </a:ext>
           </a:extLst>
         </p:spPr>
@@ -6233,7 +6233,7 @@
           </a:ln>
           <a:extLst>
             <a:ext uri="{C572A759-6A51-4108-AA02-DFA0A04FC94B}">
-              <ma14:wrappingTextBoxFlag xmlns="" xmlns:m="http://schemas.openxmlformats.org/officeDocument/2006/math" xmlns:a14="http://schemas.microsoft.com/office/drawing/2010/main" xmlns:ma14="http://schemas.microsoft.com/office/mac/drawingml/2011/main" val="1"/>
+              <ma14:wrappingTextBoxFlag xmlns:ma14="http://schemas.microsoft.com/office/mac/drawingml/2011/main" xmlns:a14="http://schemas.microsoft.com/office/drawing/2010/main" xmlns:m="http://schemas.openxmlformats.org/officeDocument/2006/math" xmlns="" val="1"/>
             </a:ext>
           </a:extLst>
         </p:spPr>
@@ -6272,7 +6272,7 @@
           </a:ln>
           <a:extLst>
             <a:ext uri="{C572A759-6A51-4108-AA02-DFA0A04FC94B}">
-              <ma14:wrappingTextBoxFlag xmlns="" xmlns:m="http://schemas.openxmlformats.org/officeDocument/2006/math" xmlns:a14="http://schemas.microsoft.com/office/drawing/2010/main" xmlns:ma14="http://schemas.microsoft.com/office/mac/drawingml/2011/main" val="1"/>
+              <ma14:wrappingTextBoxFlag xmlns:ma14="http://schemas.microsoft.com/office/mac/drawingml/2011/main" xmlns:a14="http://schemas.microsoft.com/office/drawing/2010/main" xmlns:m="http://schemas.openxmlformats.org/officeDocument/2006/math" xmlns="" val="1"/>
             </a:ext>
           </a:extLst>
         </p:spPr>
@@ -6338,7 +6338,7 @@
           </a:ln>
           <a:extLst>
             <a:ext uri="{C572A759-6A51-4108-AA02-DFA0A04FC94B}">
-              <ma14:wrappingTextBoxFlag xmlns="" xmlns:m="http://schemas.openxmlformats.org/officeDocument/2006/math" xmlns:a14="http://schemas.microsoft.com/office/drawing/2010/main" xmlns:ma14="http://schemas.microsoft.com/office/mac/drawingml/2011/main" val="1"/>
+              <ma14:wrappingTextBoxFlag xmlns:ma14="http://schemas.microsoft.com/office/mac/drawingml/2011/main" xmlns:a14="http://schemas.microsoft.com/office/drawing/2010/main" xmlns:m="http://schemas.openxmlformats.org/officeDocument/2006/math" xmlns="" val="1"/>
             </a:ext>
           </a:extLst>
         </p:spPr>
@@ -6579,7 +6579,7 @@
           </a:ln>
           <a:extLst>
             <a:ext uri="{C572A759-6A51-4108-AA02-DFA0A04FC94B}">
-              <ma14:wrappingTextBoxFlag xmlns="" xmlns:m="http://schemas.openxmlformats.org/officeDocument/2006/math" xmlns:a14="http://schemas.microsoft.com/office/drawing/2010/main" xmlns:ma14="http://schemas.microsoft.com/office/mac/drawingml/2011/main" val="1"/>
+              <ma14:wrappingTextBoxFlag xmlns:ma14="http://schemas.microsoft.com/office/mac/drawingml/2011/main" xmlns:a14="http://schemas.microsoft.com/office/drawing/2010/main" xmlns:m="http://schemas.openxmlformats.org/officeDocument/2006/math" xmlns="" val="1"/>
             </a:ext>
           </a:extLst>
         </p:spPr>
@@ -6647,7 +6647,7 @@
           </a:ln>
           <a:extLst>
             <a:ext uri="{C572A759-6A51-4108-AA02-DFA0A04FC94B}">
-              <ma14:wrappingTextBoxFlag xmlns="" xmlns:m="http://schemas.openxmlformats.org/officeDocument/2006/math" xmlns:a14="http://schemas.microsoft.com/office/drawing/2010/main" xmlns:ma14="http://schemas.microsoft.com/office/mac/drawingml/2011/main" val="1"/>
+              <ma14:wrappingTextBoxFlag xmlns:ma14="http://schemas.microsoft.com/office/mac/drawingml/2011/main" xmlns:a14="http://schemas.microsoft.com/office/drawing/2010/main" xmlns:m="http://schemas.openxmlformats.org/officeDocument/2006/math" xmlns="" val="1"/>
             </a:ext>
           </a:extLst>
         </p:spPr>
@@ -6731,7 +6731,7 @@
           </a:ln>
           <a:extLst>
             <a:ext uri="{C572A759-6A51-4108-AA02-DFA0A04FC94B}">
-              <ma14:wrappingTextBoxFlag xmlns="" xmlns:m="http://schemas.openxmlformats.org/officeDocument/2006/math" xmlns:a14="http://schemas.microsoft.com/office/drawing/2010/main" xmlns:ma14="http://schemas.microsoft.com/office/mac/drawingml/2011/main" val="1"/>
+              <ma14:wrappingTextBoxFlag xmlns:ma14="http://schemas.microsoft.com/office/mac/drawingml/2011/main" xmlns:a14="http://schemas.microsoft.com/office/drawing/2010/main" xmlns:m="http://schemas.openxmlformats.org/officeDocument/2006/math" xmlns="" val="1"/>
             </a:ext>
           </a:extLst>
         </p:spPr>
@@ -6797,7 +6797,7 @@
           </a:ln>
           <a:extLst>
             <a:ext uri="{C572A759-6A51-4108-AA02-DFA0A04FC94B}">
-              <ma14:wrappingTextBoxFlag xmlns="" xmlns:m="http://schemas.openxmlformats.org/officeDocument/2006/math" xmlns:a14="http://schemas.microsoft.com/office/drawing/2010/main" xmlns:ma14="http://schemas.microsoft.com/office/mac/drawingml/2011/main" val="1"/>
+              <ma14:wrappingTextBoxFlag xmlns:ma14="http://schemas.microsoft.com/office/mac/drawingml/2011/main" xmlns:a14="http://schemas.microsoft.com/office/drawing/2010/main" xmlns:m="http://schemas.openxmlformats.org/officeDocument/2006/math" xmlns="" val="1"/>
             </a:ext>
           </a:extLst>
         </p:spPr>
@@ -6890,7 +6890,7 @@
           </a:ln>
           <a:extLst>
             <a:ext uri="{C572A759-6A51-4108-AA02-DFA0A04FC94B}">
-              <ma14:wrappingTextBoxFlag xmlns="" xmlns:m="http://schemas.openxmlformats.org/officeDocument/2006/math" xmlns:a14="http://schemas.microsoft.com/office/drawing/2010/main" xmlns:ma14="http://schemas.microsoft.com/office/mac/drawingml/2011/main" val="1"/>
+              <ma14:wrappingTextBoxFlag xmlns:ma14="http://schemas.microsoft.com/office/mac/drawingml/2011/main" xmlns:a14="http://schemas.microsoft.com/office/drawing/2010/main" xmlns:m="http://schemas.openxmlformats.org/officeDocument/2006/math" xmlns="" val="1"/>
             </a:ext>
           </a:extLst>
         </p:spPr>
@@ -6929,7 +6929,7 @@
           </a:ln>
           <a:extLst>
             <a:ext uri="{C572A759-6A51-4108-AA02-DFA0A04FC94B}">
-              <ma14:wrappingTextBoxFlag xmlns="" xmlns:m="http://schemas.openxmlformats.org/officeDocument/2006/math" xmlns:a14="http://schemas.microsoft.com/office/drawing/2010/main" xmlns:ma14="http://schemas.microsoft.com/office/mac/drawingml/2011/main" val="1"/>
+              <ma14:wrappingTextBoxFlag xmlns:ma14="http://schemas.microsoft.com/office/mac/drawingml/2011/main" xmlns:a14="http://schemas.microsoft.com/office/drawing/2010/main" xmlns:m="http://schemas.openxmlformats.org/officeDocument/2006/math" xmlns="" val="1"/>
             </a:ext>
           </a:extLst>
         </p:spPr>
@@ -6968,7 +6968,7 @@
           </a:ln>
           <a:extLst>
             <a:ext uri="{C572A759-6A51-4108-AA02-DFA0A04FC94B}">
-              <ma14:wrappingTextBoxFlag xmlns="" xmlns:m="http://schemas.openxmlformats.org/officeDocument/2006/math" xmlns:a14="http://schemas.microsoft.com/office/drawing/2010/main" xmlns:ma14="http://schemas.microsoft.com/office/mac/drawingml/2011/main" val="1"/>
+              <ma14:wrappingTextBoxFlag xmlns:ma14="http://schemas.microsoft.com/office/mac/drawingml/2011/main" xmlns:a14="http://schemas.microsoft.com/office/drawing/2010/main" xmlns:m="http://schemas.openxmlformats.org/officeDocument/2006/math" xmlns="" val="1"/>
             </a:ext>
           </a:extLst>
         </p:spPr>
@@ -7155,7 +7155,7 @@
           </a:ln>
           <a:extLst>
             <a:ext uri="{C572A759-6A51-4108-AA02-DFA0A04FC94B}">
-              <ma14:wrappingTextBoxFlag xmlns="" xmlns:m="http://schemas.openxmlformats.org/officeDocument/2006/math" xmlns:a14="http://schemas.microsoft.com/office/drawing/2010/main" xmlns:ma14="http://schemas.microsoft.com/office/mac/drawingml/2011/main" val="1"/>
+              <ma14:wrappingTextBoxFlag xmlns:ma14="http://schemas.microsoft.com/office/mac/drawingml/2011/main" xmlns:a14="http://schemas.microsoft.com/office/drawing/2010/main" xmlns:m="http://schemas.openxmlformats.org/officeDocument/2006/math" xmlns="" val="1"/>
             </a:ext>
           </a:extLst>
         </p:spPr>
@@ -7205,7 +7205,7 @@
         </p:blipFill>
         <p:spPr>
           <a:xfrm>
-            <a:off x="2477386" y="753719"/>
+            <a:off x="2477386" y="767920"/>
             <a:ext cx="6666614" cy="5040845"/>
           </a:xfrm>
           <a:prstGeom prst="rect">
@@ -7382,7 +7382,7 @@
           </a:ln>
           <a:extLst>
             <a:ext uri="{C572A759-6A51-4108-AA02-DFA0A04FC94B}">
-              <ma14:wrappingTextBoxFlag xmlns="" xmlns:m="http://schemas.openxmlformats.org/officeDocument/2006/math" xmlns:a14="http://schemas.microsoft.com/office/drawing/2010/main" xmlns:ma14="http://schemas.microsoft.com/office/mac/drawingml/2011/main" val="1"/>
+              <ma14:wrappingTextBoxFlag xmlns:ma14="http://schemas.microsoft.com/office/mac/drawingml/2011/main" xmlns:a14="http://schemas.microsoft.com/office/drawing/2010/main" xmlns:m="http://schemas.openxmlformats.org/officeDocument/2006/math" xmlns="" val="1"/>
             </a:ext>
           </a:extLst>
         </p:spPr>
@@ -7697,7 +7697,7 @@
         <p:dissolve/>
       </p:transition>
     </mc:Choice>
-    <mc:Fallback xmlns="" xmlns:m="http://schemas.openxmlformats.org/officeDocument/2006/math" xmlns:a14="http://schemas.microsoft.com/office/drawing/2010/main">
+    <mc:Fallback xmlns:a14="http://schemas.microsoft.com/office/drawing/2010/main" xmlns:m="http://schemas.openxmlformats.org/officeDocument/2006/math" xmlns="">
       <p:transition spd="med">
         <p:fade/>
       </p:transition>

--- a/unit00_introduction/unit01_introduction.pptx
+++ b/unit00_introduction/unit01_introduction.pptx
@@ -1270,7 +1270,7 @@
           </a:ln>
           <a:extLst>
             <a:ext uri="{C572A759-6A51-4108-AA02-DFA0A04FC94B}">
-              <ma14:wrappingTextBoxFlag xmlns:ma14="http://schemas.microsoft.com/office/mac/drawingml/2011/main" xmlns:a14="http://schemas.microsoft.com/office/drawing/2010/main" xmlns:m="http://schemas.openxmlformats.org/officeDocument/2006/math" xmlns="" val="1"/>
+              <ma14:wrappingTextBoxFlag xmlns="" xmlns:m="http://schemas.openxmlformats.org/officeDocument/2006/math" xmlns:a14="http://schemas.microsoft.com/office/drawing/2010/main" xmlns:ma14="http://schemas.microsoft.com/office/mac/drawingml/2011/main" val="1"/>
             </a:ext>
           </a:extLst>
         </p:spPr>
@@ -1307,7 +1307,7 @@
           </a:ln>
           <a:extLst>
             <a:ext uri="{C572A759-6A51-4108-AA02-DFA0A04FC94B}">
-              <ma14:wrappingTextBoxFlag xmlns:ma14="http://schemas.microsoft.com/office/mac/drawingml/2011/main" xmlns:a14="http://schemas.microsoft.com/office/drawing/2010/main" xmlns:m="http://schemas.openxmlformats.org/officeDocument/2006/math" xmlns="" val="1"/>
+              <ma14:wrappingTextBoxFlag xmlns="" xmlns:m="http://schemas.openxmlformats.org/officeDocument/2006/math" xmlns:a14="http://schemas.microsoft.com/office/drawing/2010/main" xmlns:ma14="http://schemas.microsoft.com/office/mac/drawingml/2011/main" val="1"/>
             </a:ext>
           </a:extLst>
         </p:spPr>
@@ -2481,7 +2481,7 @@
         </p:nvGrpSpPr>
         <p:grpSpPr>
           <a:xfrm>
-            <a:off x="740861" y="346831"/>
+            <a:off x="1103190" y="591477"/>
             <a:ext cx="6937620" cy="4604185"/>
             <a:chOff x="0" y="0"/>
             <a:chExt cx="6937619" cy="4604183"/>
@@ -4608,7 +4608,15 @@
             </a:pPr>
             <a:r>
               <a:rPr sz="1660" b="0" dirty="0"/>
-              <a:t>6. Trust and Digital Certificates.</a:t>
+              <a:t>6. </a:t>
+            </a:r>
+            <a:r>
+              <a:rPr lang="en-US" sz="1660" b="0" dirty="0"/>
+              <a:t>Signatures</a:t>
+            </a:r>
+            <a:r>
+              <a:rPr sz="1660" b="0" dirty="0"/>
+              <a:t> and Digital Certificates.</a:t>
             </a:r>
           </a:p>
           <a:p>
@@ -5771,7 +5779,7 @@
           </a:ln>
           <a:extLst>
             <a:ext uri="{C572A759-6A51-4108-AA02-DFA0A04FC94B}">
-              <ma14:wrappingTextBoxFlag xmlns:ma14="http://schemas.microsoft.com/office/mac/drawingml/2011/main" xmlns:a14="http://schemas.microsoft.com/office/drawing/2010/main" xmlns:m="http://schemas.openxmlformats.org/officeDocument/2006/math" xmlns="" val="1"/>
+              <ma14:wrappingTextBoxFlag xmlns="" xmlns:m="http://schemas.openxmlformats.org/officeDocument/2006/math" xmlns:a14="http://schemas.microsoft.com/office/drawing/2010/main" xmlns:ma14="http://schemas.microsoft.com/office/mac/drawingml/2011/main" val="1"/>
             </a:ext>
           </a:extLst>
         </p:spPr>
@@ -5946,7 +5954,7 @@
           </a:ln>
           <a:extLst>
             <a:ext uri="{C572A759-6A51-4108-AA02-DFA0A04FC94B}">
-              <ma14:wrappingTextBoxFlag xmlns:ma14="http://schemas.microsoft.com/office/mac/drawingml/2011/main" xmlns:a14="http://schemas.microsoft.com/office/drawing/2010/main" xmlns:m="http://schemas.openxmlformats.org/officeDocument/2006/math" xmlns="" val="1"/>
+              <ma14:wrappingTextBoxFlag xmlns="" xmlns:m="http://schemas.openxmlformats.org/officeDocument/2006/math" xmlns:a14="http://schemas.microsoft.com/office/drawing/2010/main" xmlns:ma14="http://schemas.microsoft.com/office/mac/drawingml/2011/main" val="1"/>
             </a:ext>
           </a:extLst>
         </p:spPr>
@@ -5988,7 +5996,7 @@
           </a:ln>
           <a:extLst>
             <a:ext uri="{C572A759-6A51-4108-AA02-DFA0A04FC94B}">
-              <ma14:wrappingTextBoxFlag xmlns:ma14="http://schemas.microsoft.com/office/mac/drawingml/2011/main" xmlns:a14="http://schemas.microsoft.com/office/drawing/2010/main" xmlns:m="http://schemas.openxmlformats.org/officeDocument/2006/math" xmlns="" val="1"/>
+              <ma14:wrappingTextBoxFlag xmlns="" xmlns:m="http://schemas.openxmlformats.org/officeDocument/2006/math" xmlns:a14="http://schemas.microsoft.com/office/drawing/2010/main" xmlns:ma14="http://schemas.microsoft.com/office/mac/drawingml/2011/main" val="1"/>
             </a:ext>
           </a:extLst>
         </p:spPr>
@@ -6056,7 +6064,7 @@
           </a:ln>
           <a:extLst>
             <a:ext uri="{C572A759-6A51-4108-AA02-DFA0A04FC94B}">
-              <ma14:wrappingTextBoxFlag xmlns:ma14="http://schemas.microsoft.com/office/mac/drawingml/2011/main" xmlns:a14="http://schemas.microsoft.com/office/drawing/2010/main" xmlns:m="http://schemas.openxmlformats.org/officeDocument/2006/math" xmlns="" val="1"/>
+              <ma14:wrappingTextBoxFlag xmlns="" xmlns:m="http://schemas.openxmlformats.org/officeDocument/2006/math" xmlns:a14="http://schemas.microsoft.com/office/drawing/2010/main" xmlns:ma14="http://schemas.microsoft.com/office/mac/drawingml/2011/main" val="1"/>
             </a:ext>
           </a:extLst>
         </p:spPr>
@@ -6149,7 +6157,7 @@
           </a:ln>
           <a:extLst>
             <a:ext uri="{C572A759-6A51-4108-AA02-DFA0A04FC94B}">
-              <ma14:wrappingTextBoxFlag xmlns:ma14="http://schemas.microsoft.com/office/mac/drawingml/2011/main" xmlns:a14="http://schemas.microsoft.com/office/drawing/2010/main" xmlns:m="http://schemas.openxmlformats.org/officeDocument/2006/math" xmlns="" val="1"/>
+              <ma14:wrappingTextBoxFlag xmlns="" xmlns:m="http://schemas.openxmlformats.org/officeDocument/2006/math" xmlns:a14="http://schemas.microsoft.com/office/drawing/2010/main" xmlns:ma14="http://schemas.microsoft.com/office/mac/drawingml/2011/main" val="1"/>
             </a:ext>
           </a:extLst>
         </p:spPr>
@@ -6233,7 +6241,7 @@
           </a:ln>
           <a:extLst>
             <a:ext uri="{C572A759-6A51-4108-AA02-DFA0A04FC94B}">
-              <ma14:wrappingTextBoxFlag xmlns:ma14="http://schemas.microsoft.com/office/mac/drawingml/2011/main" xmlns:a14="http://schemas.microsoft.com/office/drawing/2010/main" xmlns:m="http://schemas.openxmlformats.org/officeDocument/2006/math" xmlns="" val="1"/>
+              <ma14:wrappingTextBoxFlag xmlns="" xmlns:m="http://schemas.openxmlformats.org/officeDocument/2006/math" xmlns:a14="http://schemas.microsoft.com/office/drawing/2010/main" xmlns:ma14="http://schemas.microsoft.com/office/mac/drawingml/2011/main" val="1"/>
             </a:ext>
           </a:extLst>
         </p:spPr>
@@ -6272,7 +6280,7 @@
           </a:ln>
           <a:extLst>
             <a:ext uri="{C572A759-6A51-4108-AA02-DFA0A04FC94B}">
-              <ma14:wrappingTextBoxFlag xmlns:ma14="http://schemas.microsoft.com/office/mac/drawingml/2011/main" xmlns:a14="http://schemas.microsoft.com/office/drawing/2010/main" xmlns:m="http://schemas.openxmlformats.org/officeDocument/2006/math" xmlns="" val="1"/>
+              <ma14:wrappingTextBoxFlag xmlns="" xmlns:m="http://schemas.openxmlformats.org/officeDocument/2006/math" xmlns:a14="http://schemas.microsoft.com/office/drawing/2010/main" xmlns:ma14="http://schemas.microsoft.com/office/mac/drawingml/2011/main" val="1"/>
             </a:ext>
           </a:extLst>
         </p:spPr>
@@ -6338,7 +6346,7 @@
           </a:ln>
           <a:extLst>
             <a:ext uri="{C572A759-6A51-4108-AA02-DFA0A04FC94B}">
-              <ma14:wrappingTextBoxFlag xmlns:ma14="http://schemas.microsoft.com/office/mac/drawingml/2011/main" xmlns:a14="http://schemas.microsoft.com/office/drawing/2010/main" xmlns:m="http://schemas.openxmlformats.org/officeDocument/2006/math" xmlns="" val="1"/>
+              <ma14:wrappingTextBoxFlag xmlns="" xmlns:m="http://schemas.openxmlformats.org/officeDocument/2006/math" xmlns:a14="http://schemas.microsoft.com/office/drawing/2010/main" xmlns:ma14="http://schemas.microsoft.com/office/mac/drawingml/2011/main" val="1"/>
             </a:ext>
           </a:extLst>
         </p:spPr>
@@ -6579,7 +6587,7 @@
           </a:ln>
           <a:extLst>
             <a:ext uri="{C572A759-6A51-4108-AA02-DFA0A04FC94B}">
-              <ma14:wrappingTextBoxFlag xmlns:ma14="http://schemas.microsoft.com/office/mac/drawingml/2011/main" xmlns:a14="http://schemas.microsoft.com/office/drawing/2010/main" xmlns:m="http://schemas.openxmlformats.org/officeDocument/2006/math" xmlns="" val="1"/>
+              <ma14:wrappingTextBoxFlag xmlns="" xmlns:m="http://schemas.openxmlformats.org/officeDocument/2006/math" xmlns:a14="http://schemas.microsoft.com/office/drawing/2010/main" xmlns:ma14="http://schemas.microsoft.com/office/mac/drawingml/2011/main" val="1"/>
             </a:ext>
           </a:extLst>
         </p:spPr>
@@ -6647,7 +6655,7 @@
           </a:ln>
           <a:extLst>
             <a:ext uri="{C572A759-6A51-4108-AA02-DFA0A04FC94B}">
-              <ma14:wrappingTextBoxFlag xmlns:ma14="http://schemas.microsoft.com/office/mac/drawingml/2011/main" xmlns:a14="http://schemas.microsoft.com/office/drawing/2010/main" xmlns:m="http://schemas.openxmlformats.org/officeDocument/2006/math" xmlns="" val="1"/>
+              <ma14:wrappingTextBoxFlag xmlns="" xmlns:m="http://schemas.openxmlformats.org/officeDocument/2006/math" xmlns:a14="http://schemas.microsoft.com/office/drawing/2010/main" xmlns:ma14="http://schemas.microsoft.com/office/mac/drawingml/2011/main" val="1"/>
             </a:ext>
           </a:extLst>
         </p:spPr>
@@ -6731,7 +6739,7 @@
           </a:ln>
           <a:extLst>
             <a:ext uri="{C572A759-6A51-4108-AA02-DFA0A04FC94B}">
-              <ma14:wrappingTextBoxFlag xmlns:ma14="http://schemas.microsoft.com/office/mac/drawingml/2011/main" xmlns:a14="http://schemas.microsoft.com/office/drawing/2010/main" xmlns:m="http://schemas.openxmlformats.org/officeDocument/2006/math" xmlns="" val="1"/>
+              <ma14:wrappingTextBoxFlag xmlns="" xmlns:m="http://schemas.openxmlformats.org/officeDocument/2006/math" xmlns:a14="http://schemas.microsoft.com/office/drawing/2010/main" xmlns:ma14="http://schemas.microsoft.com/office/mac/drawingml/2011/main" val="1"/>
             </a:ext>
           </a:extLst>
         </p:spPr>
@@ -6797,7 +6805,7 @@
           </a:ln>
           <a:extLst>
             <a:ext uri="{C572A759-6A51-4108-AA02-DFA0A04FC94B}">
-              <ma14:wrappingTextBoxFlag xmlns:ma14="http://schemas.microsoft.com/office/mac/drawingml/2011/main" xmlns:a14="http://schemas.microsoft.com/office/drawing/2010/main" xmlns:m="http://schemas.openxmlformats.org/officeDocument/2006/math" xmlns="" val="1"/>
+              <ma14:wrappingTextBoxFlag xmlns="" xmlns:m="http://schemas.openxmlformats.org/officeDocument/2006/math" xmlns:a14="http://schemas.microsoft.com/office/drawing/2010/main" xmlns:ma14="http://schemas.microsoft.com/office/mac/drawingml/2011/main" val="1"/>
             </a:ext>
           </a:extLst>
         </p:spPr>
@@ -6890,7 +6898,7 @@
           </a:ln>
           <a:extLst>
             <a:ext uri="{C572A759-6A51-4108-AA02-DFA0A04FC94B}">
-              <ma14:wrappingTextBoxFlag xmlns:ma14="http://schemas.microsoft.com/office/mac/drawingml/2011/main" xmlns:a14="http://schemas.microsoft.com/office/drawing/2010/main" xmlns:m="http://schemas.openxmlformats.org/officeDocument/2006/math" xmlns="" val="1"/>
+              <ma14:wrappingTextBoxFlag xmlns="" xmlns:m="http://schemas.openxmlformats.org/officeDocument/2006/math" xmlns:a14="http://schemas.microsoft.com/office/drawing/2010/main" xmlns:ma14="http://schemas.microsoft.com/office/mac/drawingml/2011/main" val="1"/>
             </a:ext>
           </a:extLst>
         </p:spPr>
@@ -6929,7 +6937,7 @@
           </a:ln>
           <a:extLst>
             <a:ext uri="{C572A759-6A51-4108-AA02-DFA0A04FC94B}">
-              <ma14:wrappingTextBoxFlag xmlns:ma14="http://schemas.microsoft.com/office/mac/drawingml/2011/main" xmlns:a14="http://schemas.microsoft.com/office/drawing/2010/main" xmlns:m="http://schemas.openxmlformats.org/officeDocument/2006/math" xmlns="" val="1"/>
+              <ma14:wrappingTextBoxFlag xmlns="" xmlns:m="http://schemas.openxmlformats.org/officeDocument/2006/math" xmlns:a14="http://schemas.microsoft.com/office/drawing/2010/main" xmlns:ma14="http://schemas.microsoft.com/office/mac/drawingml/2011/main" val="1"/>
             </a:ext>
           </a:extLst>
         </p:spPr>
@@ -6968,7 +6976,7 @@
           </a:ln>
           <a:extLst>
             <a:ext uri="{C572A759-6A51-4108-AA02-DFA0A04FC94B}">
-              <ma14:wrappingTextBoxFlag xmlns:ma14="http://schemas.microsoft.com/office/mac/drawingml/2011/main" xmlns:a14="http://schemas.microsoft.com/office/drawing/2010/main" xmlns:m="http://schemas.openxmlformats.org/officeDocument/2006/math" xmlns="" val="1"/>
+              <ma14:wrappingTextBoxFlag xmlns="" xmlns:m="http://schemas.openxmlformats.org/officeDocument/2006/math" xmlns:a14="http://schemas.microsoft.com/office/drawing/2010/main" xmlns:ma14="http://schemas.microsoft.com/office/mac/drawingml/2011/main" val="1"/>
             </a:ext>
           </a:extLst>
         </p:spPr>
@@ -7155,7 +7163,7 @@
           </a:ln>
           <a:extLst>
             <a:ext uri="{C572A759-6A51-4108-AA02-DFA0A04FC94B}">
-              <ma14:wrappingTextBoxFlag xmlns:ma14="http://schemas.microsoft.com/office/mac/drawingml/2011/main" xmlns:a14="http://schemas.microsoft.com/office/drawing/2010/main" xmlns:m="http://schemas.openxmlformats.org/officeDocument/2006/math" xmlns="" val="1"/>
+              <ma14:wrappingTextBoxFlag xmlns="" xmlns:m="http://schemas.openxmlformats.org/officeDocument/2006/math" xmlns:a14="http://schemas.microsoft.com/office/drawing/2010/main" xmlns:ma14="http://schemas.microsoft.com/office/mac/drawingml/2011/main" val="1"/>
             </a:ext>
           </a:extLst>
         </p:spPr>
@@ -7382,7 +7390,7 @@
           </a:ln>
           <a:extLst>
             <a:ext uri="{C572A759-6A51-4108-AA02-DFA0A04FC94B}">
-              <ma14:wrappingTextBoxFlag xmlns:ma14="http://schemas.microsoft.com/office/mac/drawingml/2011/main" xmlns:a14="http://schemas.microsoft.com/office/drawing/2010/main" xmlns:m="http://schemas.openxmlformats.org/officeDocument/2006/math" xmlns="" val="1"/>
+              <ma14:wrappingTextBoxFlag xmlns="" xmlns:m="http://schemas.openxmlformats.org/officeDocument/2006/math" xmlns:a14="http://schemas.microsoft.com/office/drawing/2010/main" xmlns:ma14="http://schemas.microsoft.com/office/mac/drawingml/2011/main" val="1"/>
             </a:ext>
           </a:extLst>
         </p:spPr>
@@ -7697,7 +7705,7 @@
         <p:dissolve/>
       </p:transition>
     </mc:Choice>
-    <mc:Fallback xmlns:a14="http://schemas.microsoft.com/office/drawing/2010/main" xmlns:m="http://schemas.openxmlformats.org/officeDocument/2006/math" xmlns="">
+    <mc:Fallback xmlns="" xmlns:m="http://schemas.openxmlformats.org/officeDocument/2006/math" xmlns:a14="http://schemas.microsoft.com/office/drawing/2010/main">
       <p:transition spd="med">
         <p:fade/>
       </p:transition>

--- a/unit00_introduction/unit01_introduction.pptx
+++ b/unit00_introduction/unit01_introduction.pptx
@@ -9,21 +9,21 @@
   </p:notesMasterIdLst>
   <p:sldIdLst>
     <p:sldId id="256" r:id="rId2"/>
-    <p:sldId id="257" r:id="rId3"/>
-    <p:sldId id="258" r:id="rId4"/>
-    <p:sldId id="259" r:id="rId5"/>
-    <p:sldId id="260" r:id="rId6"/>
-    <p:sldId id="261" r:id="rId7"/>
-    <p:sldId id="262" r:id="rId8"/>
-    <p:sldId id="263" r:id="rId9"/>
-    <p:sldId id="264" r:id="rId10"/>
-    <p:sldId id="265" r:id="rId11"/>
-    <p:sldId id="266" r:id="rId12"/>
-    <p:sldId id="267" r:id="rId13"/>
-    <p:sldId id="268" r:id="rId14"/>
-    <p:sldId id="269" r:id="rId15"/>
-    <p:sldId id="270" r:id="rId16"/>
-    <p:sldId id="271" r:id="rId17"/>
+    <p:sldId id="258" r:id="rId3"/>
+    <p:sldId id="259" r:id="rId4"/>
+    <p:sldId id="260" r:id="rId5"/>
+    <p:sldId id="261" r:id="rId6"/>
+    <p:sldId id="262" r:id="rId7"/>
+    <p:sldId id="263" r:id="rId8"/>
+    <p:sldId id="264" r:id="rId9"/>
+    <p:sldId id="265" r:id="rId10"/>
+    <p:sldId id="266" r:id="rId11"/>
+    <p:sldId id="267" r:id="rId12"/>
+    <p:sldId id="268" r:id="rId13"/>
+    <p:sldId id="269" r:id="rId14"/>
+    <p:sldId id="270" r:id="rId15"/>
+    <p:sldId id="271" r:id="rId16"/>
+    <p:sldId id="273" r:id="rId17"/>
     <p:sldId id="272" r:id="rId18"/>
   </p:sldIdLst>
   <p:sldSz cx="9144000" cy="5715000" type="screen16x10"/>
@@ -786,221 +786,6 @@
 
 <file path=ppt/slideLayouts/slideLayout3.xml><?xml version="1.0" encoding="utf-8"?>
 <p:sldLayout xmlns:a="http://schemas.openxmlformats.org/drawingml/2006/main" xmlns:r="http://schemas.openxmlformats.org/officeDocument/2006/relationships" xmlns:p="http://schemas.openxmlformats.org/presentationml/2006/main" type="tx">
-  <p:cSld name="Title and Content">
-    <p:spTree>
-      <p:nvGrpSpPr>
-        <p:cNvPr id="1" name=""/>
-        <p:cNvGrpSpPr/>
-        <p:nvPr/>
-      </p:nvGrpSpPr>
-      <p:grpSpPr>
-        <a:xfrm>
-          <a:off x="0" y="0"/>
-          <a:ext cx="0" cy="0"/>
-          <a:chOff x="0" y="0"/>
-          <a:chExt cx="0" cy="0"/>
-        </a:xfrm>
-      </p:grpSpPr>
-      <p:sp>
-        <p:nvSpPr>
-          <p:cNvPr id="27" name="Title Text"/>
-          <p:cNvSpPr txBox="1">
-            <a:spLocks noGrp="1"/>
-          </p:cNvSpPr>
-          <p:nvPr>
-            <p:ph type="title"/>
-          </p:nvPr>
-        </p:nvSpPr>
-        <p:spPr>
-          <a:xfrm>
-            <a:off x="1142999" y="928687"/>
-            <a:ext cx="5915027" cy="487276"/>
-          </a:xfrm>
-          <a:prstGeom prst="rect">
-            <a:avLst/>
-          </a:prstGeom>
-        </p:spPr>
-        <p:txBody>
-          <a:bodyPr lIns="25717" tIns="25717" rIns="25717" bIns="25717">
-            <a:normAutofit/>
-          </a:bodyPr>
-          <a:lstStyle>
-            <a:lvl1pPr algn="l" defTabSz="762000">
-              <a:lnSpc>
-                <a:spcPct val="90000"/>
-              </a:lnSpc>
-              <a:defRPr sz="2800">
-                <a:solidFill>
-                  <a:srgbClr val="C00000"/>
-                </a:solidFill>
-                <a:latin typeface="Calibri Light"/>
-                <a:ea typeface="Calibri Light"/>
-                <a:cs typeface="Calibri Light"/>
-                <a:sym typeface="Calibri Light"/>
-              </a:defRPr>
-            </a:lvl1pPr>
-          </a:lstStyle>
-          <a:p>
-            <a:r>
-              <a:t>Title Text</a:t>
-            </a:r>
-          </a:p>
-        </p:txBody>
-      </p:sp>
-      <p:sp>
-        <p:nvSpPr>
-          <p:cNvPr id="28" name="Body Level One…"/>
-          <p:cNvSpPr txBox="1">
-            <a:spLocks noGrp="1"/>
-          </p:cNvSpPr>
-          <p:nvPr>
-            <p:ph type="body" sz="half" idx="1"/>
-          </p:nvPr>
-        </p:nvSpPr>
-        <p:spPr>
-          <a:xfrm>
-            <a:off x="1614487" y="1955601"/>
-            <a:ext cx="5915027" cy="2447629"/>
-          </a:xfrm>
-          <a:prstGeom prst="rect">
-            <a:avLst/>
-          </a:prstGeom>
-        </p:spPr>
-        <p:txBody>
-          <a:bodyPr lIns="25717" tIns="25717" rIns="25717" bIns="25717">
-            <a:normAutofit/>
-          </a:bodyPr>
-          <a:lstStyle>
-            <a:lvl1pPr marL="163285" indent="-163285" defTabSz="762000">
-              <a:lnSpc>
-                <a:spcPct val="90000"/>
-              </a:lnSpc>
-              <a:spcBef>
-                <a:spcPts val="800"/>
-              </a:spcBef>
-              <a:buChar char="•"/>
-              <a:defRPr sz="2000"/>
-            </a:lvl1pPr>
-            <a:lvl2pPr marL="647700" indent="-190500" defTabSz="762000">
-              <a:lnSpc>
-                <a:spcPct val="90000"/>
-              </a:lnSpc>
-              <a:spcBef>
-                <a:spcPts val="800"/>
-              </a:spcBef>
-              <a:buChar char="•"/>
-              <a:defRPr sz="2000"/>
-            </a:lvl2pPr>
-            <a:lvl3pPr marL="1143000" indent="-228600" defTabSz="762000">
-              <a:lnSpc>
-                <a:spcPct val="90000"/>
-              </a:lnSpc>
-              <a:spcBef>
-                <a:spcPts val="800"/>
-              </a:spcBef>
-              <a:defRPr sz="2000"/>
-            </a:lvl3pPr>
-            <a:lvl4pPr marL="1625600" indent="-254000" defTabSz="762000">
-              <a:lnSpc>
-                <a:spcPct val="90000"/>
-              </a:lnSpc>
-              <a:spcBef>
-                <a:spcPts val="800"/>
-              </a:spcBef>
-              <a:buChar char="•"/>
-              <a:defRPr sz="2000"/>
-            </a:lvl4pPr>
-            <a:lvl5pPr marL="2082800" indent="-254000" defTabSz="762000">
-              <a:lnSpc>
-                <a:spcPct val="90000"/>
-              </a:lnSpc>
-              <a:spcBef>
-                <a:spcPts val="800"/>
-              </a:spcBef>
-              <a:buChar char="•"/>
-              <a:defRPr sz="2000"/>
-            </a:lvl5pPr>
-          </a:lstStyle>
-          <a:p>
-            <a:r>
-              <a:t>Body Level One</a:t>
-            </a:r>
-          </a:p>
-          <a:p>
-            <a:pPr lvl="1"/>
-            <a:r>
-              <a:t>Body Level Two</a:t>
-            </a:r>
-          </a:p>
-          <a:p>
-            <a:pPr lvl="2"/>
-            <a:r>
-              <a:t>Body Level Three</a:t>
-            </a:r>
-          </a:p>
-          <a:p>
-            <a:pPr lvl="3"/>
-            <a:r>
-              <a:t>Body Level Four</a:t>
-            </a:r>
-          </a:p>
-          <a:p>
-            <a:pPr lvl="4"/>
-            <a:r>
-              <a:t>Body Level Five</a:t>
-            </a:r>
-          </a:p>
-        </p:txBody>
-      </p:sp>
-      <p:sp>
-        <p:nvSpPr>
-          <p:cNvPr id="29" name="Slide Number"/>
-          <p:cNvSpPr txBox="1">
-            <a:spLocks noGrp="1"/>
-          </p:cNvSpPr>
-          <p:nvPr>
-            <p:ph type="sldNum" sz="quarter" idx="2"/>
-          </p:nvPr>
-        </p:nvSpPr>
-        <p:spPr>
-          <a:xfrm>
-            <a:off x="7349514" y="4511258"/>
-            <a:ext cx="179999" cy="191136"/>
-          </a:xfrm>
-          <a:prstGeom prst="rect">
-            <a:avLst/>
-          </a:prstGeom>
-        </p:spPr>
-        <p:txBody>
-          <a:bodyPr lIns="25717" tIns="25717" rIns="25717" bIns="25717"/>
-          <a:lstStyle>
-            <a:lvl1pPr defTabSz="762000">
-              <a:defRPr sz="900">
-                <a:solidFill>
-                  <a:srgbClr val="888888"/>
-                </a:solidFill>
-              </a:defRPr>
-            </a:lvl1pPr>
-          </a:lstStyle>
-          <a:p>
-            <a:fld id="{86CB4B4D-7CA3-9044-876B-883B54F8677D}" type="slidenum">
-              <a:t>‹#›</a:t>
-            </a:fld>
-            <a:endParaRPr/>
-          </a:p>
-        </p:txBody>
-      </p:sp>
-    </p:spTree>
-  </p:cSld>
-  <p:clrMapOvr>
-    <a:masterClrMapping/>
-  </p:clrMapOvr>
-  <p:transition spd="med"/>
-</p:sldLayout>
-</file>
-
-<file path=ppt/slideLayouts/slideLayout4.xml><?xml version="1.0" encoding="utf-8"?>
-<p:sldLayout xmlns:a="http://schemas.openxmlformats.org/drawingml/2006/main" xmlns:r="http://schemas.openxmlformats.org/officeDocument/2006/relationships" xmlns:p="http://schemas.openxmlformats.org/presentationml/2006/main" type="tx">
   <p:cSld name="Title Slide">
     <p:spTree>
       <p:nvGrpSpPr>
@@ -1270,7 +1055,7 @@
           </a:ln>
           <a:extLst>
             <a:ext uri="{C572A759-6A51-4108-AA02-DFA0A04FC94B}">
-              <ma14:wrappingTextBoxFlag xmlns="" xmlns:m="http://schemas.openxmlformats.org/officeDocument/2006/math" xmlns:a14="http://schemas.microsoft.com/office/drawing/2010/main" xmlns:ma14="http://schemas.microsoft.com/office/mac/drawingml/2011/main" val="1"/>
+              <ma14:wrappingTextBoxFlag xmlns:ma14="http://schemas.microsoft.com/office/mac/drawingml/2011/main" xmlns:a14="http://schemas.microsoft.com/office/drawing/2010/main" xmlns:m="http://schemas.openxmlformats.org/officeDocument/2006/math" xmlns="" val="1"/>
             </a:ext>
           </a:extLst>
         </p:spPr>
@@ -1307,7 +1092,7 @@
           </a:ln>
           <a:extLst>
             <a:ext uri="{C572A759-6A51-4108-AA02-DFA0A04FC94B}">
-              <ma14:wrappingTextBoxFlag xmlns="" xmlns:m="http://schemas.openxmlformats.org/officeDocument/2006/math" xmlns:a14="http://schemas.microsoft.com/office/drawing/2010/main" xmlns:ma14="http://schemas.microsoft.com/office/mac/drawingml/2011/main" val="1"/>
+              <ma14:wrappingTextBoxFlag xmlns:ma14="http://schemas.microsoft.com/office/mac/drawingml/2011/main" xmlns:a14="http://schemas.microsoft.com/office/drawing/2010/main" xmlns:m="http://schemas.openxmlformats.org/officeDocument/2006/math" xmlns="" val="1"/>
             </a:ext>
           </a:extLst>
         </p:spPr>
@@ -1394,8 +1179,7 @@
   <p:sldLayoutIdLst>
     <p:sldLayoutId id="2147483649" r:id="rId1"/>
     <p:sldLayoutId id="2147483650" r:id="rId2"/>
-    <p:sldLayoutId id="2147483651" r:id="rId3"/>
-    <p:sldLayoutId id="2147483652" r:id="rId4"/>
+    <p:sldLayoutId id="2147483652" r:id="rId3"/>
   </p:sldLayoutIdLst>
   <p:transition spd="med"/>
   <p:txStyles>
@@ -2292,7 +2076,15 @@
             </a:pPr>
             <a:r>
               <a:rPr sz="1660" b="0" dirty="0"/>
-              <a:t>10. Host Security.</a:t>
+              <a:t>10. Host</a:t>
+            </a:r>
+            <a:r>
+              <a:rPr lang="en-GB" sz="1660" b="0" dirty="0"/>
+              <a:t>/Cloud</a:t>
+            </a:r>
+            <a:r>
+              <a:rPr sz="1660" b="0" dirty="0"/>
+              <a:t> Security.</a:t>
             </a:r>
             <a:br>
               <a:rPr sz="1660" b="0" dirty="0"/>
@@ -2481,7 +2273,7 @@
         </p:nvGrpSpPr>
         <p:grpSpPr>
           <a:xfrm>
-            <a:off x="1103190" y="591477"/>
+            <a:off x="716829" y="423564"/>
             <a:ext cx="6937620" cy="4604185"/>
             <a:chOff x="0" y="0"/>
             <a:chExt cx="6937619" cy="4604183"/>
@@ -2692,7 +2484,7 @@
       </p:grpSpPr>
       <p:sp>
         <p:nvSpPr>
-          <p:cNvPr id="145" name="3. Hashing and MAC  Hashing Methods. Cracking. Typical Methods: MD5, SHA-1, SHA-3, LM, Bcrypt, PBKDF2 Hashed Passwords. Timed One Time Passwords. Message Authentication Codes (MACs).  Prof Bill Buchanan OBE https://asecuritysite.com/encryption"/>
+          <p:cNvPr id="151" name="4. Asymmetric Key  Principles. RSA. Elliptic Curve. Using Private Key to Authenticate. PGP: Signed Email.  Prof Bill Buchanan OBE https://asecuritysite.com/encryption"/>
           <p:cNvSpPr txBox="1">
             <a:spLocks noGrp="1"/>
           </p:cNvSpPr>
@@ -2702,8 +2494,8 @@
         </p:nvSpPr>
         <p:spPr>
           <a:xfrm>
-            <a:off x="468312" y="381347"/>
-            <a:ext cx="6840538" cy="5345907"/>
+            <a:off x="379412" y="258067"/>
+            <a:ext cx="6840538" cy="4821933"/>
           </a:xfrm>
           <a:prstGeom prst="rect">
             <a:avLst/>
@@ -2724,7 +2516,7 @@
             </a:pPr>
             <a:r>
               <a:rPr dirty="0"/>
-              <a:t>3. Hashing and MAC</a:t>
+              <a:t>4. Asymmetric Key</a:t>
             </a:r>
             <a:br>
               <a:rPr dirty="0"/>
@@ -2734,50 +2526,35 @@
             </a:br>
             <a:r>
               <a:rPr sz="2000" b="0" dirty="0"/>
-              <a:t>Hashing Methods.</a:t>
-            </a:r>
-            <a:br>
-              <a:rPr sz="2000" b="0" dirty="0"/>
-            </a:br>
-            <a:r>
-              <a:rPr sz="2000" b="0" dirty="0"/>
-              <a:t>Cracking.</a:t>
-            </a:r>
-            <a:br>
-              <a:rPr sz="2000" b="0" dirty="0"/>
-            </a:br>
-            <a:r>
-              <a:rPr sz="2000" b="0" dirty="0"/>
-              <a:t>Typical Methods: MD5, SHA-1, SHA-3, LM, </a:t>
-            </a:r>
-            <a:r>
-              <a:rPr sz="2000" b="0" dirty="0" err="1"/>
-              <a:t>Bcrypt</a:t>
-            </a:r>
-            <a:r>
-              <a:rPr sz="2000" b="0" dirty="0"/>
-              <a:t>, PBKDF2</a:t>
-            </a:r>
-            <a:br>
-              <a:rPr sz="2000" b="0" dirty="0"/>
-            </a:br>
-            <a:r>
-              <a:rPr sz="2000" b="0" dirty="0"/>
-              <a:t>Hashed Passwords.</a:t>
-            </a:r>
-            <a:br>
-              <a:rPr sz="2000" b="0" dirty="0"/>
-            </a:br>
-            <a:r>
-              <a:rPr sz="2000" b="0" dirty="0"/>
-              <a:t>Timed One Time Passwords.</a:t>
-            </a:r>
-            <a:br>
-              <a:rPr sz="2000" b="0" dirty="0"/>
-            </a:br>
-            <a:r>
-              <a:rPr sz="2000" b="0" dirty="0"/>
-              <a:t>Message Authentication Codes (MACs).</a:t>
+              <a:t>Principles.</a:t>
+            </a:r>
+            <a:br>
+              <a:rPr sz="2000" b="0" dirty="0"/>
+            </a:br>
+            <a:r>
+              <a:rPr sz="2000" b="0" dirty="0"/>
+              <a:t>RSA.</a:t>
+            </a:r>
+            <a:br>
+              <a:rPr sz="2000" b="0" dirty="0"/>
+            </a:br>
+            <a:r>
+              <a:rPr sz="2000" b="0" dirty="0"/>
+              <a:t>Elliptic Curve.</a:t>
+            </a:r>
+            <a:br>
+              <a:rPr sz="2000" b="0" dirty="0"/>
+            </a:br>
+            <a:r>
+              <a:rPr sz="2000" b="0" dirty="0"/>
+              <a:t>Using Private Key to Authenticate.</a:t>
+            </a:r>
+            <a:br>
+              <a:rPr sz="2000" b="0" dirty="0"/>
+            </a:br>
+            <a:r>
+              <a:rPr sz="2000" b="0" dirty="0"/>
+              <a:t>PGP: Signed Email.</a:t>
             </a:r>
             <a:br>
               <a:rPr sz="2000" b="0" dirty="0"/>
@@ -2801,16 +2578,43 @@
               </a:rPr>
             </a:br>
             <a:r>
-              <a:rPr sz="2000" b="0" dirty="0"/>
+              <a:rPr lang="en-GB" sz="2000" b="0" dirty="0"/>
               <a:t>https://</a:t>
             </a:r>
             <a:r>
-              <a:rPr sz="2000" b="0" dirty="0" err="1"/>
+              <a:rPr lang="en-GB" sz="2000" b="0" dirty="0" err="1"/>
               <a:t>asecuritysite.com</a:t>
             </a:r>
             <a:r>
-              <a:rPr sz="2000" b="0" dirty="0"/>
+              <a:rPr lang="en-GB" sz="2000" b="0" dirty="0"/>
               <a:t>/</a:t>
+            </a:r>
+            <a:br>
+              <a:rPr lang="en-GB" sz="2000" b="0" dirty="0"/>
+            </a:br>
+            <a:r>
+              <a:rPr lang="en-GB" sz="2000" b="0" dirty="0"/>
+              <a:t>https://</a:t>
+            </a:r>
+            <a:r>
+              <a:rPr lang="en-GB" sz="2000" b="0" dirty="0" err="1"/>
+              <a:t>github.com</a:t>
+            </a:r>
+            <a:r>
+              <a:rPr lang="en-GB" sz="2000" b="0" dirty="0"/>
+              <a:t>/</a:t>
+            </a:r>
+            <a:r>
+              <a:rPr lang="en-GB" sz="2000" b="0" dirty="0" err="1"/>
+              <a:t>billbuchanan</a:t>
+            </a:r>
+            <a:r>
+              <a:rPr lang="en-GB" sz="2000" b="0" dirty="0"/>
+              <a:t>/</a:t>
+            </a:r>
+            <a:r>
+              <a:rPr lang="en-GB" sz="2000" b="0" dirty="0" err="1"/>
+              <a:t>appliedcrypto</a:t>
             </a:r>
             <a:br>
               <a:rPr sz="2000" b="0" dirty="0"/>
@@ -2821,7 +2625,7 @@
       </p:sp>
       <p:pic>
         <p:nvPicPr>
-          <p:cNvPr id="146" name="Image" descr="Image"/>
+          <p:cNvPr id="152" name="Image" descr="Image"/>
           <p:cNvPicPr>
             <a:picLocks noChangeAspect="1"/>
           </p:cNvPicPr>
@@ -2848,7 +2652,7 @@
       </p:pic>
       <p:pic>
         <p:nvPicPr>
-          <p:cNvPr id="147" name="Image" descr="Image"/>
+          <p:cNvPr id="153" name="Image" descr="Image"/>
           <p:cNvPicPr>
             <a:picLocks noChangeAspect="1"/>
           </p:cNvPicPr>
@@ -2875,7 +2679,7 @@
       </p:pic>
       <p:pic>
         <p:nvPicPr>
-          <p:cNvPr id="148" name="Image" descr="Image"/>
+          <p:cNvPr id="154" name="Image" descr="Image"/>
           <p:cNvPicPr>
             <a:picLocks noChangeAspect="1"/>
           </p:cNvPicPr>
@@ -2902,7 +2706,7 @@
       </p:pic>
       <p:pic>
         <p:nvPicPr>
-          <p:cNvPr id="149" name="Image" descr="Image"/>
+          <p:cNvPr id="155" name="Image" descr="Image"/>
           <p:cNvPicPr>
             <a:picLocks noChangeAspect="1"/>
           </p:cNvPicPr>
@@ -2955,7 +2759,7 @@
       </p:grpSpPr>
       <p:sp>
         <p:nvSpPr>
-          <p:cNvPr id="151" name="4. Asymmetric Key  Principles. RSA. Elliptic Curve. Using Private Key to Authenticate. PGP: Signed Email.  Prof Bill Buchanan OBE https://asecuritysite.com/encryption"/>
+          <p:cNvPr id="157" name="5. Key Exchange  Principles. Diffie-Hellman (DH). Passing the secret key with key exchange.…"/>
           <p:cNvSpPr txBox="1">
             <a:spLocks noGrp="1"/>
           </p:cNvSpPr>
@@ -2965,8 +2769,8 @@
         </p:nvSpPr>
         <p:spPr>
           <a:xfrm>
-            <a:off x="379412" y="258067"/>
-            <a:ext cx="6840538" cy="4821933"/>
+            <a:off x="468312" y="235892"/>
+            <a:ext cx="6840538" cy="5386984"/>
           </a:xfrm>
           <a:prstGeom prst="rect">
             <a:avLst/>
@@ -2987,7 +2791,7 @@
             </a:pPr>
             <a:r>
               <a:rPr dirty="0"/>
-              <a:t>4. Asymmetric Key</a:t>
+              <a:t>5. Key Exchange</a:t>
             </a:r>
             <a:br>
               <a:rPr dirty="0"/>
@@ -3004,29 +2808,34 @@
             </a:br>
             <a:r>
               <a:rPr sz="2000" b="0" dirty="0"/>
-              <a:t>RSA.</a:t>
-            </a:r>
-            <a:br>
-              <a:rPr sz="2000" b="0" dirty="0"/>
-            </a:br>
-            <a:r>
-              <a:rPr sz="2000" b="0" dirty="0"/>
-              <a:t>Elliptic Curve.</a:t>
-            </a:r>
-            <a:br>
-              <a:rPr sz="2000" b="0" dirty="0"/>
-            </a:br>
-            <a:r>
-              <a:rPr sz="2000" b="0" dirty="0"/>
-              <a:t>Using Private Key to Authenticate.</a:t>
-            </a:r>
-            <a:br>
-              <a:rPr sz="2000" b="0" dirty="0"/>
-            </a:br>
-            <a:r>
-              <a:rPr sz="2000" b="0" dirty="0"/>
-              <a:t>PGP: Signed Email.</a:t>
-            </a:r>
+              <a:t>Diffie-Hellman (DH).</a:t>
+            </a:r>
+            <a:br>
+              <a:rPr sz="2000" b="0" dirty="0"/>
+            </a:br>
+            <a:r>
+              <a:rPr sz="2000" b="0" dirty="0"/>
+              <a:t>Passing the secret key with key exchange.</a:t>
+            </a:r>
+          </a:p>
+          <a:p>
+            <a:pPr algn="l">
+              <a:defRPr b="1">
+                <a:solidFill>
+                  <a:srgbClr val="C00000"/>
+                </a:solidFill>
+              </a:defRPr>
+            </a:pPr>
+            <a:r>
+              <a:rPr sz="2000" b="0" dirty="0"/>
+              <a:t>Elliptic Curve Diffie-Hellman (ECDH)</a:t>
+            </a:r>
+            <a:br>
+              <a:rPr sz="2000" b="0" dirty="0"/>
+            </a:br>
+            <a:br>
+              <a:rPr sz="2000" b="0" dirty="0"/>
+            </a:br>
             <a:br>
               <a:rPr sz="2000" b="0" dirty="0"/>
             </a:br>
@@ -3049,16 +2858,43 @@
               </a:rPr>
             </a:br>
             <a:r>
-              <a:rPr sz="2000" b="0" dirty="0"/>
+              <a:rPr lang="en-GB" sz="2000" b="0" dirty="0"/>
               <a:t>https://</a:t>
             </a:r>
             <a:r>
-              <a:rPr sz="2000" b="0" dirty="0" err="1"/>
+              <a:rPr lang="en-GB" sz="2000" b="0" dirty="0" err="1"/>
               <a:t>asecuritysite.com</a:t>
             </a:r>
             <a:r>
-              <a:rPr sz="2000" b="0" dirty="0"/>
+              <a:rPr lang="en-GB" sz="2000" b="0" dirty="0"/>
               <a:t>/</a:t>
+            </a:r>
+            <a:br>
+              <a:rPr lang="en-GB" sz="2000" b="0" dirty="0"/>
+            </a:br>
+            <a:r>
+              <a:rPr lang="en-GB" sz="2000" b="0" dirty="0"/>
+              <a:t>https://</a:t>
+            </a:r>
+            <a:r>
+              <a:rPr lang="en-GB" sz="2000" b="0" dirty="0" err="1"/>
+              <a:t>github.com</a:t>
+            </a:r>
+            <a:r>
+              <a:rPr lang="en-GB" sz="2000" b="0" dirty="0"/>
+              <a:t>/</a:t>
+            </a:r>
+            <a:r>
+              <a:rPr lang="en-GB" sz="2000" b="0" dirty="0" err="1"/>
+              <a:t>billbuchanan</a:t>
+            </a:r>
+            <a:r>
+              <a:rPr lang="en-GB" sz="2000" b="0" dirty="0"/>
+              <a:t>/</a:t>
+            </a:r>
+            <a:r>
+              <a:rPr lang="en-GB" sz="2000" b="0" dirty="0" err="1"/>
+              <a:t>appliedcrypto</a:t>
             </a:r>
             <a:br>
               <a:rPr sz="2000" b="0" dirty="0"/>
@@ -3069,7 +2905,7 @@
       </p:sp>
       <p:pic>
         <p:nvPicPr>
-          <p:cNvPr id="152" name="Image" descr="Image"/>
+          <p:cNvPr id="158" name="Image" descr="Image"/>
           <p:cNvPicPr>
             <a:picLocks noChangeAspect="1"/>
           </p:cNvPicPr>
@@ -3096,7 +2932,7 @@
       </p:pic>
       <p:pic>
         <p:nvPicPr>
-          <p:cNvPr id="153" name="Image" descr="Image"/>
+          <p:cNvPr id="159" name="Image" descr="Image"/>
           <p:cNvPicPr>
             <a:picLocks noChangeAspect="1"/>
           </p:cNvPicPr>
@@ -3123,7 +2959,7 @@
       </p:pic>
       <p:pic>
         <p:nvPicPr>
-          <p:cNvPr id="154" name="Image" descr="Image"/>
+          <p:cNvPr id="160" name="Image" descr="Image"/>
           <p:cNvPicPr>
             <a:picLocks noChangeAspect="1"/>
           </p:cNvPicPr>
@@ -3150,7 +2986,7 @@
       </p:pic>
       <p:pic>
         <p:nvPicPr>
-          <p:cNvPr id="155" name="Image" descr="Image"/>
+          <p:cNvPr id="161" name="Image" descr="Image"/>
           <p:cNvPicPr>
             <a:picLocks noChangeAspect="1"/>
           </p:cNvPicPr>
@@ -3203,7 +3039,7 @@
       </p:grpSpPr>
       <p:sp>
         <p:nvSpPr>
-          <p:cNvPr id="157" name="5. Key Exchange  Principles. Diffie-Hellman (DH). Passing the secret key with key exchange.…"/>
+          <p:cNvPr id="163" name="6. Trust and Digital Certificates  Principles.…"/>
           <p:cNvSpPr txBox="1">
             <a:spLocks noGrp="1"/>
           </p:cNvSpPr>
@@ -3213,8 +3049,8 @@
         </p:nvSpPr>
         <p:spPr>
           <a:xfrm>
-            <a:off x="468312" y="235892"/>
-            <a:ext cx="6840538" cy="5386984"/>
+            <a:off x="468312" y="218529"/>
+            <a:ext cx="6840538" cy="5277942"/>
           </a:xfrm>
           <a:prstGeom prst="rect">
             <a:avLst/>
@@ -3222,7 +3058,7 @@
         </p:spPr>
         <p:txBody>
           <a:bodyPr>
-            <a:normAutofit/>
+            <a:normAutofit fontScale="90000"/>
           </a:bodyPr>
           <a:lstStyle/>
           <a:p>
@@ -3235,31 +3071,32 @@
             </a:pPr>
             <a:r>
               <a:rPr dirty="0"/>
-              <a:t>5. Key Exchange</a:t>
-            </a:r>
-            <a:br>
+              <a:t>6. </a:t>
+            </a:r>
+            <a:r>
+              <a:rPr lang="en-US" dirty="0"/>
+              <a:t>Signatures</a:t>
+            </a:r>
+            <a:r>
               <a:rPr dirty="0"/>
-            </a:br>
-            <a:br>
+              <a:t> and </a:t>
+            </a:r>
+            <a:br>
+              <a:rPr lang="en-US" dirty="0"/>
+            </a:br>
+            <a:r>
               <a:rPr dirty="0"/>
+              <a:t>Digital Certificates</a:t>
+            </a:r>
+            <a:br>
+              <a:rPr dirty="0"/>
+            </a:br>
+            <a:br>
+              <a:rPr dirty="0"/>
             </a:br>
             <a:r>
               <a:rPr sz="2000" b="0" dirty="0"/>
               <a:t>Principles.</a:t>
-            </a:r>
-            <a:br>
-              <a:rPr sz="2000" b="0" dirty="0"/>
-            </a:br>
-            <a:r>
-              <a:rPr sz="2000" b="0" dirty="0"/>
-              <a:t>Diffie-Hellman (DH).</a:t>
-            </a:r>
-            <a:br>
-              <a:rPr sz="2000" b="0" dirty="0"/>
-            </a:br>
-            <a:r>
-              <a:rPr sz="2000" b="0" dirty="0"/>
-              <a:t>Passing the secret key with key exchange.</a:t>
             </a:r>
           </a:p>
           <a:p>
@@ -3272,14 +3109,43 @@
             </a:pPr>
             <a:r>
               <a:rPr sz="2000" b="0" dirty="0"/>
-              <a:t>Elliptic Curve Diffie-Hellman (ECDH)</a:t>
-            </a:r>
-            <a:br>
-              <a:rPr sz="2000" b="0" dirty="0"/>
-            </a:br>
-            <a:br>
-              <a:rPr sz="2000" b="0" dirty="0"/>
-            </a:br>
+              <a:t>Trust Infrastructures.</a:t>
+            </a:r>
+            <a:br>
+              <a:rPr sz="2000" b="0" dirty="0"/>
+            </a:br>
+            <a:r>
+              <a:rPr sz="2000" b="0" dirty="0"/>
+              <a:t>PKI Infrastructure.</a:t>
+            </a:r>
+            <a:br>
+              <a:rPr sz="2000" b="0" dirty="0"/>
+            </a:br>
+            <a:r>
+              <a:rPr sz="2000" b="0" dirty="0"/>
+              <a:t>Creating Signed Certificates.</a:t>
+            </a:r>
+          </a:p>
+          <a:p>
+            <a:pPr algn="l">
+              <a:defRPr b="1">
+                <a:solidFill>
+                  <a:srgbClr val="C00000"/>
+                </a:solidFill>
+              </a:defRPr>
+            </a:pPr>
+            <a:r>
+              <a:rPr sz="2000" b="0" dirty="0"/>
+              <a:t>Signatures (</a:t>
+            </a:r>
+            <a:r>
+              <a:rPr lang="en-GB" sz="2000" b="0" dirty="0"/>
+              <a:t>DSA, </a:t>
+            </a:r>
+            <a:r>
+              <a:rPr sz="2000" b="0" dirty="0"/>
+              <a:t>ECDSA, Hashed-based).</a:t>
+            </a:r>
             <a:br>
               <a:rPr sz="2000" b="0" dirty="0"/>
             </a:br>
@@ -3302,16 +3168,43 @@
               </a:rPr>
             </a:br>
             <a:r>
-              <a:rPr sz="2000" b="0" dirty="0"/>
+              <a:rPr lang="en-GB" sz="2000" b="0" dirty="0"/>
               <a:t>https://</a:t>
             </a:r>
             <a:r>
-              <a:rPr sz="2000" b="0" dirty="0" err="1"/>
+              <a:rPr lang="en-GB" sz="2000" b="0" dirty="0" err="1"/>
               <a:t>asecuritysite.com</a:t>
             </a:r>
             <a:r>
-              <a:rPr sz="2000" b="0" dirty="0"/>
+              <a:rPr lang="en-GB" sz="2000" b="0" dirty="0"/>
               <a:t>/</a:t>
+            </a:r>
+            <a:br>
+              <a:rPr lang="en-GB" sz="2000" b="0" dirty="0"/>
+            </a:br>
+            <a:r>
+              <a:rPr lang="en-GB" sz="2000" b="0" dirty="0"/>
+              <a:t>https://</a:t>
+            </a:r>
+            <a:r>
+              <a:rPr lang="en-GB" sz="2000" b="0" dirty="0" err="1"/>
+              <a:t>github.com</a:t>
+            </a:r>
+            <a:r>
+              <a:rPr lang="en-GB" sz="2000" b="0" dirty="0"/>
+              <a:t>/</a:t>
+            </a:r>
+            <a:r>
+              <a:rPr lang="en-GB" sz="2000" b="0" dirty="0" err="1"/>
+              <a:t>billbuchanan</a:t>
+            </a:r>
+            <a:r>
+              <a:rPr lang="en-GB" sz="2000" b="0" dirty="0"/>
+              <a:t>/</a:t>
+            </a:r>
+            <a:r>
+              <a:rPr lang="en-GB" sz="2000" b="0" dirty="0" err="1"/>
+              <a:t>appliedcrypto</a:t>
             </a:r>
             <a:br>
               <a:rPr sz="2000" b="0" dirty="0"/>
@@ -3322,7 +3215,7 @@
       </p:sp>
       <p:pic>
         <p:nvPicPr>
-          <p:cNvPr id="158" name="Image" descr="Image"/>
+          <p:cNvPr id="164" name="Image" descr="Image"/>
           <p:cNvPicPr>
             <a:picLocks noChangeAspect="1"/>
           </p:cNvPicPr>
@@ -3349,7 +3242,7 @@
       </p:pic>
       <p:pic>
         <p:nvPicPr>
-          <p:cNvPr id="159" name="Image" descr="Image"/>
+          <p:cNvPr id="165" name="Image" descr="Image"/>
           <p:cNvPicPr>
             <a:picLocks noChangeAspect="1"/>
           </p:cNvPicPr>
@@ -3376,7 +3269,7 @@
       </p:pic>
       <p:pic>
         <p:nvPicPr>
-          <p:cNvPr id="160" name="Image" descr="Image"/>
+          <p:cNvPr id="166" name="Image" descr="Image"/>
           <p:cNvPicPr>
             <a:picLocks noChangeAspect="1"/>
           </p:cNvPicPr>
@@ -3403,7 +3296,7 @@
       </p:pic>
       <p:pic>
         <p:nvPicPr>
-          <p:cNvPr id="161" name="Image" descr="Image"/>
+          <p:cNvPr id="167" name="Image" descr="Image"/>
           <p:cNvPicPr>
             <a:picLocks noChangeAspect="1"/>
           </p:cNvPicPr>
@@ -3456,7 +3349,7 @@
       </p:grpSpPr>
       <p:sp>
         <p:nvSpPr>
-          <p:cNvPr id="163" name="6. Trust and Digital Certificates  Principles.…"/>
+          <p:cNvPr id="169" name="7. Tunnelling  SSL/TLS.…"/>
           <p:cNvSpPr txBox="1">
             <a:spLocks noGrp="1"/>
           </p:cNvSpPr>
@@ -3488,32 +3381,17 @@
             </a:pPr>
             <a:r>
               <a:rPr dirty="0"/>
-              <a:t>6. </a:t>
-            </a:r>
-            <a:r>
-              <a:rPr lang="en-US" dirty="0"/>
-              <a:t>Signatures</a:t>
-            </a:r>
-            <a:r>
+              <a:t>7. Tunnelling</a:t>
+            </a:r>
+            <a:br>
               <a:rPr dirty="0"/>
-              <a:t> and </a:t>
-            </a:r>
-            <a:br>
-              <a:rPr lang="en-US" dirty="0"/>
-            </a:br>
-            <a:r>
+            </a:br>
+            <a:br>
               <a:rPr dirty="0"/>
-              <a:t>Digital Certificates</a:t>
-            </a:r>
-            <a:br>
-              <a:rPr dirty="0"/>
-            </a:br>
-            <a:br>
-              <a:rPr dirty="0"/>
-            </a:br>
-            <a:r>
-              <a:rPr sz="2000" b="0" dirty="0"/>
-              <a:t>Principles.</a:t>
+            </a:br>
+            <a:r>
+              <a:rPr sz="2000" b="0" dirty="0"/>
+              <a:t>SSL/TLS.</a:t>
             </a:r>
           </a:p>
           <a:p>
@@ -3526,21 +3404,7 @@
             </a:pPr>
             <a:r>
               <a:rPr sz="2000" b="0" dirty="0"/>
-              <a:t>Trust Infrastructures.</a:t>
-            </a:r>
-            <a:br>
-              <a:rPr sz="2000" b="0" dirty="0"/>
-            </a:br>
-            <a:r>
-              <a:rPr sz="2000" b="0" dirty="0"/>
-              <a:t>PKI Infrastructure.</a:t>
-            </a:r>
-            <a:br>
-              <a:rPr sz="2000" b="0" dirty="0"/>
-            </a:br>
-            <a:r>
-              <a:rPr sz="2000" b="0" dirty="0"/>
-              <a:t>Creating Signed Certificates.</a:t>
+              <a:t>Key generation/key exchange.</a:t>
             </a:r>
           </a:p>
           <a:p>
@@ -3553,8 +3417,34 @@
             </a:pPr>
             <a:r>
               <a:rPr sz="2000" b="0" dirty="0"/>
-              <a:t>Signatures (ECDSA, Hashed-based).</a:t>
-            </a:r>
+              <a:t>SSH.</a:t>
+            </a:r>
+          </a:p>
+          <a:p>
+            <a:pPr algn="l">
+              <a:defRPr b="1">
+                <a:solidFill>
+                  <a:srgbClr val="C00000"/>
+                </a:solidFill>
+              </a:defRPr>
+            </a:pPr>
+            <a:r>
+              <a:rPr sz="2000" b="0" dirty="0" err="1"/>
+              <a:t>IPSec</a:t>
+            </a:r>
+            <a:r>
+              <a:rPr sz="2000" b="0" dirty="0"/>
+              <a:t>.</a:t>
+            </a:r>
+          </a:p>
+          <a:p>
+            <a:pPr algn="l">
+              <a:defRPr b="1">
+                <a:solidFill>
+                  <a:srgbClr val="C00000"/>
+                </a:solidFill>
+              </a:defRPr>
+            </a:pPr>
             <a:br>
               <a:rPr sz="2000" b="0" dirty="0"/>
             </a:br>
@@ -3577,16 +3467,43 @@
               </a:rPr>
             </a:br>
             <a:r>
-              <a:rPr sz="2000" b="0" dirty="0"/>
+              <a:rPr lang="en-GB" sz="2000" b="0" dirty="0"/>
               <a:t>https://</a:t>
             </a:r>
             <a:r>
-              <a:rPr sz="2000" b="0" dirty="0" err="1"/>
+              <a:rPr lang="en-GB" sz="2000" b="0" dirty="0" err="1"/>
               <a:t>asecuritysite.com</a:t>
             </a:r>
             <a:r>
-              <a:rPr sz="2000" b="0" dirty="0"/>
+              <a:rPr lang="en-GB" sz="2000" b="0" dirty="0"/>
               <a:t>/</a:t>
+            </a:r>
+            <a:br>
+              <a:rPr lang="en-GB" sz="2000" b="0" dirty="0"/>
+            </a:br>
+            <a:r>
+              <a:rPr lang="en-GB" sz="2000" b="0" dirty="0"/>
+              <a:t>https://</a:t>
+            </a:r>
+            <a:r>
+              <a:rPr lang="en-GB" sz="2000" b="0" dirty="0" err="1"/>
+              <a:t>github.com</a:t>
+            </a:r>
+            <a:r>
+              <a:rPr lang="en-GB" sz="2000" b="0" dirty="0"/>
+              <a:t>/</a:t>
+            </a:r>
+            <a:r>
+              <a:rPr lang="en-GB" sz="2000" b="0" dirty="0" err="1"/>
+              <a:t>billbuchanan</a:t>
+            </a:r>
+            <a:r>
+              <a:rPr lang="en-GB" sz="2000" b="0" dirty="0"/>
+              <a:t>/</a:t>
+            </a:r>
+            <a:r>
+              <a:rPr lang="en-GB" sz="2000" b="0" dirty="0" err="1"/>
+              <a:t>appliedcrypto</a:t>
             </a:r>
             <a:br>
               <a:rPr sz="2000" b="0" dirty="0"/>
@@ -3597,7 +3514,7 @@
       </p:sp>
       <p:pic>
         <p:nvPicPr>
-          <p:cNvPr id="164" name="Image" descr="Image"/>
+          <p:cNvPr id="170" name="Image" descr="Image"/>
           <p:cNvPicPr>
             <a:picLocks noChangeAspect="1"/>
           </p:cNvPicPr>
@@ -3624,7 +3541,7 @@
       </p:pic>
       <p:pic>
         <p:nvPicPr>
-          <p:cNvPr id="165" name="Image" descr="Image"/>
+          <p:cNvPr id="171" name="Image" descr="Image"/>
           <p:cNvPicPr>
             <a:picLocks noChangeAspect="1"/>
           </p:cNvPicPr>
@@ -3651,7 +3568,7 @@
       </p:pic>
       <p:pic>
         <p:nvPicPr>
-          <p:cNvPr id="166" name="Image" descr="Image"/>
+          <p:cNvPr id="172" name="Image" descr="Image"/>
           <p:cNvPicPr>
             <a:picLocks noChangeAspect="1"/>
           </p:cNvPicPr>
@@ -3678,7 +3595,7 @@
       </p:pic>
       <p:pic>
         <p:nvPicPr>
-          <p:cNvPr id="167" name="Image" descr="Image"/>
+          <p:cNvPr id="173" name="Image" descr="Image"/>
           <p:cNvPicPr>
             <a:picLocks noChangeAspect="1"/>
           </p:cNvPicPr>
@@ -3731,7 +3648,7 @@
       </p:grpSpPr>
       <p:sp>
         <p:nvSpPr>
-          <p:cNvPr id="169" name="7. Tunnelling  SSL/TLS.…"/>
+          <p:cNvPr id="175" name="8. Blockchain &amp; Cryptocurrencies Principles. Bitcoin. Ethereum. Smart Contracts.    Prof Bill Buchanan OBE https://asecuritysite.com/encryption"/>
           <p:cNvSpPr txBox="1">
             <a:spLocks noGrp="1"/>
           </p:cNvSpPr>
@@ -3741,8 +3658,8 @@
         </p:nvSpPr>
         <p:spPr>
           <a:xfrm>
-            <a:off x="468312" y="218529"/>
-            <a:ext cx="6840538" cy="5277942"/>
+            <a:off x="468312" y="169068"/>
+            <a:ext cx="7704138" cy="5247879"/>
           </a:xfrm>
           <a:prstGeom prst="rect">
             <a:avLst/>
@@ -3763,70 +3680,42 @@
             </a:pPr>
             <a:r>
               <a:rPr dirty="0"/>
-              <a:t>7. Tunnelling</a:t>
+              <a:t>8. Blockchain &amp; Cryptocurrencies</a:t>
             </a:r>
             <a:br>
               <a:rPr dirty="0"/>
             </a:br>
-            <a:br>
-              <a:rPr dirty="0"/>
-            </a:br>
-            <a:r>
-              <a:rPr sz="2000" b="0" dirty="0"/>
-              <a:t>SSL/TLS.</a:t>
-            </a:r>
-          </a:p>
-          <a:p>
-            <a:pPr algn="l">
-              <a:defRPr b="1">
-                <a:solidFill>
-                  <a:srgbClr val="C00000"/>
-                </a:solidFill>
-              </a:defRPr>
-            </a:pPr>
-            <a:r>
-              <a:rPr sz="2000" b="0" dirty="0"/>
-              <a:t>Key generation/key exchange.</a:t>
-            </a:r>
-          </a:p>
-          <a:p>
-            <a:pPr algn="l">
-              <a:defRPr b="1">
-                <a:solidFill>
-                  <a:srgbClr val="C00000"/>
-                </a:solidFill>
-              </a:defRPr>
-            </a:pPr>
-            <a:r>
-              <a:rPr sz="2000" b="0" dirty="0"/>
-              <a:t>SSH.</a:t>
-            </a:r>
-          </a:p>
-          <a:p>
-            <a:pPr algn="l">
-              <a:defRPr b="1">
-                <a:solidFill>
-                  <a:srgbClr val="C00000"/>
-                </a:solidFill>
-              </a:defRPr>
-            </a:pPr>
-            <a:r>
-              <a:rPr sz="2000" b="0" dirty="0" err="1"/>
-              <a:t>IPSec</a:t>
-            </a:r>
-            <a:r>
-              <a:rPr sz="2000" b="0" dirty="0"/>
-              <a:t>.</a:t>
-            </a:r>
-          </a:p>
-          <a:p>
-            <a:pPr algn="l">
-              <a:defRPr b="1">
-                <a:solidFill>
-                  <a:srgbClr val="C00000"/>
-                </a:solidFill>
-              </a:defRPr>
-            </a:pPr>
+            <a:r>
+              <a:rPr sz="2000" b="0" dirty="0"/>
+              <a:t>Principles.</a:t>
+            </a:r>
+            <a:br>
+              <a:rPr sz="2000" b="0" dirty="0"/>
+            </a:br>
+            <a:r>
+              <a:rPr sz="2000" b="0" dirty="0"/>
+              <a:t>Bitcoin.</a:t>
+            </a:r>
+            <a:br>
+              <a:rPr sz="2000" b="0" dirty="0"/>
+            </a:br>
+            <a:r>
+              <a:rPr sz="2000" b="0" dirty="0"/>
+              <a:t>Ethereum.</a:t>
+            </a:r>
+            <a:br>
+              <a:rPr sz="2000" b="0" dirty="0"/>
+            </a:br>
+            <a:r>
+              <a:rPr sz="2000" b="0" dirty="0"/>
+              <a:t>Smart Contracts.</a:t>
+            </a:r>
+            <a:br>
+              <a:rPr sz="2000" b="0" dirty="0"/>
+            </a:br>
+            <a:br>
+              <a:rPr sz="2000" b="0" dirty="0"/>
+            </a:br>
             <a:br>
               <a:rPr sz="2000" b="0" dirty="0"/>
             </a:br>
@@ -3849,16 +3738,43 @@
               </a:rPr>
             </a:br>
             <a:r>
-              <a:rPr sz="2000" b="0" dirty="0"/>
+              <a:rPr lang="en-GB" sz="2000" b="0" dirty="0"/>
               <a:t>https://</a:t>
             </a:r>
             <a:r>
-              <a:rPr sz="2000" b="0" dirty="0" err="1"/>
+              <a:rPr lang="en-GB" sz="2000" b="0" dirty="0" err="1"/>
               <a:t>asecuritysite.com</a:t>
             </a:r>
             <a:r>
-              <a:rPr sz="2000" b="0" dirty="0"/>
+              <a:rPr lang="en-GB" sz="2000" b="0" dirty="0"/>
               <a:t>/</a:t>
+            </a:r>
+            <a:br>
+              <a:rPr lang="en-GB" sz="2000" b="0" dirty="0"/>
+            </a:br>
+            <a:r>
+              <a:rPr lang="en-GB" sz="2000" b="0" dirty="0"/>
+              <a:t>https://</a:t>
+            </a:r>
+            <a:r>
+              <a:rPr lang="en-GB" sz="2000" b="0" dirty="0" err="1"/>
+              <a:t>github.com</a:t>
+            </a:r>
+            <a:r>
+              <a:rPr lang="en-GB" sz="2000" b="0" dirty="0"/>
+              <a:t>/</a:t>
+            </a:r>
+            <a:r>
+              <a:rPr lang="en-GB" sz="2000" b="0" dirty="0" err="1"/>
+              <a:t>billbuchanan</a:t>
+            </a:r>
+            <a:r>
+              <a:rPr lang="en-GB" sz="2000" b="0" dirty="0"/>
+              <a:t>/</a:t>
+            </a:r>
+            <a:r>
+              <a:rPr lang="en-GB" sz="2000" b="0" dirty="0" err="1"/>
+              <a:t>appliedcrypto</a:t>
             </a:r>
             <a:br>
               <a:rPr sz="2000" b="0" dirty="0"/>
@@ -3869,7 +3785,7 @@
       </p:sp>
       <p:pic>
         <p:nvPicPr>
-          <p:cNvPr id="170" name="Image" descr="Image"/>
+          <p:cNvPr id="176" name="Image" descr="Image"/>
           <p:cNvPicPr>
             <a:picLocks noChangeAspect="1"/>
           </p:cNvPicPr>
@@ -3896,7 +3812,7 @@
       </p:pic>
       <p:pic>
         <p:nvPicPr>
-          <p:cNvPr id="171" name="Image" descr="Image"/>
+          <p:cNvPr id="177" name="Image" descr="Image"/>
           <p:cNvPicPr>
             <a:picLocks noChangeAspect="1"/>
           </p:cNvPicPr>
@@ -3923,7 +3839,7 @@
       </p:pic>
       <p:pic>
         <p:nvPicPr>
-          <p:cNvPr id="172" name="Image" descr="Image"/>
+          <p:cNvPr id="178" name="Image" descr="Image"/>
           <p:cNvPicPr>
             <a:picLocks noChangeAspect="1"/>
           </p:cNvPicPr>
@@ -3950,7 +3866,7 @@
       </p:pic>
       <p:pic>
         <p:nvPicPr>
-          <p:cNvPr id="173" name="Image" descr="Image"/>
+          <p:cNvPr id="179" name="Image" descr="Image"/>
           <p:cNvPicPr>
             <a:picLocks noChangeAspect="1"/>
           </p:cNvPicPr>
@@ -4003,7 +3919,7 @@
       </p:grpSpPr>
       <p:sp>
         <p:nvSpPr>
-          <p:cNvPr id="175" name="8. Blockchain &amp; Cryptocurrencies Principles. Bitcoin. Ethereum. Smart Contracts.    Prof Bill Buchanan OBE https://asecuritysite.com/encryption"/>
+          <p:cNvPr id="181" name="9. Future Crypto Zero knowledge proof.…"/>
           <p:cNvSpPr txBox="1">
             <a:spLocks noGrp="1"/>
           </p:cNvSpPr>
@@ -4035,35 +3951,68 @@
             </a:pPr>
             <a:r>
               <a:rPr dirty="0"/>
-              <a:t>8. Blockchain &amp; Cryptocurrencies</a:t>
+              <a:t>9. Future Crypto</a:t>
             </a:r>
             <a:br>
               <a:rPr dirty="0"/>
             </a:br>
             <a:r>
               <a:rPr sz="2000" b="0" dirty="0"/>
-              <a:t>Principles.</a:t>
-            </a:r>
-            <a:br>
-              <a:rPr sz="2000" b="0" dirty="0"/>
-            </a:br>
-            <a:r>
-              <a:rPr sz="2000" b="0" dirty="0"/>
-              <a:t>Bitcoin.</a:t>
-            </a:r>
-            <a:br>
-              <a:rPr sz="2000" b="0" dirty="0"/>
-            </a:br>
-            <a:r>
-              <a:rPr sz="2000" b="0" dirty="0"/>
-              <a:t>Ethereum.</a:t>
-            </a:r>
-            <a:br>
-              <a:rPr sz="2000" b="0" dirty="0"/>
-            </a:br>
-            <a:r>
-              <a:rPr sz="2000" b="0" dirty="0"/>
-              <a:t>Smart Contracts.</a:t>
+              <a:t>Zero knowledge proof.</a:t>
+            </a:r>
+          </a:p>
+          <a:p>
+            <a:pPr algn="l">
+              <a:defRPr b="1">
+                <a:solidFill>
+                  <a:srgbClr val="C00000"/>
+                </a:solidFill>
+              </a:defRPr>
+            </a:pPr>
+            <a:r>
+              <a:rPr sz="2000" b="0" dirty="0"/>
+              <a:t>Homomorphic encryption.</a:t>
+            </a:r>
+          </a:p>
+          <a:p>
+            <a:pPr algn="l">
+              <a:defRPr b="1">
+                <a:solidFill>
+                  <a:srgbClr val="C00000"/>
+                </a:solidFill>
+              </a:defRPr>
+            </a:pPr>
+            <a:r>
+              <a:rPr sz="2000" b="0" dirty="0"/>
+              <a:t>Light-weight crypto</a:t>
+            </a:r>
+            <a:r>
+              <a:rPr lang="en-GB" sz="2000" b="0" dirty="0" err="1"/>
+              <a:t>graphy</a:t>
+            </a:r>
+            <a:r>
+              <a:rPr sz="2000" b="0" dirty="0"/>
+              <a:t>.</a:t>
+            </a:r>
+          </a:p>
+          <a:p>
+            <a:pPr algn="l">
+              <a:defRPr b="1">
+                <a:solidFill>
+                  <a:srgbClr val="C00000"/>
+                </a:solidFill>
+              </a:defRPr>
+            </a:pPr>
+            <a:r>
+              <a:rPr sz="2000" b="0" dirty="0"/>
+              <a:t>Quantum-robust cryptography.</a:t>
+            </a:r>
+            <a:br>
+              <a:rPr lang="en-GB" sz="2000" b="0" dirty="0"/>
+            </a:br>
+            <a:r>
+              <a:rPr lang="en-GB" sz="2000" b="0" dirty="0"/>
+              <a:t>Secure Enclaves/Host Trust.</a:t>
             </a:r>
             <a:br>
               <a:rPr sz="2000" b="0" dirty="0"/>
@@ -4093,16 +4042,43 @@
               </a:rPr>
             </a:br>
             <a:r>
-              <a:rPr sz="2000" b="0" dirty="0"/>
+              <a:rPr lang="en-GB" sz="2000" b="0" dirty="0"/>
               <a:t>https://</a:t>
             </a:r>
             <a:r>
-              <a:rPr sz="2000" b="0" dirty="0" err="1"/>
+              <a:rPr lang="en-GB" sz="2000" b="0" dirty="0" err="1"/>
               <a:t>asecuritysite.com</a:t>
             </a:r>
             <a:r>
-              <a:rPr sz="2000" b="0" dirty="0"/>
+              <a:rPr lang="en-GB" sz="2000" b="0" dirty="0"/>
               <a:t>/</a:t>
+            </a:r>
+            <a:br>
+              <a:rPr lang="en-GB" sz="2000" b="0" dirty="0"/>
+            </a:br>
+            <a:r>
+              <a:rPr lang="en-GB" sz="2000" b="0" dirty="0"/>
+              <a:t>https://</a:t>
+            </a:r>
+            <a:r>
+              <a:rPr lang="en-GB" sz="2000" b="0" dirty="0" err="1"/>
+              <a:t>github.com</a:t>
+            </a:r>
+            <a:r>
+              <a:rPr lang="en-GB" sz="2000" b="0" dirty="0"/>
+              <a:t>/</a:t>
+            </a:r>
+            <a:r>
+              <a:rPr lang="en-GB" sz="2000" b="0" dirty="0" err="1"/>
+              <a:t>billbuchanan</a:t>
+            </a:r>
+            <a:r>
+              <a:rPr lang="en-GB" sz="2000" b="0" dirty="0"/>
+              <a:t>/</a:t>
+            </a:r>
+            <a:r>
+              <a:rPr lang="en-GB" sz="2000" b="0" dirty="0" err="1"/>
+              <a:t>appliedcrypto</a:t>
             </a:r>
             <a:br>
               <a:rPr sz="2000" b="0" dirty="0"/>
@@ -4113,7 +4089,7 @@
       </p:sp>
       <p:pic>
         <p:nvPicPr>
-          <p:cNvPr id="176" name="Image" descr="Image"/>
+          <p:cNvPr id="182" name="Image" descr="Image"/>
           <p:cNvPicPr>
             <a:picLocks noChangeAspect="1"/>
           </p:cNvPicPr>
@@ -4140,7 +4116,7 @@
       </p:pic>
       <p:pic>
         <p:nvPicPr>
-          <p:cNvPr id="177" name="Image" descr="Image"/>
+          <p:cNvPr id="183" name="Image" descr="Image"/>
           <p:cNvPicPr>
             <a:picLocks noChangeAspect="1"/>
           </p:cNvPicPr>
@@ -4167,7 +4143,7 @@
       </p:pic>
       <p:pic>
         <p:nvPicPr>
-          <p:cNvPr id="178" name="Image" descr="Image"/>
+          <p:cNvPr id="184" name="Image" descr="Image"/>
           <p:cNvPicPr>
             <a:picLocks noChangeAspect="1"/>
           </p:cNvPicPr>
@@ -4194,7 +4170,7 @@
       </p:pic>
       <p:pic>
         <p:nvPicPr>
-          <p:cNvPr id="179" name="Image" descr="Image"/>
+          <p:cNvPr id="185" name="Image" descr="Image"/>
           <p:cNvPicPr>
             <a:picLocks noChangeAspect="1"/>
           </p:cNvPicPr>
@@ -4278,54 +4254,36 @@
               </a:defRPr>
             </a:pPr>
             <a:r>
+              <a:rPr lang="en-GB" dirty="0"/>
+              <a:t>10. Host/Cloud</a:t>
+            </a:r>
+            <a:br>
               <a:rPr dirty="0"/>
-              <a:t>9. Future Crypto</a:t>
-            </a:r>
-            <a:br>
-              <a:rPr dirty="0"/>
-            </a:br>
-            <a:r>
-              <a:rPr sz="2000" b="0" dirty="0"/>
-              <a:t>Zero knowledge proof.</a:t>
-            </a:r>
-          </a:p>
-          <a:p>
-            <a:pPr algn="l">
-              <a:defRPr b="1">
-                <a:solidFill>
-                  <a:srgbClr val="C00000"/>
-                </a:solidFill>
-              </a:defRPr>
-            </a:pPr>
-            <a:r>
-              <a:rPr sz="2000" b="0" dirty="0"/>
-              <a:t>Homomorphic encryption.</a:t>
-            </a:r>
-          </a:p>
-          <a:p>
-            <a:pPr algn="l">
-              <a:defRPr b="1">
-                <a:solidFill>
-                  <a:srgbClr val="C00000"/>
-                </a:solidFill>
-              </a:defRPr>
-            </a:pPr>
-            <a:r>
-              <a:rPr sz="2000" b="0" dirty="0"/>
-              <a:t>Light-weight crypto.</a:t>
-            </a:r>
-          </a:p>
-          <a:p>
-            <a:pPr algn="l">
-              <a:defRPr b="1">
-                <a:solidFill>
-                  <a:srgbClr val="C00000"/>
-                </a:solidFill>
-              </a:defRPr>
-            </a:pPr>
-            <a:r>
-              <a:rPr sz="2000" b="0" dirty="0"/>
-              <a:t>Quantum-robust cryptography.</a:t>
+            </a:br>
+            <a:r>
+              <a:rPr lang="en-GB" sz="2000" b="0" dirty="0"/>
+              <a:t>Trust Infrastructures.</a:t>
+            </a:r>
+            <a:br>
+              <a:rPr lang="en-GB" sz="2000" b="0" dirty="0"/>
+            </a:br>
+            <a:r>
+              <a:rPr lang="en-GB" sz="2000" b="0" dirty="0"/>
+              <a:t>Secure Enclaves.</a:t>
+            </a:r>
+            <a:br>
+              <a:rPr lang="en-GB" sz="2000" b="0" dirty="0"/>
+            </a:br>
+            <a:r>
+              <a:rPr lang="en-GB" sz="2000" b="0" dirty="0"/>
+              <a:t>Hardware/Software Tokens. FIDO2.</a:t>
+            </a:r>
+            <a:br>
+              <a:rPr lang="en-GB" sz="2000" b="0" dirty="0"/>
+            </a:br>
+            <a:r>
+              <a:rPr lang="en-GB" sz="2000" b="0" dirty="0"/>
+              <a:t>Biometric cryptography.</a:t>
             </a:r>
             <a:br>
               <a:rPr sz="2000" b="0" dirty="0"/>
@@ -4355,16 +4313,43 @@
               </a:rPr>
             </a:br>
             <a:r>
-              <a:rPr sz="2000" b="0" dirty="0"/>
+              <a:rPr lang="en-GB" sz="2000" b="0" dirty="0"/>
               <a:t>https://</a:t>
             </a:r>
             <a:r>
-              <a:rPr sz="2000" b="0" dirty="0" err="1"/>
+              <a:rPr lang="en-GB" sz="2000" b="0" dirty="0" err="1"/>
               <a:t>asecuritysite.com</a:t>
             </a:r>
             <a:r>
-              <a:rPr sz="2000" b="0" dirty="0"/>
+              <a:rPr lang="en-GB" sz="2000" b="0" dirty="0"/>
               <a:t>/</a:t>
+            </a:r>
+            <a:br>
+              <a:rPr lang="en-GB" sz="2000" b="0" dirty="0"/>
+            </a:br>
+            <a:r>
+              <a:rPr lang="en-GB" sz="2000" b="0" dirty="0"/>
+              <a:t>https://</a:t>
+            </a:r>
+            <a:r>
+              <a:rPr lang="en-GB" sz="2000" b="0" dirty="0" err="1"/>
+              <a:t>github.com</a:t>
+            </a:r>
+            <a:r>
+              <a:rPr lang="en-GB" sz="2000" b="0" dirty="0"/>
+              <a:t>/</a:t>
+            </a:r>
+            <a:r>
+              <a:rPr lang="en-GB" sz="2000" b="0" dirty="0" err="1"/>
+              <a:t>billbuchanan</a:t>
+            </a:r>
+            <a:r>
+              <a:rPr lang="en-GB" sz="2000" b="0" dirty="0"/>
+              <a:t>/</a:t>
+            </a:r>
+            <a:r>
+              <a:rPr lang="en-GB" sz="2000" b="0" dirty="0" err="1"/>
+              <a:t>appliedcrypto</a:t>
             </a:r>
             <a:br>
               <a:rPr sz="2000" b="0" dirty="0"/>
@@ -4482,6 +4467,11 @@
         </p:spPr>
       </p:pic>
     </p:spTree>
+    <p:extLst>
+      <p:ext uri="{BB962C8B-B14F-4D97-AF65-F5344CB8AC3E}">
+        <p14:creationId xmlns:p14="http://schemas.microsoft.com/office/powerpoint/2010/main" val="3128897685"/>
+      </p:ext>
+    </p:extLst>
   </p:cSld>
   <p:clrMapOvr>
     <a:masterClrMapping/>
@@ -4666,6 +4656,13 @@
               <a:t>9. Future Cryptography.</a:t>
             </a:r>
             <a:br>
+              <a:rPr lang="en-GB" sz="1660" b="0" dirty="0"/>
+            </a:br>
+            <a:r>
+              <a:rPr lang="en-GB" sz="1660" b="0" dirty="0"/>
+              <a:t>10. Host/Cloud Security.</a:t>
+            </a:r>
+            <a:br>
               <a:rPr sz="1660" b="0" dirty="0"/>
             </a:br>
             <a:br>
@@ -4872,597 +4869,6 @@
       </p:grpSpPr>
       <p:sp>
         <p:nvSpPr>
-          <p:cNvPr id="62" name="A Tokenized World …"/>
-          <p:cNvSpPr txBox="1">
-            <a:spLocks noGrp="1"/>
-          </p:cNvSpPr>
-          <p:nvPr>
-            <p:ph type="title"/>
-          </p:nvPr>
-        </p:nvSpPr>
-        <p:spPr>
-          <a:xfrm>
-            <a:off x="6005" y="288127"/>
-            <a:ext cx="5915026" cy="487276"/>
-          </a:xfrm>
-          <a:prstGeom prst="rect">
-            <a:avLst/>
-          </a:prstGeom>
-        </p:spPr>
-        <p:txBody>
-          <a:bodyPr/>
-          <a:lstStyle/>
-          <a:p>
-            <a:r>
-              <a:t>A Tokenized World …</a:t>
-            </a:r>
-          </a:p>
-        </p:txBody>
-      </p:sp>
-      <p:pic>
-        <p:nvPicPr>
-          <p:cNvPr id="63" name="image3.png" descr="image3.png"/>
-          <p:cNvPicPr>
-            <a:picLocks noChangeAspect="1"/>
-          </p:cNvPicPr>
-          <p:nvPr/>
-        </p:nvPicPr>
-        <p:blipFill>
-          <a:blip r:embed="rId2"/>
-          <a:stretch>
-            <a:fillRect/>
-          </a:stretch>
-        </p:blipFill>
-        <p:spPr>
-          <a:xfrm>
-            <a:off x="-43960" y="3772015"/>
-            <a:ext cx="2165460" cy="1510541"/>
-          </a:xfrm>
-          <a:prstGeom prst="rect">
-            <a:avLst/>
-          </a:prstGeom>
-          <a:ln w="12700">
-            <a:miter lim="400000"/>
-          </a:ln>
-        </p:spPr>
-      </p:pic>
-      <p:grpSp>
-        <p:nvGrpSpPr>
-          <p:cNvPr id="66" name="1*HhrHCiqbVMqnLfQ4D9fv6g.png"/>
-          <p:cNvGrpSpPr/>
-          <p:nvPr/>
-        </p:nvGrpSpPr>
-        <p:grpSpPr>
-          <a:xfrm>
-            <a:off x="4368244" y="2325277"/>
-            <a:ext cx="4202114" cy="3122613"/>
-            <a:chOff x="0" y="0"/>
-            <a:chExt cx="4202112" cy="3122612"/>
-          </a:xfrm>
-        </p:grpSpPr>
-        <p:pic>
-          <p:nvPicPr>
-            <p:cNvPr id="65" name="1*HhrHCiqbVMqnLfQ4D9fv6g.png" descr="1*HhrHCiqbVMqnLfQ4D9fv6g.png"/>
-            <p:cNvPicPr>
-              <a:picLocks noChangeAspect="1"/>
-            </p:cNvPicPr>
-            <p:nvPr/>
-          </p:nvPicPr>
-          <p:blipFill>
-            <a:blip r:embed="rId3"/>
-            <a:stretch>
-              <a:fillRect/>
-            </a:stretch>
-          </p:blipFill>
-          <p:spPr>
-            <a:xfrm>
-              <a:off x="50800" y="25400"/>
-              <a:ext cx="4100513" cy="2995613"/>
-            </a:xfrm>
-            <a:prstGeom prst="rect">
-              <a:avLst/>
-            </a:prstGeom>
-            <a:ln>
-              <a:noFill/>
-            </a:ln>
-            <a:effectLst/>
-          </p:spPr>
-        </p:pic>
-        <p:pic>
-          <p:nvPicPr>
-            <p:cNvPr id="64" name="1*HhrHCiqbVMqnLfQ4D9fv6g.png" descr="1*HhrHCiqbVMqnLfQ4D9fv6g.png"/>
-            <p:cNvPicPr>
-              <a:picLocks/>
-            </p:cNvPicPr>
-            <p:nvPr/>
-          </p:nvPicPr>
-          <p:blipFill>
-            <a:blip r:embed="rId4"/>
-            <a:stretch>
-              <a:fillRect/>
-            </a:stretch>
-          </p:blipFill>
-          <p:spPr>
-            <a:xfrm>
-              <a:off x="0" y="0"/>
-              <a:ext cx="4202113" cy="3122613"/>
-            </a:xfrm>
-            <a:prstGeom prst="rect">
-              <a:avLst/>
-            </a:prstGeom>
-            <a:effectLst/>
-          </p:spPr>
-        </p:pic>
-      </p:grpSp>
-      <p:grpSp>
-        <p:nvGrpSpPr>
-          <p:cNvPr id="69" name="1*6qiYYKsPpd7wZyinEx-VGA.png"/>
-          <p:cNvGrpSpPr/>
-          <p:nvPr/>
-        </p:nvGrpSpPr>
-        <p:grpSpPr>
-          <a:xfrm>
-            <a:off x="32768" y="1178798"/>
-            <a:ext cx="4197351" cy="2908301"/>
-            <a:chOff x="0" y="0"/>
-            <a:chExt cx="4197350" cy="2908300"/>
-          </a:xfrm>
-        </p:grpSpPr>
-        <p:pic>
-          <p:nvPicPr>
-            <p:cNvPr id="68" name="1*6qiYYKsPpd7wZyinEx-VGA.png" descr="1*6qiYYKsPpd7wZyinEx-VGA.png"/>
-            <p:cNvPicPr>
-              <a:picLocks noChangeAspect="1"/>
-            </p:cNvPicPr>
-            <p:nvPr/>
-          </p:nvPicPr>
-          <p:blipFill>
-            <a:blip r:embed="rId5"/>
-            <a:stretch>
-              <a:fillRect/>
-            </a:stretch>
-          </p:blipFill>
-          <p:spPr>
-            <a:xfrm>
-              <a:off x="50800" y="25400"/>
-              <a:ext cx="4095750" cy="2781300"/>
-            </a:xfrm>
-            <a:prstGeom prst="rect">
-              <a:avLst/>
-            </a:prstGeom>
-            <a:ln>
-              <a:noFill/>
-            </a:ln>
-            <a:effectLst/>
-          </p:spPr>
-        </p:pic>
-        <p:pic>
-          <p:nvPicPr>
-            <p:cNvPr id="67" name="1*6qiYYKsPpd7wZyinEx-VGA.png" descr="1*6qiYYKsPpd7wZyinEx-VGA.png"/>
-            <p:cNvPicPr>
-              <a:picLocks/>
-            </p:cNvPicPr>
-            <p:nvPr/>
-          </p:nvPicPr>
-          <p:blipFill>
-            <a:blip r:embed="rId6"/>
-            <a:stretch>
-              <a:fillRect/>
-            </a:stretch>
-          </p:blipFill>
-          <p:spPr>
-            <a:xfrm>
-              <a:off x="0" y="0"/>
-              <a:ext cx="4197350" cy="2908300"/>
-            </a:xfrm>
-            <a:prstGeom prst="rect">
-              <a:avLst/>
-            </a:prstGeom>
-            <a:effectLst/>
-          </p:spPr>
-        </p:pic>
-      </p:grpSp>
-      <p:grpSp>
-        <p:nvGrpSpPr>
-          <p:cNvPr id="72" name="Image"/>
-          <p:cNvGrpSpPr/>
-          <p:nvPr/>
-        </p:nvGrpSpPr>
-        <p:grpSpPr>
-          <a:xfrm>
-            <a:off x="5881899" y="322445"/>
-            <a:ext cx="3253138" cy="2939586"/>
-            <a:chOff x="0" y="0"/>
-            <a:chExt cx="3253137" cy="2939584"/>
-          </a:xfrm>
-        </p:grpSpPr>
-        <p:pic>
-          <p:nvPicPr>
-            <p:cNvPr id="71" name="Image" descr="Image"/>
-            <p:cNvPicPr>
-              <a:picLocks noChangeAspect="1"/>
-            </p:cNvPicPr>
-            <p:nvPr/>
-          </p:nvPicPr>
-          <p:blipFill>
-            <a:blip r:embed="rId7"/>
-            <a:stretch>
-              <a:fillRect/>
-            </a:stretch>
-          </p:blipFill>
-          <p:spPr>
-            <a:xfrm>
-              <a:off x="50800" y="25400"/>
-              <a:ext cx="3151538" cy="2812585"/>
-            </a:xfrm>
-            <a:prstGeom prst="rect">
-              <a:avLst/>
-            </a:prstGeom>
-            <a:ln>
-              <a:noFill/>
-            </a:ln>
-            <a:effectLst/>
-          </p:spPr>
-        </p:pic>
-        <p:pic>
-          <p:nvPicPr>
-            <p:cNvPr id="70" name="Image" descr="Image"/>
-            <p:cNvPicPr>
-              <a:picLocks/>
-            </p:cNvPicPr>
-            <p:nvPr/>
-          </p:nvPicPr>
-          <p:blipFill>
-            <a:blip r:embed="rId8"/>
-            <a:stretch>
-              <a:fillRect/>
-            </a:stretch>
-          </p:blipFill>
-          <p:spPr>
-            <a:xfrm>
-              <a:off x="0" y="0"/>
-              <a:ext cx="3253138" cy="2939585"/>
-            </a:xfrm>
-            <a:prstGeom prst="rect">
-              <a:avLst/>
-            </a:prstGeom>
-            <a:effectLst/>
-          </p:spPr>
-        </p:pic>
-      </p:grpSp>
-    </p:spTree>
-  </p:cSld>
-  <p:clrMapOvr>
-    <a:masterClrMapping/>
-  </p:clrMapOvr>
-  <p:transition spd="med"/>
-  <p:timing>
-    <p:tnLst>
-      <p:par>
-        <p:cTn id="1" dur="indefinite" restart="never" fill="hold" nodeType="tmRoot">
-          <p:childTnLst>
-            <p:seq concurrent="1" prevAc="none" nextAc="seek">
-              <p:cTn id="2" dur="indefinite" fill="hold" nodeType="mainSeq">
-                <p:childTnLst>
-                  <p:par>
-                    <p:cTn id="3" fill="hold">
-                      <p:stCondLst>
-                        <p:cond delay="indefinite"/>
-                      </p:stCondLst>
-                      <p:childTnLst>
-                        <p:par>
-                          <p:cTn id="4" fill="hold">
-                            <p:stCondLst>
-                              <p:cond delay="0"/>
-                            </p:stCondLst>
-                            <p:childTnLst>
-                              <p:par>
-                                <p:cTn id="5" presetID="2" presetClass="entr" presetSubtype="8" fill="hold" grpId="1" nodeType="clickEffect">
-                                  <p:stCondLst>
-                                    <p:cond delay="0"/>
-                                  </p:stCondLst>
-                                  <p:iterate>
-                                    <p:tmAbs val="0"/>
-                                  </p:iterate>
-                                  <p:childTnLst>
-                                    <p:set>
-                                      <p:cBhvr>
-                                        <p:cTn id="6" fill="hold"/>
-                                        <p:tgtEl>
-                                          <p:spTgt spid="72"/>
-                                        </p:tgtEl>
-                                        <p:attrNameLst>
-                                          <p:attrName>style.visibility</p:attrName>
-                                        </p:attrNameLst>
-                                      </p:cBhvr>
-                                      <p:to>
-                                        <p:strVal val="visible"/>
-                                      </p:to>
-                                    </p:set>
-                                    <p:anim calcmode="lin" valueType="num">
-                                      <p:cBhvr>
-                                        <p:cTn id="7" dur="1000" fill="hold"/>
-                                        <p:tgtEl>
-                                          <p:spTgt spid="72"/>
-                                        </p:tgtEl>
-                                        <p:attrNameLst>
-                                          <p:attrName>ppt_x</p:attrName>
-                                        </p:attrNameLst>
-                                      </p:cBhvr>
-                                      <p:tavLst>
-                                        <p:tav tm="0">
-                                          <p:val>
-                                            <p:strVal val="0-#ppt_w/2"/>
-                                          </p:val>
-                                        </p:tav>
-                                        <p:tav tm="100000">
-                                          <p:val>
-                                            <p:strVal val="#ppt_x"/>
-                                          </p:val>
-                                        </p:tav>
-                                      </p:tavLst>
-                                    </p:anim>
-                                    <p:anim calcmode="lin" valueType="num">
-                                      <p:cBhvr>
-                                        <p:cTn id="8" dur="1000" fill="hold"/>
-                                        <p:tgtEl>
-                                          <p:spTgt spid="72"/>
-                                        </p:tgtEl>
-                                        <p:attrNameLst>
-                                          <p:attrName>ppt_y</p:attrName>
-                                        </p:attrNameLst>
-                                      </p:cBhvr>
-                                      <p:tavLst>
-                                        <p:tav tm="0">
-                                          <p:val>
-                                            <p:strVal val="#ppt_y"/>
-                                          </p:val>
-                                        </p:tav>
-                                        <p:tav tm="100000">
-                                          <p:val>
-                                            <p:strVal val="#ppt_y"/>
-                                          </p:val>
-                                        </p:tav>
-                                      </p:tavLst>
-                                    </p:anim>
-                                  </p:childTnLst>
-                                </p:cTn>
-                              </p:par>
-                            </p:childTnLst>
-                          </p:cTn>
-                        </p:par>
-                      </p:childTnLst>
-                    </p:cTn>
-                  </p:par>
-                  <p:par>
-                    <p:cTn id="9" fill="hold">
-                      <p:stCondLst>
-                        <p:cond delay="indefinite"/>
-                      </p:stCondLst>
-                      <p:childTnLst>
-                        <p:par>
-                          <p:cTn id="10" fill="hold">
-                            <p:stCondLst>
-                              <p:cond delay="0"/>
-                            </p:stCondLst>
-                            <p:childTnLst>
-                              <p:par>
-                                <p:cTn id="11" presetID="2" presetClass="entr" presetSubtype="8" fill="hold" grpId="2" nodeType="clickEffect">
-                                  <p:stCondLst>
-                                    <p:cond delay="0"/>
-                                  </p:stCondLst>
-                                  <p:iterate>
-                                    <p:tmAbs val="0"/>
-                                  </p:iterate>
-                                  <p:childTnLst>
-                                    <p:set>
-                                      <p:cBhvr>
-                                        <p:cTn id="12" fill="hold"/>
-                                        <p:tgtEl>
-                                          <p:spTgt spid="69"/>
-                                        </p:tgtEl>
-                                        <p:attrNameLst>
-                                          <p:attrName>style.visibility</p:attrName>
-                                        </p:attrNameLst>
-                                      </p:cBhvr>
-                                      <p:to>
-                                        <p:strVal val="visible"/>
-                                      </p:to>
-                                    </p:set>
-                                    <p:anim calcmode="lin" valueType="num">
-                                      <p:cBhvr>
-                                        <p:cTn id="13" dur="1000" fill="hold"/>
-                                        <p:tgtEl>
-                                          <p:spTgt spid="69"/>
-                                        </p:tgtEl>
-                                        <p:attrNameLst>
-                                          <p:attrName>ppt_x</p:attrName>
-                                        </p:attrNameLst>
-                                      </p:cBhvr>
-                                      <p:tavLst>
-                                        <p:tav tm="0">
-                                          <p:val>
-                                            <p:strVal val="0-#ppt_w/2"/>
-                                          </p:val>
-                                        </p:tav>
-                                        <p:tav tm="100000">
-                                          <p:val>
-                                            <p:strVal val="#ppt_x"/>
-                                          </p:val>
-                                        </p:tav>
-                                      </p:tavLst>
-                                    </p:anim>
-                                    <p:anim calcmode="lin" valueType="num">
-                                      <p:cBhvr>
-                                        <p:cTn id="14" dur="1000" fill="hold"/>
-                                        <p:tgtEl>
-                                          <p:spTgt spid="69"/>
-                                        </p:tgtEl>
-                                        <p:attrNameLst>
-                                          <p:attrName>ppt_y</p:attrName>
-                                        </p:attrNameLst>
-                                      </p:cBhvr>
-                                      <p:tavLst>
-                                        <p:tav tm="0">
-                                          <p:val>
-                                            <p:strVal val="#ppt_y"/>
-                                          </p:val>
-                                        </p:tav>
-                                        <p:tav tm="100000">
-                                          <p:val>
-                                            <p:strVal val="#ppt_y"/>
-                                          </p:val>
-                                        </p:tav>
-                                      </p:tavLst>
-                                    </p:anim>
-                                  </p:childTnLst>
-                                </p:cTn>
-                              </p:par>
-                            </p:childTnLst>
-                          </p:cTn>
-                        </p:par>
-                      </p:childTnLst>
-                    </p:cTn>
-                  </p:par>
-                  <p:par>
-                    <p:cTn id="15" fill="hold">
-                      <p:stCondLst>
-                        <p:cond delay="indefinite"/>
-                      </p:stCondLst>
-                      <p:childTnLst>
-                        <p:par>
-                          <p:cTn id="16" fill="hold">
-                            <p:stCondLst>
-                              <p:cond delay="0"/>
-                            </p:stCondLst>
-                            <p:childTnLst>
-                              <p:par>
-                                <p:cTn id="17" presetID="2" presetClass="entr" presetSubtype="8" fill="hold" grpId="3" nodeType="clickEffect">
-                                  <p:stCondLst>
-                                    <p:cond delay="0"/>
-                                  </p:stCondLst>
-                                  <p:iterate>
-                                    <p:tmAbs val="0"/>
-                                  </p:iterate>
-                                  <p:childTnLst>
-                                    <p:set>
-                                      <p:cBhvr>
-                                        <p:cTn id="18" fill="hold"/>
-                                        <p:tgtEl>
-                                          <p:spTgt spid="66"/>
-                                        </p:tgtEl>
-                                        <p:attrNameLst>
-                                          <p:attrName>style.visibility</p:attrName>
-                                        </p:attrNameLst>
-                                      </p:cBhvr>
-                                      <p:to>
-                                        <p:strVal val="visible"/>
-                                      </p:to>
-                                    </p:set>
-                                    <p:anim calcmode="lin" valueType="num">
-                                      <p:cBhvr>
-                                        <p:cTn id="19" dur="1000" fill="hold"/>
-                                        <p:tgtEl>
-                                          <p:spTgt spid="66"/>
-                                        </p:tgtEl>
-                                        <p:attrNameLst>
-                                          <p:attrName>ppt_x</p:attrName>
-                                        </p:attrNameLst>
-                                      </p:cBhvr>
-                                      <p:tavLst>
-                                        <p:tav tm="0">
-                                          <p:val>
-                                            <p:strVal val="0-#ppt_w/2"/>
-                                          </p:val>
-                                        </p:tav>
-                                        <p:tav tm="100000">
-                                          <p:val>
-                                            <p:strVal val="#ppt_x"/>
-                                          </p:val>
-                                        </p:tav>
-                                      </p:tavLst>
-                                    </p:anim>
-                                    <p:anim calcmode="lin" valueType="num">
-                                      <p:cBhvr>
-                                        <p:cTn id="20" dur="1000" fill="hold"/>
-                                        <p:tgtEl>
-                                          <p:spTgt spid="66"/>
-                                        </p:tgtEl>
-                                        <p:attrNameLst>
-                                          <p:attrName>ppt_y</p:attrName>
-                                        </p:attrNameLst>
-                                      </p:cBhvr>
-                                      <p:tavLst>
-                                        <p:tav tm="0">
-                                          <p:val>
-                                            <p:strVal val="#ppt_y"/>
-                                          </p:val>
-                                        </p:tav>
-                                        <p:tav tm="100000">
-                                          <p:val>
-                                            <p:strVal val="#ppt_y"/>
-                                          </p:val>
-                                        </p:tav>
-                                      </p:tavLst>
-                                    </p:anim>
-                                  </p:childTnLst>
-                                </p:cTn>
-                              </p:par>
-                            </p:childTnLst>
-                          </p:cTn>
-                        </p:par>
-                      </p:childTnLst>
-                    </p:cTn>
-                  </p:par>
-                </p:childTnLst>
-              </p:cTn>
-              <p:prevCondLst>
-                <p:cond evt="onPrev" delay="0">
-                  <p:tgtEl>
-                    <p:sldTgt/>
-                  </p:tgtEl>
-                </p:cond>
-              </p:prevCondLst>
-              <p:nextCondLst>
-                <p:cond evt="onNext" delay="0">
-                  <p:tgtEl>
-                    <p:sldTgt/>
-                  </p:tgtEl>
-                </p:cond>
-              </p:nextCondLst>
-            </p:seq>
-          </p:childTnLst>
-        </p:cTn>
-      </p:par>
-    </p:tnLst>
-    <p:bldLst>
-      <p:bldP spid="66" grpId="3" animBg="1" advAuto="0"/>
-      <p:bldP spid="69" grpId="2" animBg="1" advAuto="0"/>
-      <p:bldP spid="72" grpId="1" animBg="1" advAuto="0"/>
-    </p:bldLst>
-  </p:timing>
-</p:sld>
-</file>
-
-<file path=ppt/slides/slide3.xml><?xml version="1.0" encoding="utf-8"?>
-<p:sld xmlns:a="http://schemas.openxmlformats.org/drawingml/2006/main" xmlns:r="http://schemas.openxmlformats.org/officeDocument/2006/relationships" xmlns:p="http://schemas.openxmlformats.org/presentationml/2006/main">
-  <p:cSld>
-    <p:spTree>
-      <p:nvGrpSpPr>
-        <p:cNvPr id="1" name=""/>
-        <p:cNvGrpSpPr/>
-        <p:nvPr/>
-      </p:nvGrpSpPr>
-      <p:grpSpPr>
-        <a:xfrm>
-          <a:off x="0" y="0"/>
-          <a:ext cx="0" cy="0"/>
-          <a:chOff x="0" y="0"/>
-          <a:chExt cx="0" cy="0"/>
-        </a:xfrm>
-      </p:grpSpPr>
-      <p:sp>
-        <p:nvSpPr>
           <p:cNvPr id="74" name="Disclaimer"/>
           <p:cNvSpPr txBox="1">
             <a:spLocks noGrp="1"/>
@@ -5779,7 +5185,7 @@
           </a:ln>
           <a:extLst>
             <a:ext uri="{C572A759-6A51-4108-AA02-DFA0A04FC94B}">
-              <ma14:wrappingTextBoxFlag xmlns="" xmlns:m="http://schemas.openxmlformats.org/officeDocument/2006/math" xmlns:a14="http://schemas.microsoft.com/office/drawing/2010/main" xmlns:ma14="http://schemas.microsoft.com/office/mac/drawingml/2011/main" val="1"/>
+              <ma14:wrappingTextBoxFlag xmlns:ma14="http://schemas.microsoft.com/office/mac/drawingml/2011/main" xmlns:a14="http://schemas.microsoft.com/office/drawing/2010/main" xmlns:m="http://schemas.openxmlformats.org/officeDocument/2006/math" xmlns="" val="1"/>
             </a:ext>
           </a:extLst>
         </p:spPr>
@@ -5855,7 +5261,7 @@
 </p:sld>
 </file>
 
-<file path=ppt/slides/slide4.xml><?xml version="1.0" encoding="utf-8"?>
+<file path=ppt/slides/slide3.xml><?xml version="1.0" encoding="utf-8"?>
 <p:sld xmlns:a="http://schemas.openxmlformats.org/drawingml/2006/main" xmlns:r="http://schemas.openxmlformats.org/officeDocument/2006/relationships" xmlns:p="http://schemas.openxmlformats.org/presentationml/2006/main">
   <p:cSld>
     <p:spTree>
@@ -5954,7 +5360,7 @@
           </a:ln>
           <a:extLst>
             <a:ext uri="{C572A759-6A51-4108-AA02-DFA0A04FC94B}">
-              <ma14:wrappingTextBoxFlag xmlns="" xmlns:m="http://schemas.openxmlformats.org/officeDocument/2006/math" xmlns:a14="http://schemas.microsoft.com/office/drawing/2010/main" xmlns:ma14="http://schemas.microsoft.com/office/mac/drawingml/2011/main" val="1"/>
+              <ma14:wrappingTextBoxFlag xmlns:ma14="http://schemas.microsoft.com/office/mac/drawingml/2011/main" xmlns:a14="http://schemas.microsoft.com/office/drawing/2010/main" xmlns:m="http://schemas.openxmlformats.org/officeDocument/2006/math" xmlns="" val="1"/>
             </a:ext>
           </a:extLst>
         </p:spPr>
@@ -5996,7 +5402,7 @@
           </a:ln>
           <a:extLst>
             <a:ext uri="{C572A759-6A51-4108-AA02-DFA0A04FC94B}">
-              <ma14:wrappingTextBoxFlag xmlns="" xmlns:m="http://schemas.openxmlformats.org/officeDocument/2006/math" xmlns:a14="http://schemas.microsoft.com/office/drawing/2010/main" xmlns:ma14="http://schemas.microsoft.com/office/mac/drawingml/2011/main" val="1"/>
+              <ma14:wrappingTextBoxFlag xmlns:ma14="http://schemas.microsoft.com/office/mac/drawingml/2011/main" xmlns:a14="http://schemas.microsoft.com/office/drawing/2010/main" xmlns:m="http://schemas.openxmlformats.org/officeDocument/2006/math" xmlns="" val="1"/>
             </a:ext>
           </a:extLst>
         </p:spPr>
@@ -6064,7 +5470,7 @@
           </a:ln>
           <a:extLst>
             <a:ext uri="{C572A759-6A51-4108-AA02-DFA0A04FC94B}">
-              <ma14:wrappingTextBoxFlag xmlns="" xmlns:m="http://schemas.openxmlformats.org/officeDocument/2006/math" xmlns:a14="http://schemas.microsoft.com/office/drawing/2010/main" xmlns:ma14="http://schemas.microsoft.com/office/mac/drawingml/2011/main" val="1"/>
+              <ma14:wrappingTextBoxFlag xmlns:ma14="http://schemas.microsoft.com/office/mac/drawingml/2011/main" xmlns:a14="http://schemas.microsoft.com/office/drawing/2010/main" xmlns:m="http://schemas.openxmlformats.org/officeDocument/2006/math" xmlns="" val="1"/>
             </a:ext>
           </a:extLst>
         </p:spPr>
@@ -6157,7 +5563,7 @@
           </a:ln>
           <a:extLst>
             <a:ext uri="{C572A759-6A51-4108-AA02-DFA0A04FC94B}">
-              <ma14:wrappingTextBoxFlag xmlns="" xmlns:m="http://schemas.openxmlformats.org/officeDocument/2006/math" xmlns:a14="http://schemas.microsoft.com/office/drawing/2010/main" xmlns:ma14="http://schemas.microsoft.com/office/mac/drawingml/2011/main" val="1"/>
+              <ma14:wrappingTextBoxFlag xmlns:ma14="http://schemas.microsoft.com/office/mac/drawingml/2011/main" xmlns:a14="http://schemas.microsoft.com/office/drawing/2010/main" xmlns:m="http://schemas.openxmlformats.org/officeDocument/2006/math" xmlns="" val="1"/>
             </a:ext>
           </a:extLst>
         </p:spPr>
@@ -6241,7 +5647,7 @@
           </a:ln>
           <a:extLst>
             <a:ext uri="{C572A759-6A51-4108-AA02-DFA0A04FC94B}">
-              <ma14:wrappingTextBoxFlag xmlns="" xmlns:m="http://schemas.openxmlformats.org/officeDocument/2006/math" xmlns:a14="http://schemas.microsoft.com/office/drawing/2010/main" xmlns:ma14="http://schemas.microsoft.com/office/mac/drawingml/2011/main" val="1"/>
+              <ma14:wrappingTextBoxFlag xmlns:ma14="http://schemas.microsoft.com/office/mac/drawingml/2011/main" xmlns:a14="http://schemas.microsoft.com/office/drawing/2010/main" xmlns:m="http://schemas.openxmlformats.org/officeDocument/2006/math" xmlns="" val="1"/>
             </a:ext>
           </a:extLst>
         </p:spPr>
@@ -6280,7 +5686,7 @@
           </a:ln>
           <a:extLst>
             <a:ext uri="{C572A759-6A51-4108-AA02-DFA0A04FC94B}">
-              <ma14:wrappingTextBoxFlag xmlns="" xmlns:m="http://schemas.openxmlformats.org/officeDocument/2006/math" xmlns:a14="http://schemas.microsoft.com/office/drawing/2010/main" xmlns:ma14="http://schemas.microsoft.com/office/mac/drawingml/2011/main" val="1"/>
+              <ma14:wrappingTextBoxFlag xmlns:ma14="http://schemas.microsoft.com/office/mac/drawingml/2011/main" xmlns:a14="http://schemas.microsoft.com/office/drawing/2010/main" xmlns:m="http://schemas.openxmlformats.org/officeDocument/2006/math" xmlns="" val="1"/>
             </a:ext>
           </a:extLst>
         </p:spPr>
@@ -6346,7 +5752,7 @@
           </a:ln>
           <a:extLst>
             <a:ext uri="{C572A759-6A51-4108-AA02-DFA0A04FC94B}">
-              <ma14:wrappingTextBoxFlag xmlns="" xmlns:m="http://schemas.openxmlformats.org/officeDocument/2006/math" xmlns:a14="http://schemas.microsoft.com/office/drawing/2010/main" xmlns:ma14="http://schemas.microsoft.com/office/mac/drawingml/2011/main" val="1"/>
+              <ma14:wrappingTextBoxFlag xmlns:ma14="http://schemas.microsoft.com/office/mac/drawingml/2011/main" xmlns:a14="http://schemas.microsoft.com/office/drawing/2010/main" xmlns:m="http://schemas.openxmlformats.org/officeDocument/2006/math" xmlns="" val="1"/>
             </a:ext>
           </a:extLst>
         </p:spPr>
@@ -6422,7 +5828,7 @@
 </p:sld>
 </file>
 
-<file path=ppt/slides/slide5.xml><?xml version="1.0" encoding="utf-8"?>
+<file path=ppt/slides/slide4.xml><?xml version="1.0" encoding="utf-8"?>
 <p:sld xmlns:a="http://schemas.openxmlformats.org/drawingml/2006/main" xmlns:r="http://schemas.openxmlformats.org/officeDocument/2006/relationships" xmlns:p="http://schemas.openxmlformats.org/presentationml/2006/main">
   <p:cSld>
     <p:spTree>
@@ -6587,7 +5993,7 @@
           </a:ln>
           <a:extLst>
             <a:ext uri="{C572A759-6A51-4108-AA02-DFA0A04FC94B}">
-              <ma14:wrappingTextBoxFlag xmlns="" xmlns:m="http://schemas.openxmlformats.org/officeDocument/2006/math" xmlns:a14="http://schemas.microsoft.com/office/drawing/2010/main" xmlns:ma14="http://schemas.microsoft.com/office/mac/drawingml/2011/main" val="1"/>
+              <ma14:wrappingTextBoxFlag xmlns:ma14="http://schemas.microsoft.com/office/mac/drawingml/2011/main" xmlns:a14="http://schemas.microsoft.com/office/drawing/2010/main" xmlns:m="http://schemas.openxmlformats.org/officeDocument/2006/math" xmlns="" val="1"/>
             </a:ext>
           </a:extLst>
         </p:spPr>
@@ -6655,7 +6061,7 @@
           </a:ln>
           <a:extLst>
             <a:ext uri="{C572A759-6A51-4108-AA02-DFA0A04FC94B}">
-              <ma14:wrappingTextBoxFlag xmlns="" xmlns:m="http://schemas.openxmlformats.org/officeDocument/2006/math" xmlns:a14="http://schemas.microsoft.com/office/drawing/2010/main" xmlns:ma14="http://schemas.microsoft.com/office/mac/drawingml/2011/main" val="1"/>
+              <ma14:wrappingTextBoxFlag xmlns:ma14="http://schemas.microsoft.com/office/mac/drawingml/2011/main" xmlns:a14="http://schemas.microsoft.com/office/drawing/2010/main" xmlns:m="http://schemas.openxmlformats.org/officeDocument/2006/math" xmlns="" val="1"/>
             </a:ext>
           </a:extLst>
         </p:spPr>
@@ -6739,7 +6145,7 @@
           </a:ln>
           <a:extLst>
             <a:ext uri="{C572A759-6A51-4108-AA02-DFA0A04FC94B}">
-              <ma14:wrappingTextBoxFlag xmlns="" xmlns:m="http://schemas.openxmlformats.org/officeDocument/2006/math" xmlns:a14="http://schemas.microsoft.com/office/drawing/2010/main" xmlns:ma14="http://schemas.microsoft.com/office/mac/drawingml/2011/main" val="1"/>
+              <ma14:wrappingTextBoxFlag xmlns:ma14="http://schemas.microsoft.com/office/mac/drawingml/2011/main" xmlns:a14="http://schemas.microsoft.com/office/drawing/2010/main" xmlns:m="http://schemas.openxmlformats.org/officeDocument/2006/math" xmlns="" val="1"/>
             </a:ext>
           </a:extLst>
         </p:spPr>
@@ -6805,7 +6211,7 @@
           </a:ln>
           <a:extLst>
             <a:ext uri="{C572A759-6A51-4108-AA02-DFA0A04FC94B}">
-              <ma14:wrappingTextBoxFlag xmlns="" xmlns:m="http://schemas.openxmlformats.org/officeDocument/2006/math" xmlns:a14="http://schemas.microsoft.com/office/drawing/2010/main" xmlns:ma14="http://schemas.microsoft.com/office/mac/drawingml/2011/main" val="1"/>
+              <ma14:wrappingTextBoxFlag xmlns:ma14="http://schemas.microsoft.com/office/mac/drawingml/2011/main" xmlns:a14="http://schemas.microsoft.com/office/drawing/2010/main" xmlns:m="http://schemas.openxmlformats.org/officeDocument/2006/math" xmlns="" val="1"/>
             </a:ext>
           </a:extLst>
         </p:spPr>
@@ -6868,7 +6274,7 @@
         </p:blipFill>
         <p:spPr>
           <a:xfrm>
-            <a:off x="5733767" y="3258405"/>
+            <a:off x="4843171" y="3316546"/>
             <a:ext cx="1635533" cy="997675"/>
           </a:xfrm>
           <a:prstGeom prst="rect">
@@ -6898,7 +6304,7 @@
           </a:ln>
           <a:extLst>
             <a:ext uri="{C572A759-6A51-4108-AA02-DFA0A04FC94B}">
-              <ma14:wrappingTextBoxFlag xmlns="" xmlns:m="http://schemas.openxmlformats.org/officeDocument/2006/math" xmlns:a14="http://schemas.microsoft.com/office/drawing/2010/main" xmlns:ma14="http://schemas.microsoft.com/office/mac/drawingml/2011/main" val="1"/>
+              <ma14:wrappingTextBoxFlag xmlns:ma14="http://schemas.microsoft.com/office/mac/drawingml/2011/main" xmlns:a14="http://schemas.microsoft.com/office/drawing/2010/main" xmlns:m="http://schemas.openxmlformats.org/officeDocument/2006/math" xmlns="" val="1"/>
             </a:ext>
           </a:extLst>
         </p:spPr>
@@ -6937,7 +6343,7 @@
           </a:ln>
           <a:extLst>
             <a:ext uri="{C572A759-6A51-4108-AA02-DFA0A04FC94B}">
-              <ma14:wrappingTextBoxFlag xmlns="" xmlns:m="http://schemas.openxmlformats.org/officeDocument/2006/math" xmlns:a14="http://schemas.microsoft.com/office/drawing/2010/main" xmlns:ma14="http://schemas.microsoft.com/office/mac/drawingml/2011/main" val="1"/>
+              <ma14:wrappingTextBoxFlag xmlns:ma14="http://schemas.microsoft.com/office/mac/drawingml/2011/main" xmlns:a14="http://schemas.microsoft.com/office/drawing/2010/main" xmlns:m="http://schemas.openxmlformats.org/officeDocument/2006/math" xmlns="" val="1"/>
             </a:ext>
           </a:extLst>
         </p:spPr>
@@ -6976,7 +6382,7 @@
           </a:ln>
           <a:extLst>
             <a:ext uri="{C572A759-6A51-4108-AA02-DFA0A04FC94B}">
-              <ma14:wrappingTextBoxFlag xmlns="" xmlns:m="http://schemas.openxmlformats.org/officeDocument/2006/math" xmlns:a14="http://schemas.microsoft.com/office/drawing/2010/main" xmlns:ma14="http://schemas.microsoft.com/office/mac/drawingml/2011/main" val="1"/>
+              <ma14:wrappingTextBoxFlag xmlns:ma14="http://schemas.microsoft.com/office/mac/drawingml/2011/main" xmlns:a14="http://schemas.microsoft.com/office/drawing/2010/main" xmlns:m="http://schemas.openxmlformats.org/officeDocument/2006/math" xmlns="" val="1"/>
             </a:ext>
           </a:extLst>
         </p:spPr>
@@ -7012,7 +6418,7 @@
         </p:blipFill>
         <p:spPr>
           <a:xfrm>
-            <a:off x="4419512" y="3801398"/>
+            <a:off x="3608675" y="3897749"/>
             <a:ext cx="1107244" cy="1107245"/>
           </a:xfrm>
           <a:prstGeom prst="rect">
@@ -7039,7 +6445,7 @@
         </p:blipFill>
         <p:spPr>
           <a:xfrm>
-            <a:off x="2317431" y="3245995"/>
+            <a:off x="1805344" y="3242121"/>
             <a:ext cx="1660866" cy="1107245"/>
           </a:xfrm>
           <a:prstGeom prst="rect">
@@ -7048,6 +6454,53 @@
           <a:ln w="12700">
             <a:miter lim="400000"/>
           </a:ln>
+        </p:spPr>
+      </p:pic>
+      <p:pic>
+        <p:nvPicPr>
+          <p:cNvPr id="1026" name="Picture 2">
+            <a:extLst>
+              <a:ext uri="{FF2B5EF4-FFF2-40B4-BE49-F238E27FC236}">
+                <a16:creationId xmlns:a16="http://schemas.microsoft.com/office/drawing/2014/main" id="{7B2FB5F4-A020-FDC0-6351-DE463D344F2C}"/>
+              </a:ext>
+            </a:extLst>
+          </p:cNvPr>
+          <p:cNvPicPr>
+            <a:picLocks noChangeAspect="1" noChangeArrowheads="1"/>
+          </p:cNvPicPr>
+          <p:nvPr/>
+        </p:nvPicPr>
+        <p:blipFill>
+          <a:blip r:embed="rId10">
+            <a:extLst>
+              <a:ext uri="{28A0092B-C50C-407E-A947-70E740481C1C}">
+                <a14:useLocalDpi xmlns:a14="http://schemas.microsoft.com/office/drawing/2010/main" val="0"/>
+              </a:ext>
+            </a:extLst>
+          </a:blip>
+          <a:srcRect/>
+          <a:stretch>
+            <a:fillRect/>
+          </a:stretch>
+        </p:blipFill>
+        <p:spPr bwMode="auto">
+          <a:xfrm>
+            <a:off x="6714508" y="3203578"/>
+            <a:ext cx="2059683" cy="1888655"/>
+          </a:xfrm>
+          <a:prstGeom prst="rect">
+            <a:avLst/>
+          </a:prstGeom>
+          <a:noFill/>
+          <a:extLst>
+            <a:ext uri="{909E8E84-426E-40DD-AFC4-6F175D3DCCD1}">
+              <a14:hiddenFill xmlns:a14="http://schemas.microsoft.com/office/drawing/2010/main">
+                <a:solidFill>
+                  <a:srgbClr val="FFFFFF"/>
+                </a:solidFill>
+              </a14:hiddenFill>
+            </a:ext>
+          </a:extLst>
         </p:spPr>
       </p:pic>
     </p:spTree>
@@ -7059,7 +6512,7 @@
 </p:sld>
 </file>
 
-<file path=ppt/slides/slide6.xml><?xml version="1.0" encoding="utf-8"?>
+<file path=ppt/slides/slide5.xml><?xml version="1.0" encoding="utf-8"?>
 <p:sld xmlns:a="http://schemas.openxmlformats.org/drawingml/2006/main" xmlns:r="http://schemas.openxmlformats.org/officeDocument/2006/relationships" xmlns:p="http://schemas.openxmlformats.org/presentationml/2006/main">
   <p:cSld>
     <p:spTree>
@@ -7163,7 +6616,7 @@
           </a:ln>
           <a:extLst>
             <a:ext uri="{C572A759-6A51-4108-AA02-DFA0A04FC94B}">
-              <ma14:wrappingTextBoxFlag xmlns="" xmlns:m="http://schemas.openxmlformats.org/officeDocument/2006/math" xmlns:a14="http://schemas.microsoft.com/office/drawing/2010/main" xmlns:ma14="http://schemas.microsoft.com/office/mac/drawingml/2011/main" val="1"/>
+              <ma14:wrappingTextBoxFlag xmlns:ma14="http://schemas.microsoft.com/office/mac/drawingml/2011/main" xmlns:a14="http://schemas.microsoft.com/office/drawing/2010/main" xmlns:m="http://schemas.openxmlformats.org/officeDocument/2006/math" xmlns="" val="1"/>
             </a:ext>
           </a:extLst>
         </p:spPr>
@@ -7187,10 +6640,10 @@
       </p:sp>
       <p:pic>
         <p:nvPicPr>
-          <p:cNvPr id="4" name="Picture 3" descr="Table&#10;&#10;Description automatically generated">
+          <p:cNvPr id="3" name="Picture 2" descr="Table&#10;&#10;Description automatically generated">
             <a:extLst>
               <a:ext uri="{FF2B5EF4-FFF2-40B4-BE49-F238E27FC236}">
-                <a16:creationId xmlns:a16="http://schemas.microsoft.com/office/drawing/2014/main" id="{370EC90E-E6A4-3B42-A3C1-26BA33D40C27}"/>
+                <a16:creationId xmlns:a16="http://schemas.microsoft.com/office/drawing/2014/main" id="{0C602DFF-771F-F919-D870-4DF594357160}"/>
               </a:ext>
             </a:extLst>
           </p:cNvPr>
@@ -7213,8 +6666,8 @@
         </p:blipFill>
         <p:spPr>
           <a:xfrm>
-            <a:off x="2477386" y="767920"/>
-            <a:ext cx="6666614" cy="5040845"/>
+            <a:off x="1564619" y="1106901"/>
+            <a:ext cx="6874218" cy="4457500"/>
           </a:xfrm>
           <a:prstGeom prst="rect">
             <a:avLst/>
@@ -7227,10 +6680,131 @@
     <a:masterClrMapping/>
   </p:clrMapOvr>
   <p:transition spd="med"/>
+  <p:timing>
+    <p:tnLst>
+      <p:par>
+        <p:cTn id="1" dur="indefinite" restart="never" nodeType="tmRoot">
+          <p:childTnLst>
+            <p:seq concurrent="1" nextAc="seek">
+              <p:cTn id="2" dur="indefinite" nodeType="mainSeq">
+                <p:childTnLst>
+                  <p:par>
+                    <p:cTn id="3" fill="hold">
+                      <p:stCondLst>
+                        <p:cond delay="indefinite"/>
+                      </p:stCondLst>
+                      <p:childTnLst>
+                        <p:par>
+                          <p:cTn id="4" fill="hold">
+                            <p:stCondLst>
+                              <p:cond delay="0"/>
+                            </p:stCondLst>
+                            <p:childTnLst>
+                              <p:par>
+                                <p:cTn id="5" presetID="2" presetClass="entr" presetSubtype="4" fill="hold" nodeType="clickEffect">
+                                  <p:stCondLst>
+                                    <p:cond delay="0"/>
+                                  </p:stCondLst>
+                                  <p:childTnLst>
+                                    <p:set>
+                                      <p:cBhvr>
+                                        <p:cTn id="6" dur="1" fill="hold">
+                                          <p:stCondLst>
+                                            <p:cond delay="0"/>
+                                          </p:stCondLst>
+                                        </p:cTn>
+                                        <p:tgtEl>
+                                          <p:spTgt spid="3"/>
+                                        </p:tgtEl>
+                                        <p:attrNameLst>
+                                          <p:attrName>style.visibility</p:attrName>
+                                        </p:attrNameLst>
+                                      </p:cBhvr>
+                                      <p:to>
+                                        <p:strVal val="visible"/>
+                                      </p:to>
+                                    </p:set>
+                                    <p:anim calcmode="lin" valueType="num">
+                                      <p:cBhvr additive="base">
+                                        <p:cTn id="7" dur="500" fill="hold"/>
+                                        <p:tgtEl>
+                                          <p:spTgt spid="3"/>
+                                        </p:tgtEl>
+                                        <p:attrNameLst>
+                                          <p:attrName>ppt_x</p:attrName>
+                                        </p:attrNameLst>
+                                      </p:cBhvr>
+                                      <p:tavLst>
+                                        <p:tav tm="0">
+                                          <p:val>
+                                            <p:strVal val="#ppt_x"/>
+                                          </p:val>
+                                        </p:tav>
+                                        <p:tav tm="100000">
+                                          <p:val>
+                                            <p:strVal val="#ppt_x"/>
+                                          </p:val>
+                                        </p:tav>
+                                      </p:tavLst>
+                                    </p:anim>
+                                    <p:anim calcmode="lin" valueType="num">
+                                      <p:cBhvr additive="base">
+                                        <p:cTn id="8" dur="500" fill="hold"/>
+                                        <p:tgtEl>
+                                          <p:spTgt spid="3"/>
+                                        </p:tgtEl>
+                                        <p:attrNameLst>
+                                          <p:attrName>ppt_y</p:attrName>
+                                        </p:attrNameLst>
+                                      </p:cBhvr>
+                                      <p:tavLst>
+                                        <p:tav tm="0">
+                                          <p:val>
+                                            <p:strVal val="1+#ppt_h/2"/>
+                                          </p:val>
+                                        </p:tav>
+                                        <p:tav tm="100000">
+                                          <p:val>
+                                            <p:strVal val="#ppt_y"/>
+                                          </p:val>
+                                        </p:tav>
+                                      </p:tavLst>
+                                    </p:anim>
+                                  </p:childTnLst>
+                                </p:cTn>
+                              </p:par>
+                            </p:childTnLst>
+                          </p:cTn>
+                        </p:par>
+                      </p:childTnLst>
+                    </p:cTn>
+                  </p:par>
+                </p:childTnLst>
+              </p:cTn>
+              <p:prevCondLst>
+                <p:cond evt="onPrev" delay="0">
+                  <p:tgtEl>
+                    <p:sldTgt/>
+                  </p:tgtEl>
+                </p:cond>
+              </p:prevCondLst>
+              <p:nextCondLst>
+                <p:cond evt="onNext" delay="0">
+                  <p:tgtEl>
+                    <p:sldTgt/>
+                  </p:tgtEl>
+                </p:cond>
+              </p:nextCondLst>
+            </p:seq>
+          </p:childTnLst>
+        </p:cTn>
+      </p:par>
+    </p:tnLst>
+  </p:timing>
 </p:sld>
 </file>
 
-<file path=ppt/slides/slide7.xml><?xml version="1.0" encoding="utf-8"?>
+<file path=ppt/slides/slide6.xml><?xml version="1.0" encoding="utf-8"?>
 <p:sld xmlns:a="http://schemas.openxmlformats.org/drawingml/2006/main" xmlns:r="http://schemas.openxmlformats.org/officeDocument/2006/relationships" xmlns:p="http://schemas.openxmlformats.org/presentationml/2006/main">
   <p:cSld>
     <p:spTree>
@@ -7390,7 +6964,7 @@
           </a:ln>
           <a:extLst>
             <a:ext uri="{C572A759-6A51-4108-AA02-DFA0A04FC94B}">
-              <ma14:wrappingTextBoxFlag xmlns="" xmlns:m="http://schemas.openxmlformats.org/officeDocument/2006/math" xmlns:a14="http://schemas.microsoft.com/office/drawing/2010/main" xmlns:ma14="http://schemas.microsoft.com/office/mac/drawingml/2011/main" val="1"/>
+              <ma14:wrappingTextBoxFlag xmlns:ma14="http://schemas.microsoft.com/office/mac/drawingml/2011/main" xmlns:a14="http://schemas.microsoft.com/office/drawing/2010/main" xmlns:m="http://schemas.openxmlformats.org/officeDocument/2006/math" xmlns="" val="1"/>
             </a:ext>
           </a:extLst>
         </p:spPr>
@@ -7430,7 +7004,7 @@
 </p:sld>
 </file>
 
-<file path=ppt/slides/slide8.xml><?xml version="1.0" encoding="utf-8"?>
+<file path=ppt/slides/slide7.xml><?xml version="1.0" encoding="utf-8"?>
 <p:sld xmlns:a="http://schemas.openxmlformats.org/drawingml/2006/main" xmlns:r="http://schemas.openxmlformats.org/officeDocument/2006/relationships" xmlns:p="http://schemas.openxmlformats.org/presentationml/2006/main">
   <p:cSld>
     <p:spTree>
@@ -7468,7 +7042,7 @@
         </p:spPr>
         <p:txBody>
           <a:bodyPr>
-            <a:normAutofit/>
+            <a:normAutofit fontScale="90000"/>
           </a:bodyPr>
           <a:lstStyle/>
           <a:p>
@@ -7568,16 +7142,43 @@
               </a:rPr>
             </a:br>
             <a:r>
-              <a:rPr sz="2000" b="0" dirty="0"/>
+              <a:rPr lang="en-GB" sz="2000" b="0" dirty="0"/>
               <a:t>https://</a:t>
             </a:r>
             <a:r>
-              <a:rPr sz="2000" b="0" dirty="0" err="1"/>
+              <a:rPr lang="en-GB" sz="2000" b="0" dirty="0" err="1"/>
               <a:t>asecuritysite.com</a:t>
             </a:r>
             <a:r>
-              <a:rPr sz="2000" b="0" dirty="0"/>
+              <a:rPr lang="en-GB" sz="2000" b="0" dirty="0"/>
               <a:t>/</a:t>
+            </a:r>
+            <a:br>
+              <a:rPr lang="en-GB" sz="2000" b="0" dirty="0"/>
+            </a:br>
+            <a:r>
+              <a:rPr lang="en-GB" sz="2000" b="0" dirty="0"/>
+              <a:t>https://</a:t>
+            </a:r>
+            <a:r>
+              <a:rPr lang="en-GB" sz="2000" b="0" dirty="0" err="1"/>
+              <a:t>github.com</a:t>
+            </a:r>
+            <a:r>
+              <a:rPr lang="en-GB" sz="2000" b="0" dirty="0"/>
+              <a:t>/</a:t>
+            </a:r>
+            <a:r>
+              <a:rPr lang="en-GB" sz="2000" b="0" dirty="0" err="1"/>
+              <a:t>billbuchanan</a:t>
+            </a:r>
+            <a:r>
+              <a:rPr lang="en-GB" sz="2000" b="0" dirty="0"/>
+              <a:t>/</a:t>
+            </a:r>
+            <a:r>
+              <a:rPr lang="en-GB" sz="2000" b="0" dirty="0" err="1"/>
+              <a:t>appliedcrypto</a:t>
             </a:r>
             <a:br>
               <a:rPr sz="2000" b="0" dirty="0"/>
@@ -7705,7 +7306,7 @@
         <p:dissolve/>
       </p:transition>
     </mc:Choice>
-    <mc:Fallback xmlns="" xmlns:m="http://schemas.openxmlformats.org/officeDocument/2006/math" xmlns:a14="http://schemas.microsoft.com/office/drawing/2010/main">
+    <mc:Fallback xmlns:a14="http://schemas.microsoft.com/office/drawing/2010/main" xmlns:m="http://schemas.openxmlformats.org/officeDocument/2006/math" xmlns="">
       <p:transition spd="med">
         <p:fade/>
       </p:transition>
@@ -7714,7 +7315,7 @@
 </p:sld>
 </file>
 
-<file path=ppt/slides/slide9.xml><?xml version="1.0" encoding="utf-8"?>
+<file path=ppt/slides/slide8.xml><?xml version="1.0" encoding="utf-8"?>
 <p:sld xmlns:a="http://schemas.openxmlformats.org/drawingml/2006/main" xmlns:r="http://schemas.openxmlformats.org/officeDocument/2006/relationships" xmlns:p="http://schemas.openxmlformats.org/presentationml/2006/main">
   <p:cSld>
     <p:spTree>
@@ -7752,7 +7353,7 @@
         </p:spPr>
         <p:txBody>
           <a:bodyPr>
-            <a:normAutofit/>
+            <a:normAutofit fontScale="90000"/>
           </a:bodyPr>
           <a:lstStyle/>
           <a:p>
@@ -7854,16 +7455,43 @@
               </a:rPr>
             </a:br>
             <a:r>
-              <a:rPr sz="2000" b="0" dirty="0"/>
+              <a:rPr lang="en-GB" sz="2000" b="0" dirty="0"/>
               <a:t>https://</a:t>
             </a:r>
             <a:r>
-              <a:rPr sz="2000" b="0" dirty="0" err="1"/>
+              <a:rPr lang="en-GB" sz="2000" b="0" dirty="0" err="1"/>
               <a:t>asecuritysite.com</a:t>
             </a:r>
             <a:r>
-              <a:rPr sz="2000" b="0" dirty="0"/>
+              <a:rPr lang="en-GB" sz="2000" b="0" dirty="0"/>
               <a:t>/</a:t>
+            </a:r>
+            <a:br>
+              <a:rPr lang="en-GB" sz="2000" b="0" dirty="0"/>
+            </a:br>
+            <a:r>
+              <a:rPr lang="en-GB" sz="2000" b="0" dirty="0"/>
+              <a:t>https://</a:t>
+            </a:r>
+            <a:r>
+              <a:rPr lang="en-GB" sz="2000" b="0" dirty="0" err="1"/>
+              <a:t>github.com</a:t>
+            </a:r>
+            <a:r>
+              <a:rPr lang="en-GB" sz="2000" b="0" dirty="0"/>
+              <a:t>/</a:t>
+            </a:r>
+            <a:r>
+              <a:rPr lang="en-GB" sz="2000" b="0" dirty="0" err="1"/>
+              <a:t>billbuchanan</a:t>
+            </a:r>
+            <a:r>
+              <a:rPr lang="en-GB" sz="2000" b="0" dirty="0"/>
+              <a:t>/</a:t>
+            </a:r>
+            <a:r>
+              <a:rPr lang="en-GB" sz="2000" b="0" dirty="0" err="1"/>
+              <a:t>appliedcrypto</a:t>
             </a:r>
             <a:br>
               <a:rPr sz="2000" b="0" dirty="0"/>
@@ -7956,6 +7584,296 @@
       <p:pic>
         <p:nvPicPr>
           <p:cNvPr id="143" name="Image" descr="Image"/>
+          <p:cNvPicPr>
+            <a:picLocks noChangeAspect="1"/>
+          </p:cNvPicPr>
+          <p:nvPr/>
+        </p:nvPicPr>
+        <p:blipFill>
+          <a:blip r:embed="rId5"/>
+          <a:stretch>
+            <a:fillRect/>
+          </a:stretch>
+        </p:blipFill>
+        <p:spPr>
+          <a:xfrm>
+            <a:off x="7488156" y="2648924"/>
+            <a:ext cx="1400564" cy="1923162"/>
+          </a:xfrm>
+          <a:prstGeom prst="rect">
+            <a:avLst/>
+          </a:prstGeom>
+          <a:ln w="12700">
+            <a:miter lim="400000"/>
+          </a:ln>
+        </p:spPr>
+      </p:pic>
+    </p:spTree>
+  </p:cSld>
+  <p:clrMapOvr>
+    <a:masterClrMapping/>
+  </p:clrMapOvr>
+  <p:transition spd="med"/>
+</p:sld>
+</file>
+
+<file path=ppt/slides/slide9.xml><?xml version="1.0" encoding="utf-8"?>
+<p:sld xmlns:a="http://schemas.openxmlformats.org/drawingml/2006/main" xmlns:r="http://schemas.openxmlformats.org/officeDocument/2006/relationships" xmlns:p="http://schemas.openxmlformats.org/presentationml/2006/main">
+  <p:cSld>
+    <p:spTree>
+      <p:nvGrpSpPr>
+        <p:cNvPr id="1" name=""/>
+        <p:cNvGrpSpPr/>
+        <p:nvPr/>
+      </p:nvGrpSpPr>
+      <p:grpSpPr>
+        <a:xfrm>
+          <a:off x="0" y="0"/>
+          <a:ext cx="0" cy="0"/>
+          <a:chOff x="0" y="0"/>
+          <a:chExt cx="0" cy="0"/>
+        </a:xfrm>
+      </p:grpSpPr>
+      <p:sp>
+        <p:nvSpPr>
+          <p:cNvPr id="145" name="3. Hashing and MAC  Hashing Methods. Cracking. Typical Methods: MD5, SHA-1, SHA-3, LM, Bcrypt, PBKDF2 Hashed Passwords. Timed One Time Passwords. Message Authentication Codes (MACs).  Prof Bill Buchanan OBE https://asecuritysite.com/encryption"/>
+          <p:cNvSpPr txBox="1">
+            <a:spLocks noGrp="1"/>
+          </p:cNvSpPr>
+          <p:nvPr>
+            <p:ph type="title" idx="4294967295"/>
+          </p:nvPr>
+        </p:nvSpPr>
+        <p:spPr>
+          <a:xfrm>
+            <a:off x="468312" y="381347"/>
+            <a:ext cx="6840538" cy="5345907"/>
+          </a:xfrm>
+          <a:prstGeom prst="rect">
+            <a:avLst/>
+          </a:prstGeom>
+        </p:spPr>
+        <p:txBody>
+          <a:bodyPr>
+            <a:normAutofit/>
+          </a:bodyPr>
+          <a:lstStyle/>
+          <a:p>
+            <a:pPr algn="l">
+              <a:defRPr b="1">
+                <a:solidFill>
+                  <a:srgbClr val="C00000"/>
+                </a:solidFill>
+              </a:defRPr>
+            </a:pPr>
+            <a:r>
+              <a:rPr dirty="0"/>
+              <a:t>3. Hashing and MAC</a:t>
+            </a:r>
+            <a:br>
+              <a:rPr dirty="0"/>
+            </a:br>
+            <a:br>
+              <a:rPr dirty="0"/>
+            </a:br>
+            <a:r>
+              <a:rPr sz="2000" b="0" dirty="0"/>
+              <a:t>Hashing Methods.</a:t>
+            </a:r>
+            <a:br>
+              <a:rPr sz="2000" b="0" dirty="0"/>
+            </a:br>
+            <a:r>
+              <a:rPr sz="2000" b="0" dirty="0"/>
+              <a:t>Cracking.</a:t>
+            </a:r>
+            <a:br>
+              <a:rPr sz="2000" b="0" dirty="0"/>
+            </a:br>
+            <a:r>
+              <a:rPr sz="2000" b="0" dirty="0"/>
+              <a:t>Typical Methods: MD5, SHA-1, SHA-3, LM, </a:t>
+            </a:r>
+            <a:r>
+              <a:rPr sz="2000" b="0" dirty="0" err="1"/>
+              <a:t>Bcrypt</a:t>
+            </a:r>
+            <a:r>
+              <a:rPr sz="2000" b="0" dirty="0"/>
+              <a:t>, PBKDF2</a:t>
+            </a:r>
+            <a:br>
+              <a:rPr sz="2000" b="0" dirty="0"/>
+            </a:br>
+            <a:r>
+              <a:rPr sz="2000" b="0" dirty="0"/>
+              <a:t>Hashed Passwords.</a:t>
+            </a:r>
+            <a:br>
+              <a:rPr sz="2000" b="0" dirty="0"/>
+            </a:br>
+            <a:r>
+              <a:rPr sz="2000" b="0" dirty="0"/>
+              <a:t>Timed One Time Passwords.</a:t>
+            </a:r>
+            <a:br>
+              <a:rPr sz="2000" b="0" dirty="0"/>
+            </a:br>
+            <a:r>
+              <a:rPr sz="2000" b="0" dirty="0"/>
+              <a:t>Message Authentication Codes (MACs).</a:t>
+            </a:r>
+            <a:br>
+              <a:rPr sz="2000" b="0" dirty="0"/>
+            </a:br>
+            <a:br>
+              <a:rPr sz="2000" b="0" dirty="0"/>
+            </a:br>
+            <a:r>
+              <a:rPr sz="3000" dirty="0">
+                <a:solidFill>
+                  <a:srgbClr val="000000"/>
+                </a:solidFill>
+              </a:rPr>
+              <a:t>Prof Bill Buchanan OBE</a:t>
+            </a:r>
+            <a:br>
+              <a:rPr sz="3000" dirty="0">
+                <a:solidFill>
+                  <a:srgbClr val="000000"/>
+                </a:solidFill>
+              </a:rPr>
+            </a:br>
+            <a:r>
+              <a:rPr lang="en-GB" sz="2000" b="0" dirty="0"/>
+              <a:t>https://</a:t>
+            </a:r>
+            <a:r>
+              <a:rPr lang="en-GB" sz="2000" b="0" dirty="0" err="1"/>
+              <a:t>asecuritysite.com</a:t>
+            </a:r>
+            <a:r>
+              <a:rPr lang="en-GB" sz="2000" b="0" dirty="0"/>
+              <a:t>/</a:t>
+            </a:r>
+            <a:br>
+              <a:rPr lang="en-GB" sz="2000" b="0" dirty="0"/>
+            </a:br>
+            <a:r>
+              <a:rPr lang="en-GB" sz="2000" b="0" dirty="0"/>
+              <a:t>https://</a:t>
+            </a:r>
+            <a:r>
+              <a:rPr lang="en-GB" sz="2000" b="0" dirty="0" err="1"/>
+              <a:t>github.com</a:t>
+            </a:r>
+            <a:r>
+              <a:rPr lang="en-GB" sz="2000" b="0" dirty="0"/>
+              <a:t>/</a:t>
+            </a:r>
+            <a:r>
+              <a:rPr lang="en-GB" sz="2000" b="0" dirty="0" err="1"/>
+              <a:t>billbuchanan</a:t>
+            </a:r>
+            <a:r>
+              <a:rPr lang="en-GB" sz="2000" b="0" dirty="0"/>
+              <a:t>/</a:t>
+            </a:r>
+            <a:r>
+              <a:rPr lang="en-GB" sz="2000" b="0" dirty="0" err="1"/>
+              <a:t>appliedcrypto</a:t>
+            </a:r>
+            <a:br>
+              <a:rPr sz="2000" b="0" dirty="0"/>
+            </a:br>
+            <a:endParaRPr sz="2000" b="0" dirty="0"/>
+          </a:p>
+        </p:txBody>
+      </p:sp>
+      <p:pic>
+        <p:nvPicPr>
+          <p:cNvPr id="146" name="Image" descr="Image"/>
+          <p:cNvPicPr>
+            <a:picLocks noChangeAspect="1"/>
+          </p:cNvPicPr>
+          <p:nvPr/>
+        </p:nvPicPr>
+        <p:blipFill>
+          <a:blip r:embed="rId2"/>
+          <a:stretch>
+            <a:fillRect/>
+          </a:stretch>
+        </p:blipFill>
+        <p:spPr>
+          <a:xfrm>
+            <a:off x="5465553" y="224412"/>
+            <a:ext cx="1631725" cy="2329687"/>
+          </a:xfrm>
+          <a:prstGeom prst="rect">
+            <a:avLst/>
+          </a:prstGeom>
+          <a:ln w="12700">
+            <a:miter lim="400000"/>
+          </a:ln>
+        </p:spPr>
+      </p:pic>
+      <p:pic>
+        <p:nvPicPr>
+          <p:cNvPr id="147" name="Image" descr="Image"/>
+          <p:cNvPicPr>
+            <a:picLocks noChangeAspect="1"/>
+          </p:cNvPicPr>
+          <p:nvPr/>
+        </p:nvPicPr>
+        <p:blipFill>
+          <a:blip r:embed="rId3"/>
+          <a:stretch>
+            <a:fillRect/>
+          </a:stretch>
+        </p:blipFill>
+        <p:spPr>
+          <a:xfrm>
+            <a:off x="7503856" y="295660"/>
+            <a:ext cx="1369165" cy="1923162"/>
+          </a:xfrm>
+          <a:prstGeom prst="rect">
+            <a:avLst/>
+          </a:prstGeom>
+          <a:ln w="12700">
+            <a:miter lim="400000"/>
+          </a:ln>
+        </p:spPr>
+      </p:pic>
+      <p:pic>
+        <p:nvPicPr>
+          <p:cNvPr id="148" name="Image" descr="Image"/>
+          <p:cNvPicPr>
+            <a:picLocks noChangeAspect="1"/>
+          </p:cNvPicPr>
+          <p:nvPr/>
+        </p:nvPicPr>
+        <p:blipFill>
+          <a:blip r:embed="rId4"/>
+          <a:stretch>
+            <a:fillRect/>
+          </a:stretch>
+        </p:blipFill>
+        <p:spPr>
+          <a:xfrm>
+            <a:off x="5602038" y="3233039"/>
+            <a:ext cx="1631724" cy="2309517"/>
+          </a:xfrm>
+          <a:prstGeom prst="rect">
+            <a:avLst/>
+          </a:prstGeom>
+          <a:ln w="12700">
+            <a:miter lim="400000"/>
+          </a:ln>
+        </p:spPr>
+      </p:pic>
+      <p:pic>
+        <p:nvPicPr>
+          <p:cNvPr id="149" name="Image" descr="Image"/>
           <p:cNvPicPr>
             <a:picLocks noChangeAspect="1"/>
           </p:cNvPicPr>

--- a/unit00_introduction/unit01_introduction.pptx
+++ b/unit00_introduction/unit01_introduction.pptx
@@ -5,26 +5,27 @@
     <p:sldMasterId id="2147483648" r:id="rId1"/>
   </p:sldMasterIdLst>
   <p:notesMasterIdLst>
-    <p:notesMasterId r:id="rId19"/>
+    <p:notesMasterId r:id="rId20"/>
   </p:notesMasterIdLst>
   <p:sldIdLst>
     <p:sldId id="256" r:id="rId2"/>
     <p:sldId id="258" r:id="rId3"/>
-    <p:sldId id="259" r:id="rId4"/>
-    <p:sldId id="260" r:id="rId5"/>
-    <p:sldId id="261" r:id="rId6"/>
-    <p:sldId id="262" r:id="rId7"/>
-    <p:sldId id="263" r:id="rId8"/>
-    <p:sldId id="264" r:id="rId9"/>
-    <p:sldId id="265" r:id="rId10"/>
-    <p:sldId id="266" r:id="rId11"/>
-    <p:sldId id="267" r:id="rId12"/>
-    <p:sldId id="268" r:id="rId13"/>
-    <p:sldId id="269" r:id="rId14"/>
-    <p:sldId id="270" r:id="rId15"/>
-    <p:sldId id="271" r:id="rId16"/>
-    <p:sldId id="273" r:id="rId17"/>
-    <p:sldId id="272" r:id="rId18"/>
+    <p:sldId id="274" r:id="rId4"/>
+    <p:sldId id="259" r:id="rId5"/>
+    <p:sldId id="260" r:id="rId6"/>
+    <p:sldId id="261" r:id="rId7"/>
+    <p:sldId id="262" r:id="rId8"/>
+    <p:sldId id="263" r:id="rId9"/>
+    <p:sldId id="264" r:id="rId10"/>
+    <p:sldId id="265" r:id="rId11"/>
+    <p:sldId id="266" r:id="rId12"/>
+    <p:sldId id="267" r:id="rId13"/>
+    <p:sldId id="268" r:id="rId14"/>
+    <p:sldId id="269" r:id="rId15"/>
+    <p:sldId id="270" r:id="rId16"/>
+    <p:sldId id="271" r:id="rId17"/>
+    <p:sldId id="273" r:id="rId18"/>
+    <p:sldId id="272" r:id="rId19"/>
   </p:sldIdLst>
   <p:sldSz cx="9144000" cy="5715000" type="screen16x10"/>
   <p:notesSz cx="6858000" cy="9144000"/>
@@ -2484,7 +2485,7 @@
       </p:grpSpPr>
       <p:sp>
         <p:nvSpPr>
-          <p:cNvPr id="151" name="4. Asymmetric Key  Principles. RSA. Elliptic Curve. Using Private Key to Authenticate. PGP: Signed Email.  Prof Bill Buchanan OBE https://asecuritysite.com/encryption"/>
+          <p:cNvPr id="145" name="3. Hashing and MAC  Hashing Methods. Cracking. Typical Methods: MD5, SHA-1, SHA-3, LM, Bcrypt, PBKDF2 Hashed Passwords. Timed One Time Passwords. Message Authentication Codes (MACs).  Prof Bill Buchanan OBE https://asecuritysite.com/encryption"/>
           <p:cNvSpPr txBox="1">
             <a:spLocks noGrp="1"/>
           </p:cNvSpPr>
@@ -2494,8 +2495,8 @@
         </p:nvSpPr>
         <p:spPr>
           <a:xfrm>
-            <a:off x="379412" y="258067"/>
-            <a:ext cx="6840538" cy="4821933"/>
+            <a:off x="468312" y="381347"/>
+            <a:ext cx="6840538" cy="5345907"/>
           </a:xfrm>
           <a:prstGeom prst="rect">
             <a:avLst/>
@@ -2516,7 +2517,7 @@
             </a:pPr>
             <a:r>
               <a:rPr dirty="0"/>
-              <a:t>4. Asymmetric Key</a:t>
+              <a:t>3. Hashing and MAC</a:t>
             </a:r>
             <a:br>
               <a:rPr dirty="0"/>
@@ -2526,35 +2527,50 @@
             </a:br>
             <a:r>
               <a:rPr sz="2000" b="0" dirty="0"/>
-              <a:t>Principles.</a:t>
-            </a:r>
-            <a:br>
-              <a:rPr sz="2000" b="0" dirty="0"/>
-            </a:br>
-            <a:r>
-              <a:rPr sz="2000" b="0" dirty="0"/>
-              <a:t>RSA.</a:t>
-            </a:r>
-            <a:br>
-              <a:rPr sz="2000" b="0" dirty="0"/>
-            </a:br>
-            <a:r>
-              <a:rPr sz="2000" b="0" dirty="0"/>
-              <a:t>Elliptic Curve.</a:t>
-            </a:r>
-            <a:br>
-              <a:rPr sz="2000" b="0" dirty="0"/>
-            </a:br>
-            <a:r>
-              <a:rPr sz="2000" b="0" dirty="0"/>
-              <a:t>Using Private Key to Authenticate.</a:t>
-            </a:r>
-            <a:br>
-              <a:rPr sz="2000" b="0" dirty="0"/>
-            </a:br>
-            <a:r>
-              <a:rPr sz="2000" b="0" dirty="0"/>
-              <a:t>PGP: Signed Email.</a:t>
+              <a:t>Hashing Methods.</a:t>
+            </a:r>
+            <a:br>
+              <a:rPr sz="2000" b="0" dirty="0"/>
+            </a:br>
+            <a:r>
+              <a:rPr sz="2000" b="0" dirty="0"/>
+              <a:t>Cracking.</a:t>
+            </a:r>
+            <a:br>
+              <a:rPr sz="2000" b="0" dirty="0"/>
+            </a:br>
+            <a:r>
+              <a:rPr sz="2000" b="0" dirty="0"/>
+              <a:t>Typical Methods: MD5, SHA-1, SHA-3, LM, </a:t>
+            </a:r>
+            <a:r>
+              <a:rPr sz="2000" b="0" dirty="0" err="1"/>
+              <a:t>Bcrypt</a:t>
+            </a:r>
+            <a:r>
+              <a:rPr sz="2000" b="0" dirty="0"/>
+              <a:t>, PBKDF2</a:t>
+            </a:r>
+            <a:br>
+              <a:rPr sz="2000" b="0" dirty="0"/>
+            </a:br>
+            <a:r>
+              <a:rPr sz="2000" b="0" dirty="0"/>
+              <a:t>Hashed Passwords.</a:t>
+            </a:r>
+            <a:br>
+              <a:rPr sz="2000" b="0" dirty="0"/>
+            </a:br>
+            <a:r>
+              <a:rPr sz="2000" b="0" dirty="0"/>
+              <a:t>Timed One Time Passwords.</a:t>
+            </a:r>
+            <a:br>
+              <a:rPr sz="2000" b="0" dirty="0"/>
+            </a:br>
+            <a:r>
+              <a:rPr sz="2000" b="0" dirty="0"/>
+              <a:t>Message Authentication Codes (MACs).</a:t>
             </a:r>
             <a:br>
               <a:rPr sz="2000" b="0" dirty="0"/>
@@ -2625,7 +2641,7 @@
       </p:sp>
       <p:pic>
         <p:nvPicPr>
-          <p:cNvPr id="152" name="Image" descr="Image"/>
+          <p:cNvPr id="146" name="Image" descr="Image"/>
           <p:cNvPicPr>
             <a:picLocks noChangeAspect="1"/>
           </p:cNvPicPr>
@@ -2652,7 +2668,7 @@
       </p:pic>
       <p:pic>
         <p:nvPicPr>
-          <p:cNvPr id="153" name="Image" descr="Image"/>
+          <p:cNvPr id="147" name="Image" descr="Image"/>
           <p:cNvPicPr>
             <a:picLocks noChangeAspect="1"/>
           </p:cNvPicPr>
@@ -2679,7 +2695,7 @@
       </p:pic>
       <p:pic>
         <p:nvPicPr>
-          <p:cNvPr id="154" name="Image" descr="Image"/>
+          <p:cNvPr id="148" name="Image" descr="Image"/>
           <p:cNvPicPr>
             <a:picLocks noChangeAspect="1"/>
           </p:cNvPicPr>
@@ -2706,7 +2722,7 @@
       </p:pic>
       <p:pic>
         <p:nvPicPr>
-          <p:cNvPr id="155" name="Image" descr="Image"/>
+          <p:cNvPr id="149" name="Image" descr="Image"/>
           <p:cNvPicPr>
             <a:picLocks noChangeAspect="1"/>
           </p:cNvPicPr>
@@ -2759,7 +2775,7 @@
       </p:grpSpPr>
       <p:sp>
         <p:nvSpPr>
-          <p:cNvPr id="157" name="5. Key Exchange  Principles. Diffie-Hellman (DH). Passing the secret key with key exchange.…"/>
+          <p:cNvPr id="151" name="4. Asymmetric Key  Principles. RSA. Elliptic Curve. Using Private Key to Authenticate. PGP: Signed Email.  Prof Bill Buchanan OBE https://asecuritysite.com/encryption"/>
           <p:cNvSpPr txBox="1">
             <a:spLocks noGrp="1"/>
           </p:cNvSpPr>
@@ -2769,8 +2785,8 @@
         </p:nvSpPr>
         <p:spPr>
           <a:xfrm>
-            <a:off x="468312" y="235892"/>
-            <a:ext cx="6840538" cy="5386984"/>
+            <a:off x="379412" y="258067"/>
+            <a:ext cx="6840538" cy="4821933"/>
           </a:xfrm>
           <a:prstGeom prst="rect">
             <a:avLst/>
@@ -2791,7 +2807,7 @@
             </a:pPr>
             <a:r>
               <a:rPr dirty="0"/>
-              <a:t>5. Key Exchange</a:t>
+              <a:t>4. Asymmetric Key</a:t>
             </a:r>
             <a:br>
               <a:rPr dirty="0"/>
@@ -2808,34 +2824,29 @@
             </a:br>
             <a:r>
               <a:rPr sz="2000" b="0" dirty="0"/>
-              <a:t>Diffie-Hellman (DH).</a:t>
-            </a:r>
-            <a:br>
-              <a:rPr sz="2000" b="0" dirty="0"/>
-            </a:br>
-            <a:r>
-              <a:rPr sz="2000" b="0" dirty="0"/>
-              <a:t>Passing the secret key with key exchange.</a:t>
-            </a:r>
-          </a:p>
-          <a:p>
-            <a:pPr algn="l">
-              <a:defRPr b="1">
-                <a:solidFill>
-                  <a:srgbClr val="C00000"/>
-                </a:solidFill>
-              </a:defRPr>
-            </a:pPr>
-            <a:r>
-              <a:rPr sz="2000" b="0" dirty="0"/>
-              <a:t>Elliptic Curve Diffie-Hellman (ECDH)</a:t>
-            </a:r>
-            <a:br>
-              <a:rPr sz="2000" b="0" dirty="0"/>
-            </a:br>
-            <a:br>
-              <a:rPr sz="2000" b="0" dirty="0"/>
-            </a:br>
+              <a:t>RSA.</a:t>
+            </a:r>
+            <a:br>
+              <a:rPr sz="2000" b="0" dirty="0"/>
+            </a:br>
+            <a:r>
+              <a:rPr sz="2000" b="0" dirty="0"/>
+              <a:t>Elliptic Curve.</a:t>
+            </a:r>
+            <a:br>
+              <a:rPr sz="2000" b="0" dirty="0"/>
+            </a:br>
+            <a:r>
+              <a:rPr sz="2000" b="0" dirty="0"/>
+              <a:t>Using Private Key to Authenticate.</a:t>
+            </a:r>
+            <a:br>
+              <a:rPr sz="2000" b="0" dirty="0"/>
+            </a:br>
+            <a:r>
+              <a:rPr sz="2000" b="0" dirty="0"/>
+              <a:t>PGP: Signed Email.</a:t>
+            </a:r>
             <a:br>
               <a:rPr sz="2000" b="0" dirty="0"/>
             </a:br>
@@ -2905,7 +2916,7 @@
       </p:sp>
       <p:pic>
         <p:nvPicPr>
-          <p:cNvPr id="158" name="Image" descr="Image"/>
+          <p:cNvPr id="152" name="Image" descr="Image"/>
           <p:cNvPicPr>
             <a:picLocks noChangeAspect="1"/>
           </p:cNvPicPr>
@@ -2932,7 +2943,7 @@
       </p:pic>
       <p:pic>
         <p:nvPicPr>
-          <p:cNvPr id="159" name="Image" descr="Image"/>
+          <p:cNvPr id="153" name="Image" descr="Image"/>
           <p:cNvPicPr>
             <a:picLocks noChangeAspect="1"/>
           </p:cNvPicPr>
@@ -2959,7 +2970,7 @@
       </p:pic>
       <p:pic>
         <p:nvPicPr>
-          <p:cNvPr id="160" name="Image" descr="Image"/>
+          <p:cNvPr id="154" name="Image" descr="Image"/>
           <p:cNvPicPr>
             <a:picLocks noChangeAspect="1"/>
           </p:cNvPicPr>
@@ -2986,7 +2997,7 @@
       </p:pic>
       <p:pic>
         <p:nvPicPr>
-          <p:cNvPr id="161" name="Image" descr="Image"/>
+          <p:cNvPr id="155" name="Image" descr="Image"/>
           <p:cNvPicPr>
             <a:picLocks noChangeAspect="1"/>
           </p:cNvPicPr>
@@ -3039,7 +3050,7 @@
       </p:grpSpPr>
       <p:sp>
         <p:nvSpPr>
-          <p:cNvPr id="163" name="6. Trust and Digital Certificates  Principles.…"/>
+          <p:cNvPr id="157" name="5. Key Exchange  Principles. Diffie-Hellman (DH). Passing the secret key with key exchange.…"/>
           <p:cNvSpPr txBox="1">
             <a:spLocks noGrp="1"/>
           </p:cNvSpPr>
@@ -3049,8 +3060,8 @@
         </p:nvSpPr>
         <p:spPr>
           <a:xfrm>
-            <a:off x="468312" y="218529"/>
-            <a:ext cx="6840538" cy="5277942"/>
+            <a:off x="468312" y="235892"/>
+            <a:ext cx="6840538" cy="5386984"/>
           </a:xfrm>
           <a:prstGeom prst="rect">
             <a:avLst/>
@@ -3058,7 +3069,7 @@
         </p:spPr>
         <p:txBody>
           <a:bodyPr>
-            <a:normAutofit fontScale="90000"/>
+            <a:normAutofit/>
           </a:bodyPr>
           <a:lstStyle/>
           <a:p>
@@ -3071,32 +3082,31 @@
             </a:pPr>
             <a:r>
               <a:rPr dirty="0"/>
-              <a:t>6. </a:t>
-            </a:r>
-            <a:r>
-              <a:rPr lang="en-US" dirty="0"/>
-              <a:t>Signatures</a:t>
-            </a:r>
-            <a:r>
+              <a:t>5. Key Exchange</a:t>
+            </a:r>
+            <a:br>
               <a:rPr dirty="0"/>
-              <a:t> and </a:t>
-            </a:r>
-            <a:br>
-              <a:rPr lang="en-US" dirty="0"/>
-            </a:br>
-            <a:r>
+            </a:br>
+            <a:br>
               <a:rPr dirty="0"/>
-              <a:t>Digital Certificates</a:t>
-            </a:r>
-            <a:br>
-              <a:rPr dirty="0"/>
-            </a:br>
-            <a:br>
-              <a:rPr dirty="0"/>
             </a:br>
             <a:r>
               <a:rPr sz="2000" b="0" dirty="0"/>
               <a:t>Principles.</a:t>
+            </a:r>
+            <a:br>
+              <a:rPr sz="2000" b="0" dirty="0"/>
+            </a:br>
+            <a:r>
+              <a:rPr sz="2000" b="0" dirty="0"/>
+              <a:t>Diffie-Hellman (DH).</a:t>
+            </a:r>
+            <a:br>
+              <a:rPr sz="2000" b="0" dirty="0"/>
+            </a:br>
+            <a:r>
+              <a:rPr sz="2000" b="0" dirty="0"/>
+              <a:t>Passing the secret key with key exchange.</a:t>
             </a:r>
           </a:p>
           <a:p>
@@ -3109,43 +3119,14 @@
             </a:pPr>
             <a:r>
               <a:rPr sz="2000" b="0" dirty="0"/>
-              <a:t>Trust Infrastructures.</a:t>
-            </a:r>
-            <a:br>
-              <a:rPr sz="2000" b="0" dirty="0"/>
-            </a:br>
-            <a:r>
-              <a:rPr sz="2000" b="0" dirty="0"/>
-              <a:t>PKI Infrastructure.</a:t>
-            </a:r>
-            <a:br>
-              <a:rPr sz="2000" b="0" dirty="0"/>
-            </a:br>
-            <a:r>
-              <a:rPr sz="2000" b="0" dirty="0"/>
-              <a:t>Creating Signed Certificates.</a:t>
-            </a:r>
-          </a:p>
-          <a:p>
-            <a:pPr algn="l">
-              <a:defRPr b="1">
-                <a:solidFill>
-                  <a:srgbClr val="C00000"/>
-                </a:solidFill>
-              </a:defRPr>
-            </a:pPr>
-            <a:r>
-              <a:rPr sz="2000" b="0" dirty="0"/>
-              <a:t>Signatures (</a:t>
-            </a:r>
-            <a:r>
-              <a:rPr lang="en-GB" sz="2000" b="0" dirty="0"/>
-              <a:t>DSA, </a:t>
-            </a:r>
-            <a:r>
-              <a:rPr sz="2000" b="0" dirty="0"/>
-              <a:t>ECDSA, Hashed-based).</a:t>
-            </a:r>
+              <a:t>Elliptic Curve Diffie-Hellman (ECDH)</a:t>
+            </a:r>
+            <a:br>
+              <a:rPr sz="2000" b="0" dirty="0"/>
+            </a:br>
+            <a:br>
+              <a:rPr sz="2000" b="0" dirty="0"/>
+            </a:br>
             <a:br>
               <a:rPr sz="2000" b="0" dirty="0"/>
             </a:br>
@@ -3215,7 +3196,7 @@
       </p:sp>
       <p:pic>
         <p:nvPicPr>
-          <p:cNvPr id="164" name="Image" descr="Image"/>
+          <p:cNvPr id="158" name="Image" descr="Image"/>
           <p:cNvPicPr>
             <a:picLocks noChangeAspect="1"/>
           </p:cNvPicPr>
@@ -3242,7 +3223,7 @@
       </p:pic>
       <p:pic>
         <p:nvPicPr>
-          <p:cNvPr id="165" name="Image" descr="Image"/>
+          <p:cNvPr id="159" name="Image" descr="Image"/>
           <p:cNvPicPr>
             <a:picLocks noChangeAspect="1"/>
           </p:cNvPicPr>
@@ -3269,7 +3250,7 @@
       </p:pic>
       <p:pic>
         <p:nvPicPr>
-          <p:cNvPr id="166" name="Image" descr="Image"/>
+          <p:cNvPr id="160" name="Image" descr="Image"/>
           <p:cNvPicPr>
             <a:picLocks noChangeAspect="1"/>
           </p:cNvPicPr>
@@ -3296,7 +3277,7 @@
       </p:pic>
       <p:pic>
         <p:nvPicPr>
-          <p:cNvPr id="167" name="Image" descr="Image"/>
+          <p:cNvPr id="161" name="Image" descr="Image"/>
           <p:cNvPicPr>
             <a:picLocks noChangeAspect="1"/>
           </p:cNvPicPr>
@@ -3349,7 +3330,7 @@
       </p:grpSpPr>
       <p:sp>
         <p:nvSpPr>
-          <p:cNvPr id="169" name="7. Tunnelling  SSL/TLS.…"/>
+          <p:cNvPr id="163" name="6. Trust and Digital Certificates  Principles.…"/>
           <p:cNvSpPr txBox="1">
             <a:spLocks noGrp="1"/>
           </p:cNvSpPr>
@@ -3368,7 +3349,7 @@
         </p:spPr>
         <p:txBody>
           <a:bodyPr>
-            <a:normAutofit/>
+            <a:normAutofit fontScale="90000"/>
           </a:bodyPr>
           <a:lstStyle/>
           <a:p>
@@ -3381,17 +3362,32 @@
             </a:pPr>
             <a:r>
               <a:rPr dirty="0"/>
-              <a:t>7. Tunnelling</a:t>
-            </a:r>
-            <a:br>
+              <a:t>6. </a:t>
+            </a:r>
+            <a:r>
+              <a:rPr lang="en-US" dirty="0"/>
+              <a:t>Signatures</a:t>
+            </a:r>
+            <a:r>
               <a:rPr dirty="0"/>
-            </a:br>
-            <a:br>
+              <a:t> and </a:t>
+            </a:r>
+            <a:br>
+              <a:rPr lang="en-US" dirty="0"/>
+            </a:br>
+            <a:r>
               <a:rPr dirty="0"/>
-            </a:br>
-            <a:r>
-              <a:rPr sz="2000" b="0" dirty="0"/>
-              <a:t>SSL/TLS.</a:t>
+              <a:t>Digital Certificates</a:t>
+            </a:r>
+            <a:br>
+              <a:rPr dirty="0"/>
+            </a:br>
+            <a:br>
+              <a:rPr dirty="0"/>
+            </a:br>
+            <a:r>
+              <a:rPr sz="2000" b="0" dirty="0"/>
+              <a:t>Principles.</a:t>
             </a:r>
           </a:p>
           <a:p>
@@ -3404,7 +3400,21 @@
             </a:pPr>
             <a:r>
               <a:rPr sz="2000" b="0" dirty="0"/>
-              <a:t>Key generation/key exchange.</a:t>
+              <a:t>Trust Infrastructures.</a:t>
+            </a:r>
+            <a:br>
+              <a:rPr sz="2000" b="0" dirty="0"/>
+            </a:br>
+            <a:r>
+              <a:rPr sz="2000" b="0" dirty="0"/>
+              <a:t>PKI Infrastructure.</a:t>
+            </a:r>
+            <a:br>
+              <a:rPr sz="2000" b="0" dirty="0"/>
+            </a:br>
+            <a:r>
+              <a:rPr sz="2000" b="0" dirty="0"/>
+              <a:t>Creating Signed Certificates.</a:t>
             </a:r>
           </a:p>
           <a:p>
@@ -3417,34 +3427,16 @@
             </a:pPr>
             <a:r>
               <a:rPr sz="2000" b="0" dirty="0"/>
-              <a:t>SSH.</a:t>
-            </a:r>
-          </a:p>
-          <a:p>
-            <a:pPr algn="l">
-              <a:defRPr b="1">
-                <a:solidFill>
-                  <a:srgbClr val="C00000"/>
-                </a:solidFill>
-              </a:defRPr>
-            </a:pPr>
-            <a:r>
-              <a:rPr sz="2000" b="0" dirty="0" err="1"/>
-              <a:t>IPSec</a:t>
-            </a:r>
-            <a:r>
-              <a:rPr sz="2000" b="0" dirty="0"/>
-              <a:t>.</a:t>
-            </a:r>
-          </a:p>
-          <a:p>
-            <a:pPr algn="l">
-              <a:defRPr b="1">
-                <a:solidFill>
-                  <a:srgbClr val="C00000"/>
-                </a:solidFill>
-              </a:defRPr>
-            </a:pPr>
+              <a:t>Signatures (</a:t>
+            </a:r>
+            <a:r>
+              <a:rPr lang="en-GB" sz="2000" b="0" dirty="0"/>
+              <a:t>DSA, </a:t>
+            </a:r>
+            <a:r>
+              <a:rPr sz="2000" b="0" dirty="0"/>
+              <a:t>ECDSA, Hashed-based).</a:t>
+            </a:r>
             <a:br>
               <a:rPr sz="2000" b="0" dirty="0"/>
             </a:br>
@@ -3514,7 +3506,7 @@
       </p:sp>
       <p:pic>
         <p:nvPicPr>
-          <p:cNvPr id="170" name="Image" descr="Image"/>
+          <p:cNvPr id="164" name="Image" descr="Image"/>
           <p:cNvPicPr>
             <a:picLocks noChangeAspect="1"/>
           </p:cNvPicPr>
@@ -3541,7 +3533,7 @@
       </p:pic>
       <p:pic>
         <p:nvPicPr>
-          <p:cNvPr id="171" name="Image" descr="Image"/>
+          <p:cNvPr id="165" name="Image" descr="Image"/>
           <p:cNvPicPr>
             <a:picLocks noChangeAspect="1"/>
           </p:cNvPicPr>
@@ -3568,7 +3560,7 @@
       </p:pic>
       <p:pic>
         <p:nvPicPr>
-          <p:cNvPr id="172" name="Image" descr="Image"/>
+          <p:cNvPr id="166" name="Image" descr="Image"/>
           <p:cNvPicPr>
             <a:picLocks noChangeAspect="1"/>
           </p:cNvPicPr>
@@ -3595,7 +3587,7 @@
       </p:pic>
       <p:pic>
         <p:nvPicPr>
-          <p:cNvPr id="173" name="Image" descr="Image"/>
+          <p:cNvPr id="167" name="Image" descr="Image"/>
           <p:cNvPicPr>
             <a:picLocks noChangeAspect="1"/>
           </p:cNvPicPr>
@@ -3648,7 +3640,7 @@
       </p:grpSpPr>
       <p:sp>
         <p:nvSpPr>
-          <p:cNvPr id="175" name="8. Blockchain &amp; Cryptocurrencies Principles. Bitcoin. Ethereum. Smart Contracts.    Prof Bill Buchanan OBE https://asecuritysite.com/encryption"/>
+          <p:cNvPr id="169" name="7. Tunnelling  SSL/TLS.…"/>
           <p:cNvSpPr txBox="1">
             <a:spLocks noGrp="1"/>
           </p:cNvSpPr>
@@ -3658,8 +3650,8 @@
         </p:nvSpPr>
         <p:spPr>
           <a:xfrm>
-            <a:off x="468312" y="169068"/>
-            <a:ext cx="7704138" cy="5247879"/>
+            <a:off x="468312" y="218529"/>
+            <a:ext cx="6840538" cy="5277942"/>
           </a:xfrm>
           <a:prstGeom prst="rect">
             <a:avLst/>
@@ -3680,42 +3672,70 @@
             </a:pPr>
             <a:r>
               <a:rPr dirty="0"/>
-              <a:t>8. Blockchain &amp; Cryptocurrencies</a:t>
+              <a:t>7. Tunnelling</a:t>
             </a:r>
             <a:br>
               <a:rPr dirty="0"/>
             </a:br>
-            <a:r>
-              <a:rPr sz="2000" b="0" dirty="0"/>
-              <a:t>Principles.</a:t>
-            </a:r>
-            <a:br>
-              <a:rPr sz="2000" b="0" dirty="0"/>
-            </a:br>
-            <a:r>
-              <a:rPr sz="2000" b="0" dirty="0"/>
-              <a:t>Bitcoin.</a:t>
-            </a:r>
-            <a:br>
-              <a:rPr sz="2000" b="0" dirty="0"/>
-            </a:br>
-            <a:r>
-              <a:rPr sz="2000" b="0" dirty="0"/>
-              <a:t>Ethereum.</a:t>
-            </a:r>
-            <a:br>
-              <a:rPr sz="2000" b="0" dirty="0"/>
-            </a:br>
-            <a:r>
-              <a:rPr sz="2000" b="0" dirty="0"/>
-              <a:t>Smart Contracts.</a:t>
-            </a:r>
-            <a:br>
-              <a:rPr sz="2000" b="0" dirty="0"/>
-            </a:br>
-            <a:br>
-              <a:rPr sz="2000" b="0" dirty="0"/>
-            </a:br>
+            <a:br>
+              <a:rPr dirty="0"/>
+            </a:br>
+            <a:r>
+              <a:rPr sz="2000" b="0" dirty="0"/>
+              <a:t>SSL/TLS.</a:t>
+            </a:r>
+          </a:p>
+          <a:p>
+            <a:pPr algn="l">
+              <a:defRPr b="1">
+                <a:solidFill>
+                  <a:srgbClr val="C00000"/>
+                </a:solidFill>
+              </a:defRPr>
+            </a:pPr>
+            <a:r>
+              <a:rPr sz="2000" b="0" dirty="0"/>
+              <a:t>Key generation/key exchange.</a:t>
+            </a:r>
+          </a:p>
+          <a:p>
+            <a:pPr algn="l">
+              <a:defRPr b="1">
+                <a:solidFill>
+                  <a:srgbClr val="C00000"/>
+                </a:solidFill>
+              </a:defRPr>
+            </a:pPr>
+            <a:r>
+              <a:rPr sz="2000" b="0" dirty="0"/>
+              <a:t>SSH.</a:t>
+            </a:r>
+          </a:p>
+          <a:p>
+            <a:pPr algn="l">
+              <a:defRPr b="1">
+                <a:solidFill>
+                  <a:srgbClr val="C00000"/>
+                </a:solidFill>
+              </a:defRPr>
+            </a:pPr>
+            <a:r>
+              <a:rPr sz="2000" b="0" dirty="0" err="1"/>
+              <a:t>IPSec</a:t>
+            </a:r>
+            <a:r>
+              <a:rPr sz="2000" b="0" dirty="0"/>
+              <a:t>.</a:t>
+            </a:r>
+          </a:p>
+          <a:p>
+            <a:pPr algn="l">
+              <a:defRPr b="1">
+                <a:solidFill>
+                  <a:srgbClr val="C00000"/>
+                </a:solidFill>
+              </a:defRPr>
+            </a:pPr>
             <a:br>
               <a:rPr sz="2000" b="0" dirty="0"/>
             </a:br>
@@ -3785,7 +3805,7 @@
       </p:sp>
       <p:pic>
         <p:nvPicPr>
-          <p:cNvPr id="176" name="Image" descr="Image"/>
+          <p:cNvPr id="170" name="Image" descr="Image"/>
           <p:cNvPicPr>
             <a:picLocks noChangeAspect="1"/>
           </p:cNvPicPr>
@@ -3812,7 +3832,7 @@
       </p:pic>
       <p:pic>
         <p:nvPicPr>
-          <p:cNvPr id="177" name="Image" descr="Image"/>
+          <p:cNvPr id="171" name="Image" descr="Image"/>
           <p:cNvPicPr>
             <a:picLocks noChangeAspect="1"/>
           </p:cNvPicPr>
@@ -3839,7 +3859,7 @@
       </p:pic>
       <p:pic>
         <p:nvPicPr>
-          <p:cNvPr id="178" name="Image" descr="Image"/>
+          <p:cNvPr id="172" name="Image" descr="Image"/>
           <p:cNvPicPr>
             <a:picLocks noChangeAspect="1"/>
           </p:cNvPicPr>
@@ -3866,7 +3886,7 @@
       </p:pic>
       <p:pic>
         <p:nvPicPr>
-          <p:cNvPr id="179" name="Image" descr="Image"/>
+          <p:cNvPr id="173" name="Image" descr="Image"/>
           <p:cNvPicPr>
             <a:picLocks noChangeAspect="1"/>
           </p:cNvPicPr>
@@ -3919,7 +3939,7 @@
       </p:grpSpPr>
       <p:sp>
         <p:nvSpPr>
-          <p:cNvPr id="181" name="9. Future Crypto Zero knowledge proof.…"/>
+          <p:cNvPr id="175" name="8. Blockchain &amp; Cryptocurrencies Principles. Bitcoin. Ethereum. Smart Contracts.    Prof Bill Buchanan OBE https://asecuritysite.com/encryption"/>
           <p:cNvSpPr txBox="1">
             <a:spLocks noGrp="1"/>
           </p:cNvSpPr>
@@ -3951,68 +3971,35 @@
             </a:pPr>
             <a:r>
               <a:rPr dirty="0"/>
-              <a:t>9. Future Crypto</a:t>
+              <a:t>8. Blockchain &amp; Cryptocurrencies</a:t>
             </a:r>
             <a:br>
               <a:rPr dirty="0"/>
             </a:br>
             <a:r>
               <a:rPr sz="2000" b="0" dirty="0"/>
-              <a:t>Zero knowledge proof.</a:t>
-            </a:r>
-          </a:p>
-          <a:p>
-            <a:pPr algn="l">
-              <a:defRPr b="1">
-                <a:solidFill>
-                  <a:srgbClr val="C00000"/>
-                </a:solidFill>
-              </a:defRPr>
-            </a:pPr>
-            <a:r>
-              <a:rPr sz="2000" b="0" dirty="0"/>
-              <a:t>Homomorphic encryption.</a:t>
-            </a:r>
-          </a:p>
-          <a:p>
-            <a:pPr algn="l">
-              <a:defRPr b="1">
-                <a:solidFill>
-                  <a:srgbClr val="C00000"/>
-                </a:solidFill>
-              </a:defRPr>
-            </a:pPr>
-            <a:r>
-              <a:rPr sz="2000" b="0" dirty="0"/>
-              <a:t>Light-weight crypto</a:t>
-            </a:r>
-            <a:r>
-              <a:rPr lang="en-GB" sz="2000" b="0" dirty="0" err="1"/>
-              <a:t>graphy</a:t>
-            </a:r>
-            <a:r>
-              <a:rPr sz="2000" b="0" dirty="0"/>
-              <a:t>.</a:t>
-            </a:r>
-          </a:p>
-          <a:p>
-            <a:pPr algn="l">
-              <a:defRPr b="1">
-                <a:solidFill>
-                  <a:srgbClr val="C00000"/>
-                </a:solidFill>
-              </a:defRPr>
-            </a:pPr>
-            <a:r>
-              <a:rPr sz="2000" b="0" dirty="0"/>
-              <a:t>Quantum-robust cryptography.</a:t>
-            </a:r>
-            <a:br>
-              <a:rPr lang="en-GB" sz="2000" b="0" dirty="0"/>
-            </a:br>
-            <a:r>
-              <a:rPr lang="en-GB" sz="2000" b="0" dirty="0"/>
-              <a:t>Secure Enclaves/Host Trust.</a:t>
+              <a:t>Principles.</a:t>
+            </a:r>
+            <a:br>
+              <a:rPr sz="2000" b="0" dirty="0"/>
+            </a:br>
+            <a:r>
+              <a:rPr sz="2000" b="0" dirty="0"/>
+              <a:t>Bitcoin.</a:t>
+            </a:r>
+            <a:br>
+              <a:rPr sz="2000" b="0" dirty="0"/>
+            </a:br>
+            <a:r>
+              <a:rPr sz="2000" b="0" dirty="0"/>
+              <a:t>Ethereum.</a:t>
+            </a:r>
+            <a:br>
+              <a:rPr sz="2000" b="0" dirty="0"/>
+            </a:br>
+            <a:r>
+              <a:rPr sz="2000" b="0" dirty="0"/>
+              <a:t>Smart Contracts.</a:t>
             </a:r>
             <a:br>
               <a:rPr sz="2000" b="0" dirty="0"/>
@@ -4089,7 +4076,7 @@
       </p:sp>
       <p:pic>
         <p:nvPicPr>
-          <p:cNvPr id="182" name="Image" descr="Image"/>
+          <p:cNvPr id="176" name="Image" descr="Image"/>
           <p:cNvPicPr>
             <a:picLocks noChangeAspect="1"/>
           </p:cNvPicPr>
@@ -4116,7 +4103,7 @@
       </p:pic>
       <p:pic>
         <p:nvPicPr>
-          <p:cNvPr id="183" name="Image" descr="Image"/>
+          <p:cNvPr id="177" name="Image" descr="Image"/>
           <p:cNvPicPr>
             <a:picLocks noChangeAspect="1"/>
           </p:cNvPicPr>
@@ -4143,7 +4130,7 @@
       </p:pic>
       <p:pic>
         <p:nvPicPr>
-          <p:cNvPr id="184" name="Image" descr="Image"/>
+          <p:cNvPr id="178" name="Image" descr="Image"/>
           <p:cNvPicPr>
             <a:picLocks noChangeAspect="1"/>
           </p:cNvPicPr>
@@ -4170,7 +4157,7 @@
       </p:pic>
       <p:pic>
         <p:nvPicPr>
-          <p:cNvPr id="185" name="Image" descr="Image"/>
+          <p:cNvPr id="179" name="Image" descr="Image"/>
           <p:cNvPicPr>
             <a:picLocks noChangeAspect="1"/>
           </p:cNvPicPr>
@@ -4254,36 +4241,69 @@
               </a:defRPr>
             </a:pPr>
             <a:r>
-              <a:rPr lang="en-GB" dirty="0"/>
-              <a:t>10. Host/Cloud</a:t>
-            </a:r>
-            <a:br>
               <a:rPr dirty="0"/>
-            </a:br>
-            <a:r>
+              <a:t>9. Future Crypto</a:t>
+            </a:r>
+            <a:br>
+              <a:rPr dirty="0"/>
+            </a:br>
+            <a:r>
+              <a:rPr sz="2000" b="0" dirty="0"/>
+              <a:t>Zero knowledge proof.</a:t>
+            </a:r>
+          </a:p>
+          <a:p>
+            <a:pPr algn="l">
+              <a:defRPr b="1">
+                <a:solidFill>
+                  <a:srgbClr val="C00000"/>
+                </a:solidFill>
+              </a:defRPr>
+            </a:pPr>
+            <a:r>
+              <a:rPr sz="2000" b="0" dirty="0"/>
+              <a:t>Homomorphic encryption.</a:t>
+            </a:r>
+          </a:p>
+          <a:p>
+            <a:pPr algn="l">
+              <a:defRPr b="1">
+                <a:solidFill>
+                  <a:srgbClr val="C00000"/>
+                </a:solidFill>
+              </a:defRPr>
+            </a:pPr>
+            <a:r>
+              <a:rPr sz="2000" b="0" dirty="0"/>
+              <a:t>Light-weight crypto</a:t>
+            </a:r>
+            <a:r>
+              <a:rPr lang="en-GB" sz="2000" b="0" dirty="0" err="1"/>
+              <a:t>graphy</a:t>
+            </a:r>
+            <a:r>
+              <a:rPr sz="2000" b="0" dirty="0"/>
+              <a:t>.</a:t>
+            </a:r>
+          </a:p>
+          <a:p>
+            <a:pPr algn="l">
+              <a:defRPr b="1">
+                <a:solidFill>
+                  <a:srgbClr val="C00000"/>
+                </a:solidFill>
+              </a:defRPr>
+            </a:pPr>
+            <a:r>
+              <a:rPr sz="2000" b="0" dirty="0"/>
+              <a:t>Quantum-robust cryptography.</a:t>
+            </a:r>
+            <a:br>
               <a:rPr lang="en-GB" sz="2000" b="0" dirty="0"/>
-              <a:t>Trust Infrastructures.</a:t>
-            </a:r>
-            <a:br>
+            </a:br>
+            <a:r>
               <a:rPr lang="en-GB" sz="2000" b="0" dirty="0"/>
-            </a:br>
-            <a:r>
-              <a:rPr lang="en-GB" sz="2000" b="0" dirty="0"/>
-              <a:t>Secure Enclaves.</a:t>
-            </a:r>
-            <a:br>
-              <a:rPr lang="en-GB" sz="2000" b="0" dirty="0"/>
-            </a:br>
-            <a:r>
-              <a:rPr lang="en-GB" sz="2000" b="0" dirty="0"/>
-              <a:t>Hardware/Software Tokens. FIDO2.</a:t>
-            </a:r>
-            <a:br>
-              <a:rPr lang="en-GB" sz="2000" b="0" dirty="0"/>
-            </a:br>
-            <a:r>
-              <a:rPr lang="en-GB" sz="2000" b="0" dirty="0"/>
-              <a:t>Biometric cryptography.</a:t>
+              <a:t>Secure Enclaves/Host Trust.</a:t>
             </a:r>
             <a:br>
               <a:rPr sz="2000" b="0" dirty="0"/>
@@ -4467,6 +4487,277 @@
         </p:spPr>
       </p:pic>
     </p:spTree>
+  </p:cSld>
+  <p:clrMapOvr>
+    <a:masterClrMapping/>
+  </p:clrMapOvr>
+  <p:transition spd="med"/>
+</p:sld>
+</file>
+
+<file path=ppt/slides/slide17.xml><?xml version="1.0" encoding="utf-8"?>
+<p:sld xmlns:a="http://schemas.openxmlformats.org/drawingml/2006/main" xmlns:r="http://schemas.openxmlformats.org/officeDocument/2006/relationships" xmlns:p="http://schemas.openxmlformats.org/presentationml/2006/main">
+  <p:cSld>
+    <p:spTree>
+      <p:nvGrpSpPr>
+        <p:cNvPr id="1" name=""/>
+        <p:cNvGrpSpPr/>
+        <p:nvPr/>
+      </p:nvGrpSpPr>
+      <p:grpSpPr>
+        <a:xfrm>
+          <a:off x="0" y="0"/>
+          <a:ext cx="0" cy="0"/>
+          <a:chOff x="0" y="0"/>
+          <a:chExt cx="0" cy="0"/>
+        </a:xfrm>
+      </p:grpSpPr>
+      <p:sp>
+        <p:nvSpPr>
+          <p:cNvPr id="181" name="9. Future Crypto Zero knowledge proof.…"/>
+          <p:cNvSpPr txBox="1">
+            <a:spLocks noGrp="1"/>
+          </p:cNvSpPr>
+          <p:nvPr>
+            <p:ph type="title" idx="4294967295"/>
+          </p:nvPr>
+        </p:nvSpPr>
+        <p:spPr>
+          <a:xfrm>
+            <a:off x="468312" y="169068"/>
+            <a:ext cx="7704138" cy="5247879"/>
+          </a:xfrm>
+          <a:prstGeom prst="rect">
+            <a:avLst/>
+          </a:prstGeom>
+        </p:spPr>
+        <p:txBody>
+          <a:bodyPr>
+            <a:normAutofit/>
+          </a:bodyPr>
+          <a:lstStyle/>
+          <a:p>
+            <a:pPr algn="l">
+              <a:defRPr b="1">
+                <a:solidFill>
+                  <a:srgbClr val="C00000"/>
+                </a:solidFill>
+              </a:defRPr>
+            </a:pPr>
+            <a:r>
+              <a:rPr lang="en-GB" dirty="0"/>
+              <a:t>10. Host/Cloud</a:t>
+            </a:r>
+            <a:br>
+              <a:rPr dirty="0"/>
+            </a:br>
+            <a:r>
+              <a:rPr lang="en-GB" sz="2000" b="0" dirty="0"/>
+              <a:t>Trust Infrastructures.</a:t>
+            </a:r>
+            <a:br>
+              <a:rPr lang="en-GB" sz="2000" b="0" dirty="0"/>
+            </a:br>
+            <a:r>
+              <a:rPr lang="en-GB" sz="2000" b="0" dirty="0"/>
+              <a:t>Secure Enclaves.</a:t>
+            </a:r>
+            <a:br>
+              <a:rPr lang="en-GB" sz="2000" b="0" dirty="0"/>
+            </a:br>
+            <a:r>
+              <a:rPr lang="en-GB" sz="2000" b="0" dirty="0"/>
+              <a:t>Hardware/Software Tokens. FIDO2.</a:t>
+            </a:r>
+            <a:br>
+              <a:rPr lang="en-GB" sz="2000" b="0" dirty="0"/>
+            </a:br>
+            <a:r>
+              <a:rPr lang="en-GB" sz="2000" b="0" dirty="0"/>
+              <a:t>Biometric cryptography.</a:t>
+            </a:r>
+            <a:br>
+              <a:rPr sz="2000" b="0" dirty="0"/>
+            </a:br>
+            <a:br>
+              <a:rPr sz="2000" b="0" dirty="0"/>
+            </a:br>
+            <a:br>
+              <a:rPr sz="2000" b="0" dirty="0"/>
+            </a:br>
+            <a:br>
+              <a:rPr sz="2000" b="0" dirty="0"/>
+            </a:br>
+            <a:r>
+              <a:rPr sz="3000" dirty="0">
+                <a:solidFill>
+                  <a:srgbClr val="000000"/>
+                </a:solidFill>
+              </a:rPr>
+              <a:t>Prof Bill Buchanan OBE</a:t>
+            </a:r>
+            <a:br>
+              <a:rPr sz="3000" dirty="0">
+                <a:solidFill>
+                  <a:srgbClr val="000000"/>
+                </a:solidFill>
+              </a:rPr>
+            </a:br>
+            <a:r>
+              <a:rPr lang="en-GB" sz="2000" b="0" dirty="0"/>
+              <a:t>https://</a:t>
+            </a:r>
+            <a:r>
+              <a:rPr lang="en-GB" sz="2000" b="0" dirty="0" err="1"/>
+              <a:t>asecuritysite.com</a:t>
+            </a:r>
+            <a:r>
+              <a:rPr lang="en-GB" sz="2000" b="0" dirty="0"/>
+              <a:t>/</a:t>
+            </a:r>
+            <a:br>
+              <a:rPr lang="en-GB" sz="2000" b="0" dirty="0"/>
+            </a:br>
+            <a:r>
+              <a:rPr lang="en-GB" sz="2000" b="0" dirty="0"/>
+              <a:t>https://</a:t>
+            </a:r>
+            <a:r>
+              <a:rPr lang="en-GB" sz="2000" b="0" dirty="0" err="1"/>
+              <a:t>github.com</a:t>
+            </a:r>
+            <a:r>
+              <a:rPr lang="en-GB" sz="2000" b="0" dirty="0"/>
+              <a:t>/</a:t>
+            </a:r>
+            <a:r>
+              <a:rPr lang="en-GB" sz="2000" b="0" dirty="0" err="1"/>
+              <a:t>billbuchanan</a:t>
+            </a:r>
+            <a:r>
+              <a:rPr lang="en-GB" sz="2000" b="0" dirty="0"/>
+              <a:t>/</a:t>
+            </a:r>
+            <a:r>
+              <a:rPr lang="en-GB" sz="2000" b="0" dirty="0" err="1"/>
+              <a:t>appliedcrypto</a:t>
+            </a:r>
+            <a:br>
+              <a:rPr sz="2000" b="0" dirty="0"/>
+            </a:br>
+            <a:endParaRPr sz="2000" b="0" dirty="0"/>
+          </a:p>
+        </p:txBody>
+      </p:sp>
+      <p:pic>
+        <p:nvPicPr>
+          <p:cNvPr id="182" name="Image" descr="Image"/>
+          <p:cNvPicPr>
+            <a:picLocks noChangeAspect="1"/>
+          </p:cNvPicPr>
+          <p:nvPr/>
+        </p:nvPicPr>
+        <p:blipFill>
+          <a:blip r:embed="rId2"/>
+          <a:stretch>
+            <a:fillRect/>
+          </a:stretch>
+        </p:blipFill>
+        <p:spPr>
+          <a:xfrm>
+            <a:off x="5465553" y="224412"/>
+            <a:ext cx="1631725" cy="2329687"/>
+          </a:xfrm>
+          <a:prstGeom prst="rect">
+            <a:avLst/>
+          </a:prstGeom>
+          <a:ln w="12700">
+            <a:miter lim="400000"/>
+          </a:ln>
+        </p:spPr>
+      </p:pic>
+      <p:pic>
+        <p:nvPicPr>
+          <p:cNvPr id="183" name="Image" descr="Image"/>
+          <p:cNvPicPr>
+            <a:picLocks noChangeAspect="1"/>
+          </p:cNvPicPr>
+          <p:nvPr/>
+        </p:nvPicPr>
+        <p:blipFill>
+          <a:blip r:embed="rId3"/>
+          <a:stretch>
+            <a:fillRect/>
+          </a:stretch>
+        </p:blipFill>
+        <p:spPr>
+          <a:xfrm>
+            <a:off x="7503856" y="295660"/>
+            <a:ext cx="1369165" cy="1923162"/>
+          </a:xfrm>
+          <a:prstGeom prst="rect">
+            <a:avLst/>
+          </a:prstGeom>
+          <a:ln w="12700">
+            <a:miter lim="400000"/>
+          </a:ln>
+        </p:spPr>
+      </p:pic>
+      <p:pic>
+        <p:nvPicPr>
+          <p:cNvPr id="184" name="Image" descr="Image"/>
+          <p:cNvPicPr>
+            <a:picLocks noChangeAspect="1"/>
+          </p:cNvPicPr>
+          <p:nvPr/>
+        </p:nvPicPr>
+        <p:blipFill>
+          <a:blip r:embed="rId4"/>
+          <a:stretch>
+            <a:fillRect/>
+          </a:stretch>
+        </p:blipFill>
+        <p:spPr>
+          <a:xfrm>
+            <a:off x="5602038" y="3233039"/>
+            <a:ext cx="1631724" cy="2309517"/>
+          </a:xfrm>
+          <a:prstGeom prst="rect">
+            <a:avLst/>
+          </a:prstGeom>
+          <a:ln w="12700">
+            <a:miter lim="400000"/>
+          </a:ln>
+        </p:spPr>
+      </p:pic>
+      <p:pic>
+        <p:nvPicPr>
+          <p:cNvPr id="185" name="Image" descr="Image"/>
+          <p:cNvPicPr>
+            <a:picLocks noChangeAspect="1"/>
+          </p:cNvPicPr>
+          <p:nvPr/>
+        </p:nvPicPr>
+        <p:blipFill>
+          <a:blip r:embed="rId5"/>
+          <a:stretch>
+            <a:fillRect/>
+          </a:stretch>
+        </p:blipFill>
+        <p:spPr>
+          <a:xfrm>
+            <a:off x="7488156" y="2648924"/>
+            <a:ext cx="1400564" cy="1923162"/>
+          </a:xfrm>
+          <a:prstGeom prst="rect">
+            <a:avLst/>
+          </a:prstGeom>
+          <a:ln w="12700">
+            <a:miter lim="400000"/>
+          </a:ln>
+        </p:spPr>
+      </p:pic>
+    </p:spTree>
     <p:extLst>
       <p:ext uri="{BB962C8B-B14F-4D97-AF65-F5344CB8AC3E}">
         <p14:creationId xmlns:p14="http://schemas.microsoft.com/office/powerpoint/2010/main" val="3128897685"/>
@@ -4480,7 +4771,7 @@
 </p:sld>
 </file>
 
-<file path=ppt/slides/slide17.xml><?xml version="1.0" encoding="utf-8"?>
+<file path=ppt/slides/slide18.xml><?xml version="1.0" encoding="utf-8"?>
 <p:sld xmlns:a="http://schemas.openxmlformats.org/drawingml/2006/main" xmlns:r="http://schemas.openxmlformats.org/officeDocument/2006/relationships" xmlns:p="http://schemas.openxmlformats.org/presentationml/2006/main">
   <p:cSld>
     <p:spTree>
@@ -5278,6 +5569,146 @@
           <a:chExt cx="0" cy="0"/>
         </a:xfrm>
       </p:grpSpPr>
+      <p:pic>
+        <p:nvPicPr>
+          <p:cNvPr id="81" name="Image" descr="Image"/>
+          <p:cNvPicPr>
+            <a:picLocks noChangeAspect="1"/>
+          </p:cNvPicPr>
+          <p:nvPr/>
+        </p:nvPicPr>
+        <p:blipFill>
+          <a:blip r:embed="rId2"/>
+          <a:stretch>
+            <a:fillRect/>
+          </a:stretch>
+        </p:blipFill>
+        <p:spPr>
+          <a:xfrm>
+            <a:off x="3624797" y="4029564"/>
+            <a:ext cx="1215534" cy="1307273"/>
+          </a:xfrm>
+          <a:prstGeom prst="rect">
+            <a:avLst/>
+          </a:prstGeom>
+          <a:ln w="12700">
+            <a:miter lim="400000"/>
+          </a:ln>
+          <a:effectLst>
+            <a:outerShdw blurRad="190500" dist="88900" dir="16200000" rotWithShape="0">
+              <a:srgbClr val="000000">
+                <a:alpha val="70000"/>
+              </a:srgbClr>
+            </a:outerShdw>
+          </a:effectLst>
+        </p:spPr>
+      </p:pic>
+      <p:pic>
+        <p:nvPicPr>
+          <p:cNvPr id="1026" name="Picture 2">
+            <a:extLst>
+              <a:ext uri="{FF2B5EF4-FFF2-40B4-BE49-F238E27FC236}">
+                <a16:creationId xmlns:a16="http://schemas.microsoft.com/office/drawing/2014/main" id="{F21D0C9D-BBFA-1295-078C-8D287097D49F}"/>
+              </a:ext>
+            </a:extLst>
+          </p:cNvPr>
+          <p:cNvPicPr>
+            <a:picLocks noChangeAspect="1" noChangeArrowheads="1"/>
+          </p:cNvPicPr>
+          <p:nvPr/>
+        </p:nvPicPr>
+        <p:blipFill>
+          <a:blip r:embed="rId3">
+            <a:extLst>
+              <a:ext uri="{28A0092B-C50C-407E-A947-70E740481C1C}">
+                <a14:useLocalDpi xmlns:a14="http://schemas.microsoft.com/office/drawing/2010/main" val="0"/>
+              </a:ext>
+            </a:extLst>
+          </a:blip>
+          <a:srcRect/>
+          <a:stretch>
+            <a:fillRect/>
+          </a:stretch>
+        </p:blipFill>
+        <p:spPr bwMode="auto">
+          <a:xfrm>
+            <a:off x="411082" y="0"/>
+            <a:ext cx="7958137" cy="5715000"/>
+          </a:xfrm>
+          <a:prstGeom prst="rect">
+            <a:avLst/>
+          </a:prstGeom>
+          <a:noFill/>
+          <a:extLst>
+            <a:ext uri="{909E8E84-426E-40DD-AFC4-6F175D3DCCD1}">
+              <a14:hiddenFill xmlns:a14="http://schemas.microsoft.com/office/drawing/2010/main">
+                <a:solidFill>
+                  <a:srgbClr val="FFFFFF"/>
+                </a:solidFill>
+              </a14:hiddenFill>
+            </a:ext>
+          </a:extLst>
+        </p:spPr>
+      </p:pic>
+      <p:sp>
+        <p:nvSpPr>
+          <p:cNvPr id="3" name="Title 2">
+            <a:extLst>
+              <a:ext uri="{FF2B5EF4-FFF2-40B4-BE49-F238E27FC236}">
+                <a16:creationId xmlns:a16="http://schemas.microsoft.com/office/drawing/2014/main" id="{7B88E519-35D9-3F45-7FA6-492E03439A01}"/>
+              </a:ext>
+            </a:extLst>
+          </p:cNvPr>
+          <p:cNvSpPr>
+            <a:spLocks noGrp="1"/>
+          </p:cNvSpPr>
+          <p:nvPr>
+            <p:ph type="title"/>
+          </p:nvPr>
+        </p:nvSpPr>
+        <p:spPr/>
+        <p:txBody>
+          <a:bodyPr/>
+          <a:lstStyle/>
+          <a:p>
+            <a:r>
+              <a:rPr lang="en-US" dirty="0"/>
+              <a:t>Cyber Actors</a:t>
+            </a:r>
+          </a:p>
+        </p:txBody>
+      </p:sp>
+    </p:spTree>
+    <p:extLst>
+      <p:ext uri="{BB962C8B-B14F-4D97-AF65-F5344CB8AC3E}">
+        <p14:creationId xmlns:p14="http://schemas.microsoft.com/office/powerpoint/2010/main" val="2346974831"/>
+      </p:ext>
+    </p:extLst>
+  </p:cSld>
+  <p:clrMapOvr>
+    <a:masterClrMapping/>
+  </p:clrMapOvr>
+  <p:transition spd="med"/>
+</p:sld>
+</file>
+
+<file path=ppt/slides/slide4.xml><?xml version="1.0" encoding="utf-8"?>
+<p:sld xmlns:a="http://schemas.openxmlformats.org/drawingml/2006/main" xmlns:r="http://schemas.openxmlformats.org/officeDocument/2006/relationships" xmlns:p="http://schemas.openxmlformats.org/presentationml/2006/main">
+  <p:cSld>
+    <p:spTree>
+      <p:nvGrpSpPr>
+        <p:cNvPr id="1" name=""/>
+        <p:cNvGrpSpPr/>
+        <p:nvPr/>
+      </p:nvGrpSpPr>
+      <p:grpSpPr>
+        <a:xfrm>
+          <a:off x="0" y="0"/>
+          <a:ext cx="0" cy="0"/>
+          <a:chOff x="0" y="0"/>
+          <a:chExt cx="0" cy="0"/>
+        </a:xfrm>
+      </p:grpSpPr>
       <p:sp>
         <p:nvSpPr>
           <p:cNvPr id="86" name="Module Delivery"/>
@@ -5828,7 +6259,7 @@
 </p:sld>
 </file>
 
-<file path=ppt/slides/slide4.xml><?xml version="1.0" encoding="utf-8"?>
+<file path=ppt/slides/slide5.xml><?xml version="1.0" encoding="utf-8"?>
 <p:sld xmlns:a="http://schemas.openxmlformats.org/drawingml/2006/main" xmlns:r="http://schemas.openxmlformats.org/officeDocument/2006/relationships" xmlns:p="http://schemas.openxmlformats.org/presentationml/2006/main">
   <p:cSld>
     <p:spTree>
@@ -6512,7 +6943,7 @@
 </p:sld>
 </file>
 
-<file path=ppt/slides/slide5.xml><?xml version="1.0" encoding="utf-8"?>
+<file path=ppt/slides/slide6.xml><?xml version="1.0" encoding="utf-8"?>
 <p:sld xmlns:a="http://schemas.openxmlformats.org/drawingml/2006/main" xmlns:r="http://schemas.openxmlformats.org/officeDocument/2006/relationships" xmlns:p="http://schemas.openxmlformats.org/presentationml/2006/main">
   <p:cSld>
     <p:spTree>
@@ -6531,6 +6962,53 @@
       </p:grpSpPr>
       <p:pic>
         <p:nvPicPr>
+          <p:cNvPr id="3074" name="Picture 2">
+            <a:extLst>
+              <a:ext uri="{FF2B5EF4-FFF2-40B4-BE49-F238E27FC236}">
+                <a16:creationId xmlns:a16="http://schemas.microsoft.com/office/drawing/2014/main" id="{66055A3D-2E2A-2E06-3556-01D6CF8FCD69}"/>
+              </a:ext>
+            </a:extLst>
+          </p:cNvPr>
+          <p:cNvPicPr>
+            <a:picLocks noChangeAspect="1" noChangeArrowheads="1"/>
+          </p:cNvPicPr>
+          <p:nvPr/>
+        </p:nvPicPr>
+        <p:blipFill>
+          <a:blip r:embed="rId2">
+            <a:extLst>
+              <a:ext uri="{28A0092B-C50C-407E-A947-70E740481C1C}">
+                <a14:useLocalDpi xmlns:a14="http://schemas.microsoft.com/office/drawing/2010/main" val="0"/>
+              </a:ext>
+            </a:extLst>
+          </a:blip>
+          <a:srcRect/>
+          <a:stretch>
+            <a:fillRect/>
+          </a:stretch>
+        </p:blipFill>
+        <p:spPr bwMode="auto">
+          <a:xfrm>
+            <a:off x="3415113" y="1055349"/>
+            <a:ext cx="5162310" cy="4129848"/>
+          </a:xfrm>
+          <a:prstGeom prst="rect">
+            <a:avLst/>
+          </a:prstGeom>
+          <a:noFill/>
+          <a:extLst>
+            <a:ext uri="{909E8E84-426E-40DD-AFC4-6F175D3DCCD1}">
+              <a14:hiddenFill xmlns:a14="http://schemas.microsoft.com/office/drawing/2010/main">
+                <a:solidFill>
+                  <a:srgbClr val="FFFFFF"/>
+                </a:solidFill>
+              </a14:hiddenFill>
+            </a:ext>
+          </a:extLst>
+        </p:spPr>
+      </p:pic>
+      <p:pic>
+        <p:nvPicPr>
           <p:cNvPr id="6" name="Picture 5" descr="A picture containing text, cup, indoor&#10;&#10;Description automatically generated">
             <a:extLst>
               <a:ext uri="{FF2B5EF4-FFF2-40B4-BE49-F238E27FC236}">
@@ -6544,7 +7022,7 @@
           <p:nvPr/>
         </p:nvPicPr>
         <p:blipFill>
-          <a:blip r:embed="rId2">
+          <a:blip r:embed="rId3">
             <a:extLst>
               <a:ext uri="{28A0092B-C50C-407E-A947-70E740481C1C}">
                 <a14:useLocalDpi xmlns:a14="http://schemas.microsoft.com/office/drawing/2010/main" val="0"/>
@@ -6593,7 +7071,7 @@
       <p:sp>
         <p:nvSpPr>
           <p:cNvPr id="123" name="Web site">
-            <a:hlinkClick r:id="rId3"/>
+            <a:hlinkClick r:id="rId4"/>
           </p:cNvPr>
           <p:cNvSpPr/>
           <p:nvPr/>
@@ -6640,10 +7118,10 @@
       </p:sp>
       <p:pic>
         <p:nvPicPr>
-          <p:cNvPr id="3" name="Picture 2" descr="Table&#10;&#10;Description automatically generated">
+          <p:cNvPr id="7" name="Picture 6" descr="Table&#10;&#10;Description automatically generated">
             <a:extLst>
               <a:ext uri="{FF2B5EF4-FFF2-40B4-BE49-F238E27FC236}">
-                <a16:creationId xmlns:a16="http://schemas.microsoft.com/office/drawing/2014/main" id="{0C602DFF-771F-F919-D870-4DF594357160}"/>
+                <a16:creationId xmlns:a16="http://schemas.microsoft.com/office/drawing/2014/main" id="{5E41F7E8-E345-E345-CEAF-4BCC1CB3F8B3}"/>
               </a:ext>
             </a:extLst>
           </p:cNvPr>
@@ -6653,7 +7131,7 @@
           <p:nvPr/>
         </p:nvPicPr>
         <p:blipFill>
-          <a:blip r:embed="rId4">
+          <a:blip r:embed="rId5">
             <a:extLst>
               <a:ext uri="{28A0092B-C50C-407E-A947-70E740481C1C}">
                 <a14:useLocalDpi xmlns:a14="http://schemas.microsoft.com/office/drawing/2010/main" val="0"/>
@@ -6666,8 +7144,8 @@
         </p:blipFill>
         <p:spPr>
           <a:xfrm>
-            <a:off x="1564619" y="1106901"/>
-            <a:ext cx="6874218" cy="4457500"/>
+            <a:off x="933007" y="1055349"/>
+            <a:ext cx="7277986" cy="4693357"/>
           </a:xfrm>
           <a:prstGeom prst="rect">
             <a:avLst/>
@@ -6714,7 +7192,7 @@
                                           </p:stCondLst>
                                         </p:cTn>
                                         <p:tgtEl>
-                                          <p:spTgt spid="3"/>
+                                          <p:spTgt spid="7"/>
                                         </p:tgtEl>
                                         <p:attrNameLst>
                                           <p:attrName>style.visibility</p:attrName>
@@ -6728,7 +7206,7 @@
                                       <p:cBhvr additive="base">
                                         <p:cTn id="7" dur="500" fill="hold"/>
                                         <p:tgtEl>
-                                          <p:spTgt spid="3"/>
+                                          <p:spTgt spid="7"/>
                                         </p:tgtEl>
                                         <p:attrNameLst>
                                           <p:attrName>ppt_x</p:attrName>
@@ -6751,7 +7229,7 @@
                                       <p:cBhvr additive="base">
                                         <p:cTn id="8" dur="500" fill="hold"/>
                                         <p:tgtEl>
-                                          <p:spTgt spid="3"/>
+                                          <p:spTgt spid="7"/>
                                         </p:tgtEl>
                                         <p:attrNameLst>
                                           <p:attrName>ppt_y</p:attrName>
@@ -6804,7 +7282,7 @@
 </p:sld>
 </file>
 
-<file path=ppt/slides/slide6.xml><?xml version="1.0" encoding="utf-8"?>
+<file path=ppt/slides/slide7.xml><?xml version="1.0" encoding="utf-8"?>
 <p:sld xmlns:a="http://schemas.openxmlformats.org/drawingml/2006/main" xmlns:r="http://schemas.openxmlformats.org/officeDocument/2006/relationships" xmlns:p="http://schemas.openxmlformats.org/presentationml/2006/main">
   <p:cSld>
     <p:spTree>
@@ -7004,7 +7482,7 @@
 </p:sld>
 </file>
 
-<file path=ppt/slides/slide7.xml><?xml version="1.0" encoding="utf-8"?>
+<file path=ppt/slides/slide8.xml><?xml version="1.0" encoding="utf-8"?>
 <p:sld xmlns:a="http://schemas.openxmlformats.org/drawingml/2006/main" xmlns:r="http://schemas.openxmlformats.org/officeDocument/2006/relationships" xmlns:p="http://schemas.openxmlformats.org/presentationml/2006/main">
   <p:cSld>
     <p:spTree>
@@ -7315,7 +7793,7 @@
 </p:sld>
 </file>
 
-<file path=ppt/slides/slide8.xml><?xml version="1.0" encoding="utf-8"?>
+<file path=ppt/slides/slide9.xml><?xml version="1.0" encoding="utf-8"?>
 <p:sld xmlns:a="http://schemas.openxmlformats.org/drawingml/2006/main" xmlns:r="http://schemas.openxmlformats.org/officeDocument/2006/relationships" xmlns:p="http://schemas.openxmlformats.org/presentationml/2006/main">
   <p:cSld>
     <p:spTree>
@@ -7584,296 +8062,6 @@
       <p:pic>
         <p:nvPicPr>
           <p:cNvPr id="143" name="Image" descr="Image"/>
-          <p:cNvPicPr>
-            <a:picLocks noChangeAspect="1"/>
-          </p:cNvPicPr>
-          <p:nvPr/>
-        </p:nvPicPr>
-        <p:blipFill>
-          <a:blip r:embed="rId5"/>
-          <a:stretch>
-            <a:fillRect/>
-          </a:stretch>
-        </p:blipFill>
-        <p:spPr>
-          <a:xfrm>
-            <a:off x="7488156" y="2648924"/>
-            <a:ext cx="1400564" cy="1923162"/>
-          </a:xfrm>
-          <a:prstGeom prst="rect">
-            <a:avLst/>
-          </a:prstGeom>
-          <a:ln w="12700">
-            <a:miter lim="400000"/>
-          </a:ln>
-        </p:spPr>
-      </p:pic>
-    </p:spTree>
-  </p:cSld>
-  <p:clrMapOvr>
-    <a:masterClrMapping/>
-  </p:clrMapOvr>
-  <p:transition spd="med"/>
-</p:sld>
-</file>
-
-<file path=ppt/slides/slide9.xml><?xml version="1.0" encoding="utf-8"?>
-<p:sld xmlns:a="http://schemas.openxmlformats.org/drawingml/2006/main" xmlns:r="http://schemas.openxmlformats.org/officeDocument/2006/relationships" xmlns:p="http://schemas.openxmlformats.org/presentationml/2006/main">
-  <p:cSld>
-    <p:spTree>
-      <p:nvGrpSpPr>
-        <p:cNvPr id="1" name=""/>
-        <p:cNvGrpSpPr/>
-        <p:nvPr/>
-      </p:nvGrpSpPr>
-      <p:grpSpPr>
-        <a:xfrm>
-          <a:off x="0" y="0"/>
-          <a:ext cx="0" cy="0"/>
-          <a:chOff x="0" y="0"/>
-          <a:chExt cx="0" cy="0"/>
-        </a:xfrm>
-      </p:grpSpPr>
-      <p:sp>
-        <p:nvSpPr>
-          <p:cNvPr id="145" name="3. Hashing and MAC  Hashing Methods. Cracking. Typical Methods: MD5, SHA-1, SHA-3, LM, Bcrypt, PBKDF2 Hashed Passwords. Timed One Time Passwords. Message Authentication Codes (MACs).  Prof Bill Buchanan OBE https://asecuritysite.com/encryption"/>
-          <p:cNvSpPr txBox="1">
-            <a:spLocks noGrp="1"/>
-          </p:cNvSpPr>
-          <p:nvPr>
-            <p:ph type="title" idx="4294967295"/>
-          </p:nvPr>
-        </p:nvSpPr>
-        <p:spPr>
-          <a:xfrm>
-            <a:off x="468312" y="381347"/>
-            <a:ext cx="6840538" cy="5345907"/>
-          </a:xfrm>
-          <a:prstGeom prst="rect">
-            <a:avLst/>
-          </a:prstGeom>
-        </p:spPr>
-        <p:txBody>
-          <a:bodyPr>
-            <a:normAutofit/>
-          </a:bodyPr>
-          <a:lstStyle/>
-          <a:p>
-            <a:pPr algn="l">
-              <a:defRPr b="1">
-                <a:solidFill>
-                  <a:srgbClr val="C00000"/>
-                </a:solidFill>
-              </a:defRPr>
-            </a:pPr>
-            <a:r>
-              <a:rPr dirty="0"/>
-              <a:t>3. Hashing and MAC</a:t>
-            </a:r>
-            <a:br>
-              <a:rPr dirty="0"/>
-            </a:br>
-            <a:br>
-              <a:rPr dirty="0"/>
-            </a:br>
-            <a:r>
-              <a:rPr sz="2000" b="0" dirty="0"/>
-              <a:t>Hashing Methods.</a:t>
-            </a:r>
-            <a:br>
-              <a:rPr sz="2000" b="0" dirty="0"/>
-            </a:br>
-            <a:r>
-              <a:rPr sz="2000" b="0" dirty="0"/>
-              <a:t>Cracking.</a:t>
-            </a:r>
-            <a:br>
-              <a:rPr sz="2000" b="0" dirty="0"/>
-            </a:br>
-            <a:r>
-              <a:rPr sz="2000" b="0" dirty="0"/>
-              <a:t>Typical Methods: MD5, SHA-1, SHA-3, LM, </a:t>
-            </a:r>
-            <a:r>
-              <a:rPr sz="2000" b="0" dirty="0" err="1"/>
-              <a:t>Bcrypt</a:t>
-            </a:r>
-            <a:r>
-              <a:rPr sz="2000" b="0" dirty="0"/>
-              <a:t>, PBKDF2</a:t>
-            </a:r>
-            <a:br>
-              <a:rPr sz="2000" b="0" dirty="0"/>
-            </a:br>
-            <a:r>
-              <a:rPr sz="2000" b="0" dirty="0"/>
-              <a:t>Hashed Passwords.</a:t>
-            </a:r>
-            <a:br>
-              <a:rPr sz="2000" b="0" dirty="0"/>
-            </a:br>
-            <a:r>
-              <a:rPr sz="2000" b="0" dirty="0"/>
-              <a:t>Timed One Time Passwords.</a:t>
-            </a:r>
-            <a:br>
-              <a:rPr sz="2000" b="0" dirty="0"/>
-            </a:br>
-            <a:r>
-              <a:rPr sz="2000" b="0" dirty="0"/>
-              <a:t>Message Authentication Codes (MACs).</a:t>
-            </a:r>
-            <a:br>
-              <a:rPr sz="2000" b="0" dirty="0"/>
-            </a:br>
-            <a:br>
-              <a:rPr sz="2000" b="0" dirty="0"/>
-            </a:br>
-            <a:r>
-              <a:rPr sz="3000" dirty="0">
-                <a:solidFill>
-                  <a:srgbClr val="000000"/>
-                </a:solidFill>
-              </a:rPr>
-              <a:t>Prof Bill Buchanan OBE</a:t>
-            </a:r>
-            <a:br>
-              <a:rPr sz="3000" dirty="0">
-                <a:solidFill>
-                  <a:srgbClr val="000000"/>
-                </a:solidFill>
-              </a:rPr>
-            </a:br>
-            <a:r>
-              <a:rPr lang="en-GB" sz="2000" b="0" dirty="0"/>
-              <a:t>https://</a:t>
-            </a:r>
-            <a:r>
-              <a:rPr lang="en-GB" sz="2000" b="0" dirty="0" err="1"/>
-              <a:t>asecuritysite.com</a:t>
-            </a:r>
-            <a:r>
-              <a:rPr lang="en-GB" sz="2000" b="0" dirty="0"/>
-              <a:t>/</a:t>
-            </a:r>
-            <a:br>
-              <a:rPr lang="en-GB" sz="2000" b="0" dirty="0"/>
-            </a:br>
-            <a:r>
-              <a:rPr lang="en-GB" sz="2000" b="0" dirty="0"/>
-              <a:t>https://</a:t>
-            </a:r>
-            <a:r>
-              <a:rPr lang="en-GB" sz="2000" b="0" dirty="0" err="1"/>
-              <a:t>github.com</a:t>
-            </a:r>
-            <a:r>
-              <a:rPr lang="en-GB" sz="2000" b="0" dirty="0"/>
-              <a:t>/</a:t>
-            </a:r>
-            <a:r>
-              <a:rPr lang="en-GB" sz="2000" b="0" dirty="0" err="1"/>
-              <a:t>billbuchanan</a:t>
-            </a:r>
-            <a:r>
-              <a:rPr lang="en-GB" sz="2000" b="0" dirty="0"/>
-              <a:t>/</a:t>
-            </a:r>
-            <a:r>
-              <a:rPr lang="en-GB" sz="2000" b="0" dirty="0" err="1"/>
-              <a:t>appliedcrypto</a:t>
-            </a:r>
-            <a:br>
-              <a:rPr sz="2000" b="0" dirty="0"/>
-            </a:br>
-            <a:endParaRPr sz="2000" b="0" dirty="0"/>
-          </a:p>
-        </p:txBody>
-      </p:sp>
-      <p:pic>
-        <p:nvPicPr>
-          <p:cNvPr id="146" name="Image" descr="Image"/>
-          <p:cNvPicPr>
-            <a:picLocks noChangeAspect="1"/>
-          </p:cNvPicPr>
-          <p:nvPr/>
-        </p:nvPicPr>
-        <p:blipFill>
-          <a:blip r:embed="rId2"/>
-          <a:stretch>
-            <a:fillRect/>
-          </a:stretch>
-        </p:blipFill>
-        <p:spPr>
-          <a:xfrm>
-            <a:off x="5465553" y="224412"/>
-            <a:ext cx="1631725" cy="2329687"/>
-          </a:xfrm>
-          <a:prstGeom prst="rect">
-            <a:avLst/>
-          </a:prstGeom>
-          <a:ln w="12700">
-            <a:miter lim="400000"/>
-          </a:ln>
-        </p:spPr>
-      </p:pic>
-      <p:pic>
-        <p:nvPicPr>
-          <p:cNvPr id="147" name="Image" descr="Image"/>
-          <p:cNvPicPr>
-            <a:picLocks noChangeAspect="1"/>
-          </p:cNvPicPr>
-          <p:nvPr/>
-        </p:nvPicPr>
-        <p:blipFill>
-          <a:blip r:embed="rId3"/>
-          <a:stretch>
-            <a:fillRect/>
-          </a:stretch>
-        </p:blipFill>
-        <p:spPr>
-          <a:xfrm>
-            <a:off x="7503856" y="295660"/>
-            <a:ext cx="1369165" cy="1923162"/>
-          </a:xfrm>
-          <a:prstGeom prst="rect">
-            <a:avLst/>
-          </a:prstGeom>
-          <a:ln w="12700">
-            <a:miter lim="400000"/>
-          </a:ln>
-        </p:spPr>
-      </p:pic>
-      <p:pic>
-        <p:nvPicPr>
-          <p:cNvPr id="148" name="Image" descr="Image"/>
-          <p:cNvPicPr>
-            <a:picLocks noChangeAspect="1"/>
-          </p:cNvPicPr>
-          <p:nvPr/>
-        </p:nvPicPr>
-        <p:blipFill>
-          <a:blip r:embed="rId4"/>
-          <a:stretch>
-            <a:fillRect/>
-          </a:stretch>
-        </p:blipFill>
-        <p:spPr>
-          <a:xfrm>
-            <a:off x="5602038" y="3233039"/>
-            <a:ext cx="1631724" cy="2309517"/>
-          </a:xfrm>
-          <a:prstGeom prst="rect">
-            <a:avLst/>
-          </a:prstGeom>
-          <a:ln w="12700">
-            <a:miter lim="400000"/>
-          </a:ln>
-        </p:spPr>
-      </p:pic>
-      <p:pic>
-        <p:nvPicPr>
-          <p:cNvPr id="149" name="Image" descr="Image"/>
           <p:cNvPicPr>
             <a:picLocks noChangeAspect="1"/>
           </p:cNvPicPr>

--- a/unit00_introduction/unit01_introduction.pptx
+++ b/unit00_introduction/unit01_introduction.pptx
@@ -1056,7 +1056,7 @@
           </a:ln>
           <a:extLst>
             <a:ext uri="{C572A759-6A51-4108-AA02-DFA0A04FC94B}">
-              <ma14:wrappingTextBoxFlag xmlns:ma14="http://schemas.microsoft.com/office/mac/drawingml/2011/main" xmlns:a14="http://schemas.microsoft.com/office/drawing/2010/main" xmlns:m="http://schemas.openxmlformats.org/officeDocument/2006/math" xmlns="" val="1"/>
+              <ma14:wrappingTextBoxFlag xmlns="" xmlns:m="http://schemas.openxmlformats.org/officeDocument/2006/math" xmlns:a14="http://schemas.microsoft.com/office/drawing/2010/main" xmlns:ma14="http://schemas.microsoft.com/office/mac/drawingml/2011/main" val="1"/>
             </a:ext>
           </a:extLst>
         </p:spPr>
@@ -1093,7 +1093,7 @@
           </a:ln>
           <a:extLst>
             <a:ext uri="{C572A759-6A51-4108-AA02-DFA0A04FC94B}">
-              <ma14:wrappingTextBoxFlag xmlns:ma14="http://schemas.microsoft.com/office/mac/drawingml/2011/main" xmlns:a14="http://schemas.microsoft.com/office/drawing/2010/main" xmlns:m="http://schemas.openxmlformats.org/officeDocument/2006/math" xmlns="" val="1"/>
+              <ma14:wrappingTextBoxFlag xmlns="" xmlns:m="http://schemas.openxmlformats.org/officeDocument/2006/math" xmlns:a14="http://schemas.microsoft.com/office/drawing/2010/main" xmlns:ma14="http://schemas.microsoft.com/office/mac/drawingml/2011/main" val="1"/>
             </a:ext>
           </a:extLst>
         </p:spPr>
@@ -2274,7 +2274,7 @@
         </p:nvGrpSpPr>
         <p:grpSpPr>
           <a:xfrm>
-            <a:off x="716829" y="423564"/>
+            <a:off x="716829" y="595669"/>
             <a:ext cx="6937620" cy="4604185"/>
             <a:chOff x="0" y="0"/>
             <a:chExt cx="6937619" cy="4604183"/>
@@ -5476,7 +5476,7 @@
           </a:ln>
           <a:extLst>
             <a:ext uri="{C572A759-6A51-4108-AA02-DFA0A04FC94B}">
-              <ma14:wrappingTextBoxFlag xmlns:ma14="http://schemas.microsoft.com/office/mac/drawingml/2011/main" xmlns:a14="http://schemas.microsoft.com/office/drawing/2010/main" xmlns:m="http://schemas.openxmlformats.org/officeDocument/2006/math" xmlns="" val="1"/>
+              <ma14:wrappingTextBoxFlag xmlns="" xmlns:m="http://schemas.openxmlformats.org/officeDocument/2006/math" xmlns:a14="http://schemas.microsoft.com/office/drawing/2010/main" xmlns:ma14="http://schemas.microsoft.com/office/mac/drawingml/2011/main" val="1"/>
             </a:ext>
           </a:extLst>
         </p:spPr>
@@ -5791,7 +5791,7 @@
           </a:ln>
           <a:extLst>
             <a:ext uri="{C572A759-6A51-4108-AA02-DFA0A04FC94B}">
-              <ma14:wrappingTextBoxFlag xmlns:ma14="http://schemas.microsoft.com/office/mac/drawingml/2011/main" xmlns:a14="http://schemas.microsoft.com/office/drawing/2010/main" xmlns:m="http://schemas.openxmlformats.org/officeDocument/2006/math" xmlns="" val="1"/>
+              <ma14:wrappingTextBoxFlag xmlns="" xmlns:m="http://schemas.openxmlformats.org/officeDocument/2006/math" xmlns:a14="http://schemas.microsoft.com/office/drawing/2010/main" xmlns:ma14="http://schemas.microsoft.com/office/mac/drawingml/2011/main" val="1"/>
             </a:ext>
           </a:extLst>
         </p:spPr>
@@ -5833,7 +5833,7 @@
           </a:ln>
           <a:extLst>
             <a:ext uri="{C572A759-6A51-4108-AA02-DFA0A04FC94B}">
-              <ma14:wrappingTextBoxFlag xmlns:ma14="http://schemas.microsoft.com/office/mac/drawingml/2011/main" xmlns:a14="http://schemas.microsoft.com/office/drawing/2010/main" xmlns:m="http://schemas.openxmlformats.org/officeDocument/2006/math" xmlns="" val="1"/>
+              <ma14:wrappingTextBoxFlag xmlns="" xmlns:m="http://schemas.openxmlformats.org/officeDocument/2006/math" xmlns:a14="http://schemas.microsoft.com/office/drawing/2010/main" xmlns:ma14="http://schemas.microsoft.com/office/mac/drawingml/2011/main" val="1"/>
             </a:ext>
           </a:extLst>
         </p:spPr>
@@ -5901,7 +5901,7 @@
           </a:ln>
           <a:extLst>
             <a:ext uri="{C572A759-6A51-4108-AA02-DFA0A04FC94B}">
-              <ma14:wrappingTextBoxFlag xmlns:ma14="http://schemas.microsoft.com/office/mac/drawingml/2011/main" xmlns:a14="http://schemas.microsoft.com/office/drawing/2010/main" xmlns:m="http://schemas.openxmlformats.org/officeDocument/2006/math" xmlns="" val="1"/>
+              <ma14:wrappingTextBoxFlag xmlns="" xmlns:m="http://schemas.openxmlformats.org/officeDocument/2006/math" xmlns:a14="http://schemas.microsoft.com/office/drawing/2010/main" xmlns:ma14="http://schemas.microsoft.com/office/mac/drawingml/2011/main" val="1"/>
             </a:ext>
           </a:extLst>
         </p:spPr>
@@ -5994,7 +5994,7 @@
           </a:ln>
           <a:extLst>
             <a:ext uri="{C572A759-6A51-4108-AA02-DFA0A04FC94B}">
-              <ma14:wrappingTextBoxFlag xmlns:ma14="http://schemas.microsoft.com/office/mac/drawingml/2011/main" xmlns:a14="http://schemas.microsoft.com/office/drawing/2010/main" xmlns:m="http://schemas.openxmlformats.org/officeDocument/2006/math" xmlns="" val="1"/>
+              <ma14:wrappingTextBoxFlag xmlns="" xmlns:m="http://schemas.openxmlformats.org/officeDocument/2006/math" xmlns:a14="http://schemas.microsoft.com/office/drawing/2010/main" xmlns:ma14="http://schemas.microsoft.com/office/mac/drawingml/2011/main" val="1"/>
             </a:ext>
           </a:extLst>
         </p:spPr>
@@ -6078,7 +6078,7 @@
           </a:ln>
           <a:extLst>
             <a:ext uri="{C572A759-6A51-4108-AA02-DFA0A04FC94B}">
-              <ma14:wrappingTextBoxFlag xmlns:ma14="http://schemas.microsoft.com/office/mac/drawingml/2011/main" xmlns:a14="http://schemas.microsoft.com/office/drawing/2010/main" xmlns:m="http://schemas.openxmlformats.org/officeDocument/2006/math" xmlns="" val="1"/>
+              <ma14:wrappingTextBoxFlag xmlns="" xmlns:m="http://schemas.openxmlformats.org/officeDocument/2006/math" xmlns:a14="http://schemas.microsoft.com/office/drawing/2010/main" xmlns:ma14="http://schemas.microsoft.com/office/mac/drawingml/2011/main" val="1"/>
             </a:ext>
           </a:extLst>
         </p:spPr>
@@ -6117,7 +6117,7 @@
           </a:ln>
           <a:extLst>
             <a:ext uri="{C572A759-6A51-4108-AA02-DFA0A04FC94B}">
-              <ma14:wrappingTextBoxFlag xmlns:ma14="http://schemas.microsoft.com/office/mac/drawingml/2011/main" xmlns:a14="http://schemas.microsoft.com/office/drawing/2010/main" xmlns:m="http://schemas.openxmlformats.org/officeDocument/2006/math" xmlns="" val="1"/>
+              <ma14:wrappingTextBoxFlag xmlns="" xmlns:m="http://schemas.openxmlformats.org/officeDocument/2006/math" xmlns:a14="http://schemas.microsoft.com/office/drawing/2010/main" xmlns:ma14="http://schemas.microsoft.com/office/mac/drawingml/2011/main" val="1"/>
             </a:ext>
           </a:extLst>
         </p:spPr>
@@ -6183,7 +6183,7 @@
           </a:ln>
           <a:extLst>
             <a:ext uri="{C572A759-6A51-4108-AA02-DFA0A04FC94B}">
-              <ma14:wrappingTextBoxFlag xmlns:ma14="http://schemas.microsoft.com/office/mac/drawingml/2011/main" xmlns:a14="http://schemas.microsoft.com/office/drawing/2010/main" xmlns:m="http://schemas.openxmlformats.org/officeDocument/2006/math" xmlns="" val="1"/>
+              <ma14:wrappingTextBoxFlag xmlns="" xmlns:m="http://schemas.openxmlformats.org/officeDocument/2006/math" xmlns:a14="http://schemas.microsoft.com/office/drawing/2010/main" xmlns:ma14="http://schemas.microsoft.com/office/mac/drawingml/2011/main" val="1"/>
             </a:ext>
           </a:extLst>
         </p:spPr>
@@ -6424,7 +6424,7 @@
           </a:ln>
           <a:extLst>
             <a:ext uri="{C572A759-6A51-4108-AA02-DFA0A04FC94B}">
-              <ma14:wrappingTextBoxFlag xmlns:ma14="http://schemas.microsoft.com/office/mac/drawingml/2011/main" xmlns:a14="http://schemas.microsoft.com/office/drawing/2010/main" xmlns:m="http://schemas.openxmlformats.org/officeDocument/2006/math" xmlns="" val="1"/>
+              <ma14:wrappingTextBoxFlag xmlns="" xmlns:m="http://schemas.openxmlformats.org/officeDocument/2006/math" xmlns:a14="http://schemas.microsoft.com/office/drawing/2010/main" xmlns:ma14="http://schemas.microsoft.com/office/mac/drawingml/2011/main" val="1"/>
             </a:ext>
           </a:extLst>
         </p:spPr>
@@ -6492,7 +6492,7 @@
           </a:ln>
           <a:extLst>
             <a:ext uri="{C572A759-6A51-4108-AA02-DFA0A04FC94B}">
-              <ma14:wrappingTextBoxFlag xmlns:ma14="http://schemas.microsoft.com/office/mac/drawingml/2011/main" xmlns:a14="http://schemas.microsoft.com/office/drawing/2010/main" xmlns:m="http://schemas.openxmlformats.org/officeDocument/2006/math" xmlns="" val="1"/>
+              <ma14:wrappingTextBoxFlag xmlns="" xmlns:m="http://schemas.openxmlformats.org/officeDocument/2006/math" xmlns:a14="http://schemas.microsoft.com/office/drawing/2010/main" xmlns:ma14="http://schemas.microsoft.com/office/mac/drawingml/2011/main" val="1"/>
             </a:ext>
           </a:extLst>
         </p:spPr>
@@ -6576,7 +6576,7 @@
           </a:ln>
           <a:extLst>
             <a:ext uri="{C572A759-6A51-4108-AA02-DFA0A04FC94B}">
-              <ma14:wrappingTextBoxFlag xmlns:ma14="http://schemas.microsoft.com/office/mac/drawingml/2011/main" xmlns:a14="http://schemas.microsoft.com/office/drawing/2010/main" xmlns:m="http://schemas.openxmlformats.org/officeDocument/2006/math" xmlns="" val="1"/>
+              <ma14:wrappingTextBoxFlag xmlns="" xmlns:m="http://schemas.openxmlformats.org/officeDocument/2006/math" xmlns:a14="http://schemas.microsoft.com/office/drawing/2010/main" xmlns:ma14="http://schemas.microsoft.com/office/mac/drawingml/2011/main" val="1"/>
             </a:ext>
           </a:extLst>
         </p:spPr>
@@ -6642,7 +6642,7 @@
           </a:ln>
           <a:extLst>
             <a:ext uri="{C572A759-6A51-4108-AA02-DFA0A04FC94B}">
-              <ma14:wrappingTextBoxFlag xmlns:ma14="http://schemas.microsoft.com/office/mac/drawingml/2011/main" xmlns:a14="http://schemas.microsoft.com/office/drawing/2010/main" xmlns:m="http://schemas.openxmlformats.org/officeDocument/2006/math" xmlns="" val="1"/>
+              <ma14:wrappingTextBoxFlag xmlns="" xmlns:m="http://schemas.openxmlformats.org/officeDocument/2006/math" xmlns:a14="http://schemas.microsoft.com/office/drawing/2010/main" xmlns:ma14="http://schemas.microsoft.com/office/mac/drawingml/2011/main" val="1"/>
             </a:ext>
           </a:extLst>
         </p:spPr>
@@ -6735,7 +6735,7 @@
           </a:ln>
           <a:extLst>
             <a:ext uri="{C572A759-6A51-4108-AA02-DFA0A04FC94B}">
-              <ma14:wrappingTextBoxFlag xmlns:ma14="http://schemas.microsoft.com/office/mac/drawingml/2011/main" xmlns:a14="http://schemas.microsoft.com/office/drawing/2010/main" xmlns:m="http://schemas.openxmlformats.org/officeDocument/2006/math" xmlns="" val="1"/>
+              <ma14:wrappingTextBoxFlag xmlns="" xmlns:m="http://schemas.openxmlformats.org/officeDocument/2006/math" xmlns:a14="http://schemas.microsoft.com/office/drawing/2010/main" xmlns:ma14="http://schemas.microsoft.com/office/mac/drawingml/2011/main" val="1"/>
             </a:ext>
           </a:extLst>
         </p:spPr>
@@ -6774,7 +6774,7 @@
           </a:ln>
           <a:extLst>
             <a:ext uri="{C572A759-6A51-4108-AA02-DFA0A04FC94B}">
-              <ma14:wrappingTextBoxFlag xmlns:ma14="http://schemas.microsoft.com/office/mac/drawingml/2011/main" xmlns:a14="http://schemas.microsoft.com/office/drawing/2010/main" xmlns:m="http://schemas.openxmlformats.org/officeDocument/2006/math" xmlns="" val="1"/>
+              <ma14:wrappingTextBoxFlag xmlns="" xmlns:m="http://schemas.openxmlformats.org/officeDocument/2006/math" xmlns:a14="http://schemas.microsoft.com/office/drawing/2010/main" xmlns:ma14="http://schemas.microsoft.com/office/mac/drawingml/2011/main" val="1"/>
             </a:ext>
           </a:extLst>
         </p:spPr>
@@ -6813,7 +6813,7 @@
           </a:ln>
           <a:extLst>
             <a:ext uri="{C572A759-6A51-4108-AA02-DFA0A04FC94B}">
-              <ma14:wrappingTextBoxFlag xmlns:ma14="http://schemas.microsoft.com/office/mac/drawingml/2011/main" xmlns:a14="http://schemas.microsoft.com/office/drawing/2010/main" xmlns:m="http://schemas.openxmlformats.org/officeDocument/2006/math" xmlns="" val="1"/>
+              <ma14:wrappingTextBoxFlag xmlns="" xmlns:m="http://schemas.openxmlformats.org/officeDocument/2006/math" xmlns:a14="http://schemas.microsoft.com/office/drawing/2010/main" xmlns:ma14="http://schemas.microsoft.com/office/mac/drawingml/2011/main" val="1"/>
             </a:ext>
           </a:extLst>
         </p:spPr>
@@ -6962,53 +6962,6 @@
       </p:grpSpPr>
       <p:pic>
         <p:nvPicPr>
-          <p:cNvPr id="3074" name="Picture 2">
-            <a:extLst>
-              <a:ext uri="{FF2B5EF4-FFF2-40B4-BE49-F238E27FC236}">
-                <a16:creationId xmlns:a16="http://schemas.microsoft.com/office/drawing/2014/main" id="{66055A3D-2E2A-2E06-3556-01D6CF8FCD69}"/>
-              </a:ext>
-            </a:extLst>
-          </p:cNvPr>
-          <p:cNvPicPr>
-            <a:picLocks noChangeAspect="1" noChangeArrowheads="1"/>
-          </p:cNvPicPr>
-          <p:nvPr/>
-        </p:nvPicPr>
-        <p:blipFill>
-          <a:blip r:embed="rId2">
-            <a:extLst>
-              <a:ext uri="{28A0092B-C50C-407E-A947-70E740481C1C}">
-                <a14:useLocalDpi xmlns:a14="http://schemas.microsoft.com/office/drawing/2010/main" val="0"/>
-              </a:ext>
-            </a:extLst>
-          </a:blip>
-          <a:srcRect/>
-          <a:stretch>
-            <a:fillRect/>
-          </a:stretch>
-        </p:blipFill>
-        <p:spPr bwMode="auto">
-          <a:xfrm>
-            <a:off x="3415113" y="1055349"/>
-            <a:ext cx="5162310" cy="4129848"/>
-          </a:xfrm>
-          <a:prstGeom prst="rect">
-            <a:avLst/>
-          </a:prstGeom>
-          <a:noFill/>
-          <a:extLst>
-            <a:ext uri="{909E8E84-426E-40DD-AFC4-6F175D3DCCD1}">
-              <a14:hiddenFill xmlns:a14="http://schemas.microsoft.com/office/drawing/2010/main">
-                <a:solidFill>
-                  <a:srgbClr val="FFFFFF"/>
-                </a:solidFill>
-              </a14:hiddenFill>
-            </a:ext>
-          </a:extLst>
-        </p:spPr>
-      </p:pic>
-      <p:pic>
-        <p:nvPicPr>
           <p:cNvPr id="6" name="Picture 5" descr="A picture containing text, cup, indoor&#10;&#10;Description automatically generated">
             <a:extLst>
               <a:ext uri="{FF2B5EF4-FFF2-40B4-BE49-F238E27FC236}">
@@ -7022,7 +6975,7 @@
           <p:nvPr/>
         </p:nvPicPr>
         <p:blipFill>
-          <a:blip r:embed="rId3">
+          <a:blip r:embed="rId2">
             <a:extLst>
               <a:ext uri="{28A0092B-C50C-407E-A947-70E740481C1C}">
                 <a14:useLocalDpi xmlns:a14="http://schemas.microsoft.com/office/drawing/2010/main" val="0"/>
@@ -7071,7 +7024,7 @@
       <p:sp>
         <p:nvSpPr>
           <p:cNvPr id="123" name="Web site">
-            <a:hlinkClick r:id="rId4"/>
+            <a:hlinkClick r:id="rId3"/>
           </p:cNvPr>
           <p:cNvSpPr/>
           <p:nvPr/>
@@ -7094,7 +7047,7 @@
           </a:ln>
           <a:extLst>
             <a:ext uri="{C572A759-6A51-4108-AA02-DFA0A04FC94B}">
-              <ma14:wrappingTextBoxFlag xmlns:ma14="http://schemas.microsoft.com/office/mac/drawingml/2011/main" xmlns:a14="http://schemas.microsoft.com/office/drawing/2010/main" xmlns:m="http://schemas.openxmlformats.org/officeDocument/2006/math" xmlns="" val="1"/>
+              <ma14:wrappingTextBoxFlag xmlns="" xmlns:m="http://schemas.openxmlformats.org/officeDocument/2006/math" xmlns:a14="http://schemas.microsoft.com/office/drawing/2010/main" xmlns:ma14="http://schemas.microsoft.com/office/mac/drawingml/2011/main" val="1"/>
             </a:ext>
           </a:extLst>
         </p:spPr>
@@ -7118,10 +7071,46 @@
       </p:sp>
       <p:pic>
         <p:nvPicPr>
-          <p:cNvPr id="7" name="Picture 6" descr="Table&#10;&#10;Description automatically generated">
+          <p:cNvPr id="5" name="Picture 4" descr="A diagram of a group of teams&#10;&#10;Description automatically generated with medium confidence">
             <a:extLst>
               <a:ext uri="{FF2B5EF4-FFF2-40B4-BE49-F238E27FC236}">
-                <a16:creationId xmlns:a16="http://schemas.microsoft.com/office/drawing/2014/main" id="{5E41F7E8-E345-E345-CEAF-4BCC1CB3F8B3}"/>
+                <a16:creationId xmlns:a16="http://schemas.microsoft.com/office/drawing/2014/main" id="{82665567-8149-BDD3-CB6F-870CEC93DCB5}"/>
+              </a:ext>
+            </a:extLst>
+          </p:cNvPr>
+          <p:cNvPicPr>
+            <a:picLocks noChangeAspect="1"/>
+          </p:cNvPicPr>
+          <p:nvPr/>
+        </p:nvPicPr>
+        <p:blipFill>
+          <a:blip r:embed="rId4">
+            <a:extLst>
+              <a:ext uri="{28A0092B-C50C-407E-A947-70E740481C1C}">
+                <a14:useLocalDpi xmlns:a14="http://schemas.microsoft.com/office/drawing/2010/main" val="0"/>
+              </a:ext>
+            </a:extLst>
+          </a:blip>
+          <a:stretch>
+            <a:fillRect/>
+          </a:stretch>
+        </p:blipFill>
+        <p:spPr>
+          <a:xfrm>
+            <a:off x="3810000" y="1194572"/>
+            <a:ext cx="5389003" cy="3684379"/>
+          </a:xfrm>
+          <a:prstGeom prst="rect">
+            <a:avLst/>
+          </a:prstGeom>
+        </p:spPr>
+      </p:pic>
+      <p:pic>
+        <p:nvPicPr>
+          <p:cNvPr id="3" name="Picture 2" descr="A screenshot of a computer&#10;&#10;Description automatically generated">
+            <a:extLst>
+              <a:ext uri="{FF2B5EF4-FFF2-40B4-BE49-F238E27FC236}">
+                <a16:creationId xmlns:a16="http://schemas.microsoft.com/office/drawing/2014/main" id="{93B4D4E8-8488-0228-CA5A-F2E77E7EE362}"/>
               </a:ext>
             </a:extLst>
           </p:cNvPr>
@@ -7144,8 +7133,8 @@
         </p:blipFill>
         <p:spPr>
           <a:xfrm>
-            <a:off x="933007" y="1055349"/>
-            <a:ext cx="7277986" cy="4693357"/>
+            <a:off x="789271" y="967497"/>
+            <a:ext cx="7772400" cy="4633203"/>
           </a:xfrm>
           <a:prstGeom prst="rect">
             <a:avLst/>
@@ -7192,7 +7181,7 @@
                                           </p:stCondLst>
                                         </p:cTn>
                                         <p:tgtEl>
-                                          <p:spTgt spid="7"/>
+                                          <p:spTgt spid="3"/>
                                         </p:tgtEl>
                                         <p:attrNameLst>
                                           <p:attrName>style.visibility</p:attrName>
@@ -7206,7 +7195,7 @@
                                       <p:cBhvr additive="base">
                                         <p:cTn id="7" dur="500" fill="hold"/>
                                         <p:tgtEl>
-                                          <p:spTgt spid="7"/>
+                                          <p:spTgt spid="3"/>
                                         </p:tgtEl>
                                         <p:attrNameLst>
                                           <p:attrName>ppt_x</p:attrName>
@@ -7229,7 +7218,7 @@
                                       <p:cBhvr additive="base">
                                         <p:cTn id="8" dur="500" fill="hold"/>
                                         <p:tgtEl>
-                                          <p:spTgt spid="7"/>
+                                          <p:spTgt spid="3"/>
                                         </p:tgtEl>
                                         <p:attrNameLst>
                                           <p:attrName>ppt_y</p:attrName>
@@ -7442,7 +7431,7 @@
           </a:ln>
           <a:extLst>
             <a:ext uri="{C572A759-6A51-4108-AA02-DFA0A04FC94B}">
-              <ma14:wrappingTextBoxFlag xmlns:ma14="http://schemas.microsoft.com/office/mac/drawingml/2011/main" xmlns:a14="http://schemas.microsoft.com/office/drawing/2010/main" xmlns:m="http://schemas.openxmlformats.org/officeDocument/2006/math" xmlns="" val="1"/>
+              <ma14:wrappingTextBoxFlag xmlns="" xmlns:m="http://schemas.openxmlformats.org/officeDocument/2006/math" xmlns:a14="http://schemas.microsoft.com/office/drawing/2010/main" xmlns:ma14="http://schemas.microsoft.com/office/mac/drawingml/2011/main" val="1"/>
             </a:ext>
           </a:extLst>
         </p:spPr>
@@ -7784,7 +7773,7 @@
         <p:dissolve/>
       </p:transition>
     </mc:Choice>
-    <mc:Fallback xmlns:a14="http://schemas.microsoft.com/office/drawing/2010/main" xmlns:m="http://schemas.openxmlformats.org/officeDocument/2006/math" xmlns="">
+    <mc:Fallback xmlns="" xmlns:m="http://schemas.openxmlformats.org/officeDocument/2006/math" xmlns:a14="http://schemas.microsoft.com/office/drawing/2010/main">
       <p:transition spd="med">
         <p:fade/>
       </p:transition>

--- a/unit00_introduction/unit01_introduction.pptx
+++ b/unit00_introduction/unit01_introduction.pptx
@@ -1056,7 +1056,7 @@
           </a:ln>
           <a:extLst>
             <a:ext uri="{C572A759-6A51-4108-AA02-DFA0A04FC94B}">
-              <ma14:wrappingTextBoxFlag xmlns="" xmlns:m="http://schemas.openxmlformats.org/officeDocument/2006/math" xmlns:a14="http://schemas.microsoft.com/office/drawing/2010/main" xmlns:ma14="http://schemas.microsoft.com/office/mac/drawingml/2011/main" val="1"/>
+              <ma14:wrappingTextBoxFlag xmlns:ma14="http://schemas.microsoft.com/office/mac/drawingml/2011/main" xmlns:a14="http://schemas.microsoft.com/office/drawing/2010/main" xmlns:m="http://schemas.openxmlformats.org/officeDocument/2006/math" xmlns="" val="1"/>
             </a:ext>
           </a:extLst>
         </p:spPr>
@@ -1093,7 +1093,7 @@
           </a:ln>
           <a:extLst>
             <a:ext uri="{C572A759-6A51-4108-AA02-DFA0A04FC94B}">
-              <ma14:wrappingTextBoxFlag xmlns="" xmlns:m="http://schemas.openxmlformats.org/officeDocument/2006/math" xmlns:a14="http://schemas.microsoft.com/office/drawing/2010/main" xmlns:ma14="http://schemas.microsoft.com/office/mac/drawingml/2011/main" val="1"/>
+              <ma14:wrappingTextBoxFlag xmlns:ma14="http://schemas.microsoft.com/office/mac/drawingml/2011/main" xmlns:a14="http://schemas.microsoft.com/office/drawing/2010/main" xmlns:m="http://schemas.openxmlformats.org/officeDocument/2006/math" xmlns="" val="1"/>
             </a:ext>
           </a:extLst>
         </p:spPr>
@@ -5476,7 +5476,7 @@
           </a:ln>
           <a:extLst>
             <a:ext uri="{C572A759-6A51-4108-AA02-DFA0A04FC94B}">
-              <ma14:wrappingTextBoxFlag xmlns="" xmlns:m="http://schemas.openxmlformats.org/officeDocument/2006/math" xmlns:a14="http://schemas.microsoft.com/office/drawing/2010/main" xmlns:ma14="http://schemas.microsoft.com/office/mac/drawingml/2011/main" val="1"/>
+              <ma14:wrappingTextBoxFlag xmlns:ma14="http://schemas.microsoft.com/office/mac/drawingml/2011/main" xmlns:a14="http://schemas.microsoft.com/office/drawing/2010/main" xmlns:m="http://schemas.openxmlformats.org/officeDocument/2006/math" xmlns="" val="1"/>
             </a:ext>
           </a:extLst>
         </p:spPr>
@@ -5791,7 +5791,7 @@
           </a:ln>
           <a:extLst>
             <a:ext uri="{C572A759-6A51-4108-AA02-DFA0A04FC94B}">
-              <ma14:wrappingTextBoxFlag xmlns="" xmlns:m="http://schemas.openxmlformats.org/officeDocument/2006/math" xmlns:a14="http://schemas.microsoft.com/office/drawing/2010/main" xmlns:ma14="http://schemas.microsoft.com/office/mac/drawingml/2011/main" val="1"/>
+              <ma14:wrappingTextBoxFlag xmlns:ma14="http://schemas.microsoft.com/office/mac/drawingml/2011/main" xmlns:a14="http://schemas.microsoft.com/office/drawing/2010/main" xmlns:m="http://schemas.openxmlformats.org/officeDocument/2006/math" xmlns="" val="1"/>
             </a:ext>
           </a:extLst>
         </p:spPr>
@@ -5833,7 +5833,7 @@
           </a:ln>
           <a:extLst>
             <a:ext uri="{C572A759-6A51-4108-AA02-DFA0A04FC94B}">
-              <ma14:wrappingTextBoxFlag xmlns="" xmlns:m="http://schemas.openxmlformats.org/officeDocument/2006/math" xmlns:a14="http://schemas.microsoft.com/office/drawing/2010/main" xmlns:ma14="http://schemas.microsoft.com/office/mac/drawingml/2011/main" val="1"/>
+              <ma14:wrappingTextBoxFlag xmlns:ma14="http://schemas.microsoft.com/office/mac/drawingml/2011/main" xmlns:a14="http://schemas.microsoft.com/office/drawing/2010/main" xmlns:m="http://schemas.openxmlformats.org/officeDocument/2006/math" xmlns="" val="1"/>
             </a:ext>
           </a:extLst>
         </p:spPr>
@@ -5901,7 +5901,7 @@
           </a:ln>
           <a:extLst>
             <a:ext uri="{C572A759-6A51-4108-AA02-DFA0A04FC94B}">
-              <ma14:wrappingTextBoxFlag xmlns="" xmlns:m="http://schemas.openxmlformats.org/officeDocument/2006/math" xmlns:a14="http://schemas.microsoft.com/office/drawing/2010/main" xmlns:ma14="http://schemas.microsoft.com/office/mac/drawingml/2011/main" val="1"/>
+              <ma14:wrappingTextBoxFlag xmlns:ma14="http://schemas.microsoft.com/office/mac/drawingml/2011/main" xmlns:a14="http://schemas.microsoft.com/office/drawing/2010/main" xmlns:m="http://schemas.openxmlformats.org/officeDocument/2006/math" xmlns="" val="1"/>
             </a:ext>
           </a:extLst>
         </p:spPr>
@@ -5994,7 +5994,7 @@
           </a:ln>
           <a:extLst>
             <a:ext uri="{C572A759-6A51-4108-AA02-DFA0A04FC94B}">
-              <ma14:wrappingTextBoxFlag xmlns="" xmlns:m="http://schemas.openxmlformats.org/officeDocument/2006/math" xmlns:a14="http://schemas.microsoft.com/office/drawing/2010/main" xmlns:ma14="http://schemas.microsoft.com/office/mac/drawingml/2011/main" val="1"/>
+              <ma14:wrappingTextBoxFlag xmlns:ma14="http://schemas.microsoft.com/office/mac/drawingml/2011/main" xmlns:a14="http://schemas.microsoft.com/office/drawing/2010/main" xmlns:m="http://schemas.openxmlformats.org/officeDocument/2006/math" xmlns="" val="1"/>
             </a:ext>
           </a:extLst>
         </p:spPr>
@@ -6078,7 +6078,7 @@
           </a:ln>
           <a:extLst>
             <a:ext uri="{C572A759-6A51-4108-AA02-DFA0A04FC94B}">
-              <ma14:wrappingTextBoxFlag xmlns="" xmlns:m="http://schemas.openxmlformats.org/officeDocument/2006/math" xmlns:a14="http://schemas.microsoft.com/office/drawing/2010/main" xmlns:ma14="http://schemas.microsoft.com/office/mac/drawingml/2011/main" val="1"/>
+              <ma14:wrappingTextBoxFlag xmlns:ma14="http://schemas.microsoft.com/office/mac/drawingml/2011/main" xmlns:a14="http://schemas.microsoft.com/office/drawing/2010/main" xmlns:m="http://schemas.openxmlformats.org/officeDocument/2006/math" xmlns="" val="1"/>
             </a:ext>
           </a:extLst>
         </p:spPr>
@@ -6117,7 +6117,7 @@
           </a:ln>
           <a:extLst>
             <a:ext uri="{C572A759-6A51-4108-AA02-DFA0A04FC94B}">
-              <ma14:wrappingTextBoxFlag xmlns="" xmlns:m="http://schemas.openxmlformats.org/officeDocument/2006/math" xmlns:a14="http://schemas.microsoft.com/office/drawing/2010/main" xmlns:ma14="http://schemas.microsoft.com/office/mac/drawingml/2011/main" val="1"/>
+              <ma14:wrappingTextBoxFlag xmlns:ma14="http://schemas.microsoft.com/office/mac/drawingml/2011/main" xmlns:a14="http://schemas.microsoft.com/office/drawing/2010/main" xmlns:m="http://schemas.openxmlformats.org/officeDocument/2006/math" xmlns="" val="1"/>
             </a:ext>
           </a:extLst>
         </p:spPr>
@@ -6183,7 +6183,7 @@
           </a:ln>
           <a:extLst>
             <a:ext uri="{C572A759-6A51-4108-AA02-DFA0A04FC94B}">
-              <ma14:wrappingTextBoxFlag xmlns="" xmlns:m="http://schemas.openxmlformats.org/officeDocument/2006/math" xmlns:a14="http://schemas.microsoft.com/office/drawing/2010/main" xmlns:ma14="http://schemas.microsoft.com/office/mac/drawingml/2011/main" val="1"/>
+              <ma14:wrappingTextBoxFlag xmlns:ma14="http://schemas.microsoft.com/office/mac/drawingml/2011/main" xmlns:a14="http://schemas.microsoft.com/office/drawing/2010/main" xmlns:m="http://schemas.openxmlformats.org/officeDocument/2006/math" xmlns="" val="1"/>
             </a:ext>
           </a:extLst>
         </p:spPr>
@@ -6424,7 +6424,7 @@
           </a:ln>
           <a:extLst>
             <a:ext uri="{C572A759-6A51-4108-AA02-DFA0A04FC94B}">
-              <ma14:wrappingTextBoxFlag xmlns="" xmlns:m="http://schemas.openxmlformats.org/officeDocument/2006/math" xmlns:a14="http://schemas.microsoft.com/office/drawing/2010/main" xmlns:ma14="http://schemas.microsoft.com/office/mac/drawingml/2011/main" val="1"/>
+              <ma14:wrappingTextBoxFlag xmlns:ma14="http://schemas.microsoft.com/office/mac/drawingml/2011/main" xmlns:a14="http://schemas.microsoft.com/office/drawing/2010/main" xmlns:m="http://schemas.openxmlformats.org/officeDocument/2006/math" xmlns="" val="1"/>
             </a:ext>
           </a:extLst>
         </p:spPr>
@@ -6492,7 +6492,7 @@
           </a:ln>
           <a:extLst>
             <a:ext uri="{C572A759-6A51-4108-AA02-DFA0A04FC94B}">
-              <ma14:wrappingTextBoxFlag xmlns="" xmlns:m="http://schemas.openxmlformats.org/officeDocument/2006/math" xmlns:a14="http://schemas.microsoft.com/office/drawing/2010/main" xmlns:ma14="http://schemas.microsoft.com/office/mac/drawingml/2011/main" val="1"/>
+              <ma14:wrappingTextBoxFlag xmlns:ma14="http://schemas.microsoft.com/office/mac/drawingml/2011/main" xmlns:a14="http://schemas.microsoft.com/office/drawing/2010/main" xmlns:m="http://schemas.openxmlformats.org/officeDocument/2006/math" xmlns="" val="1"/>
             </a:ext>
           </a:extLst>
         </p:spPr>
@@ -6576,7 +6576,7 @@
           </a:ln>
           <a:extLst>
             <a:ext uri="{C572A759-6A51-4108-AA02-DFA0A04FC94B}">
-              <ma14:wrappingTextBoxFlag xmlns="" xmlns:m="http://schemas.openxmlformats.org/officeDocument/2006/math" xmlns:a14="http://schemas.microsoft.com/office/drawing/2010/main" xmlns:ma14="http://schemas.microsoft.com/office/mac/drawingml/2011/main" val="1"/>
+              <ma14:wrappingTextBoxFlag xmlns:ma14="http://schemas.microsoft.com/office/mac/drawingml/2011/main" xmlns:a14="http://schemas.microsoft.com/office/drawing/2010/main" xmlns:m="http://schemas.openxmlformats.org/officeDocument/2006/math" xmlns="" val="1"/>
             </a:ext>
           </a:extLst>
         </p:spPr>
@@ -6642,7 +6642,7 @@
           </a:ln>
           <a:extLst>
             <a:ext uri="{C572A759-6A51-4108-AA02-DFA0A04FC94B}">
-              <ma14:wrappingTextBoxFlag xmlns="" xmlns:m="http://schemas.openxmlformats.org/officeDocument/2006/math" xmlns:a14="http://schemas.microsoft.com/office/drawing/2010/main" xmlns:ma14="http://schemas.microsoft.com/office/mac/drawingml/2011/main" val="1"/>
+              <ma14:wrappingTextBoxFlag xmlns:ma14="http://schemas.microsoft.com/office/mac/drawingml/2011/main" xmlns:a14="http://schemas.microsoft.com/office/drawing/2010/main" xmlns:m="http://schemas.openxmlformats.org/officeDocument/2006/math" xmlns="" val="1"/>
             </a:ext>
           </a:extLst>
         </p:spPr>
@@ -6735,7 +6735,7 @@
           </a:ln>
           <a:extLst>
             <a:ext uri="{C572A759-6A51-4108-AA02-DFA0A04FC94B}">
-              <ma14:wrappingTextBoxFlag xmlns="" xmlns:m="http://schemas.openxmlformats.org/officeDocument/2006/math" xmlns:a14="http://schemas.microsoft.com/office/drawing/2010/main" xmlns:ma14="http://schemas.microsoft.com/office/mac/drawingml/2011/main" val="1"/>
+              <ma14:wrappingTextBoxFlag xmlns:ma14="http://schemas.microsoft.com/office/mac/drawingml/2011/main" xmlns:a14="http://schemas.microsoft.com/office/drawing/2010/main" xmlns:m="http://schemas.openxmlformats.org/officeDocument/2006/math" xmlns="" val="1"/>
             </a:ext>
           </a:extLst>
         </p:spPr>
@@ -6774,7 +6774,7 @@
           </a:ln>
           <a:extLst>
             <a:ext uri="{C572A759-6A51-4108-AA02-DFA0A04FC94B}">
-              <ma14:wrappingTextBoxFlag xmlns="" xmlns:m="http://schemas.openxmlformats.org/officeDocument/2006/math" xmlns:a14="http://schemas.microsoft.com/office/drawing/2010/main" xmlns:ma14="http://schemas.microsoft.com/office/mac/drawingml/2011/main" val="1"/>
+              <ma14:wrappingTextBoxFlag xmlns:ma14="http://schemas.microsoft.com/office/mac/drawingml/2011/main" xmlns:a14="http://schemas.microsoft.com/office/drawing/2010/main" xmlns:m="http://schemas.openxmlformats.org/officeDocument/2006/math" xmlns="" val="1"/>
             </a:ext>
           </a:extLst>
         </p:spPr>
@@ -6813,7 +6813,7 @@
           </a:ln>
           <a:extLst>
             <a:ext uri="{C572A759-6A51-4108-AA02-DFA0A04FC94B}">
-              <ma14:wrappingTextBoxFlag xmlns="" xmlns:m="http://schemas.openxmlformats.org/officeDocument/2006/math" xmlns:a14="http://schemas.microsoft.com/office/drawing/2010/main" xmlns:ma14="http://schemas.microsoft.com/office/mac/drawingml/2011/main" val="1"/>
+              <ma14:wrappingTextBoxFlag xmlns:ma14="http://schemas.microsoft.com/office/mac/drawingml/2011/main" xmlns:a14="http://schemas.microsoft.com/office/drawing/2010/main" xmlns:m="http://schemas.openxmlformats.org/officeDocument/2006/math" xmlns="" val="1"/>
             </a:ext>
           </a:extLst>
         </p:spPr>
@@ -6962,10 +6962,10 @@
       </p:grpSpPr>
       <p:pic>
         <p:nvPicPr>
-          <p:cNvPr id="6" name="Picture 5" descr="A picture containing text, cup, indoor&#10;&#10;Description automatically generated">
+          <p:cNvPr id="4" name="Picture 3" descr="A diagram of a group of teams&#10;&#10;Description automatically generated with medium confidence">
             <a:extLst>
               <a:ext uri="{FF2B5EF4-FFF2-40B4-BE49-F238E27FC236}">
-                <a16:creationId xmlns:a16="http://schemas.microsoft.com/office/drawing/2014/main" id="{B2BE4438-D264-0845-885F-DD595861AAC3}"/>
+                <a16:creationId xmlns:a16="http://schemas.microsoft.com/office/drawing/2014/main" id="{746488C9-E0BC-B7E6-6F9A-EF9B7B96DBC2}"/>
               </a:ext>
             </a:extLst>
           </p:cNvPr>
@@ -6988,6 +6988,42 @@
         </p:blipFill>
         <p:spPr>
           <a:xfrm>
+            <a:off x="3989192" y="1190599"/>
+            <a:ext cx="5154808" cy="3532104"/>
+          </a:xfrm>
+          <a:prstGeom prst="rect">
+            <a:avLst/>
+          </a:prstGeom>
+        </p:spPr>
+      </p:pic>
+      <p:pic>
+        <p:nvPicPr>
+          <p:cNvPr id="6" name="Picture 5" descr="A picture containing text, cup, indoor&#10;&#10;Description automatically generated">
+            <a:extLst>
+              <a:ext uri="{FF2B5EF4-FFF2-40B4-BE49-F238E27FC236}">
+                <a16:creationId xmlns:a16="http://schemas.microsoft.com/office/drawing/2014/main" id="{B2BE4438-D264-0845-885F-DD595861AAC3}"/>
+              </a:ext>
+            </a:extLst>
+          </p:cNvPr>
+          <p:cNvPicPr>
+            <a:picLocks noChangeAspect="1"/>
+          </p:cNvPicPr>
+          <p:nvPr/>
+        </p:nvPicPr>
+        <p:blipFill>
+          <a:blip r:embed="rId3">
+            <a:extLst>
+              <a:ext uri="{28A0092B-C50C-407E-A947-70E740481C1C}">
+                <a14:useLocalDpi xmlns:a14="http://schemas.microsoft.com/office/drawing/2010/main" val="0"/>
+              </a:ext>
+            </a:extLst>
+          </a:blip>
+          <a:stretch>
+            <a:fillRect/>
+          </a:stretch>
+        </p:blipFill>
+        <p:spPr>
+          <a:xfrm>
             <a:off x="0" y="2857500"/>
             <a:ext cx="3810000" cy="2857500"/>
           </a:xfrm>
@@ -7024,7 +7060,7 @@
       <p:sp>
         <p:nvSpPr>
           <p:cNvPr id="123" name="Web site">
-            <a:hlinkClick r:id="rId3"/>
+            <a:hlinkClick r:id="rId4"/>
           </p:cNvPr>
           <p:cNvSpPr/>
           <p:nvPr/>
@@ -7047,7 +7083,7 @@
           </a:ln>
           <a:extLst>
             <a:ext uri="{C572A759-6A51-4108-AA02-DFA0A04FC94B}">
-              <ma14:wrappingTextBoxFlag xmlns="" xmlns:m="http://schemas.openxmlformats.org/officeDocument/2006/math" xmlns:a14="http://schemas.microsoft.com/office/drawing/2010/main" xmlns:ma14="http://schemas.microsoft.com/office/mac/drawingml/2011/main" val="1"/>
+              <ma14:wrappingTextBoxFlag xmlns:ma14="http://schemas.microsoft.com/office/mac/drawingml/2011/main" xmlns:a14="http://schemas.microsoft.com/office/drawing/2010/main" xmlns:m="http://schemas.openxmlformats.org/officeDocument/2006/math" xmlns="" val="1"/>
             </a:ext>
           </a:extLst>
         </p:spPr>
@@ -7069,42 +7105,6 @@
           </a:p>
         </p:txBody>
       </p:sp>
-      <p:pic>
-        <p:nvPicPr>
-          <p:cNvPr id="5" name="Picture 4" descr="A diagram of a group of teams&#10;&#10;Description automatically generated with medium confidence">
-            <a:extLst>
-              <a:ext uri="{FF2B5EF4-FFF2-40B4-BE49-F238E27FC236}">
-                <a16:creationId xmlns:a16="http://schemas.microsoft.com/office/drawing/2014/main" id="{82665567-8149-BDD3-CB6F-870CEC93DCB5}"/>
-              </a:ext>
-            </a:extLst>
-          </p:cNvPr>
-          <p:cNvPicPr>
-            <a:picLocks noChangeAspect="1"/>
-          </p:cNvPicPr>
-          <p:nvPr/>
-        </p:nvPicPr>
-        <p:blipFill>
-          <a:blip r:embed="rId4">
-            <a:extLst>
-              <a:ext uri="{28A0092B-C50C-407E-A947-70E740481C1C}">
-                <a14:useLocalDpi xmlns:a14="http://schemas.microsoft.com/office/drawing/2010/main" val="0"/>
-              </a:ext>
-            </a:extLst>
-          </a:blip>
-          <a:stretch>
-            <a:fillRect/>
-          </a:stretch>
-        </p:blipFill>
-        <p:spPr>
-          <a:xfrm>
-            <a:off x="3810000" y="1194572"/>
-            <a:ext cx="5389003" cy="3684379"/>
-          </a:xfrm>
-          <a:prstGeom prst="rect">
-            <a:avLst/>
-          </a:prstGeom>
-        </p:spPr>
-      </p:pic>
       <p:pic>
         <p:nvPicPr>
           <p:cNvPr id="3" name="Picture 2" descr="A screenshot of a computer&#10;&#10;Description automatically generated">
@@ -7133,7 +7133,7 @@
         </p:blipFill>
         <p:spPr>
           <a:xfrm>
-            <a:off x="789271" y="967497"/>
+            <a:off x="685800" y="992297"/>
             <a:ext cx="7772400" cy="4633203"/>
           </a:xfrm>
           <a:prstGeom prst="rect">
@@ -7431,7 +7431,7 @@
           </a:ln>
           <a:extLst>
             <a:ext uri="{C572A759-6A51-4108-AA02-DFA0A04FC94B}">
-              <ma14:wrappingTextBoxFlag xmlns="" xmlns:m="http://schemas.openxmlformats.org/officeDocument/2006/math" xmlns:a14="http://schemas.microsoft.com/office/drawing/2010/main" xmlns:ma14="http://schemas.microsoft.com/office/mac/drawingml/2011/main" val="1"/>
+              <ma14:wrappingTextBoxFlag xmlns:ma14="http://schemas.microsoft.com/office/mac/drawingml/2011/main" xmlns:a14="http://schemas.microsoft.com/office/drawing/2010/main" xmlns:m="http://schemas.openxmlformats.org/officeDocument/2006/math" xmlns="" val="1"/>
             </a:ext>
           </a:extLst>
         </p:spPr>
@@ -7773,7 +7773,7 @@
         <p:dissolve/>
       </p:transition>
     </mc:Choice>
-    <mc:Fallback xmlns="" xmlns:m="http://schemas.openxmlformats.org/officeDocument/2006/math" xmlns:a14="http://schemas.microsoft.com/office/drawing/2010/main">
+    <mc:Fallback xmlns:a14="http://schemas.microsoft.com/office/drawing/2010/main" xmlns:m="http://schemas.openxmlformats.org/officeDocument/2006/math" xmlns="">
       <p:transition spd="med">
         <p:fade/>
       </p:transition>

--- a/unit00_introduction/unit01_introduction.pptx
+++ b/unit00_introduction/unit01_introduction.pptx
@@ -1056,7 +1056,7 @@
           </a:ln>
           <a:extLst>
             <a:ext uri="{C572A759-6A51-4108-AA02-DFA0A04FC94B}">
-              <ma14:wrappingTextBoxFlag xmlns:ma14="http://schemas.microsoft.com/office/mac/drawingml/2011/main" xmlns:a14="http://schemas.microsoft.com/office/drawing/2010/main" xmlns:m="http://schemas.openxmlformats.org/officeDocument/2006/math" xmlns="" val="1"/>
+              <ma14:wrappingTextBoxFlag xmlns="" xmlns:m="http://schemas.openxmlformats.org/officeDocument/2006/math" xmlns:a14="http://schemas.microsoft.com/office/drawing/2010/main" xmlns:ma14="http://schemas.microsoft.com/office/mac/drawingml/2011/main" val="1"/>
             </a:ext>
           </a:extLst>
         </p:spPr>
@@ -1093,7 +1093,7 @@
           </a:ln>
           <a:extLst>
             <a:ext uri="{C572A759-6A51-4108-AA02-DFA0A04FC94B}">
-              <ma14:wrappingTextBoxFlag xmlns:ma14="http://schemas.microsoft.com/office/mac/drawingml/2011/main" xmlns:a14="http://schemas.microsoft.com/office/drawing/2010/main" xmlns:m="http://schemas.openxmlformats.org/officeDocument/2006/math" xmlns="" val="1"/>
+              <ma14:wrappingTextBoxFlag xmlns="" xmlns:m="http://schemas.openxmlformats.org/officeDocument/2006/math" xmlns:a14="http://schemas.microsoft.com/office/drawing/2010/main" xmlns:ma14="http://schemas.microsoft.com/office/mac/drawingml/2011/main" val="1"/>
             </a:ext>
           </a:extLst>
         </p:spPr>
@@ -2274,7 +2274,7 @@
         </p:nvGrpSpPr>
         <p:grpSpPr>
           <a:xfrm>
-            <a:off x="716829" y="595669"/>
+            <a:off x="1338266" y="815155"/>
             <a:ext cx="6937620" cy="4604185"/>
             <a:chOff x="0" y="0"/>
             <a:chExt cx="6937619" cy="4604183"/>
@@ -5476,7 +5476,7 @@
           </a:ln>
           <a:extLst>
             <a:ext uri="{C572A759-6A51-4108-AA02-DFA0A04FC94B}">
-              <ma14:wrappingTextBoxFlag xmlns:ma14="http://schemas.microsoft.com/office/mac/drawingml/2011/main" xmlns:a14="http://schemas.microsoft.com/office/drawing/2010/main" xmlns:m="http://schemas.openxmlformats.org/officeDocument/2006/math" xmlns="" val="1"/>
+              <ma14:wrappingTextBoxFlag xmlns="" xmlns:m="http://schemas.openxmlformats.org/officeDocument/2006/math" xmlns:a14="http://schemas.microsoft.com/office/drawing/2010/main" xmlns:ma14="http://schemas.microsoft.com/office/mac/drawingml/2011/main" val="1"/>
             </a:ext>
           </a:extLst>
         </p:spPr>
@@ -5791,7 +5791,7 @@
           </a:ln>
           <a:extLst>
             <a:ext uri="{C572A759-6A51-4108-AA02-DFA0A04FC94B}">
-              <ma14:wrappingTextBoxFlag xmlns:ma14="http://schemas.microsoft.com/office/mac/drawingml/2011/main" xmlns:a14="http://schemas.microsoft.com/office/drawing/2010/main" xmlns:m="http://schemas.openxmlformats.org/officeDocument/2006/math" xmlns="" val="1"/>
+              <ma14:wrappingTextBoxFlag xmlns="" xmlns:m="http://schemas.openxmlformats.org/officeDocument/2006/math" xmlns:a14="http://schemas.microsoft.com/office/drawing/2010/main" xmlns:ma14="http://schemas.microsoft.com/office/mac/drawingml/2011/main" val="1"/>
             </a:ext>
           </a:extLst>
         </p:spPr>
@@ -5833,7 +5833,7 @@
           </a:ln>
           <a:extLst>
             <a:ext uri="{C572A759-6A51-4108-AA02-DFA0A04FC94B}">
-              <ma14:wrappingTextBoxFlag xmlns:ma14="http://schemas.microsoft.com/office/mac/drawingml/2011/main" xmlns:a14="http://schemas.microsoft.com/office/drawing/2010/main" xmlns:m="http://schemas.openxmlformats.org/officeDocument/2006/math" xmlns="" val="1"/>
+              <ma14:wrappingTextBoxFlag xmlns="" xmlns:m="http://schemas.openxmlformats.org/officeDocument/2006/math" xmlns:a14="http://schemas.microsoft.com/office/drawing/2010/main" xmlns:ma14="http://schemas.microsoft.com/office/mac/drawingml/2011/main" val="1"/>
             </a:ext>
           </a:extLst>
         </p:spPr>
@@ -5901,7 +5901,7 @@
           </a:ln>
           <a:extLst>
             <a:ext uri="{C572A759-6A51-4108-AA02-DFA0A04FC94B}">
-              <ma14:wrappingTextBoxFlag xmlns:ma14="http://schemas.microsoft.com/office/mac/drawingml/2011/main" xmlns:a14="http://schemas.microsoft.com/office/drawing/2010/main" xmlns:m="http://schemas.openxmlformats.org/officeDocument/2006/math" xmlns="" val="1"/>
+              <ma14:wrappingTextBoxFlag xmlns="" xmlns:m="http://schemas.openxmlformats.org/officeDocument/2006/math" xmlns:a14="http://schemas.microsoft.com/office/drawing/2010/main" xmlns:ma14="http://schemas.microsoft.com/office/mac/drawingml/2011/main" val="1"/>
             </a:ext>
           </a:extLst>
         </p:spPr>
@@ -5994,7 +5994,7 @@
           </a:ln>
           <a:extLst>
             <a:ext uri="{C572A759-6A51-4108-AA02-DFA0A04FC94B}">
-              <ma14:wrappingTextBoxFlag xmlns:ma14="http://schemas.microsoft.com/office/mac/drawingml/2011/main" xmlns:a14="http://schemas.microsoft.com/office/drawing/2010/main" xmlns:m="http://schemas.openxmlformats.org/officeDocument/2006/math" xmlns="" val="1"/>
+              <ma14:wrappingTextBoxFlag xmlns="" xmlns:m="http://schemas.openxmlformats.org/officeDocument/2006/math" xmlns:a14="http://schemas.microsoft.com/office/drawing/2010/main" xmlns:ma14="http://schemas.microsoft.com/office/mac/drawingml/2011/main" val="1"/>
             </a:ext>
           </a:extLst>
         </p:spPr>
@@ -6078,7 +6078,7 @@
           </a:ln>
           <a:extLst>
             <a:ext uri="{C572A759-6A51-4108-AA02-DFA0A04FC94B}">
-              <ma14:wrappingTextBoxFlag xmlns:ma14="http://schemas.microsoft.com/office/mac/drawingml/2011/main" xmlns:a14="http://schemas.microsoft.com/office/drawing/2010/main" xmlns:m="http://schemas.openxmlformats.org/officeDocument/2006/math" xmlns="" val="1"/>
+              <ma14:wrappingTextBoxFlag xmlns="" xmlns:m="http://schemas.openxmlformats.org/officeDocument/2006/math" xmlns:a14="http://schemas.microsoft.com/office/drawing/2010/main" xmlns:ma14="http://schemas.microsoft.com/office/mac/drawingml/2011/main" val="1"/>
             </a:ext>
           </a:extLst>
         </p:spPr>
@@ -6117,7 +6117,7 @@
           </a:ln>
           <a:extLst>
             <a:ext uri="{C572A759-6A51-4108-AA02-DFA0A04FC94B}">
-              <ma14:wrappingTextBoxFlag xmlns:ma14="http://schemas.microsoft.com/office/mac/drawingml/2011/main" xmlns:a14="http://schemas.microsoft.com/office/drawing/2010/main" xmlns:m="http://schemas.openxmlformats.org/officeDocument/2006/math" xmlns="" val="1"/>
+              <ma14:wrappingTextBoxFlag xmlns="" xmlns:m="http://schemas.openxmlformats.org/officeDocument/2006/math" xmlns:a14="http://schemas.microsoft.com/office/drawing/2010/main" xmlns:ma14="http://schemas.microsoft.com/office/mac/drawingml/2011/main" val="1"/>
             </a:ext>
           </a:extLst>
         </p:spPr>
@@ -6183,7 +6183,7 @@
           </a:ln>
           <a:extLst>
             <a:ext uri="{C572A759-6A51-4108-AA02-DFA0A04FC94B}">
-              <ma14:wrappingTextBoxFlag xmlns:ma14="http://schemas.microsoft.com/office/mac/drawingml/2011/main" xmlns:a14="http://schemas.microsoft.com/office/drawing/2010/main" xmlns:m="http://schemas.openxmlformats.org/officeDocument/2006/math" xmlns="" val="1"/>
+              <ma14:wrappingTextBoxFlag xmlns="" xmlns:m="http://schemas.openxmlformats.org/officeDocument/2006/math" xmlns:a14="http://schemas.microsoft.com/office/drawing/2010/main" xmlns:ma14="http://schemas.microsoft.com/office/mac/drawingml/2011/main" val="1"/>
             </a:ext>
           </a:extLst>
         </p:spPr>
@@ -6424,7 +6424,7 @@
           </a:ln>
           <a:extLst>
             <a:ext uri="{C572A759-6A51-4108-AA02-DFA0A04FC94B}">
-              <ma14:wrappingTextBoxFlag xmlns:ma14="http://schemas.microsoft.com/office/mac/drawingml/2011/main" xmlns:a14="http://schemas.microsoft.com/office/drawing/2010/main" xmlns:m="http://schemas.openxmlformats.org/officeDocument/2006/math" xmlns="" val="1"/>
+              <ma14:wrappingTextBoxFlag xmlns="" xmlns:m="http://schemas.openxmlformats.org/officeDocument/2006/math" xmlns:a14="http://schemas.microsoft.com/office/drawing/2010/main" xmlns:ma14="http://schemas.microsoft.com/office/mac/drawingml/2011/main" val="1"/>
             </a:ext>
           </a:extLst>
         </p:spPr>
@@ -6492,7 +6492,7 @@
           </a:ln>
           <a:extLst>
             <a:ext uri="{C572A759-6A51-4108-AA02-DFA0A04FC94B}">
-              <ma14:wrappingTextBoxFlag xmlns:ma14="http://schemas.microsoft.com/office/mac/drawingml/2011/main" xmlns:a14="http://schemas.microsoft.com/office/drawing/2010/main" xmlns:m="http://schemas.openxmlformats.org/officeDocument/2006/math" xmlns="" val="1"/>
+              <ma14:wrappingTextBoxFlag xmlns="" xmlns:m="http://schemas.openxmlformats.org/officeDocument/2006/math" xmlns:a14="http://schemas.microsoft.com/office/drawing/2010/main" xmlns:ma14="http://schemas.microsoft.com/office/mac/drawingml/2011/main" val="1"/>
             </a:ext>
           </a:extLst>
         </p:spPr>
@@ -6576,7 +6576,7 @@
           </a:ln>
           <a:extLst>
             <a:ext uri="{C572A759-6A51-4108-AA02-DFA0A04FC94B}">
-              <ma14:wrappingTextBoxFlag xmlns:ma14="http://schemas.microsoft.com/office/mac/drawingml/2011/main" xmlns:a14="http://schemas.microsoft.com/office/drawing/2010/main" xmlns:m="http://schemas.openxmlformats.org/officeDocument/2006/math" xmlns="" val="1"/>
+              <ma14:wrappingTextBoxFlag xmlns="" xmlns:m="http://schemas.openxmlformats.org/officeDocument/2006/math" xmlns:a14="http://schemas.microsoft.com/office/drawing/2010/main" xmlns:ma14="http://schemas.microsoft.com/office/mac/drawingml/2011/main" val="1"/>
             </a:ext>
           </a:extLst>
         </p:spPr>
@@ -6642,7 +6642,7 @@
           </a:ln>
           <a:extLst>
             <a:ext uri="{C572A759-6A51-4108-AA02-DFA0A04FC94B}">
-              <ma14:wrappingTextBoxFlag xmlns:ma14="http://schemas.microsoft.com/office/mac/drawingml/2011/main" xmlns:a14="http://schemas.microsoft.com/office/drawing/2010/main" xmlns:m="http://schemas.openxmlformats.org/officeDocument/2006/math" xmlns="" val="1"/>
+              <ma14:wrappingTextBoxFlag xmlns="" xmlns:m="http://schemas.openxmlformats.org/officeDocument/2006/math" xmlns:a14="http://schemas.microsoft.com/office/drawing/2010/main" xmlns:ma14="http://schemas.microsoft.com/office/mac/drawingml/2011/main" val="1"/>
             </a:ext>
           </a:extLst>
         </p:spPr>
@@ -6735,7 +6735,7 @@
           </a:ln>
           <a:extLst>
             <a:ext uri="{C572A759-6A51-4108-AA02-DFA0A04FC94B}">
-              <ma14:wrappingTextBoxFlag xmlns:ma14="http://schemas.microsoft.com/office/mac/drawingml/2011/main" xmlns:a14="http://schemas.microsoft.com/office/drawing/2010/main" xmlns:m="http://schemas.openxmlformats.org/officeDocument/2006/math" xmlns="" val="1"/>
+              <ma14:wrappingTextBoxFlag xmlns="" xmlns:m="http://schemas.openxmlformats.org/officeDocument/2006/math" xmlns:a14="http://schemas.microsoft.com/office/drawing/2010/main" xmlns:ma14="http://schemas.microsoft.com/office/mac/drawingml/2011/main" val="1"/>
             </a:ext>
           </a:extLst>
         </p:spPr>
@@ -6774,7 +6774,7 @@
           </a:ln>
           <a:extLst>
             <a:ext uri="{C572A759-6A51-4108-AA02-DFA0A04FC94B}">
-              <ma14:wrappingTextBoxFlag xmlns:ma14="http://schemas.microsoft.com/office/mac/drawingml/2011/main" xmlns:a14="http://schemas.microsoft.com/office/drawing/2010/main" xmlns:m="http://schemas.openxmlformats.org/officeDocument/2006/math" xmlns="" val="1"/>
+              <ma14:wrappingTextBoxFlag xmlns="" xmlns:m="http://schemas.openxmlformats.org/officeDocument/2006/math" xmlns:a14="http://schemas.microsoft.com/office/drawing/2010/main" xmlns:ma14="http://schemas.microsoft.com/office/mac/drawingml/2011/main" val="1"/>
             </a:ext>
           </a:extLst>
         </p:spPr>
@@ -6813,7 +6813,7 @@
           </a:ln>
           <a:extLst>
             <a:ext uri="{C572A759-6A51-4108-AA02-DFA0A04FC94B}">
-              <ma14:wrappingTextBoxFlag xmlns:ma14="http://schemas.microsoft.com/office/mac/drawingml/2011/main" xmlns:a14="http://schemas.microsoft.com/office/drawing/2010/main" xmlns:m="http://schemas.openxmlformats.org/officeDocument/2006/math" xmlns="" val="1"/>
+              <ma14:wrappingTextBoxFlag xmlns="" xmlns:m="http://schemas.openxmlformats.org/officeDocument/2006/math" xmlns:a14="http://schemas.microsoft.com/office/drawing/2010/main" xmlns:ma14="http://schemas.microsoft.com/office/mac/drawingml/2011/main" val="1"/>
             </a:ext>
           </a:extLst>
         </p:spPr>
@@ -7083,7 +7083,7 @@
           </a:ln>
           <a:extLst>
             <a:ext uri="{C572A759-6A51-4108-AA02-DFA0A04FC94B}">
-              <ma14:wrappingTextBoxFlag xmlns:ma14="http://schemas.microsoft.com/office/mac/drawingml/2011/main" xmlns:a14="http://schemas.microsoft.com/office/drawing/2010/main" xmlns:m="http://schemas.openxmlformats.org/officeDocument/2006/math" xmlns="" val="1"/>
+              <ma14:wrappingTextBoxFlag xmlns="" xmlns:m="http://schemas.openxmlformats.org/officeDocument/2006/math" xmlns:a14="http://schemas.microsoft.com/office/drawing/2010/main" xmlns:ma14="http://schemas.microsoft.com/office/mac/drawingml/2011/main" val="1"/>
             </a:ext>
           </a:extLst>
         </p:spPr>
@@ -7431,7 +7431,7 @@
           </a:ln>
           <a:extLst>
             <a:ext uri="{C572A759-6A51-4108-AA02-DFA0A04FC94B}">
-              <ma14:wrappingTextBoxFlag xmlns:ma14="http://schemas.microsoft.com/office/mac/drawingml/2011/main" xmlns:a14="http://schemas.microsoft.com/office/drawing/2010/main" xmlns:m="http://schemas.openxmlformats.org/officeDocument/2006/math" xmlns="" val="1"/>
+              <ma14:wrappingTextBoxFlag xmlns="" xmlns:m="http://schemas.openxmlformats.org/officeDocument/2006/math" xmlns:a14="http://schemas.microsoft.com/office/drawing/2010/main" xmlns:ma14="http://schemas.microsoft.com/office/mac/drawingml/2011/main" val="1"/>
             </a:ext>
           </a:extLst>
         </p:spPr>
@@ -7773,7 +7773,7 @@
         <p:dissolve/>
       </p:transition>
     </mc:Choice>
-    <mc:Fallback xmlns:a14="http://schemas.microsoft.com/office/drawing/2010/main" xmlns:m="http://schemas.openxmlformats.org/officeDocument/2006/math" xmlns="">
+    <mc:Fallback xmlns="" xmlns:m="http://schemas.openxmlformats.org/officeDocument/2006/math" xmlns:a14="http://schemas.microsoft.com/office/drawing/2010/main">
       <p:transition spd="med">
         <p:fade/>
       </p:transition>

--- a/unit00_introduction/unit01_introduction.pptx
+++ b/unit00_introduction/unit01_introduction.pptx
@@ -1056,7 +1056,7 @@
           </a:ln>
           <a:extLst>
             <a:ext uri="{C572A759-6A51-4108-AA02-DFA0A04FC94B}">
-              <ma14:wrappingTextBoxFlag xmlns="" xmlns:m="http://schemas.openxmlformats.org/officeDocument/2006/math" xmlns:a14="http://schemas.microsoft.com/office/drawing/2010/main" xmlns:ma14="http://schemas.microsoft.com/office/mac/drawingml/2011/main" val="1"/>
+              <ma14:wrappingTextBoxFlag xmlns:ma14="http://schemas.microsoft.com/office/mac/drawingml/2011/main" xmlns:a14="http://schemas.microsoft.com/office/drawing/2010/main" xmlns:m="http://schemas.openxmlformats.org/officeDocument/2006/math" xmlns="" val="1"/>
             </a:ext>
           </a:extLst>
         </p:spPr>
@@ -1093,7 +1093,7 @@
           </a:ln>
           <a:extLst>
             <a:ext uri="{C572A759-6A51-4108-AA02-DFA0A04FC94B}">
-              <ma14:wrappingTextBoxFlag xmlns="" xmlns:m="http://schemas.openxmlformats.org/officeDocument/2006/math" xmlns:a14="http://schemas.microsoft.com/office/drawing/2010/main" xmlns:ma14="http://schemas.microsoft.com/office/mac/drawingml/2011/main" val="1"/>
+              <ma14:wrappingTextBoxFlag xmlns:ma14="http://schemas.microsoft.com/office/mac/drawingml/2011/main" xmlns:a14="http://schemas.microsoft.com/office/drawing/2010/main" xmlns:m="http://schemas.openxmlformats.org/officeDocument/2006/math" xmlns="" val="1"/>
             </a:ext>
           </a:extLst>
         </p:spPr>
@@ -2101,6 +2101,14 @@
               </a:rPr>
               <a:t>Prof Bill Buchanan OBE</a:t>
             </a:r>
+            <a:r>
+              <a:rPr lang="en-US" sz="2490" dirty="0">
+                <a:solidFill>
+                  <a:srgbClr val="000000"/>
+                </a:solidFill>
+              </a:rPr>
+              <a:t> FRSE</a:t>
+            </a:r>
             <a:br>
               <a:rPr sz="2490" dirty="0">
                 <a:solidFill>
@@ -2122,10 +2130,6 @@
             <a:r>
               <a:rPr sz="1660" b="0" dirty="0" err="1"/>
               <a:t>asecuritysite.com</a:t>
-            </a:r>
-            <a:r>
-              <a:rPr sz="1660" b="0" dirty="0"/>
-              <a:t>/encryption</a:t>
             </a:r>
             <a:br>
               <a:rPr lang="en-US" sz="1660" b="0" dirty="0"/>
@@ -2266,203 +2270,12 @@
           </a:ln>
         </p:spPr>
       </p:pic>
-      <p:grpSp>
-        <p:nvGrpSpPr>
-          <p:cNvPr id="59" name="Image"/>
-          <p:cNvGrpSpPr/>
-          <p:nvPr/>
-        </p:nvGrpSpPr>
-        <p:grpSpPr>
-          <a:xfrm>
-            <a:off x="1338266" y="815155"/>
-            <a:ext cx="6937620" cy="4604185"/>
-            <a:chOff x="0" y="0"/>
-            <a:chExt cx="6937619" cy="4604183"/>
-          </a:xfrm>
-        </p:grpSpPr>
-        <p:pic>
-          <p:nvPicPr>
-            <p:cNvPr id="58" name="Image" descr="Image"/>
-            <p:cNvPicPr>
-              <a:picLocks noChangeAspect="1"/>
-            </p:cNvPicPr>
-            <p:nvPr/>
-          </p:nvPicPr>
-          <p:blipFill>
-            <a:blip r:embed="rId6"/>
-            <a:stretch>
-              <a:fillRect/>
-            </a:stretch>
-          </p:blipFill>
-          <p:spPr>
-            <a:xfrm>
-              <a:off x="50800" y="25400"/>
-              <a:ext cx="6836019" cy="4477183"/>
-            </a:xfrm>
-            <a:prstGeom prst="rect">
-              <a:avLst/>
-            </a:prstGeom>
-            <a:ln>
-              <a:noFill/>
-            </a:ln>
-            <a:effectLst/>
-          </p:spPr>
-        </p:pic>
-        <p:pic>
-          <p:nvPicPr>
-            <p:cNvPr id="57" name="Image" descr="Image"/>
-            <p:cNvPicPr>
-              <a:picLocks/>
-            </p:cNvPicPr>
-            <p:nvPr/>
-          </p:nvPicPr>
-          <p:blipFill>
-            <a:blip r:embed="rId7"/>
-            <a:stretch>
-              <a:fillRect/>
-            </a:stretch>
-          </p:blipFill>
-          <p:spPr>
-            <a:xfrm>
-              <a:off x="0" y="0"/>
-              <a:ext cx="6937619" cy="4604183"/>
-            </a:xfrm>
-            <a:prstGeom prst="rect">
-              <a:avLst/>
-            </a:prstGeom>
-            <a:effectLst/>
-          </p:spPr>
-        </p:pic>
-      </p:grpSp>
     </p:spTree>
   </p:cSld>
   <p:clrMapOvr>
     <a:masterClrMapping/>
   </p:clrMapOvr>
   <p:transition spd="med"/>
-  <p:timing>
-    <p:tnLst>
-      <p:par>
-        <p:cTn id="1" dur="indefinite" restart="never" fill="hold" nodeType="tmRoot">
-          <p:childTnLst>
-            <p:seq concurrent="1" prevAc="none" nextAc="seek">
-              <p:cTn id="2" dur="indefinite" fill="hold" nodeType="mainSeq">
-                <p:childTnLst>
-                  <p:par>
-                    <p:cTn id="3" fill="hold">
-                      <p:stCondLst>
-                        <p:cond delay="indefinite"/>
-                      </p:stCondLst>
-                      <p:childTnLst>
-                        <p:par>
-                          <p:cTn id="4" fill="hold">
-                            <p:stCondLst>
-                              <p:cond delay="0"/>
-                            </p:stCondLst>
-                            <p:childTnLst>
-                              <p:par>
-                                <p:cTn id="5" presetID="2" presetClass="entr" presetSubtype="8" fill="hold" grpId="4" nodeType="clickEffect">
-                                  <p:stCondLst>
-                                    <p:cond delay="0"/>
-                                  </p:stCondLst>
-                                  <p:iterate>
-                                    <p:tmAbs val="0"/>
-                                  </p:iterate>
-                                  <p:childTnLst>
-                                    <p:set>
-                                      <p:cBhvr>
-                                        <p:cTn id="6" fill="hold"/>
-                                        <p:tgtEl>
-                                          <p:spTgt spid="59"/>
-                                        </p:tgtEl>
-                                        <p:attrNameLst>
-                                          <p:attrName>style.visibility</p:attrName>
-                                        </p:attrNameLst>
-                                      </p:cBhvr>
-                                      <p:to>
-                                        <p:strVal val="visible"/>
-                                      </p:to>
-                                    </p:set>
-                                    <p:anim calcmode="lin" valueType="num">
-                                      <p:cBhvr>
-                                        <p:cTn id="7" dur="1000" fill="hold"/>
-                                        <p:tgtEl>
-                                          <p:spTgt spid="59"/>
-                                        </p:tgtEl>
-                                        <p:attrNameLst>
-                                          <p:attrName>ppt_x</p:attrName>
-                                        </p:attrNameLst>
-                                      </p:cBhvr>
-                                      <p:tavLst>
-                                        <p:tav tm="0">
-                                          <p:val>
-                                            <p:strVal val="0-#ppt_w/2"/>
-                                          </p:val>
-                                        </p:tav>
-                                        <p:tav tm="100000">
-                                          <p:val>
-                                            <p:strVal val="#ppt_x"/>
-                                          </p:val>
-                                        </p:tav>
-                                      </p:tavLst>
-                                    </p:anim>
-                                    <p:anim calcmode="lin" valueType="num">
-                                      <p:cBhvr>
-                                        <p:cTn id="8" dur="1000" fill="hold"/>
-                                        <p:tgtEl>
-                                          <p:spTgt spid="59"/>
-                                        </p:tgtEl>
-                                        <p:attrNameLst>
-                                          <p:attrName>ppt_y</p:attrName>
-                                        </p:attrNameLst>
-                                      </p:cBhvr>
-                                      <p:tavLst>
-                                        <p:tav tm="0">
-                                          <p:val>
-                                            <p:strVal val="#ppt_y"/>
-                                          </p:val>
-                                        </p:tav>
-                                        <p:tav tm="100000">
-                                          <p:val>
-                                            <p:strVal val="#ppt_y"/>
-                                          </p:val>
-                                        </p:tav>
-                                      </p:tavLst>
-                                    </p:anim>
-                                  </p:childTnLst>
-                                </p:cTn>
-                              </p:par>
-                            </p:childTnLst>
-                          </p:cTn>
-                        </p:par>
-                      </p:childTnLst>
-                    </p:cTn>
-                  </p:par>
-                </p:childTnLst>
-              </p:cTn>
-              <p:prevCondLst>
-                <p:cond evt="onPrev" delay="0">
-                  <p:tgtEl>
-                    <p:sldTgt/>
-                  </p:tgtEl>
-                </p:cond>
-              </p:prevCondLst>
-              <p:nextCondLst>
-                <p:cond evt="onNext" delay="0">
-                  <p:tgtEl>
-                    <p:sldTgt/>
-                  </p:tgtEl>
-                </p:cond>
-              </p:nextCondLst>
-            </p:seq>
-          </p:childTnLst>
-        </p:cTn>
-      </p:par>
-    </p:tnLst>
-    <p:bldLst>
-      <p:bldP spid="59" grpId="4" animBg="1" advAuto="0"/>
-    </p:bldLst>
-  </p:timing>
 </p:sld>
 </file>
 
@@ -4595,6 +4408,14 @@
                 </a:solidFill>
               </a:rPr>
               <a:t>Prof Bill Buchanan OBE</a:t>
+            </a:r>
+            <a:r>
+              <a:rPr lang="en-US" sz="3000" dirty="0">
+                <a:solidFill>
+                  <a:srgbClr val="000000"/>
+                </a:solidFill>
+              </a:rPr>
+              <a:t> FRSE</a:t>
             </a:r>
             <a:br>
               <a:rPr sz="3000" dirty="0">
@@ -4967,6 +4788,14 @@
               </a:rPr>
               <a:t>Prof Bill Buchanan OBE</a:t>
             </a:r>
+            <a:r>
+              <a:rPr lang="en-US" sz="2490" dirty="0">
+                <a:solidFill>
+                  <a:srgbClr val="000000"/>
+                </a:solidFill>
+              </a:rPr>
+              <a:t> FRSE</a:t>
+            </a:r>
             <a:br>
               <a:rPr sz="2490" dirty="0">
                 <a:solidFill>
@@ -5476,7 +5305,7 @@
           </a:ln>
           <a:extLst>
             <a:ext uri="{C572A759-6A51-4108-AA02-DFA0A04FC94B}">
-              <ma14:wrappingTextBoxFlag xmlns="" xmlns:m="http://schemas.openxmlformats.org/officeDocument/2006/math" xmlns:a14="http://schemas.microsoft.com/office/drawing/2010/main" xmlns:ma14="http://schemas.microsoft.com/office/mac/drawingml/2011/main" val="1"/>
+              <ma14:wrappingTextBoxFlag xmlns:ma14="http://schemas.microsoft.com/office/mac/drawingml/2011/main" xmlns:a14="http://schemas.microsoft.com/office/drawing/2010/main" xmlns:m="http://schemas.openxmlformats.org/officeDocument/2006/math" xmlns="" val="1"/>
             </a:ext>
           </a:extLst>
         </p:spPr>
@@ -5791,7 +5620,7 @@
           </a:ln>
           <a:extLst>
             <a:ext uri="{C572A759-6A51-4108-AA02-DFA0A04FC94B}">
-              <ma14:wrappingTextBoxFlag xmlns="" xmlns:m="http://schemas.openxmlformats.org/officeDocument/2006/math" xmlns:a14="http://schemas.microsoft.com/office/drawing/2010/main" xmlns:ma14="http://schemas.microsoft.com/office/mac/drawingml/2011/main" val="1"/>
+              <ma14:wrappingTextBoxFlag xmlns:ma14="http://schemas.microsoft.com/office/mac/drawingml/2011/main" xmlns:a14="http://schemas.microsoft.com/office/drawing/2010/main" xmlns:m="http://schemas.openxmlformats.org/officeDocument/2006/math" xmlns="" val="1"/>
             </a:ext>
           </a:extLst>
         </p:spPr>
@@ -5833,7 +5662,7 @@
           </a:ln>
           <a:extLst>
             <a:ext uri="{C572A759-6A51-4108-AA02-DFA0A04FC94B}">
-              <ma14:wrappingTextBoxFlag xmlns="" xmlns:m="http://schemas.openxmlformats.org/officeDocument/2006/math" xmlns:a14="http://schemas.microsoft.com/office/drawing/2010/main" xmlns:ma14="http://schemas.microsoft.com/office/mac/drawingml/2011/main" val="1"/>
+              <ma14:wrappingTextBoxFlag xmlns:ma14="http://schemas.microsoft.com/office/mac/drawingml/2011/main" xmlns:a14="http://schemas.microsoft.com/office/drawing/2010/main" xmlns:m="http://schemas.openxmlformats.org/officeDocument/2006/math" xmlns="" val="1"/>
             </a:ext>
           </a:extLst>
         </p:spPr>
@@ -5901,7 +5730,7 @@
           </a:ln>
           <a:extLst>
             <a:ext uri="{C572A759-6A51-4108-AA02-DFA0A04FC94B}">
-              <ma14:wrappingTextBoxFlag xmlns="" xmlns:m="http://schemas.openxmlformats.org/officeDocument/2006/math" xmlns:a14="http://schemas.microsoft.com/office/drawing/2010/main" xmlns:ma14="http://schemas.microsoft.com/office/mac/drawingml/2011/main" val="1"/>
+              <ma14:wrappingTextBoxFlag xmlns:ma14="http://schemas.microsoft.com/office/mac/drawingml/2011/main" xmlns:a14="http://schemas.microsoft.com/office/drawing/2010/main" xmlns:m="http://schemas.openxmlformats.org/officeDocument/2006/math" xmlns="" val="1"/>
             </a:ext>
           </a:extLst>
         </p:spPr>
@@ -5994,7 +5823,7 @@
           </a:ln>
           <a:extLst>
             <a:ext uri="{C572A759-6A51-4108-AA02-DFA0A04FC94B}">
-              <ma14:wrappingTextBoxFlag xmlns="" xmlns:m="http://schemas.openxmlformats.org/officeDocument/2006/math" xmlns:a14="http://schemas.microsoft.com/office/drawing/2010/main" xmlns:ma14="http://schemas.microsoft.com/office/mac/drawingml/2011/main" val="1"/>
+              <ma14:wrappingTextBoxFlag xmlns:ma14="http://schemas.microsoft.com/office/mac/drawingml/2011/main" xmlns:a14="http://schemas.microsoft.com/office/drawing/2010/main" xmlns:m="http://schemas.openxmlformats.org/officeDocument/2006/math" xmlns="" val="1"/>
             </a:ext>
           </a:extLst>
         </p:spPr>
@@ -6078,7 +5907,7 @@
           </a:ln>
           <a:extLst>
             <a:ext uri="{C572A759-6A51-4108-AA02-DFA0A04FC94B}">
-              <ma14:wrappingTextBoxFlag xmlns="" xmlns:m="http://schemas.openxmlformats.org/officeDocument/2006/math" xmlns:a14="http://schemas.microsoft.com/office/drawing/2010/main" xmlns:ma14="http://schemas.microsoft.com/office/mac/drawingml/2011/main" val="1"/>
+              <ma14:wrappingTextBoxFlag xmlns:ma14="http://schemas.microsoft.com/office/mac/drawingml/2011/main" xmlns:a14="http://schemas.microsoft.com/office/drawing/2010/main" xmlns:m="http://schemas.openxmlformats.org/officeDocument/2006/math" xmlns="" val="1"/>
             </a:ext>
           </a:extLst>
         </p:spPr>
@@ -6117,7 +5946,7 @@
           </a:ln>
           <a:extLst>
             <a:ext uri="{C572A759-6A51-4108-AA02-DFA0A04FC94B}">
-              <ma14:wrappingTextBoxFlag xmlns="" xmlns:m="http://schemas.openxmlformats.org/officeDocument/2006/math" xmlns:a14="http://schemas.microsoft.com/office/drawing/2010/main" xmlns:ma14="http://schemas.microsoft.com/office/mac/drawingml/2011/main" val="1"/>
+              <ma14:wrappingTextBoxFlag xmlns:ma14="http://schemas.microsoft.com/office/mac/drawingml/2011/main" xmlns:a14="http://schemas.microsoft.com/office/drawing/2010/main" xmlns:m="http://schemas.openxmlformats.org/officeDocument/2006/math" xmlns="" val="1"/>
             </a:ext>
           </a:extLst>
         </p:spPr>
@@ -6183,7 +6012,7 @@
           </a:ln>
           <a:extLst>
             <a:ext uri="{C572A759-6A51-4108-AA02-DFA0A04FC94B}">
-              <ma14:wrappingTextBoxFlag xmlns="" xmlns:m="http://schemas.openxmlformats.org/officeDocument/2006/math" xmlns:a14="http://schemas.microsoft.com/office/drawing/2010/main" xmlns:ma14="http://schemas.microsoft.com/office/mac/drawingml/2011/main" val="1"/>
+              <ma14:wrappingTextBoxFlag xmlns:ma14="http://schemas.microsoft.com/office/mac/drawingml/2011/main" xmlns:a14="http://schemas.microsoft.com/office/drawing/2010/main" xmlns:m="http://schemas.openxmlformats.org/officeDocument/2006/math" xmlns="" val="1"/>
             </a:ext>
           </a:extLst>
         </p:spPr>
@@ -6424,7 +6253,7 @@
           </a:ln>
           <a:extLst>
             <a:ext uri="{C572A759-6A51-4108-AA02-DFA0A04FC94B}">
-              <ma14:wrappingTextBoxFlag xmlns="" xmlns:m="http://schemas.openxmlformats.org/officeDocument/2006/math" xmlns:a14="http://schemas.microsoft.com/office/drawing/2010/main" xmlns:ma14="http://schemas.microsoft.com/office/mac/drawingml/2011/main" val="1"/>
+              <ma14:wrappingTextBoxFlag xmlns:ma14="http://schemas.microsoft.com/office/mac/drawingml/2011/main" xmlns:a14="http://schemas.microsoft.com/office/drawing/2010/main" xmlns:m="http://schemas.openxmlformats.org/officeDocument/2006/math" xmlns="" val="1"/>
             </a:ext>
           </a:extLst>
         </p:spPr>
@@ -6492,7 +6321,7 @@
           </a:ln>
           <a:extLst>
             <a:ext uri="{C572A759-6A51-4108-AA02-DFA0A04FC94B}">
-              <ma14:wrappingTextBoxFlag xmlns="" xmlns:m="http://schemas.openxmlformats.org/officeDocument/2006/math" xmlns:a14="http://schemas.microsoft.com/office/drawing/2010/main" xmlns:ma14="http://schemas.microsoft.com/office/mac/drawingml/2011/main" val="1"/>
+              <ma14:wrappingTextBoxFlag xmlns:ma14="http://schemas.microsoft.com/office/mac/drawingml/2011/main" xmlns:a14="http://schemas.microsoft.com/office/drawing/2010/main" xmlns:m="http://schemas.openxmlformats.org/officeDocument/2006/math" xmlns="" val="1"/>
             </a:ext>
           </a:extLst>
         </p:spPr>
@@ -6576,7 +6405,7 @@
           </a:ln>
           <a:extLst>
             <a:ext uri="{C572A759-6A51-4108-AA02-DFA0A04FC94B}">
-              <ma14:wrappingTextBoxFlag xmlns="" xmlns:m="http://schemas.openxmlformats.org/officeDocument/2006/math" xmlns:a14="http://schemas.microsoft.com/office/drawing/2010/main" xmlns:ma14="http://schemas.microsoft.com/office/mac/drawingml/2011/main" val="1"/>
+              <ma14:wrappingTextBoxFlag xmlns:ma14="http://schemas.microsoft.com/office/mac/drawingml/2011/main" xmlns:a14="http://schemas.microsoft.com/office/drawing/2010/main" xmlns:m="http://schemas.openxmlformats.org/officeDocument/2006/math" xmlns="" val="1"/>
             </a:ext>
           </a:extLst>
         </p:spPr>
@@ -6642,7 +6471,7 @@
           </a:ln>
           <a:extLst>
             <a:ext uri="{C572A759-6A51-4108-AA02-DFA0A04FC94B}">
-              <ma14:wrappingTextBoxFlag xmlns="" xmlns:m="http://schemas.openxmlformats.org/officeDocument/2006/math" xmlns:a14="http://schemas.microsoft.com/office/drawing/2010/main" xmlns:ma14="http://schemas.microsoft.com/office/mac/drawingml/2011/main" val="1"/>
+              <ma14:wrappingTextBoxFlag xmlns:ma14="http://schemas.microsoft.com/office/mac/drawingml/2011/main" xmlns:a14="http://schemas.microsoft.com/office/drawing/2010/main" xmlns:m="http://schemas.openxmlformats.org/officeDocument/2006/math" xmlns="" val="1"/>
             </a:ext>
           </a:extLst>
         </p:spPr>
@@ -6735,7 +6564,7 @@
           </a:ln>
           <a:extLst>
             <a:ext uri="{C572A759-6A51-4108-AA02-DFA0A04FC94B}">
-              <ma14:wrappingTextBoxFlag xmlns="" xmlns:m="http://schemas.openxmlformats.org/officeDocument/2006/math" xmlns:a14="http://schemas.microsoft.com/office/drawing/2010/main" xmlns:ma14="http://schemas.microsoft.com/office/mac/drawingml/2011/main" val="1"/>
+              <ma14:wrappingTextBoxFlag xmlns:ma14="http://schemas.microsoft.com/office/mac/drawingml/2011/main" xmlns:a14="http://schemas.microsoft.com/office/drawing/2010/main" xmlns:m="http://schemas.openxmlformats.org/officeDocument/2006/math" xmlns="" val="1"/>
             </a:ext>
           </a:extLst>
         </p:spPr>
@@ -6774,7 +6603,7 @@
           </a:ln>
           <a:extLst>
             <a:ext uri="{C572A759-6A51-4108-AA02-DFA0A04FC94B}">
-              <ma14:wrappingTextBoxFlag xmlns="" xmlns:m="http://schemas.openxmlformats.org/officeDocument/2006/math" xmlns:a14="http://schemas.microsoft.com/office/drawing/2010/main" xmlns:ma14="http://schemas.microsoft.com/office/mac/drawingml/2011/main" val="1"/>
+              <ma14:wrappingTextBoxFlag xmlns:ma14="http://schemas.microsoft.com/office/mac/drawingml/2011/main" xmlns:a14="http://schemas.microsoft.com/office/drawing/2010/main" xmlns:m="http://schemas.openxmlformats.org/officeDocument/2006/math" xmlns="" val="1"/>
             </a:ext>
           </a:extLst>
         </p:spPr>
@@ -6813,7 +6642,7 @@
           </a:ln>
           <a:extLst>
             <a:ext uri="{C572A759-6A51-4108-AA02-DFA0A04FC94B}">
-              <ma14:wrappingTextBoxFlag xmlns="" xmlns:m="http://schemas.openxmlformats.org/officeDocument/2006/math" xmlns:a14="http://schemas.microsoft.com/office/drawing/2010/main" xmlns:ma14="http://schemas.microsoft.com/office/mac/drawingml/2011/main" val="1"/>
+              <ma14:wrappingTextBoxFlag xmlns:ma14="http://schemas.microsoft.com/office/mac/drawingml/2011/main" xmlns:a14="http://schemas.microsoft.com/office/drawing/2010/main" xmlns:m="http://schemas.openxmlformats.org/officeDocument/2006/math" xmlns="" val="1"/>
             </a:ext>
           </a:extLst>
         </p:spPr>
@@ -6962,10 +6791,10 @@
       </p:grpSpPr>
       <p:pic>
         <p:nvPicPr>
-          <p:cNvPr id="4" name="Picture 3" descr="A diagram of a group of teams&#10;&#10;Description automatically generated with medium confidence">
+          <p:cNvPr id="6" name="Picture 5" descr="A picture containing text, cup, indoor&#10;&#10;Description automatically generated">
             <a:extLst>
               <a:ext uri="{FF2B5EF4-FFF2-40B4-BE49-F238E27FC236}">
-                <a16:creationId xmlns:a16="http://schemas.microsoft.com/office/drawing/2014/main" id="{746488C9-E0BC-B7E6-6F9A-EF9B7B96DBC2}"/>
+                <a16:creationId xmlns:a16="http://schemas.microsoft.com/office/drawing/2014/main" id="{B2BE4438-D264-0845-885F-DD595861AAC3}"/>
               </a:ext>
             </a:extLst>
           </p:cNvPr>
@@ -6988,42 +6817,6 @@
         </p:blipFill>
         <p:spPr>
           <a:xfrm>
-            <a:off x="3989192" y="1190599"/>
-            <a:ext cx="5154808" cy="3532104"/>
-          </a:xfrm>
-          <a:prstGeom prst="rect">
-            <a:avLst/>
-          </a:prstGeom>
-        </p:spPr>
-      </p:pic>
-      <p:pic>
-        <p:nvPicPr>
-          <p:cNvPr id="6" name="Picture 5" descr="A picture containing text, cup, indoor&#10;&#10;Description automatically generated">
-            <a:extLst>
-              <a:ext uri="{FF2B5EF4-FFF2-40B4-BE49-F238E27FC236}">
-                <a16:creationId xmlns:a16="http://schemas.microsoft.com/office/drawing/2014/main" id="{B2BE4438-D264-0845-885F-DD595861AAC3}"/>
-              </a:ext>
-            </a:extLst>
-          </p:cNvPr>
-          <p:cNvPicPr>
-            <a:picLocks noChangeAspect="1"/>
-          </p:cNvPicPr>
-          <p:nvPr/>
-        </p:nvPicPr>
-        <p:blipFill>
-          <a:blip r:embed="rId3">
-            <a:extLst>
-              <a:ext uri="{28A0092B-C50C-407E-A947-70E740481C1C}">
-                <a14:useLocalDpi xmlns:a14="http://schemas.microsoft.com/office/drawing/2010/main" val="0"/>
-              </a:ext>
-            </a:extLst>
-          </a:blip>
-          <a:stretch>
-            <a:fillRect/>
-          </a:stretch>
-        </p:blipFill>
-        <p:spPr>
-          <a:xfrm>
             <a:off x="0" y="2857500"/>
             <a:ext cx="3810000" cy="2857500"/>
           </a:xfrm>
@@ -7052,6 +6845,7 @@
           <a:lstStyle/>
           <a:p>
             <a:r>
+              <a:rPr dirty="0"/>
               <a:t>Draft Timetable</a:t>
             </a:r>
           </a:p>
@@ -7060,7 +6854,7 @@
       <p:sp>
         <p:nvSpPr>
           <p:cNvPr id="123" name="Web site">
-            <a:hlinkClick r:id="rId4"/>
+            <a:hlinkClick r:id="rId3"/>
           </p:cNvPr>
           <p:cNvSpPr/>
           <p:nvPr/>
@@ -7083,7 +6877,7 @@
           </a:ln>
           <a:extLst>
             <a:ext uri="{C572A759-6A51-4108-AA02-DFA0A04FC94B}">
-              <ma14:wrappingTextBoxFlag xmlns="" xmlns:m="http://schemas.openxmlformats.org/officeDocument/2006/math" xmlns:a14="http://schemas.microsoft.com/office/drawing/2010/main" xmlns:ma14="http://schemas.microsoft.com/office/mac/drawingml/2011/main" val="1"/>
+              <ma14:wrappingTextBoxFlag xmlns:ma14="http://schemas.microsoft.com/office/mac/drawingml/2011/main" xmlns:a14="http://schemas.microsoft.com/office/drawing/2010/main" xmlns:m="http://schemas.openxmlformats.org/officeDocument/2006/math" xmlns="" val="1"/>
             </a:ext>
           </a:extLst>
         </p:spPr>
@@ -7105,12 +6899,291 @@
           </a:p>
         </p:txBody>
       </p:sp>
+      <p:sp>
+        <p:nvSpPr>
+          <p:cNvPr id="7" name="Rectangle 6">
+            <a:extLst>
+              <a:ext uri="{FF2B5EF4-FFF2-40B4-BE49-F238E27FC236}">
+                <a16:creationId xmlns:a16="http://schemas.microsoft.com/office/drawing/2014/main" id="{3364809E-9787-A1B2-BF2E-B4569B2355CE}"/>
+              </a:ext>
+            </a:extLst>
+          </p:cNvPr>
+          <p:cNvSpPr/>
+          <p:nvPr/>
+        </p:nvSpPr>
+        <p:spPr>
+          <a:xfrm>
+            <a:off x="6161552" y="1151321"/>
+            <a:ext cx="2272233" cy="923328"/>
+          </a:xfrm>
+          <a:prstGeom prst="rect">
+            <a:avLst/>
+          </a:prstGeom>
+          <a:solidFill>
+            <a:srgbClr val="FFFFFF"/>
+          </a:solidFill>
+          <a:ln w="25400" cap="flat">
+            <a:solidFill>
+              <a:schemeClr val="accent1"/>
+            </a:solidFill>
+            <a:prstDash val="solid"/>
+            <a:round/>
+          </a:ln>
+          <a:effectLst/>
+          <a:sp3d/>
+        </p:spPr>
+        <p:style>
+          <a:lnRef idx="0">
+            <a:scrgbClr r="0" g="0" b="0"/>
+          </a:lnRef>
+          <a:fillRef idx="0">
+            <a:scrgbClr r="0" g="0" b="0"/>
+          </a:fillRef>
+          <a:effectRef idx="0">
+            <a:scrgbClr r="0" g="0" b="0"/>
+          </a:effectRef>
+          <a:fontRef idx="none"/>
+        </p:style>
+        <p:txBody>
+          <a:bodyPr rot="0" spcFirstLastPara="1" vertOverflow="overflow" horzOverflow="overflow" vert="horz" wrap="square" lIns="45719" tIns="45719" rIns="45719" bIns="45719" numCol="1" spcCol="38100" rtlCol="0" anchor="t">
+            <a:spAutoFit/>
+          </a:bodyPr>
+          <a:lstStyle/>
+          <a:p>
+            <a:pPr marL="0" marR="0" indent="0" algn="l" defTabSz="914400" rtl="0" fontAlgn="auto" latinLnBrk="0" hangingPunct="0">
+              <a:lnSpc>
+                <a:spcPct val="100000"/>
+              </a:lnSpc>
+              <a:spcBef>
+                <a:spcPts val="0"/>
+              </a:spcBef>
+              <a:spcAft>
+                <a:spcPts val="0"/>
+              </a:spcAft>
+              <a:buClrTx/>
+              <a:buSzTx/>
+              <a:buFontTx/>
+              <a:buNone/>
+              <a:tabLst/>
+            </a:pPr>
+            <a:r>
+              <a:rPr kumimoji="0" lang="en-US" sz="1800" b="0" i="0" u="none" strike="noStrike" cap="none" spc="0" normalizeH="0" baseline="0" dirty="0">
+                <a:ln>
+                  <a:noFill/>
+                </a:ln>
+                <a:solidFill>
+                  <a:srgbClr val="000000"/>
+                </a:solidFill>
+                <a:effectLst/>
+                <a:uFillTx/>
+                <a:latin typeface="+mn-lt"/>
+                <a:ea typeface="+mn-ea"/>
+                <a:cs typeface="+mn-cs"/>
+                <a:sym typeface="Calibri"/>
+              </a:rPr>
+              <a:t>9-11am: Lec</a:t>
+            </a:r>
+            <a:r>
+              <a:rPr lang="en-US" dirty="0"/>
+              <a:t>ture (G24 or Teams – Principles, Demos and Menti Test</a:t>
+            </a:r>
+            <a:endParaRPr kumimoji="0" lang="en-US" sz="1800" b="0" i="0" u="none" strike="noStrike" cap="none" spc="0" normalizeH="0" baseline="0" dirty="0">
+              <a:ln>
+                <a:noFill/>
+              </a:ln>
+              <a:solidFill>
+                <a:srgbClr val="000000"/>
+              </a:solidFill>
+              <a:effectLst/>
+              <a:uFillTx/>
+              <a:latin typeface="+mn-lt"/>
+              <a:ea typeface="+mn-ea"/>
+              <a:cs typeface="+mn-cs"/>
+              <a:sym typeface="Calibri"/>
+            </a:endParaRPr>
+          </a:p>
+        </p:txBody>
+      </p:sp>
+      <p:sp>
+        <p:nvSpPr>
+          <p:cNvPr id="8" name="Rectangle 7">
+            <a:extLst>
+              <a:ext uri="{FF2B5EF4-FFF2-40B4-BE49-F238E27FC236}">
+                <a16:creationId xmlns:a16="http://schemas.microsoft.com/office/drawing/2014/main" id="{5EC788A2-7285-1661-2F73-F35D4726C4B8}"/>
+              </a:ext>
+            </a:extLst>
+          </p:cNvPr>
+          <p:cNvSpPr/>
+          <p:nvPr/>
+        </p:nvSpPr>
+        <p:spPr>
+          <a:xfrm>
+            <a:off x="6178059" y="2227073"/>
+            <a:ext cx="2255726" cy="923328"/>
+          </a:xfrm>
+          <a:prstGeom prst="rect">
+            <a:avLst/>
+          </a:prstGeom>
+          <a:solidFill>
+            <a:srgbClr val="FFFFFF"/>
+          </a:solidFill>
+          <a:ln w="25400" cap="flat">
+            <a:solidFill>
+              <a:schemeClr val="accent1"/>
+            </a:solidFill>
+            <a:prstDash val="solid"/>
+            <a:round/>
+          </a:ln>
+          <a:effectLst/>
+          <a:sp3d/>
+        </p:spPr>
+        <p:style>
+          <a:lnRef idx="0">
+            <a:scrgbClr r="0" g="0" b="0"/>
+          </a:lnRef>
+          <a:fillRef idx="0">
+            <a:scrgbClr r="0" g="0" b="0"/>
+          </a:fillRef>
+          <a:effectRef idx="0">
+            <a:scrgbClr r="0" g="0" b="0"/>
+          </a:effectRef>
+          <a:fontRef idx="none"/>
+        </p:style>
+        <p:txBody>
+          <a:bodyPr rot="0" spcFirstLastPara="1" vertOverflow="overflow" horzOverflow="overflow" vert="horz" wrap="square" lIns="45719" tIns="45719" rIns="45719" bIns="45719" numCol="1" spcCol="38100" rtlCol="0" anchor="t">
+            <a:spAutoFit/>
+          </a:bodyPr>
+          <a:lstStyle/>
+          <a:p>
+            <a:pPr marL="0" marR="0" indent="0" algn="l" defTabSz="914400" rtl="0" fontAlgn="auto" latinLnBrk="0" hangingPunct="0">
+              <a:lnSpc>
+                <a:spcPct val="100000"/>
+              </a:lnSpc>
+              <a:spcBef>
+                <a:spcPts val="0"/>
+              </a:spcBef>
+              <a:spcAft>
+                <a:spcPts val="0"/>
+              </a:spcAft>
+              <a:buClrTx/>
+              <a:buSzTx/>
+              <a:buFontTx/>
+              <a:buNone/>
+              <a:tabLst/>
+            </a:pPr>
+            <a:r>
+              <a:rPr kumimoji="0" lang="en-US" sz="1800" b="0" i="0" u="none" strike="noStrike" cap="none" spc="0" normalizeH="0" baseline="0" dirty="0">
+                <a:ln>
+                  <a:noFill/>
+                </a:ln>
+                <a:solidFill>
+                  <a:srgbClr val="000000"/>
+                </a:solidFill>
+                <a:effectLst/>
+                <a:uFillTx/>
+                <a:latin typeface="+mn-lt"/>
+                <a:ea typeface="+mn-ea"/>
+                <a:cs typeface="+mn-cs"/>
+                <a:sym typeface="Calibri"/>
+              </a:rPr>
+              <a:t>12-2pm: Lab (JKCC or Teams) – vSoc2, AWS or your own instance</a:t>
+            </a:r>
+          </a:p>
+        </p:txBody>
+      </p:sp>
+      <p:sp>
+        <p:nvSpPr>
+          <p:cNvPr id="9" name="Rectangle 8">
+            <a:extLst>
+              <a:ext uri="{FF2B5EF4-FFF2-40B4-BE49-F238E27FC236}">
+                <a16:creationId xmlns:a16="http://schemas.microsoft.com/office/drawing/2014/main" id="{085E3967-DCB5-9A90-23FD-1137FFA15D05}"/>
+              </a:ext>
+            </a:extLst>
+          </p:cNvPr>
+          <p:cNvSpPr/>
+          <p:nvPr/>
+        </p:nvSpPr>
+        <p:spPr>
+          <a:xfrm>
+            <a:off x="6178059" y="3498060"/>
+            <a:ext cx="2255726" cy="923328"/>
+          </a:xfrm>
+          <a:prstGeom prst="rect">
+            <a:avLst/>
+          </a:prstGeom>
+          <a:solidFill>
+            <a:srgbClr val="FFFFFF"/>
+          </a:solidFill>
+          <a:ln w="25400" cap="flat">
+            <a:solidFill>
+              <a:schemeClr val="accent1"/>
+            </a:solidFill>
+            <a:prstDash val="solid"/>
+            <a:round/>
+          </a:ln>
+          <a:effectLst/>
+          <a:sp3d/>
+        </p:spPr>
+        <p:style>
+          <a:lnRef idx="0">
+            <a:scrgbClr r="0" g="0" b="0"/>
+          </a:lnRef>
+          <a:fillRef idx="0">
+            <a:scrgbClr r="0" g="0" b="0"/>
+          </a:fillRef>
+          <a:effectRef idx="0">
+            <a:scrgbClr r="0" g="0" b="0"/>
+          </a:effectRef>
+          <a:fontRef idx="none"/>
+        </p:style>
+        <p:txBody>
+          <a:bodyPr rot="0" spcFirstLastPara="1" vertOverflow="overflow" horzOverflow="overflow" vert="horz" wrap="square" lIns="45719" tIns="45719" rIns="45719" bIns="45719" numCol="1" spcCol="38100" rtlCol="0" anchor="t">
+            <a:spAutoFit/>
+          </a:bodyPr>
+          <a:lstStyle/>
+          <a:p>
+            <a:pPr marL="0" marR="0" indent="0" algn="l" defTabSz="914400" rtl="0" fontAlgn="auto" latinLnBrk="0" hangingPunct="0">
+              <a:lnSpc>
+                <a:spcPct val="100000"/>
+              </a:lnSpc>
+              <a:spcBef>
+                <a:spcPts val="0"/>
+              </a:spcBef>
+              <a:spcAft>
+                <a:spcPts val="0"/>
+              </a:spcAft>
+              <a:buClrTx/>
+              <a:buSzTx/>
+              <a:buFontTx/>
+              <a:buNone/>
+              <a:tabLst/>
+            </a:pPr>
+            <a:r>
+              <a:rPr kumimoji="0" lang="en-US" sz="1800" b="0" i="0" u="none" strike="noStrike" cap="none" spc="0" normalizeH="0" baseline="0" dirty="0">
+                <a:ln>
+                  <a:noFill/>
+                </a:ln>
+                <a:solidFill>
+                  <a:srgbClr val="000000"/>
+                </a:solidFill>
+                <a:effectLst/>
+                <a:uFillTx/>
+                <a:latin typeface="+mn-lt"/>
+                <a:ea typeface="+mn-ea"/>
+                <a:cs typeface="+mn-cs"/>
+                <a:sym typeface="Calibri"/>
+              </a:rPr>
+              <a:t>6:30-7:30pm: Evening Session (Teams) - Recap</a:t>
+            </a:r>
+          </a:p>
+        </p:txBody>
+      </p:sp>
       <p:pic>
         <p:nvPicPr>
-          <p:cNvPr id="3" name="Picture 2" descr="A screenshot of a computer&#10;&#10;Description automatically generated">
+          <p:cNvPr id="5" name="Picture 4" descr="A screenshot of a computer&#10;&#10;AI-generated content may be incorrect.">
             <a:extLst>
               <a:ext uri="{FF2B5EF4-FFF2-40B4-BE49-F238E27FC236}">
-                <a16:creationId xmlns:a16="http://schemas.microsoft.com/office/drawing/2014/main" id="{93B4D4E8-8488-0228-CA5A-F2E77E7EE362}"/>
+                <a16:creationId xmlns:a16="http://schemas.microsoft.com/office/drawing/2014/main" id="{5B8F1E69-548C-5782-2A73-87DC064D967E}"/>
               </a:ext>
             </a:extLst>
           </p:cNvPr>
@@ -7120,7 +7193,7 @@
           <p:nvPr/>
         </p:nvPicPr>
         <p:blipFill>
-          <a:blip r:embed="rId5">
+          <a:blip r:embed="rId4">
             <a:extLst>
               <a:ext uri="{28A0092B-C50C-407E-A947-70E740481C1C}">
                 <a14:useLocalDpi xmlns:a14="http://schemas.microsoft.com/office/drawing/2010/main" val="0"/>
@@ -7133,8 +7206,8 @@
         </p:blipFill>
         <p:spPr>
           <a:xfrm>
-            <a:off x="685800" y="992297"/>
-            <a:ext cx="7772400" cy="4633203"/>
+            <a:off x="3394942" y="0"/>
+            <a:ext cx="5749058" cy="5715000"/>
           </a:xfrm>
           <a:prstGeom prst="rect">
             <a:avLst/>
@@ -7181,7 +7254,7 @@
                                           </p:stCondLst>
                                         </p:cTn>
                                         <p:tgtEl>
-                                          <p:spTgt spid="3"/>
+                                          <p:spTgt spid="5"/>
                                         </p:tgtEl>
                                         <p:attrNameLst>
                                           <p:attrName>style.visibility</p:attrName>
@@ -7195,7 +7268,7 @@
                                       <p:cBhvr additive="base">
                                         <p:cTn id="7" dur="500" fill="hold"/>
                                         <p:tgtEl>
-                                          <p:spTgt spid="3"/>
+                                          <p:spTgt spid="5"/>
                                         </p:tgtEl>
                                         <p:attrNameLst>
                                           <p:attrName>ppt_x</p:attrName>
@@ -7218,7 +7291,7 @@
                                       <p:cBhvr additive="base">
                                         <p:cTn id="8" dur="500" fill="hold"/>
                                         <p:tgtEl>
-                                          <p:spTgt spid="3"/>
+                                          <p:spTgt spid="5"/>
                                         </p:tgtEl>
                                         <p:attrNameLst>
                                           <p:attrName>ppt_y</p:attrName>
@@ -7431,7 +7504,7 @@
           </a:ln>
           <a:extLst>
             <a:ext uri="{C572A759-6A51-4108-AA02-DFA0A04FC94B}">
-              <ma14:wrappingTextBoxFlag xmlns="" xmlns:m="http://schemas.openxmlformats.org/officeDocument/2006/math" xmlns:a14="http://schemas.microsoft.com/office/drawing/2010/main" xmlns:ma14="http://schemas.microsoft.com/office/mac/drawingml/2011/main" val="1"/>
+              <ma14:wrappingTextBoxFlag xmlns:ma14="http://schemas.microsoft.com/office/mac/drawingml/2011/main" xmlns:a14="http://schemas.microsoft.com/office/drawing/2010/main" xmlns:m="http://schemas.openxmlformats.org/officeDocument/2006/math" xmlns="" val="1"/>
             </a:ext>
           </a:extLst>
         </p:spPr>
@@ -7773,7 +7846,7 @@
         <p:dissolve/>
       </p:transition>
     </mc:Choice>
-    <mc:Fallback xmlns="" xmlns:m="http://schemas.openxmlformats.org/officeDocument/2006/math" xmlns:a14="http://schemas.microsoft.com/office/drawing/2010/main">
+    <mc:Fallback xmlns:a14="http://schemas.microsoft.com/office/drawing/2010/main" xmlns:m="http://schemas.openxmlformats.org/officeDocument/2006/math" xmlns="">
       <p:transition spd="med">
         <p:fade/>
       </p:transition>

--- a/unit00_introduction/unit01_introduction.pptx
+++ b/unit00_introduction/unit01_introduction.pptx
@@ -6763,12 +6763,296 @@
           </a:extLst>
         </p:spPr>
       </p:pic>
+      <p:pic>
+        <p:nvPicPr>
+          <p:cNvPr id="3" name="Picture 2" descr="A screenshot of a document&#10;&#10;AI-generated content may be incorrect.">
+            <a:extLst>
+              <a:ext uri="{FF2B5EF4-FFF2-40B4-BE49-F238E27FC236}">
+                <a16:creationId xmlns:a16="http://schemas.microsoft.com/office/drawing/2014/main" id="{D7164318-FFCB-9312-1356-A828E1DB6981}"/>
+              </a:ext>
+            </a:extLst>
+          </p:cNvPr>
+          <p:cNvPicPr>
+            <a:picLocks noChangeAspect="1"/>
+          </p:cNvPicPr>
+          <p:nvPr/>
+        </p:nvPicPr>
+        <p:blipFill>
+          <a:blip r:embed="rId11">
+            <a:extLst>
+              <a:ext uri="{28A0092B-C50C-407E-A947-70E740481C1C}">
+                <a14:useLocalDpi xmlns:a14="http://schemas.microsoft.com/office/drawing/2010/main" val="0"/>
+              </a:ext>
+            </a:extLst>
+          </a:blip>
+          <a:stretch>
+            <a:fillRect/>
+          </a:stretch>
+        </p:blipFill>
+        <p:spPr>
+          <a:xfrm>
+            <a:off x="2118749" y="520955"/>
+            <a:ext cx="6414571" cy="4776367"/>
+          </a:xfrm>
+          <a:prstGeom prst="rect">
+            <a:avLst/>
+          </a:prstGeom>
+        </p:spPr>
+      </p:pic>
+      <p:pic>
+        <p:nvPicPr>
+          <p:cNvPr id="5" name="Picture 4" descr="A document with text on it&#10;&#10;AI-generated content may be incorrect.">
+            <a:extLst>
+              <a:ext uri="{FF2B5EF4-FFF2-40B4-BE49-F238E27FC236}">
+                <a16:creationId xmlns:a16="http://schemas.microsoft.com/office/drawing/2014/main" id="{7D7B7F2E-7534-1EA1-5278-65E6EF94CBD7}"/>
+              </a:ext>
+            </a:extLst>
+          </p:cNvPr>
+          <p:cNvPicPr>
+            <a:picLocks noChangeAspect="1"/>
+          </p:cNvPicPr>
+          <p:nvPr/>
+        </p:nvPicPr>
+        <p:blipFill>
+          <a:blip r:embed="rId12">
+            <a:extLst>
+              <a:ext uri="{28A0092B-C50C-407E-A947-70E740481C1C}">
+                <a14:useLocalDpi xmlns:a14="http://schemas.microsoft.com/office/drawing/2010/main" val="0"/>
+              </a:ext>
+            </a:extLst>
+          </a:blip>
+          <a:stretch>
+            <a:fillRect/>
+          </a:stretch>
+        </p:blipFill>
+        <p:spPr>
+          <a:xfrm>
+            <a:off x="1824997" y="581465"/>
+            <a:ext cx="5769870" cy="4901899"/>
+          </a:xfrm>
+          <a:prstGeom prst="rect">
+            <a:avLst/>
+          </a:prstGeom>
+        </p:spPr>
+      </p:pic>
     </p:spTree>
   </p:cSld>
   <p:clrMapOvr>
     <a:masterClrMapping/>
   </p:clrMapOvr>
   <p:transition spd="med"/>
+  <p:timing>
+    <p:tnLst>
+      <p:par>
+        <p:cTn id="1" dur="indefinite" restart="never" nodeType="tmRoot">
+          <p:childTnLst>
+            <p:seq concurrent="1" nextAc="seek">
+              <p:cTn id="2" dur="indefinite" nodeType="mainSeq">
+                <p:childTnLst>
+                  <p:par>
+                    <p:cTn id="3" fill="hold">
+                      <p:stCondLst>
+                        <p:cond delay="indefinite"/>
+                      </p:stCondLst>
+                      <p:childTnLst>
+                        <p:par>
+                          <p:cTn id="4" fill="hold">
+                            <p:stCondLst>
+                              <p:cond delay="0"/>
+                            </p:stCondLst>
+                            <p:childTnLst>
+                              <p:par>
+                                <p:cTn id="5" presetID="2" presetClass="entr" presetSubtype="4" fill="hold" nodeType="clickEffect">
+                                  <p:stCondLst>
+                                    <p:cond delay="0"/>
+                                  </p:stCondLst>
+                                  <p:childTnLst>
+                                    <p:set>
+                                      <p:cBhvr>
+                                        <p:cTn id="6" dur="1" fill="hold">
+                                          <p:stCondLst>
+                                            <p:cond delay="0"/>
+                                          </p:stCondLst>
+                                        </p:cTn>
+                                        <p:tgtEl>
+                                          <p:spTgt spid="3"/>
+                                        </p:tgtEl>
+                                        <p:attrNameLst>
+                                          <p:attrName>style.visibility</p:attrName>
+                                        </p:attrNameLst>
+                                      </p:cBhvr>
+                                      <p:to>
+                                        <p:strVal val="visible"/>
+                                      </p:to>
+                                    </p:set>
+                                    <p:anim calcmode="lin" valueType="num">
+                                      <p:cBhvr additive="base">
+                                        <p:cTn id="7" dur="500" fill="hold"/>
+                                        <p:tgtEl>
+                                          <p:spTgt spid="3"/>
+                                        </p:tgtEl>
+                                        <p:attrNameLst>
+                                          <p:attrName>ppt_x</p:attrName>
+                                        </p:attrNameLst>
+                                      </p:cBhvr>
+                                      <p:tavLst>
+                                        <p:tav tm="0">
+                                          <p:val>
+                                            <p:strVal val="#ppt_x"/>
+                                          </p:val>
+                                        </p:tav>
+                                        <p:tav tm="100000">
+                                          <p:val>
+                                            <p:strVal val="#ppt_x"/>
+                                          </p:val>
+                                        </p:tav>
+                                      </p:tavLst>
+                                    </p:anim>
+                                    <p:anim calcmode="lin" valueType="num">
+                                      <p:cBhvr additive="base">
+                                        <p:cTn id="8" dur="500" fill="hold"/>
+                                        <p:tgtEl>
+                                          <p:spTgt spid="3"/>
+                                        </p:tgtEl>
+                                        <p:attrNameLst>
+                                          <p:attrName>ppt_y</p:attrName>
+                                        </p:attrNameLst>
+                                      </p:cBhvr>
+                                      <p:tavLst>
+                                        <p:tav tm="0">
+                                          <p:val>
+                                            <p:strVal val="1+#ppt_h/2"/>
+                                          </p:val>
+                                        </p:tav>
+                                        <p:tav tm="100000">
+                                          <p:val>
+                                            <p:strVal val="#ppt_y"/>
+                                          </p:val>
+                                        </p:tav>
+                                      </p:tavLst>
+                                    </p:anim>
+                                  </p:childTnLst>
+                                </p:cTn>
+                              </p:par>
+                            </p:childTnLst>
+                          </p:cTn>
+                        </p:par>
+                      </p:childTnLst>
+                    </p:cTn>
+                  </p:par>
+                  <p:par>
+                    <p:cTn id="9" fill="hold">
+                      <p:stCondLst>
+                        <p:cond delay="indefinite"/>
+                      </p:stCondLst>
+                      <p:childTnLst>
+                        <p:par>
+                          <p:cTn id="10" fill="hold">
+                            <p:stCondLst>
+                              <p:cond delay="0"/>
+                            </p:stCondLst>
+                            <p:childTnLst>
+                              <p:par>
+                                <p:cTn id="11" presetID="2" presetClass="entr" presetSubtype="4" fill="hold" nodeType="clickEffect">
+                                  <p:stCondLst>
+                                    <p:cond delay="0"/>
+                                  </p:stCondLst>
+                                  <p:childTnLst>
+                                    <p:set>
+                                      <p:cBhvr>
+                                        <p:cTn id="12" dur="1" fill="hold">
+                                          <p:stCondLst>
+                                            <p:cond delay="0"/>
+                                          </p:stCondLst>
+                                        </p:cTn>
+                                        <p:tgtEl>
+                                          <p:spTgt spid="5"/>
+                                        </p:tgtEl>
+                                        <p:attrNameLst>
+                                          <p:attrName>style.visibility</p:attrName>
+                                        </p:attrNameLst>
+                                      </p:cBhvr>
+                                      <p:to>
+                                        <p:strVal val="visible"/>
+                                      </p:to>
+                                    </p:set>
+                                    <p:anim calcmode="lin" valueType="num">
+                                      <p:cBhvr additive="base">
+                                        <p:cTn id="13" dur="500" fill="hold"/>
+                                        <p:tgtEl>
+                                          <p:spTgt spid="5"/>
+                                        </p:tgtEl>
+                                        <p:attrNameLst>
+                                          <p:attrName>ppt_x</p:attrName>
+                                        </p:attrNameLst>
+                                      </p:cBhvr>
+                                      <p:tavLst>
+                                        <p:tav tm="0">
+                                          <p:val>
+                                            <p:strVal val="#ppt_x"/>
+                                          </p:val>
+                                        </p:tav>
+                                        <p:tav tm="100000">
+                                          <p:val>
+                                            <p:strVal val="#ppt_x"/>
+                                          </p:val>
+                                        </p:tav>
+                                      </p:tavLst>
+                                    </p:anim>
+                                    <p:anim calcmode="lin" valueType="num">
+                                      <p:cBhvr additive="base">
+                                        <p:cTn id="14" dur="500" fill="hold"/>
+                                        <p:tgtEl>
+                                          <p:spTgt spid="5"/>
+                                        </p:tgtEl>
+                                        <p:attrNameLst>
+                                          <p:attrName>ppt_y</p:attrName>
+                                        </p:attrNameLst>
+                                      </p:cBhvr>
+                                      <p:tavLst>
+                                        <p:tav tm="0">
+                                          <p:val>
+                                            <p:strVal val="1+#ppt_h/2"/>
+                                          </p:val>
+                                        </p:tav>
+                                        <p:tav tm="100000">
+                                          <p:val>
+                                            <p:strVal val="#ppt_y"/>
+                                          </p:val>
+                                        </p:tav>
+                                      </p:tavLst>
+                                    </p:anim>
+                                  </p:childTnLst>
+                                </p:cTn>
+                              </p:par>
+                            </p:childTnLst>
+                          </p:cTn>
+                        </p:par>
+                      </p:childTnLst>
+                    </p:cTn>
+                  </p:par>
+                </p:childTnLst>
+              </p:cTn>
+              <p:prevCondLst>
+                <p:cond evt="onPrev" delay="0">
+                  <p:tgtEl>
+                    <p:sldTgt/>
+                  </p:tgtEl>
+                </p:cond>
+              </p:prevCondLst>
+              <p:nextCondLst>
+                <p:cond evt="onNext" delay="0">
+                  <p:tgtEl>
+                    <p:sldTgt/>
+                  </p:tgtEl>
+                </p:cond>
+              </p:nextCondLst>
+            </p:seq>
+          </p:childTnLst>
+        </p:cTn>
+      </p:par>
+    </p:tnLst>
+  </p:timing>
 </p:sld>
 </file>
 
